--- a/report/thesis/presentation.pptx
+++ b/report/thesis/presentation.pptx
@@ -3782,7 +3782,30 @@
                 <a:latin typeface="Times New Roman" panose="02020603050405020304" pitchFamily="18" charset="0"/>
                 <a:cs typeface="Times New Roman" panose="02020603050405020304" pitchFamily="18" charset="0"/>
               </a:rPr>
-              <a:t>- Ogawa lab – School of Information Science, JAIST</a:t>
+              <a:t>- Ogawa </a:t>
+            </a:r>
+            <a:r>
+              <a:rPr lang="en-US" dirty="0" smtClean="0">
+                <a:latin typeface="Times New Roman" panose="02020603050405020304" pitchFamily="18" charset="0"/>
+                <a:cs typeface="Times New Roman" panose="02020603050405020304" pitchFamily="18" charset="0"/>
+              </a:rPr>
+              <a:t>lab</a:t>
+            </a:r>
+          </a:p>
+          <a:p>
+            <a:r>
+              <a:rPr lang="en-US" dirty="0" smtClean="0">
+                <a:latin typeface="Times New Roman" panose="02020603050405020304" pitchFamily="18" charset="0"/>
+                <a:cs typeface="Times New Roman" panose="02020603050405020304" pitchFamily="18" charset="0"/>
+              </a:rPr>
+              <a:t>School </a:t>
+            </a:r>
+            <a:r>
+              <a:rPr lang="en-US" dirty="0" smtClean="0">
+                <a:latin typeface="Times New Roman" panose="02020603050405020304" pitchFamily="18" charset="0"/>
+                <a:cs typeface="Times New Roman" panose="02020603050405020304" pitchFamily="18" charset="0"/>
+              </a:rPr>
+              <a:t>of Information Science, JAIST</a:t>
             </a:r>
           </a:p>
         </p:txBody>
@@ -4813,8 +4836,8 @@
           </a:p>
         </p:txBody>
       </p:sp>
-      <mc:AlternateContent xmlns:mc="http://schemas.openxmlformats.org/markup-compatibility/2006">
-        <mc:Choice xmlns:a14="http://schemas.microsoft.com/office/drawing/2010/main" Requires="a14">
+      <mc:AlternateContent xmlns:mc="http://schemas.openxmlformats.org/markup-compatibility/2006" xmlns:a14="http://schemas.microsoft.com/office/drawing/2010/main">
+        <mc:Choice Requires="a14">
           <p:sp>
             <p:nvSpPr>
               <p:cNvPr id="69" name="TextBox 68"/>
@@ -4859,7 +4882,7 @@
             </p:txBody>
           </p:sp>
         </mc:Choice>
-        <mc:Fallback>
+        <mc:Fallback xmlns="">
           <p:sp>
             <p:nvSpPr>
               <p:cNvPr id="69" name="TextBox 68"/>
@@ -5093,8 +5116,8 @@
           </a:p>
         </p:txBody>
       </p:sp>
-      <mc:AlternateContent xmlns:mc="http://schemas.openxmlformats.org/markup-compatibility/2006">
-        <mc:Choice xmlns:a14="http://schemas.microsoft.com/office/drawing/2010/main" Requires="a14">
+      <mc:AlternateContent xmlns:mc="http://schemas.openxmlformats.org/markup-compatibility/2006" xmlns:a14="http://schemas.microsoft.com/office/drawing/2010/main">
+        <mc:Choice Requires="a14">
           <p:sp>
             <p:nvSpPr>
               <p:cNvPr id="5" name="TextBox 4"/>
@@ -5117,6 +5140,7 @@
               </a:bodyPr>
               <a:lstStyle/>
               <a:p>
+                <a:pPr/>
                 <a14:m>
                   <m:oMathPara xmlns:m="http://schemas.openxmlformats.org/officeDocument/2006/math">
                     <m:oMathParaPr>
@@ -5277,7 +5301,7 @@
             </p:txBody>
           </p:sp>
         </mc:Choice>
-        <mc:Fallback>
+        <mc:Fallback xmlns="">
           <p:sp>
             <p:nvSpPr>
               <p:cNvPr id="5" name="TextBox 4"/>
@@ -5387,9 +5411,217 @@
   <p:timing>
     <p:tnLst>
       <p:par>
-        <p:cTn id="1" dur="indefinite" restart="never" nodeType="tmRoot"/>
+        <p:cTn id="1" dur="indefinite" restart="never" nodeType="tmRoot">
+          <p:childTnLst>
+            <p:seq concurrent="1" nextAc="seek">
+              <p:cTn id="2" dur="indefinite" nodeType="mainSeq">
+                <p:childTnLst>
+                  <p:par>
+                    <p:cTn id="3" fill="hold">
+                      <p:stCondLst>
+                        <p:cond delay="indefinite"/>
+                      </p:stCondLst>
+                      <p:childTnLst>
+                        <p:par>
+                          <p:cTn id="4" fill="hold">
+                            <p:stCondLst>
+                              <p:cond delay="0"/>
+                            </p:stCondLst>
+                            <p:childTnLst>
+                              <p:par>
+                                <p:cTn id="5" presetID="2" presetClass="entr" presetSubtype="4" fill="hold" grpId="0" nodeType="clickEffect">
+                                  <p:stCondLst>
+                                    <p:cond delay="0"/>
+                                  </p:stCondLst>
+                                  <p:childTnLst>
+                                    <p:set>
+                                      <p:cBhvr>
+                                        <p:cTn id="6" dur="1" fill="hold">
+                                          <p:stCondLst>
+                                            <p:cond delay="0"/>
+                                          </p:stCondLst>
+                                        </p:cTn>
+                                        <p:tgtEl>
+                                          <p:spTgt spid="5"/>
+                                        </p:tgtEl>
+                                        <p:attrNameLst>
+                                          <p:attrName>style.visibility</p:attrName>
+                                        </p:attrNameLst>
+                                      </p:cBhvr>
+                                      <p:to>
+                                        <p:strVal val="visible"/>
+                                      </p:to>
+                                    </p:set>
+                                    <p:anim calcmode="lin" valueType="num">
+                                      <p:cBhvr additive="base">
+                                        <p:cTn id="7" dur="500" fill="hold"/>
+                                        <p:tgtEl>
+                                          <p:spTgt spid="5"/>
+                                        </p:tgtEl>
+                                        <p:attrNameLst>
+                                          <p:attrName>ppt_x</p:attrName>
+                                        </p:attrNameLst>
+                                      </p:cBhvr>
+                                      <p:tavLst>
+                                        <p:tav tm="0">
+                                          <p:val>
+                                            <p:strVal val="#ppt_x"/>
+                                          </p:val>
+                                        </p:tav>
+                                        <p:tav tm="100000">
+                                          <p:val>
+                                            <p:strVal val="#ppt_x"/>
+                                          </p:val>
+                                        </p:tav>
+                                      </p:tavLst>
+                                    </p:anim>
+                                    <p:anim calcmode="lin" valueType="num">
+                                      <p:cBhvr additive="base">
+                                        <p:cTn id="8" dur="500" fill="hold"/>
+                                        <p:tgtEl>
+                                          <p:spTgt spid="5"/>
+                                        </p:tgtEl>
+                                        <p:attrNameLst>
+                                          <p:attrName>ppt_y</p:attrName>
+                                        </p:attrNameLst>
+                                      </p:cBhvr>
+                                      <p:tavLst>
+                                        <p:tav tm="0">
+                                          <p:val>
+                                            <p:strVal val="1+#ppt_h/2"/>
+                                          </p:val>
+                                        </p:tav>
+                                        <p:tav tm="100000">
+                                          <p:val>
+                                            <p:strVal val="#ppt_y"/>
+                                          </p:val>
+                                        </p:tav>
+                                      </p:tavLst>
+                                    </p:anim>
+                                  </p:childTnLst>
+                                </p:cTn>
+                              </p:par>
+                            </p:childTnLst>
+                          </p:cTn>
+                        </p:par>
+                      </p:childTnLst>
+                    </p:cTn>
+                  </p:par>
+                  <p:par>
+                    <p:cTn id="9" fill="hold">
+                      <p:stCondLst>
+                        <p:cond delay="indefinite"/>
+                      </p:stCondLst>
+                      <p:childTnLst>
+                        <p:par>
+                          <p:cTn id="10" fill="hold">
+                            <p:stCondLst>
+                              <p:cond delay="0"/>
+                            </p:stCondLst>
+                            <p:childTnLst>
+                              <p:par>
+                                <p:cTn id="11" presetID="2" presetClass="entr" presetSubtype="4" fill="hold" nodeType="clickEffect">
+                                  <p:stCondLst>
+                                    <p:cond delay="0"/>
+                                  </p:stCondLst>
+                                  <p:childTnLst>
+                                    <p:set>
+                                      <p:cBhvr>
+                                        <p:cTn id="12" dur="1" fill="hold">
+                                          <p:stCondLst>
+                                            <p:cond delay="0"/>
+                                          </p:stCondLst>
+                                        </p:cTn>
+                                        <p:tgtEl>
+                                          <p:spTgt spid="7"/>
+                                        </p:tgtEl>
+                                        <p:attrNameLst>
+                                          <p:attrName>style.visibility</p:attrName>
+                                        </p:attrNameLst>
+                                      </p:cBhvr>
+                                      <p:to>
+                                        <p:strVal val="visible"/>
+                                      </p:to>
+                                    </p:set>
+                                    <p:anim calcmode="lin" valueType="num">
+                                      <p:cBhvr additive="base">
+                                        <p:cTn id="13" dur="500" fill="hold"/>
+                                        <p:tgtEl>
+                                          <p:spTgt spid="7"/>
+                                        </p:tgtEl>
+                                        <p:attrNameLst>
+                                          <p:attrName>ppt_x</p:attrName>
+                                        </p:attrNameLst>
+                                      </p:cBhvr>
+                                      <p:tavLst>
+                                        <p:tav tm="0">
+                                          <p:val>
+                                            <p:strVal val="#ppt_x"/>
+                                          </p:val>
+                                        </p:tav>
+                                        <p:tav tm="100000">
+                                          <p:val>
+                                            <p:strVal val="#ppt_x"/>
+                                          </p:val>
+                                        </p:tav>
+                                      </p:tavLst>
+                                    </p:anim>
+                                    <p:anim calcmode="lin" valueType="num">
+                                      <p:cBhvr additive="base">
+                                        <p:cTn id="14" dur="500" fill="hold"/>
+                                        <p:tgtEl>
+                                          <p:spTgt spid="7"/>
+                                        </p:tgtEl>
+                                        <p:attrNameLst>
+                                          <p:attrName>ppt_y</p:attrName>
+                                        </p:attrNameLst>
+                                      </p:cBhvr>
+                                      <p:tavLst>
+                                        <p:tav tm="0">
+                                          <p:val>
+                                            <p:strVal val="1+#ppt_h/2"/>
+                                          </p:val>
+                                        </p:tav>
+                                        <p:tav tm="100000">
+                                          <p:val>
+                                            <p:strVal val="#ppt_y"/>
+                                          </p:val>
+                                        </p:tav>
+                                      </p:tavLst>
+                                    </p:anim>
+                                  </p:childTnLst>
+                                </p:cTn>
+                              </p:par>
+                            </p:childTnLst>
+                          </p:cTn>
+                        </p:par>
+                      </p:childTnLst>
+                    </p:cTn>
+                  </p:par>
+                </p:childTnLst>
+              </p:cTn>
+              <p:prevCondLst>
+                <p:cond evt="onPrev" delay="0">
+                  <p:tgtEl>
+                    <p:sldTgt/>
+                  </p:tgtEl>
+                </p:cond>
+              </p:prevCondLst>
+              <p:nextCondLst>
+                <p:cond evt="onNext" delay="0">
+                  <p:tgtEl>
+                    <p:sldTgt/>
+                  </p:tgtEl>
+                </p:cond>
+              </p:nextCondLst>
+            </p:seq>
+          </p:childTnLst>
+        </p:cTn>
       </p:par>
     </p:tnLst>
+    <p:bldLst>
+      <p:bldP spid="5" grpId="0"/>
+    </p:bldLst>
   </p:timing>
 </p:sld>
 </file>
@@ -5457,7 +5689,11 @@
                 </a:r>
                 <a:r>
                   <a:rPr lang="en-US" dirty="0"/>
-                  <a:t>of a constraint </a:t>
+                  <a:t>of </a:t>
+                </a:r>
+                <a:r>
+                  <a:rPr lang="en-US" dirty="0" smtClean="0"/>
+                  <a:t>an inequality.</a:t>
                 </a:r>
                 <a:endParaRPr lang="en-US" dirty="0" smtClean="0"/>
               </a:p>
@@ -5689,6 +5925,204 @@
           </a:prstGeom>
         </p:spPr>
       </p:pic>
+      <p:sp>
+        <p:nvSpPr>
+          <p:cNvPr id="6" name="Content Placeholder 4"/>
+          <p:cNvSpPr txBox="1">
+            <a:spLocks/>
+          </p:cNvSpPr>
+          <p:nvPr/>
+        </p:nvSpPr>
+        <p:spPr>
+          <a:xfrm>
+            <a:off x="838200" y="1143794"/>
+            <a:ext cx="10515600" cy="595311"/>
+          </a:xfrm>
+          <a:prstGeom prst="rect">
+            <a:avLst/>
+          </a:prstGeom>
+        </p:spPr>
+        <p:txBody>
+          <a:bodyPr vert="horz" lIns="91440" tIns="45720" rIns="91440" bIns="45720" rtlCol="0">
+            <a:normAutofit/>
+          </a:bodyPr>
+          <a:lstStyle>
+            <a:lvl1pPr marL="0" indent="0" algn="l" defTabSz="914400" rtl="0" eaLnBrk="1" latinLnBrk="0" hangingPunct="1">
+              <a:lnSpc>
+                <a:spcPct val="90000"/>
+              </a:lnSpc>
+              <a:spcBef>
+                <a:spcPts val="1000"/>
+              </a:spcBef>
+              <a:buFont typeface="Arial" panose="020B0604020202020204" pitchFamily="34" charset="0"/>
+              <a:buNone/>
+              <a:defRPr sz="3200" kern="1200">
+                <a:solidFill>
+                  <a:srgbClr val="002060"/>
+                </a:solidFill>
+                <a:latin typeface="Times New Roman" panose="02020603050405020304" pitchFamily="18" charset="0"/>
+                <a:ea typeface="+mn-ea"/>
+                <a:cs typeface="Times New Roman" panose="02020603050405020304" pitchFamily="18" charset="0"/>
+              </a:defRPr>
+            </a:lvl1pPr>
+            <a:lvl2pPr marL="685800" indent="-228600" algn="l" defTabSz="914400" rtl="0" eaLnBrk="1" latinLnBrk="0" hangingPunct="1">
+              <a:lnSpc>
+                <a:spcPct val="90000"/>
+              </a:lnSpc>
+              <a:spcBef>
+                <a:spcPts val="500"/>
+              </a:spcBef>
+              <a:buFont typeface="Arial" panose="020B0604020202020204" pitchFamily="34" charset="0"/>
+              <a:buChar char="•"/>
+              <a:defRPr sz="2400" kern="1200">
+                <a:solidFill>
+                  <a:schemeClr val="tx1"/>
+                </a:solidFill>
+                <a:latin typeface="+mn-lt"/>
+                <a:ea typeface="+mn-ea"/>
+                <a:cs typeface="+mn-cs"/>
+              </a:defRPr>
+            </a:lvl2pPr>
+            <a:lvl3pPr marL="1143000" indent="-228600" algn="l" defTabSz="914400" rtl="0" eaLnBrk="1" latinLnBrk="0" hangingPunct="1">
+              <a:lnSpc>
+                <a:spcPct val="90000"/>
+              </a:lnSpc>
+              <a:spcBef>
+                <a:spcPts val="500"/>
+              </a:spcBef>
+              <a:buFont typeface="Arial" panose="020B0604020202020204" pitchFamily="34" charset="0"/>
+              <a:buChar char="•"/>
+              <a:defRPr sz="2000" kern="1200">
+                <a:solidFill>
+                  <a:schemeClr val="tx1"/>
+                </a:solidFill>
+                <a:latin typeface="+mn-lt"/>
+                <a:ea typeface="+mn-ea"/>
+                <a:cs typeface="+mn-cs"/>
+              </a:defRPr>
+            </a:lvl3pPr>
+            <a:lvl4pPr marL="1600200" indent="-228600" algn="l" defTabSz="914400" rtl="0" eaLnBrk="1" latinLnBrk="0" hangingPunct="1">
+              <a:lnSpc>
+                <a:spcPct val="90000"/>
+              </a:lnSpc>
+              <a:spcBef>
+                <a:spcPts val="500"/>
+              </a:spcBef>
+              <a:buFont typeface="Arial" panose="020B0604020202020204" pitchFamily="34" charset="0"/>
+              <a:buChar char="•"/>
+              <a:defRPr sz="1800" kern="1200">
+                <a:solidFill>
+                  <a:schemeClr val="tx1"/>
+                </a:solidFill>
+                <a:latin typeface="+mn-lt"/>
+                <a:ea typeface="+mn-ea"/>
+                <a:cs typeface="+mn-cs"/>
+              </a:defRPr>
+            </a:lvl4pPr>
+            <a:lvl5pPr marL="2057400" indent="-228600" algn="l" defTabSz="914400" rtl="0" eaLnBrk="1" latinLnBrk="0" hangingPunct="1">
+              <a:lnSpc>
+                <a:spcPct val="90000"/>
+              </a:lnSpc>
+              <a:spcBef>
+                <a:spcPts val="500"/>
+              </a:spcBef>
+              <a:buFont typeface="Arial" panose="020B0604020202020204" pitchFamily="34" charset="0"/>
+              <a:buChar char="•"/>
+              <a:defRPr sz="1800" kern="1200">
+                <a:solidFill>
+                  <a:schemeClr val="tx1"/>
+                </a:solidFill>
+                <a:latin typeface="+mn-lt"/>
+                <a:ea typeface="+mn-ea"/>
+                <a:cs typeface="+mn-cs"/>
+              </a:defRPr>
+            </a:lvl5pPr>
+            <a:lvl6pPr marL="2514600" indent="-228600" algn="l" defTabSz="914400" rtl="0" eaLnBrk="1" latinLnBrk="0" hangingPunct="1">
+              <a:lnSpc>
+                <a:spcPct val="90000"/>
+              </a:lnSpc>
+              <a:spcBef>
+                <a:spcPts val="500"/>
+              </a:spcBef>
+              <a:buFont typeface="Arial" panose="020B0604020202020204" pitchFamily="34" charset="0"/>
+              <a:buChar char="•"/>
+              <a:defRPr sz="1800" kern="1200">
+                <a:solidFill>
+                  <a:schemeClr val="tx1"/>
+                </a:solidFill>
+                <a:latin typeface="+mn-lt"/>
+                <a:ea typeface="+mn-ea"/>
+                <a:cs typeface="+mn-cs"/>
+              </a:defRPr>
+            </a:lvl6pPr>
+            <a:lvl7pPr marL="2971800" indent="-228600" algn="l" defTabSz="914400" rtl="0" eaLnBrk="1" latinLnBrk="0" hangingPunct="1">
+              <a:lnSpc>
+                <a:spcPct val="90000"/>
+              </a:lnSpc>
+              <a:spcBef>
+                <a:spcPts val="500"/>
+              </a:spcBef>
+              <a:buFont typeface="Arial" panose="020B0604020202020204" pitchFamily="34" charset="0"/>
+              <a:buChar char="•"/>
+              <a:defRPr sz="1800" kern="1200">
+                <a:solidFill>
+                  <a:schemeClr val="tx1"/>
+                </a:solidFill>
+                <a:latin typeface="+mn-lt"/>
+                <a:ea typeface="+mn-ea"/>
+                <a:cs typeface="+mn-cs"/>
+              </a:defRPr>
+            </a:lvl7pPr>
+            <a:lvl8pPr marL="3429000" indent="-228600" algn="l" defTabSz="914400" rtl="0" eaLnBrk="1" latinLnBrk="0" hangingPunct="1">
+              <a:lnSpc>
+                <a:spcPct val="90000"/>
+              </a:lnSpc>
+              <a:spcBef>
+                <a:spcPts val="500"/>
+              </a:spcBef>
+              <a:buFont typeface="Arial" panose="020B0604020202020204" pitchFamily="34" charset="0"/>
+              <a:buChar char="•"/>
+              <a:defRPr sz="1800" kern="1200">
+                <a:solidFill>
+                  <a:schemeClr val="tx1"/>
+                </a:solidFill>
+                <a:latin typeface="+mn-lt"/>
+                <a:ea typeface="+mn-ea"/>
+                <a:cs typeface="+mn-cs"/>
+              </a:defRPr>
+            </a:lvl8pPr>
+            <a:lvl9pPr marL="3886200" indent="-228600" algn="l" defTabSz="914400" rtl="0" eaLnBrk="1" latinLnBrk="0" hangingPunct="1">
+              <a:lnSpc>
+                <a:spcPct val="90000"/>
+              </a:lnSpc>
+              <a:spcBef>
+                <a:spcPts val="500"/>
+              </a:spcBef>
+              <a:buFont typeface="Arial" panose="020B0604020202020204" pitchFamily="34" charset="0"/>
+              <a:buChar char="•"/>
+              <a:defRPr sz="1800" kern="1200">
+                <a:solidFill>
+                  <a:schemeClr val="tx1"/>
+                </a:solidFill>
+                <a:latin typeface="+mn-lt"/>
+                <a:ea typeface="+mn-ea"/>
+                <a:cs typeface="+mn-cs"/>
+              </a:defRPr>
+            </a:lvl9pPr>
+          </a:lstStyle>
+          <a:p>
+            <a:r>
+              <a:rPr lang="en-US" dirty="0" smtClean="0"/>
+              <a:t>SAT-likelihood </a:t>
+            </a:r>
+            <a:r>
+              <a:rPr lang="en-US" smtClean="0"/>
+              <a:t>and sensitivity</a:t>
+            </a:r>
+            <a:endParaRPr lang="en-US" dirty="0"/>
+          </a:p>
+        </p:txBody>
+      </p:sp>
     </p:spTree>
     <p:extLst>
       <p:ext uri="{BB962C8B-B14F-4D97-AF65-F5344CB8AC3E}">
@@ -6692,8 +7126,8 @@
           </a:p>
         </p:txBody>
       </p:sp>
-      <mc:AlternateContent xmlns:mc="http://schemas.openxmlformats.org/markup-compatibility/2006">
-        <mc:Choice xmlns:a14="http://schemas.microsoft.com/office/drawing/2010/main" Requires="a14">
+      <mc:AlternateContent xmlns:mc="http://schemas.openxmlformats.org/markup-compatibility/2006" xmlns:a14="http://schemas.microsoft.com/office/drawing/2010/main">
+        <mc:Choice Requires="a14">
           <p:sp>
             <p:nvSpPr>
               <p:cNvPr id="69" name="TextBox 68"/>
@@ -6738,7 +7172,7 @@
             </p:txBody>
           </p:sp>
         </mc:Choice>
-        <mc:Fallback>
+        <mc:Fallback xmlns="">
           <p:sp>
             <p:nvSpPr>
               <p:cNvPr id="69" name="TextBox 68"/>
@@ -6996,7 +7430,6 @@
               <a:rPr lang="en-US" dirty="0"/>
               <a:t>Heuristics for Efficiency</a:t>
             </a:r>
-            <a:endParaRPr lang="en-US" dirty="0"/>
           </a:p>
         </p:txBody>
       </p:sp>
@@ -7249,14 +7682,14 @@
           <p:nvPr>
             <p:extLst>
               <p:ext uri="{D42A27DB-BD31-4B8C-83A1-F6EECF244321}">
-                <p14:modId xmlns:p14="http://schemas.microsoft.com/office/powerpoint/2010/main" val="737356075"/>
+                <p14:modId xmlns:p14="http://schemas.microsoft.com/office/powerpoint/2010/main" val="4118462724"/>
               </p:ext>
             </p:extLst>
           </p:nvPr>
         </p:nvGraphicFramePr>
         <p:xfrm>
-          <a:off x="441838" y="2756648"/>
-          <a:ext cx="11230207" cy="2630400"/>
+          <a:off x="186344" y="2770095"/>
+          <a:ext cx="11582892" cy="2630400"/>
         </p:xfrm>
         <a:graphic>
           <a:graphicData uri="http://schemas.openxmlformats.org/drawingml/2006/table">
@@ -7265,7 +7698,7 @@
                 <a:tableStyleId>{5C22544A-7EE6-4342-B048-85BDC9FD1C3A}</a:tableStyleId>
               </a:tblPr>
               <a:tblGrid>
-                <a:gridCol w="2046853"/>
+                <a:gridCol w="2399538"/>
                 <a:gridCol w="1530559"/>
                 <a:gridCol w="1530559"/>
                 <a:gridCol w="1530559"/>
@@ -7537,6 +7970,17 @@
                         <a:rPr lang="en-US" sz="2400" dirty="0" err="1" smtClean="0"/>
                         <a:t>Zankl</a:t>
                       </a:r>
+                      <a:r>
+                        <a:rPr lang="en-US" sz="2400" dirty="0" smtClean="0"/>
+                        <a:t> (</a:t>
+                      </a:r>
+                      <a:r>
+                        <a:rPr lang="en-US" sz="2400" dirty="0" smtClean="0">
+                          <a:latin typeface="Times New Roman" panose="02020603050405020304" pitchFamily="18" charset="0"/>
+                          <a:cs typeface="Times New Roman" panose="02020603050405020304" pitchFamily="18" charset="0"/>
+                        </a:rPr>
+                        <a:t>151)</a:t>
+                      </a:r>
                       <a:endParaRPr lang="en-US" sz="2400" dirty="0"/>
                     </a:p>
                   </a:txBody>
@@ -7643,6 +8087,14 @@
                       <a:r>
                         <a:rPr lang="en-US" sz="2400" b="0" dirty="0" err="1" smtClean="0"/>
                         <a:t>Meti-tarski</a:t>
+                      </a:r>
+                      <a:r>
+                        <a:rPr lang="en-US" sz="2400" b="0" dirty="0" smtClean="0"/>
+                        <a:t>(</a:t>
+                      </a:r>
+                      <a:r>
+                        <a:rPr lang="en-US" sz="2400" dirty="0" smtClean="0"/>
+                        <a:t>5101)</a:t>
                       </a:r>
                       <a:endParaRPr lang="en-US" sz="2400" b="0" dirty="0"/>
                     </a:p>
@@ -7754,6 +8206,13 @@
   <p:clrMapOvr>
     <a:masterClrMapping/>
   </p:clrMapOvr>
+  <p:timing>
+    <p:tnLst>
+      <p:par>
+        <p:cTn id="1" dur="indefinite" restart="never" nodeType="tmRoot"/>
+      </p:par>
+    </p:tnLst>
+  </p:timing>
 </p:sld>
 </file>
 
@@ -7871,7 +8330,7 @@
           <p:nvPr>
             <p:extLst>
               <p:ext uri="{D42A27DB-BD31-4B8C-83A1-F6EECF244321}">
-                <p14:modId xmlns:p14="http://schemas.microsoft.com/office/powerpoint/2010/main" val="920512762"/>
+                <p14:modId xmlns:p14="http://schemas.microsoft.com/office/powerpoint/2010/main" val="1096789916"/>
               </p:ext>
             </p:extLst>
           </p:nvPr>
@@ -7963,7 +8422,7 @@
                       <a:pPr algn="ctr"/>
                       <a:r>
                         <a:rPr lang="en-US" sz="2400" dirty="0" smtClean="0"/>
-                        <a:t>isat3</a:t>
+                        <a:t>iSAT3</a:t>
                       </a:r>
                       <a:endParaRPr lang="en-US" sz="2400" dirty="0"/>
                     </a:p>
@@ -8214,21 +8673,7 @@
                 <a:latin typeface="Times New Roman" panose="02020603050405020304" pitchFamily="18" charset="0"/>
                 <a:cs typeface="Times New Roman" panose="02020603050405020304" pitchFamily="18" charset="0"/>
               </a:rPr>
-              <a:t>i</a:t>
-            </a:r>
-            <a:r>
-              <a:rPr lang="en-US" sz="2400" dirty="0" smtClean="0">
-                <a:latin typeface="Times New Roman" panose="02020603050405020304" pitchFamily="18" charset="0"/>
-                <a:cs typeface="Times New Roman" panose="02020603050405020304" pitchFamily="18" charset="0"/>
-              </a:rPr>
-              <a:t>SAT3</a:t>
-            </a:r>
-            <a:r>
-              <a:rPr lang="en-US" sz="2400" dirty="0" smtClean="0">
-                <a:latin typeface="Times New Roman" panose="02020603050405020304" pitchFamily="18" charset="0"/>
-                <a:cs typeface="Times New Roman" panose="02020603050405020304" pitchFamily="18" charset="0"/>
-              </a:rPr>
-              <a:t>: Interval [-1000, 1000]</a:t>
+              <a:t>iSAT3: Interval [-1000, 1000]</a:t>
             </a:r>
             <a:endParaRPr lang="en-US" sz="2400" dirty="0">
               <a:latin typeface="Times New Roman" panose="02020603050405020304" pitchFamily="18" charset="0"/>
@@ -8247,6 +8692,13 @@
   <p:clrMapOvr>
     <a:masterClrMapping/>
   </p:clrMapOvr>
+  <p:timing>
+    <p:tnLst>
+      <p:par>
+        <p:cTn id="1" dur="indefinite" restart="never" nodeType="tmRoot"/>
+      </p:par>
+    </p:tnLst>
+  </p:timing>
 </p:sld>
 </file>
 
@@ -8307,7 +8759,15 @@
           <a:p>
             <a:r>
               <a:rPr lang="en-US" dirty="0"/>
-              <a:t>large problems that are solved only by </a:t>
+              <a:t>L</a:t>
+            </a:r>
+            <a:r>
+              <a:rPr lang="en-US" dirty="0" smtClean="0"/>
+              <a:t>arge </a:t>
+            </a:r>
+            <a:r>
+              <a:rPr lang="en-US" dirty="0"/>
+              <a:t>problems that are solved only by </a:t>
             </a:r>
             <a:r>
               <a:rPr lang="en-US" dirty="0" err="1"/>
@@ -8561,7 +9021,7 @@
           <p:nvPr>
             <p:extLst>
               <p:ext uri="{D42A27DB-BD31-4B8C-83A1-F6EECF244321}">
-                <p14:modId xmlns:p14="http://schemas.microsoft.com/office/powerpoint/2010/main" val="4057803132"/>
+                <p14:modId xmlns:p14="http://schemas.microsoft.com/office/powerpoint/2010/main" val="1884962312"/>
               </p:ext>
             </p:extLst>
           </p:nvPr>
@@ -8653,7 +9113,7 @@
                       <a:pPr algn="ctr"/>
                       <a:r>
                         <a:rPr lang="en-US" sz="2400" dirty="0" smtClean="0"/>
-                        <a:t>Isat3</a:t>
+                        <a:t>iSAT3</a:t>
                       </a:r>
                       <a:endParaRPr lang="en-US" sz="2400" dirty="0"/>
                     </a:p>
@@ -8751,20 +9211,13 @@
                     <a:p>
                       <a:pPr algn="ctr"/>
                       <a:r>
-                        <a:rPr lang="en-US" sz="2400" b="0" i="0" u="none" strike="noStrike" kern="1200" baseline="0" dirty="0" smtClean="0">
-                          <a:solidFill>
-                            <a:schemeClr val="dk1"/>
-                          </a:solidFill>
-                          <a:latin typeface="+mn-lt"/>
-                          <a:ea typeface="+mn-ea"/>
-                          <a:cs typeface="+mn-cs"/>
-                        </a:rPr>
-                        <a:t>3322</a:t>
+                        <a:rPr lang="en-US" sz="2400" b="0" dirty="0" smtClean="0"/>
+                        <a:t>3325</a:t>
                       </a:r>
-                      <a:endParaRPr lang="en-US" sz="2400" dirty="0"/>
+                      <a:endParaRPr lang="en-US" sz="2400" b="0" dirty="0"/>
                     </a:p>
                   </a:txBody>
-                  <a:tcPr/>
+                  <a:tcPr anchor="ctr"/>
                 </a:tc>
                 <a:tc>
                   <a:txBody>
@@ -8773,20 +9226,13 @@
                     <a:p>
                       <a:pPr algn="ctr"/>
                       <a:r>
-                        <a:rPr lang="en-US" sz="2400" b="0" i="0" u="none" strike="noStrike" kern="1200" baseline="0" dirty="0" smtClean="0">
-                          <a:solidFill>
-                            <a:schemeClr val="dk1"/>
-                          </a:solidFill>
-                          <a:latin typeface="+mn-lt"/>
-                          <a:ea typeface="+mn-ea"/>
-                          <a:cs typeface="+mn-cs"/>
-                        </a:rPr>
-                        <a:t>1052</a:t>
+                        <a:rPr lang="en-US" sz="2400" b="0" dirty="0" smtClean="0"/>
+                        <a:t>1100</a:t>
                       </a:r>
-                      <a:endParaRPr lang="en-US" sz="2400" dirty="0"/>
+                      <a:endParaRPr lang="en-US" sz="2400" b="0" dirty="0"/>
                     </a:p>
                   </a:txBody>
-                  <a:tcPr/>
+                  <a:tcPr anchor="ctr"/>
                 </a:tc>
                 <a:tc>
                   <a:txBody>
@@ -8795,21 +9241,13 @@
                     <a:p>
                       <a:pPr algn="ctr"/>
                       <a:r>
-                        <a:rPr lang="en-US" sz="2400" b="0" i="0" kern="1200" dirty="0" smtClean="0">
-                          <a:solidFill>
-                            <a:schemeClr val="dk1"/>
-                          </a:solidFill>
-                          <a:effectLst/>
-                          <a:latin typeface="+mn-lt"/>
-                          <a:ea typeface="+mn-ea"/>
-                          <a:cs typeface="+mn-cs"/>
-                        </a:rPr>
-                        <a:t>753.00</a:t>
+                        <a:rPr lang="en-US" sz="2400" b="0" dirty="0" smtClean="0"/>
+                        <a:t>1496.6</a:t>
                       </a:r>
-                      <a:endParaRPr lang="en-US" sz="2400" dirty="0"/>
+                      <a:endParaRPr lang="en-US" sz="2400" b="0" dirty="0"/>
                     </a:p>
                   </a:txBody>
-                  <a:tcPr/>
+                  <a:tcPr anchor="ctr"/>
                 </a:tc>
               </a:tr>
               <a:tr h="566188">
@@ -8964,6 +9402,13 @@
   <p:clrMapOvr>
     <a:masterClrMapping/>
   </p:clrMapOvr>
+  <p:timing>
+    <p:tnLst>
+      <p:par>
+        <p:cTn id="1" dur="indefinite" restart="never" nodeType="tmRoot"/>
+      </p:par>
+    </p:tnLst>
+  </p:timing>
 </p:sld>
 </file>
 
@@ -9019,58 +9464,57 @@
         </p:nvSpPr>
         <p:spPr/>
         <p:txBody>
-          <a:bodyPr/>
-          <a:lstStyle/>
-          <a:p>
-            <a:r>
-              <a:rPr lang="en-US" sz="2400" dirty="0"/>
+          <a:bodyPr>
+            <a:normAutofit/>
+          </a:bodyPr>
+          <a:lstStyle/>
+          <a:p>
+            <a:r>
+              <a:rPr lang="en-US" dirty="0"/>
               <a:t>Current approaches:</a:t>
             </a:r>
           </a:p>
           <a:p>
             <a:pPr lvl="1"/>
             <a:r>
-              <a:rPr lang="en-US" sz="2400" dirty="0"/>
-              <a:t>Bit blasting: suffers with high degree of polynomials.</a:t>
+              <a:rPr lang="en-US" dirty="0"/>
+              <a:t>Bit </a:t>
+            </a:r>
+            <a:r>
+              <a:rPr lang="en-US" dirty="0" smtClean="0"/>
+              <a:t>blasting</a:t>
             </a:r>
           </a:p>
           <a:p>
             <a:pPr lvl="1"/>
             <a:r>
-              <a:rPr lang="en-US" sz="2400" dirty="0"/>
-              <a:t>Linearization: </a:t>
-            </a:r>
-            <a:r>
-              <a:rPr lang="en-US" sz="2400" dirty="0" smtClean="0"/>
-              <a:t>Bit-blast </a:t>
-            </a:r>
-            <a:r>
-              <a:rPr lang="en-US" sz="2400" dirty="0"/>
-              <a:t>one operand of a multiplication.</a:t>
-            </a:r>
-          </a:p>
-          <a:p>
-            <a:r>
-              <a:rPr lang="en-US" sz="2400" dirty="0"/>
+              <a:rPr lang="en-US" dirty="0" smtClean="0"/>
+              <a:t>Linearization</a:t>
+            </a:r>
+            <a:endParaRPr lang="en-US" dirty="0"/>
+          </a:p>
+          <a:p>
+            <a:r>
+              <a:rPr lang="en-US" dirty="0"/>
               <a:t>Can be solved by </a:t>
             </a:r>
             <a:r>
-              <a:rPr lang="en-US" sz="2400" dirty="0" err="1"/>
+              <a:rPr lang="en-US" dirty="0" err="1"/>
               <a:t>raSAT</a:t>
             </a:r>
             <a:r>
-              <a:rPr lang="en-US" sz="2400" dirty="0"/>
+              <a:rPr lang="en-US" dirty="0"/>
               <a:t>:</a:t>
             </a:r>
           </a:p>
           <a:p>
             <a:pPr lvl="1"/>
             <a:r>
-              <a:rPr lang="en-US" sz="2400" dirty="0"/>
+              <a:rPr lang="en-US" dirty="0"/>
               <a:t>Decomposition: </a:t>
             </a:r>
             <a:r>
-              <a:rPr lang="en-US" sz="2400" dirty="0">
+              <a:rPr lang="en-US" dirty="0">
                 <a:solidFill>
                   <a:srgbClr val="FF0000"/>
                 </a:solidFill>
@@ -9078,11 +9522,11 @@
               <a:t>Stop</a:t>
             </a:r>
             <a:r>
-              <a:rPr lang="en-US" sz="2400" dirty="0"/>
+              <a:rPr lang="en-US" dirty="0"/>
               <a:t> when length of interval is </a:t>
             </a:r>
             <a:r>
-              <a:rPr lang="en-US" sz="2400" b="1" dirty="0">
+              <a:rPr lang="en-US" b="1" dirty="0">
                 <a:solidFill>
                   <a:srgbClr val="FF0000"/>
                 </a:solidFill>
@@ -9093,22 +9537,22 @@
           <a:p>
             <a:pPr lvl="1"/>
             <a:r>
-              <a:rPr lang="en-US" sz="2400" dirty="0"/>
-              <a:t>Generate </a:t>
-            </a:r>
-            <a:r>
-              <a:rPr lang="en-US" sz="2400" b="1" dirty="0"/>
+              <a:rPr lang="en-US" dirty="0" smtClean="0"/>
+              <a:t>Testing: Generate </a:t>
+            </a:r>
+            <a:r>
+              <a:rPr lang="en-US" b="1" dirty="0"/>
               <a:t>integer</a:t>
             </a:r>
             <a:r>
-              <a:rPr lang="en-US" sz="2400" dirty="0"/>
+              <a:rPr lang="en-US" dirty="0"/>
               <a:t> test cases</a:t>
             </a:r>
             <a:r>
-              <a:rPr lang="en-US" sz="2400" dirty="0" smtClean="0"/>
+              <a:rPr lang="en-US" dirty="0" smtClean="0"/>
               <a:t>.</a:t>
             </a:r>
-            <a:endParaRPr lang="en-US" sz="2400" dirty="0"/>
+            <a:endParaRPr lang="en-US" dirty="0"/>
           </a:p>
         </p:txBody>
       </p:sp>
@@ -9168,6 +9612,13 @@
   <p:clrMapOvr>
     <a:masterClrMapping/>
   </p:clrMapOvr>
+  <p:timing>
+    <p:tnLst>
+      <p:par>
+        <p:cTn id="1" dur="indefinite" restart="never" nodeType="tmRoot"/>
+      </p:par>
+    </p:tnLst>
+  </p:timing>
 </p:sld>
 </file>
 
@@ -9590,6 +10041,13 @@
   <p:clrMapOvr>
     <a:masterClrMapping/>
   </p:clrMapOvr>
+  <p:timing>
+    <p:tnLst>
+      <p:par>
+        <p:cTn id="1" dur="indefinite" restart="never" nodeType="tmRoot"/>
+      </p:par>
+    </p:tnLst>
+  </p:timing>
 </p:sld>
 </file>
 
@@ -9735,14 +10193,7 @@
                 <a:latin typeface="Times New Roman" panose="02020603050405020304" pitchFamily="18" charset="0"/>
                 <a:cs typeface="Times New Roman" panose="02020603050405020304" pitchFamily="18" charset="0"/>
               </a:rPr>
-              <a:t>The </a:t>
-            </a:r>
-            <a:r>
-              <a:rPr lang="en-US" sz="2800" dirty="0" smtClean="0">
-                <a:latin typeface="Times New Roman" panose="02020603050405020304" pitchFamily="18" charset="0"/>
-                <a:cs typeface="Times New Roman" panose="02020603050405020304" pitchFamily="18" charset="0"/>
-              </a:rPr>
-              <a:t>Intermediate Value Theorem</a:t>
+              <a:t>The Intermediate Value Theorem</a:t>
             </a:r>
             <a:endParaRPr lang="en-US" sz="2800" dirty="0">
               <a:latin typeface="Times New Roman" panose="02020603050405020304" pitchFamily="18" charset="0"/>
@@ -9761,6 +10212,13 @@
   <p:clrMapOvr>
     <a:masterClrMapping/>
   </p:clrMapOvr>
+  <p:timing>
+    <p:tnLst>
+      <p:par>
+        <p:cTn id="1" dur="indefinite" restart="never" nodeType="tmRoot"/>
+      </p:par>
+    </p:tnLst>
+  </p:timing>
 </p:sld>
 </file>
 
@@ -9914,6 +10372,1191 @@
     <p:extLst>
       <p:ext uri="{BB962C8B-B14F-4D97-AF65-F5344CB8AC3E}">
         <p14:creationId xmlns:p14="http://schemas.microsoft.com/office/powerpoint/2010/main" val="2721508491"/>
+      </p:ext>
+    </p:extLst>
+  </p:cSld>
+  <p:clrMapOvr>
+    <a:masterClrMapping/>
+  </p:clrMapOvr>
+  <p:timing>
+    <p:tnLst>
+      <p:par>
+        <p:cTn id="1" dur="indefinite" restart="never" nodeType="tmRoot"/>
+      </p:par>
+    </p:tnLst>
+  </p:timing>
+</p:sld>
+</file>
+
+<file path=ppt/slides/slide20.xml><?xml version="1.0" encoding="utf-8"?>
+<p:sld xmlns:a="http://schemas.openxmlformats.org/drawingml/2006/main" xmlns:r="http://schemas.openxmlformats.org/officeDocument/2006/relationships" xmlns:p="http://schemas.openxmlformats.org/presentationml/2006/main">
+  <p:cSld>
+    <p:spTree>
+      <p:nvGrpSpPr>
+        <p:cNvPr id="1" name=""/>
+        <p:cNvGrpSpPr/>
+        <p:nvPr/>
+      </p:nvGrpSpPr>
+      <p:grpSpPr>
+        <a:xfrm>
+          <a:off x="0" y="0"/>
+          <a:ext cx="0" cy="0"/>
+          <a:chOff x="0" y="0"/>
+          <a:chExt cx="0" cy="0"/>
+        </a:xfrm>
+      </p:grpSpPr>
+      <p:sp>
+        <p:nvSpPr>
+          <p:cNvPr id="2" name="Title 1"/>
+          <p:cNvSpPr>
+            <a:spLocks noGrp="1"/>
+          </p:cNvSpPr>
+          <p:nvPr>
+            <p:ph type="title"/>
+          </p:nvPr>
+        </p:nvSpPr>
+        <p:spPr/>
+        <p:txBody>
+          <a:bodyPr/>
+          <a:lstStyle/>
+          <a:p>
+            <a:r>
+              <a:rPr lang="en-US" dirty="0"/>
+              <a:t>Extensions</a:t>
+            </a:r>
+          </a:p>
+        </p:txBody>
+      </p:sp>
+      <mc:AlternateContent xmlns:mc="http://schemas.openxmlformats.org/markup-compatibility/2006">
+        <mc:Choice xmlns:a14="http://schemas.microsoft.com/office/drawing/2010/main" Requires="a14">
+          <p:sp>
+            <p:nvSpPr>
+              <p:cNvPr id="3" name="Content Placeholder 2"/>
+              <p:cNvSpPr>
+                <a:spLocks noGrp="1"/>
+              </p:cNvSpPr>
+              <p:nvPr>
+                <p:ph idx="1"/>
+              </p:nvPr>
+            </p:nvSpPr>
+            <p:spPr/>
+            <p:txBody>
+              <a:bodyPr/>
+              <a:lstStyle/>
+              <a:p>
+                <a:r>
+                  <a:rPr lang="en-US" dirty="0" smtClean="0"/>
+                  <a:t>Implemented:</a:t>
+                </a:r>
+              </a:p>
+              <a:p>
+                <a:pPr lvl="1"/>
+                <a:r>
+                  <a:rPr lang="en-US" dirty="0" smtClean="0"/>
+                  <a:t>Single </a:t>
+                </a:r>
+                <a:r>
+                  <a:rPr lang="en-US" dirty="0" smtClean="0"/>
+                  <a:t>equation.</a:t>
+                </a:r>
+                <a:endParaRPr lang="en-US" dirty="0" smtClean="0"/>
+              </a:p>
+              <a:p>
+                <a:pPr lvl="1"/>
+                <a:r>
+                  <a:rPr lang="en-US" dirty="0" smtClean="0"/>
+                  <a:t>Multiple equations:</a:t>
+                </a:r>
+              </a:p>
+              <a:p>
+                <a:pPr lvl="2"/>
+                <a:r>
+                  <a:rPr lang="en-US" dirty="0"/>
+                  <a:t>n</a:t>
+                </a:r>
+                <a:r>
+                  <a:rPr lang="en-US" dirty="0" smtClean="0"/>
+                  <a:t>umber of </a:t>
+                </a:r>
+                <a:r>
+                  <a:rPr lang="en-US" dirty="0" err="1" smtClean="0"/>
+                  <a:t>vars</a:t>
+                </a:r>
+                <a:r>
+                  <a:rPr lang="en-US" dirty="0" smtClean="0"/>
+                  <a:t> </a:t>
+                </a:r>
+                <a14:m>
+                  <m:oMath xmlns:m="http://schemas.openxmlformats.org/officeDocument/2006/math">
+                    <m:r>
+                      <a:rPr lang="en-US" i="1" smtClean="0">
+                        <a:latin typeface="Cambria Math" panose="02040503050406030204" pitchFamily="18" charset="0"/>
+                        <a:ea typeface="Cambria Math" panose="02040503050406030204" pitchFamily="18" charset="0"/>
+                      </a:rPr>
+                      <m:t>≥</m:t>
+                    </m:r>
+                    <m:r>
+                      <a:rPr lang="en-US" b="0" i="1" smtClean="0">
+                        <a:latin typeface="Cambria Math" panose="02040503050406030204" pitchFamily="18" charset="0"/>
+                        <a:ea typeface="Cambria Math" panose="02040503050406030204" pitchFamily="18" charset="0"/>
+                      </a:rPr>
+                      <m:t> </m:t>
+                    </m:r>
+                  </m:oMath>
+                </a14:m>
+                <a:r>
+                  <a:rPr lang="en-US" dirty="0" smtClean="0"/>
+                  <a:t>number of equations</a:t>
+                </a:r>
+                <a:r>
+                  <a:rPr lang="en-US" dirty="0" smtClean="0"/>
+                  <a:t>.</a:t>
+                </a:r>
+              </a:p>
+              <a:p>
+                <a:r>
+                  <a:rPr lang="en-US" dirty="0" smtClean="0"/>
+                  <a:t>Experiments:</a:t>
+                </a:r>
+              </a:p>
+              <a:p>
+                <a:pPr lvl="1"/>
+                <a:r>
+                  <a:rPr lang="en-US" dirty="0" smtClean="0"/>
+                  <a:t>Solved 15 problems containing equations in </a:t>
+                </a:r>
+                <a:r>
+                  <a:rPr lang="en-US" dirty="0" err="1" smtClean="0"/>
+                  <a:t>Zankl</a:t>
+                </a:r>
+                <a:r>
+                  <a:rPr lang="en-US" dirty="0" smtClean="0"/>
+                  <a:t>.</a:t>
+                </a:r>
+              </a:p>
+              <a:p>
+                <a:pPr lvl="1"/>
+                <a:r>
+                  <a:rPr lang="en-US" dirty="0" smtClean="0"/>
+                  <a:t>Need more experiments.</a:t>
+                </a:r>
+                <a:endParaRPr lang="en-US" dirty="0"/>
+              </a:p>
+            </p:txBody>
+          </p:sp>
+        </mc:Choice>
+        <mc:Fallback>
+          <p:sp>
+            <p:nvSpPr>
+              <p:cNvPr id="3" name="Content Placeholder 2"/>
+              <p:cNvSpPr>
+                <a:spLocks noGrp="1" noRot="1" noChangeAspect="1" noMove="1" noResize="1" noEditPoints="1" noAdjustHandles="1" noChangeArrowheads="1" noChangeShapeType="1" noTextEdit="1"/>
+              </p:cNvSpPr>
+              <p:nvPr>
+                <p:ph idx="1"/>
+              </p:nvPr>
+            </p:nvSpPr>
+            <p:spPr>
+              <a:blipFill rotWithShape="0">
+                <a:blip r:embed="rId2"/>
+                <a:stretch>
+                  <a:fillRect l="-1043" t="-2586"/>
+                </a:stretch>
+              </a:blipFill>
+            </p:spPr>
+            <p:txBody>
+              <a:bodyPr/>
+              <a:lstStyle/>
+              <a:p>
+                <a:r>
+                  <a:rPr lang="en-US">
+                    <a:noFill/>
+                  </a:rPr>
+                  <a:t> </a:t>
+                </a:r>
+              </a:p>
+            </p:txBody>
+          </p:sp>
+        </mc:Fallback>
+      </mc:AlternateContent>
+      <p:sp>
+        <p:nvSpPr>
+          <p:cNvPr id="4" name="Slide Number Placeholder 3"/>
+          <p:cNvSpPr>
+            <a:spLocks noGrp="1"/>
+          </p:cNvSpPr>
+          <p:nvPr>
+            <p:ph type="sldNum" sz="quarter" idx="12"/>
+          </p:nvPr>
+        </p:nvSpPr>
+        <p:spPr/>
+        <p:txBody>
+          <a:bodyPr/>
+          <a:lstStyle/>
+          <a:p>
+            <a:fld id="{58734595-61A4-4C07-BF74-5C223797634C}" type="slidenum">
+              <a:rPr lang="en-US" smtClean="0"/>
+              <a:t>20</a:t>
+            </a:fld>
+            <a:endParaRPr lang="en-US"/>
+          </a:p>
+        </p:txBody>
+      </p:sp>
+      <p:sp>
+        <p:nvSpPr>
+          <p:cNvPr id="5" name="Content Placeholder 4"/>
+          <p:cNvSpPr>
+            <a:spLocks noGrp="1"/>
+          </p:cNvSpPr>
+          <p:nvPr>
+            <p:ph sz="quarter" idx="13"/>
+          </p:nvPr>
+        </p:nvSpPr>
+        <p:spPr/>
+        <p:txBody>
+          <a:bodyPr/>
+          <a:lstStyle/>
+          <a:p>
+            <a:r>
+              <a:rPr lang="en-US" dirty="0"/>
+              <a:t>Equations </a:t>
+            </a:r>
+            <a:r>
+              <a:rPr lang="en-US" dirty="0" smtClean="0"/>
+              <a:t>Handling</a:t>
+            </a:r>
+            <a:endParaRPr lang="en-US" dirty="0"/>
+          </a:p>
+        </p:txBody>
+      </p:sp>
+    </p:spTree>
+    <p:extLst>
+      <p:ext uri="{BB962C8B-B14F-4D97-AF65-F5344CB8AC3E}">
+        <p14:creationId xmlns:p14="http://schemas.microsoft.com/office/powerpoint/2010/main" val="2029184266"/>
+      </p:ext>
+    </p:extLst>
+  </p:cSld>
+  <p:clrMapOvr>
+    <a:masterClrMapping/>
+  </p:clrMapOvr>
+  <p:timing>
+    <p:tnLst>
+      <p:par>
+        <p:cTn id="1" dur="indefinite" restart="never" nodeType="tmRoot"/>
+      </p:par>
+    </p:tnLst>
+  </p:timing>
+</p:sld>
+</file>
+
+<file path=ppt/slides/slide21.xml><?xml version="1.0" encoding="utf-8"?>
+<p:sld xmlns:a="http://schemas.openxmlformats.org/drawingml/2006/main" xmlns:r="http://schemas.openxmlformats.org/officeDocument/2006/relationships" xmlns:p="http://schemas.openxmlformats.org/presentationml/2006/main">
+  <p:cSld>
+    <p:spTree>
+      <p:nvGrpSpPr>
+        <p:cNvPr id="1" name=""/>
+        <p:cNvGrpSpPr/>
+        <p:nvPr/>
+      </p:nvGrpSpPr>
+      <p:grpSpPr>
+        <a:xfrm>
+          <a:off x="0" y="0"/>
+          <a:ext cx="0" cy="0"/>
+          <a:chOff x="0" y="0"/>
+          <a:chExt cx="0" cy="0"/>
+        </a:xfrm>
+      </p:grpSpPr>
+      <p:sp>
+        <p:nvSpPr>
+          <p:cNvPr id="2" name="Title 1"/>
+          <p:cNvSpPr>
+            <a:spLocks noGrp="1"/>
+          </p:cNvSpPr>
+          <p:nvPr>
+            <p:ph type="title"/>
+          </p:nvPr>
+        </p:nvSpPr>
+        <p:spPr/>
+        <p:txBody>
+          <a:bodyPr/>
+          <a:lstStyle/>
+          <a:p>
+            <a:r>
+              <a:rPr lang="en-US" dirty="0" smtClean="0"/>
+              <a:t>Conclusion</a:t>
+            </a:r>
+            <a:endParaRPr lang="en-US" dirty="0"/>
+          </a:p>
+        </p:txBody>
+      </p:sp>
+      <p:sp>
+        <p:nvSpPr>
+          <p:cNvPr id="3" name="Content Placeholder 2"/>
+          <p:cNvSpPr>
+            <a:spLocks noGrp="1"/>
+          </p:cNvSpPr>
+          <p:nvPr>
+            <p:ph idx="1"/>
+          </p:nvPr>
+        </p:nvSpPr>
+        <p:spPr/>
+        <p:txBody>
+          <a:bodyPr/>
+          <a:lstStyle/>
+          <a:p>
+            <a:r>
+              <a:rPr lang="en-US" i="1" dirty="0" smtClean="0"/>
+              <a:t>Research Purpose</a:t>
+            </a:r>
+            <a:r>
+              <a:rPr lang="en-US" dirty="0"/>
+              <a:t>:</a:t>
+            </a:r>
+            <a:endParaRPr lang="en-US" b="1" dirty="0" smtClean="0"/>
+          </a:p>
+          <a:p>
+            <a:pPr lvl="1"/>
+            <a:r>
+              <a:rPr lang="en-US" b="1" dirty="0" smtClean="0"/>
+              <a:t>Efficiency </a:t>
+            </a:r>
+            <a:r>
+              <a:rPr lang="en-US" b="1" dirty="0"/>
+              <a:t>Improvement</a:t>
+            </a:r>
+            <a:r>
+              <a:rPr lang="en-US" dirty="0"/>
+              <a:t>: Heuristics.</a:t>
+            </a:r>
+          </a:p>
+          <a:p>
+            <a:pPr lvl="1"/>
+            <a:r>
+              <a:rPr lang="en-US" b="1" dirty="0"/>
+              <a:t>Equality Handling</a:t>
+            </a:r>
+            <a:r>
+              <a:rPr lang="en-US" dirty="0"/>
+              <a:t>: The Intermediate Value Theorem.</a:t>
+            </a:r>
+          </a:p>
+          <a:p>
+            <a:r>
+              <a:rPr lang="en-US" i="1" dirty="0" smtClean="0"/>
+              <a:t>Observation</a:t>
+            </a:r>
+            <a:r>
+              <a:rPr lang="en-US" dirty="0" smtClean="0"/>
+              <a:t>: </a:t>
+            </a:r>
+            <a:r>
+              <a:rPr lang="en-US" b="1" dirty="0" err="1" smtClean="0"/>
+              <a:t>raSAT</a:t>
+            </a:r>
+            <a:r>
+              <a:rPr lang="en-US" b="1" dirty="0" smtClean="0"/>
+              <a:t> </a:t>
+            </a:r>
+            <a:r>
+              <a:rPr lang="en-US" dirty="0" smtClean="0"/>
+              <a:t>can solve some large constraints from </a:t>
+            </a:r>
+            <a:r>
+              <a:rPr lang="en-US" dirty="0" smtClean="0"/>
+              <a:t>SMT-LIB benchmarks </a:t>
+            </a:r>
+            <a:r>
+              <a:rPr lang="en-US" dirty="0" smtClean="0"/>
+              <a:t>which are difficult for other tools.</a:t>
+            </a:r>
+          </a:p>
+          <a:p>
+            <a:r>
+              <a:rPr lang="en-US" i="1" dirty="0" smtClean="0"/>
+              <a:t>Future</a:t>
+            </a:r>
+            <a:r>
+              <a:rPr lang="en-US" dirty="0" smtClean="0"/>
+              <a:t>:</a:t>
+            </a:r>
+          </a:p>
+          <a:p>
+            <a:pPr lvl="1"/>
+            <a:r>
+              <a:rPr lang="en-US" dirty="0" smtClean="0"/>
+              <a:t>UNSAT core.</a:t>
+            </a:r>
+          </a:p>
+          <a:p>
+            <a:pPr lvl="1"/>
+            <a:r>
+              <a:rPr lang="en-US" dirty="0" smtClean="0"/>
+              <a:t>Test generation.</a:t>
+            </a:r>
+          </a:p>
+          <a:p>
+            <a:pPr lvl="1"/>
+            <a:r>
+              <a:rPr lang="en-US" dirty="0" smtClean="0"/>
+              <a:t>Box Decomposition.</a:t>
+            </a:r>
+          </a:p>
+        </p:txBody>
+      </p:sp>
+      <p:sp>
+        <p:nvSpPr>
+          <p:cNvPr id="4" name="Slide Number Placeholder 3"/>
+          <p:cNvSpPr>
+            <a:spLocks noGrp="1"/>
+          </p:cNvSpPr>
+          <p:nvPr>
+            <p:ph type="sldNum" sz="quarter" idx="12"/>
+          </p:nvPr>
+        </p:nvSpPr>
+        <p:spPr/>
+        <p:txBody>
+          <a:bodyPr/>
+          <a:lstStyle/>
+          <a:p>
+            <a:fld id="{58734595-61A4-4C07-BF74-5C223797634C}" type="slidenum">
+              <a:rPr lang="en-US" smtClean="0"/>
+              <a:t>21</a:t>
+            </a:fld>
+            <a:endParaRPr lang="en-US" dirty="0"/>
+          </a:p>
+        </p:txBody>
+      </p:sp>
+      <p:sp>
+        <p:nvSpPr>
+          <p:cNvPr id="5" name="Content Placeholder 4"/>
+          <p:cNvSpPr>
+            <a:spLocks noGrp="1"/>
+          </p:cNvSpPr>
+          <p:nvPr>
+            <p:ph sz="quarter" idx="13"/>
+          </p:nvPr>
+        </p:nvSpPr>
+        <p:spPr/>
+        <p:txBody>
+          <a:bodyPr/>
+          <a:lstStyle/>
+          <a:p>
+            <a:endParaRPr lang="en-US" dirty="0"/>
+          </a:p>
+        </p:txBody>
+      </p:sp>
+    </p:spTree>
+    <p:extLst>
+      <p:ext uri="{BB962C8B-B14F-4D97-AF65-F5344CB8AC3E}">
+        <p14:creationId xmlns:p14="http://schemas.microsoft.com/office/powerpoint/2010/main" val="1368709466"/>
+      </p:ext>
+    </p:extLst>
+  </p:cSld>
+  <p:clrMapOvr>
+    <a:masterClrMapping/>
+  </p:clrMapOvr>
+  <p:timing>
+    <p:tnLst>
+      <p:par>
+        <p:cTn id="1" dur="indefinite" restart="never" nodeType="tmRoot"/>
+      </p:par>
+    </p:tnLst>
+  </p:timing>
+</p:sld>
+</file>
+
+<file path=ppt/slides/slide22.xml><?xml version="1.0" encoding="utf-8"?>
+<p:sld xmlns:a="http://schemas.openxmlformats.org/drawingml/2006/main" xmlns:r="http://schemas.openxmlformats.org/officeDocument/2006/relationships" xmlns:p="http://schemas.openxmlformats.org/presentationml/2006/main">
+  <p:cSld>
+    <p:spTree>
+      <p:nvGrpSpPr>
+        <p:cNvPr id="1" name=""/>
+        <p:cNvGrpSpPr/>
+        <p:nvPr/>
+      </p:nvGrpSpPr>
+      <p:grpSpPr>
+        <a:xfrm>
+          <a:off x="0" y="0"/>
+          <a:ext cx="0" cy="0"/>
+          <a:chOff x="0" y="0"/>
+          <a:chExt cx="0" cy="0"/>
+        </a:xfrm>
+      </p:grpSpPr>
+      <p:sp>
+        <p:nvSpPr>
+          <p:cNvPr id="2" name="Title 1"/>
+          <p:cNvSpPr>
+            <a:spLocks noGrp="1"/>
+          </p:cNvSpPr>
+          <p:nvPr>
+            <p:ph type="title"/>
+          </p:nvPr>
+        </p:nvSpPr>
+        <p:spPr/>
+        <p:txBody>
+          <a:bodyPr/>
+          <a:lstStyle/>
+          <a:p>
+            <a:endParaRPr lang="en-US"/>
+          </a:p>
+        </p:txBody>
+      </p:sp>
+      <p:sp>
+        <p:nvSpPr>
+          <p:cNvPr id="3" name="Content Placeholder 2"/>
+          <p:cNvSpPr>
+            <a:spLocks noGrp="1"/>
+          </p:cNvSpPr>
+          <p:nvPr>
+            <p:ph idx="1"/>
+          </p:nvPr>
+        </p:nvSpPr>
+        <p:spPr/>
+        <p:txBody>
+          <a:bodyPr/>
+          <a:lstStyle/>
+          <a:p>
+            <a:endParaRPr lang="en-US" dirty="0"/>
+          </a:p>
+        </p:txBody>
+      </p:sp>
+      <p:sp>
+        <p:nvSpPr>
+          <p:cNvPr id="4" name="Rectangle 3"/>
+          <p:cNvSpPr/>
+          <p:nvPr/>
+        </p:nvSpPr>
+        <p:spPr>
+          <a:xfrm>
+            <a:off x="2428815" y="2967335"/>
+            <a:ext cx="7334380" cy="923330"/>
+          </a:xfrm>
+          <a:prstGeom prst="rect">
+            <a:avLst/>
+          </a:prstGeom>
+          <a:noFill/>
+        </p:spPr>
+        <p:txBody>
+          <a:bodyPr wrap="none" lIns="91440" tIns="45720" rIns="91440" bIns="45720">
+            <a:spAutoFit/>
+          </a:bodyPr>
+          <a:lstStyle/>
+          <a:p>
+            <a:pPr algn="ctr"/>
+            <a:r>
+              <a:rPr lang="en-US" sz="5400" b="1" cap="none" spc="0" dirty="0" smtClean="0">
+                <a:ln w="22225">
+                  <a:solidFill>
+                    <a:schemeClr val="accent2"/>
+                  </a:solidFill>
+                  <a:prstDash val="solid"/>
+                </a:ln>
+                <a:solidFill>
+                  <a:srgbClr val="FF0000"/>
+                </a:solidFill>
+                <a:effectLst/>
+              </a:rPr>
+              <a:t>THANKS FOR ATTENTION</a:t>
+            </a:r>
+            <a:endParaRPr lang="en-US" sz="5400" b="1" cap="none" spc="0" dirty="0">
+              <a:ln w="22225">
+                <a:solidFill>
+                  <a:schemeClr val="accent2"/>
+                </a:solidFill>
+                <a:prstDash val="solid"/>
+              </a:ln>
+              <a:solidFill>
+                <a:srgbClr val="FF0000"/>
+              </a:solidFill>
+              <a:effectLst/>
+            </a:endParaRPr>
+          </a:p>
+        </p:txBody>
+      </p:sp>
+      <p:sp>
+        <p:nvSpPr>
+          <p:cNvPr id="5" name="Slide Number Placeholder 4"/>
+          <p:cNvSpPr>
+            <a:spLocks noGrp="1"/>
+          </p:cNvSpPr>
+          <p:nvPr>
+            <p:ph type="sldNum" sz="quarter" idx="12"/>
+          </p:nvPr>
+        </p:nvSpPr>
+        <p:spPr/>
+        <p:txBody>
+          <a:bodyPr/>
+          <a:lstStyle/>
+          <a:p>
+            <a:fld id="{58734595-61A4-4C07-BF74-5C223797634C}" type="slidenum">
+              <a:rPr lang="en-US" smtClean="0"/>
+              <a:t>22</a:t>
+            </a:fld>
+            <a:endParaRPr lang="en-US"/>
+          </a:p>
+        </p:txBody>
+      </p:sp>
+    </p:spTree>
+    <p:extLst>
+      <p:ext uri="{BB962C8B-B14F-4D97-AF65-F5344CB8AC3E}">
+        <p14:creationId xmlns:p14="http://schemas.microsoft.com/office/powerpoint/2010/main" val="3473756603"/>
+      </p:ext>
+    </p:extLst>
+  </p:cSld>
+  <p:clrMapOvr>
+    <a:masterClrMapping/>
+  </p:clrMapOvr>
+  <p:timing>
+    <p:tnLst>
+      <p:par>
+        <p:cTn id="1" dur="indefinite" restart="never" nodeType="tmRoot"/>
+      </p:par>
+    </p:tnLst>
+  </p:timing>
+</p:sld>
+</file>
+
+<file path=ppt/slides/slide3.xml><?xml version="1.0" encoding="utf-8"?>
+<p:sld xmlns:a="http://schemas.openxmlformats.org/drawingml/2006/main" xmlns:r="http://schemas.openxmlformats.org/officeDocument/2006/relationships" xmlns:p="http://schemas.openxmlformats.org/presentationml/2006/main">
+  <p:cSld>
+    <p:spTree>
+      <p:nvGrpSpPr>
+        <p:cNvPr id="1" name=""/>
+        <p:cNvGrpSpPr/>
+        <p:nvPr/>
+      </p:nvGrpSpPr>
+      <p:grpSpPr>
+        <a:xfrm>
+          <a:off x="0" y="0"/>
+          <a:ext cx="0" cy="0"/>
+          <a:chOff x="0" y="0"/>
+          <a:chExt cx="0" cy="0"/>
+        </a:xfrm>
+      </p:grpSpPr>
+      <p:sp>
+        <p:nvSpPr>
+          <p:cNvPr id="2" name="Title 1"/>
+          <p:cNvSpPr>
+            <a:spLocks noGrp="1"/>
+          </p:cNvSpPr>
+          <p:nvPr>
+            <p:ph type="title"/>
+          </p:nvPr>
+        </p:nvSpPr>
+        <p:spPr/>
+        <p:txBody>
+          <a:bodyPr/>
+          <a:lstStyle/>
+          <a:p>
+            <a:r>
+              <a:rPr lang="en-US" dirty="0"/>
+              <a:t>Summary</a:t>
+            </a:r>
+          </a:p>
+        </p:txBody>
+      </p:sp>
+      <p:sp>
+        <p:nvSpPr>
+          <p:cNvPr id="4" name="Slide Number Placeholder 3"/>
+          <p:cNvSpPr>
+            <a:spLocks noGrp="1"/>
+          </p:cNvSpPr>
+          <p:nvPr>
+            <p:ph type="sldNum" sz="quarter" idx="12"/>
+          </p:nvPr>
+        </p:nvSpPr>
+        <p:spPr/>
+        <p:txBody>
+          <a:bodyPr/>
+          <a:lstStyle/>
+          <a:p>
+            <a:fld id="{58734595-61A4-4C07-BF74-5C223797634C}" type="slidenum">
+              <a:rPr lang="en-US" smtClean="0"/>
+              <a:t>3</a:t>
+            </a:fld>
+            <a:endParaRPr lang="en-US"/>
+          </a:p>
+        </p:txBody>
+      </p:sp>
+      <p:sp>
+        <p:nvSpPr>
+          <p:cNvPr id="5" name="Content Placeholder 4"/>
+          <p:cNvSpPr>
+            <a:spLocks noGrp="1"/>
+          </p:cNvSpPr>
+          <p:nvPr>
+            <p:ph sz="quarter" idx="13"/>
+          </p:nvPr>
+        </p:nvSpPr>
+        <p:spPr/>
+        <p:txBody>
+          <a:bodyPr/>
+          <a:lstStyle/>
+          <a:p>
+            <a:r>
+              <a:rPr lang="en-US" dirty="0" smtClean="0"/>
+              <a:t>Hook</a:t>
+            </a:r>
+            <a:endParaRPr lang="en-US" dirty="0"/>
+          </a:p>
+        </p:txBody>
+      </p:sp>
+      <p:sp>
+        <p:nvSpPr>
+          <p:cNvPr id="7" name="Content Placeholder 6"/>
+          <p:cNvSpPr>
+            <a:spLocks noGrp="1"/>
+          </p:cNvSpPr>
+          <p:nvPr>
+            <p:ph idx="1"/>
+          </p:nvPr>
+        </p:nvSpPr>
+        <p:spPr>
+          <a:xfrm>
+            <a:off x="838200" y="1930399"/>
+            <a:ext cx="10515600" cy="4927601"/>
+          </a:xfrm>
+        </p:spPr>
+        <p:txBody>
+          <a:bodyPr>
+            <a:normAutofit/>
+          </a:bodyPr>
+          <a:lstStyle/>
+          <a:p>
+            <a:r>
+              <a:rPr lang="en-US" dirty="0" smtClean="0"/>
+              <a:t>Why are we interested in solving Polynomial Constraints?</a:t>
+            </a:r>
+          </a:p>
+          <a:p>
+            <a:pPr lvl="1"/>
+            <a:r>
+              <a:rPr lang="en-US" dirty="0" smtClean="0"/>
+              <a:t>The complete method QE-CAD: DEXP.</a:t>
+            </a:r>
+          </a:p>
+          <a:p>
+            <a:pPr lvl="1"/>
+            <a:r>
+              <a:rPr lang="en-US" dirty="0"/>
+              <a:t>Interval </a:t>
+            </a:r>
+            <a:r>
+              <a:rPr lang="en-US" dirty="0" smtClean="0"/>
+              <a:t>Constraint Propagation (ICP): exploration of boxes.</a:t>
+            </a:r>
+          </a:p>
+          <a:p>
+            <a:pPr lvl="1"/>
+            <a:r>
+              <a:rPr lang="en-US" dirty="0" smtClean="0"/>
+              <a:t>Bit-blasting: </a:t>
+            </a:r>
+            <a:r>
+              <a:rPr lang="en-US" dirty="0"/>
+              <a:t>suffers with high number of variables or high degree of </a:t>
+            </a:r>
+            <a:r>
+              <a:rPr lang="en-US" dirty="0" smtClean="0"/>
+              <a:t>polynomials.</a:t>
+            </a:r>
+          </a:p>
+          <a:p>
+            <a:pPr lvl="1"/>
+            <a:r>
+              <a:rPr lang="en-US" dirty="0" smtClean="0"/>
+              <a:t>Linearization: </a:t>
+            </a:r>
+            <a:r>
+              <a:rPr lang="en-US" dirty="0"/>
+              <a:t>suffers with high degree of </a:t>
+            </a:r>
+            <a:r>
+              <a:rPr lang="en-US" dirty="0" smtClean="0"/>
+              <a:t>polynomials.</a:t>
+            </a:r>
+          </a:p>
+          <a:p>
+            <a:pPr lvl="1"/>
+            <a:r>
+              <a:rPr lang="en-US" dirty="0"/>
+              <a:t>Virtual </a:t>
+            </a:r>
+            <a:r>
+              <a:rPr lang="en-US" dirty="0" smtClean="0"/>
+              <a:t>substitution: </a:t>
+            </a:r>
+            <a:r>
+              <a:rPr lang="en-US" dirty="0"/>
+              <a:t>degree &lt;= </a:t>
+            </a:r>
+            <a:r>
+              <a:rPr lang="en-US" dirty="0" smtClean="0"/>
+              <a:t>5</a:t>
+            </a:r>
+          </a:p>
+          <a:p>
+            <a:pPr marL="914400" lvl="2" indent="0">
+              <a:buNone/>
+            </a:pPr>
+            <a:endParaRPr lang="en-US" dirty="0" smtClean="0"/>
+          </a:p>
+          <a:p>
+            <a:pPr marL="914400" lvl="2" indent="0">
+              <a:buNone/>
+            </a:pPr>
+            <a:endParaRPr lang="en-US" dirty="0" smtClean="0"/>
+          </a:p>
+        </p:txBody>
+      </p:sp>
+      <p:sp>
+        <p:nvSpPr>
+          <p:cNvPr id="6" name="TextBox 5"/>
+          <p:cNvSpPr txBox="1"/>
+          <p:nvPr/>
+        </p:nvSpPr>
+        <p:spPr>
+          <a:xfrm>
+            <a:off x="3160059" y="5499847"/>
+            <a:ext cx="5102679" cy="523220"/>
+          </a:xfrm>
+          <a:prstGeom prst="rect">
+            <a:avLst/>
+          </a:prstGeom>
+          <a:noFill/>
+        </p:spPr>
+        <p:txBody>
+          <a:bodyPr wrap="none" rtlCol="0">
+            <a:spAutoFit/>
+          </a:bodyPr>
+          <a:lstStyle/>
+          <a:p>
+            <a:r>
+              <a:rPr lang="en-US" sz="2800" b="1" dirty="0" err="1" smtClean="0">
+                <a:latin typeface="Times New Roman" panose="02020603050405020304" pitchFamily="18" charset="0"/>
+                <a:cs typeface="Times New Roman" panose="02020603050405020304" pitchFamily="18" charset="0"/>
+              </a:rPr>
+              <a:t>raSAT</a:t>
+            </a:r>
+            <a:r>
+              <a:rPr lang="en-US" sz="2800" dirty="0" smtClean="0">
+                <a:latin typeface="Times New Roman" panose="02020603050405020304" pitchFamily="18" charset="0"/>
+                <a:cs typeface="Times New Roman" panose="02020603050405020304" pitchFamily="18" charset="0"/>
+              </a:rPr>
+              <a:t>: ICP + Testing + heuristics</a:t>
+            </a:r>
+            <a:endParaRPr lang="en-US" sz="2800" dirty="0">
+              <a:latin typeface="Times New Roman" panose="02020603050405020304" pitchFamily="18" charset="0"/>
+              <a:cs typeface="Times New Roman" panose="02020603050405020304" pitchFamily="18" charset="0"/>
+            </a:endParaRPr>
+          </a:p>
+        </p:txBody>
+      </p:sp>
+    </p:spTree>
+    <p:extLst>
+      <p:ext uri="{BB962C8B-B14F-4D97-AF65-F5344CB8AC3E}">
+        <p14:creationId xmlns:p14="http://schemas.microsoft.com/office/powerpoint/2010/main" val="3893830263"/>
+      </p:ext>
+    </p:extLst>
+  </p:cSld>
+  <p:clrMapOvr>
+    <a:masterClrMapping/>
+  </p:clrMapOvr>
+  <p:timing>
+    <p:tnLst>
+      <p:par>
+        <p:cTn id="1" dur="indefinite" restart="never" nodeType="tmRoot">
+          <p:childTnLst>
+            <p:seq concurrent="1" nextAc="seek">
+              <p:cTn id="2" dur="indefinite" nodeType="mainSeq">
+                <p:childTnLst>
+                  <p:par>
+                    <p:cTn id="3" fill="hold">
+                      <p:stCondLst>
+                        <p:cond delay="indefinite"/>
+                      </p:stCondLst>
+                      <p:childTnLst>
+                        <p:par>
+                          <p:cTn id="4" fill="hold">
+                            <p:stCondLst>
+                              <p:cond delay="0"/>
+                            </p:stCondLst>
+                            <p:childTnLst>
+                              <p:par>
+                                <p:cTn id="5" presetID="2" presetClass="entr" presetSubtype="4" fill="hold" grpId="0" nodeType="clickEffect">
+                                  <p:stCondLst>
+                                    <p:cond delay="0"/>
+                                  </p:stCondLst>
+                                  <p:childTnLst>
+                                    <p:set>
+                                      <p:cBhvr>
+                                        <p:cTn id="6" dur="1" fill="hold">
+                                          <p:stCondLst>
+                                            <p:cond delay="0"/>
+                                          </p:stCondLst>
+                                        </p:cTn>
+                                        <p:tgtEl>
+                                          <p:spTgt spid="6"/>
+                                        </p:tgtEl>
+                                        <p:attrNameLst>
+                                          <p:attrName>style.visibility</p:attrName>
+                                        </p:attrNameLst>
+                                      </p:cBhvr>
+                                      <p:to>
+                                        <p:strVal val="visible"/>
+                                      </p:to>
+                                    </p:set>
+                                    <p:anim calcmode="lin" valueType="num">
+                                      <p:cBhvr additive="base">
+                                        <p:cTn id="7" dur="500" fill="hold"/>
+                                        <p:tgtEl>
+                                          <p:spTgt spid="6"/>
+                                        </p:tgtEl>
+                                        <p:attrNameLst>
+                                          <p:attrName>ppt_x</p:attrName>
+                                        </p:attrNameLst>
+                                      </p:cBhvr>
+                                      <p:tavLst>
+                                        <p:tav tm="0">
+                                          <p:val>
+                                            <p:strVal val="#ppt_x"/>
+                                          </p:val>
+                                        </p:tav>
+                                        <p:tav tm="100000">
+                                          <p:val>
+                                            <p:strVal val="#ppt_x"/>
+                                          </p:val>
+                                        </p:tav>
+                                      </p:tavLst>
+                                    </p:anim>
+                                    <p:anim calcmode="lin" valueType="num">
+                                      <p:cBhvr additive="base">
+                                        <p:cTn id="8" dur="500" fill="hold"/>
+                                        <p:tgtEl>
+                                          <p:spTgt spid="6"/>
+                                        </p:tgtEl>
+                                        <p:attrNameLst>
+                                          <p:attrName>ppt_y</p:attrName>
+                                        </p:attrNameLst>
+                                      </p:cBhvr>
+                                      <p:tavLst>
+                                        <p:tav tm="0">
+                                          <p:val>
+                                            <p:strVal val="1+#ppt_h/2"/>
+                                          </p:val>
+                                        </p:tav>
+                                        <p:tav tm="100000">
+                                          <p:val>
+                                            <p:strVal val="#ppt_y"/>
+                                          </p:val>
+                                        </p:tav>
+                                      </p:tavLst>
+                                    </p:anim>
+                                  </p:childTnLst>
+                                </p:cTn>
+                              </p:par>
+                            </p:childTnLst>
+                          </p:cTn>
+                        </p:par>
+                      </p:childTnLst>
+                    </p:cTn>
+                  </p:par>
+                </p:childTnLst>
+              </p:cTn>
+              <p:prevCondLst>
+                <p:cond evt="onPrev" delay="0">
+                  <p:tgtEl>
+                    <p:sldTgt/>
+                  </p:tgtEl>
+                </p:cond>
+              </p:prevCondLst>
+              <p:nextCondLst>
+                <p:cond evt="onNext" delay="0">
+                  <p:tgtEl>
+                    <p:sldTgt/>
+                  </p:tgtEl>
+                </p:cond>
+              </p:nextCondLst>
+            </p:seq>
+          </p:childTnLst>
+        </p:cTn>
+      </p:par>
+    </p:tnLst>
+    <p:bldLst>
+      <p:bldP spid="6" grpId="0"/>
+    </p:bldLst>
+  </p:timing>
+</p:sld>
+</file>
+
+<file path=ppt/slides/slide4.xml><?xml version="1.0" encoding="utf-8"?>
+<p:sld xmlns:a="http://schemas.openxmlformats.org/drawingml/2006/main" xmlns:r="http://schemas.openxmlformats.org/officeDocument/2006/relationships" xmlns:p="http://schemas.openxmlformats.org/presentationml/2006/main">
+  <p:cSld>
+    <p:spTree>
+      <p:nvGrpSpPr>
+        <p:cNvPr id="1" name=""/>
+        <p:cNvGrpSpPr/>
+        <p:nvPr/>
+      </p:nvGrpSpPr>
+      <p:grpSpPr>
+        <a:xfrm>
+          <a:off x="0" y="0"/>
+          <a:ext cx="0" cy="0"/>
+          <a:chOff x="0" y="0"/>
+          <a:chExt cx="0" cy="0"/>
+        </a:xfrm>
+      </p:grpSpPr>
+      <p:sp>
+        <p:nvSpPr>
+          <p:cNvPr id="2" name="Title 1"/>
+          <p:cNvSpPr>
+            <a:spLocks noGrp="1"/>
+          </p:cNvSpPr>
+          <p:nvPr>
+            <p:ph type="title"/>
+          </p:nvPr>
+        </p:nvSpPr>
+        <p:spPr>
+          <a:xfrm>
+            <a:off x="838200" y="-746"/>
+            <a:ext cx="10515600" cy="1053305"/>
+          </a:xfrm>
+        </p:spPr>
+        <p:txBody>
+          <a:bodyPr/>
+          <a:lstStyle/>
+          <a:p>
+            <a:r>
+              <a:rPr lang="en-US" dirty="0"/>
+              <a:t>Summary</a:t>
+            </a:r>
+          </a:p>
+        </p:txBody>
+      </p:sp>
+      <p:sp>
+        <p:nvSpPr>
+          <p:cNvPr id="3" name="Content Placeholder 2"/>
+          <p:cNvSpPr>
+            <a:spLocks noGrp="1"/>
+          </p:cNvSpPr>
+          <p:nvPr>
+            <p:ph idx="1"/>
+          </p:nvPr>
+        </p:nvSpPr>
+        <p:spPr/>
+        <p:txBody>
+          <a:bodyPr/>
+          <a:lstStyle/>
+          <a:p>
+            <a:r>
+              <a:rPr lang="en-US" i="1" dirty="0" smtClean="0"/>
+              <a:t>Research Purpose</a:t>
+            </a:r>
+            <a:r>
+              <a:rPr lang="en-US" dirty="0" smtClean="0"/>
+              <a:t>:</a:t>
+            </a:r>
+          </a:p>
+          <a:p>
+            <a:pPr lvl="1"/>
+            <a:r>
+              <a:rPr lang="en-US" b="1" dirty="0" smtClean="0"/>
+              <a:t>Efficiency Improvement</a:t>
+            </a:r>
+            <a:r>
+              <a:rPr lang="en-US" dirty="0" smtClean="0"/>
+              <a:t>: Heuristics.</a:t>
+            </a:r>
+          </a:p>
+          <a:p>
+            <a:pPr lvl="1"/>
+            <a:r>
+              <a:rPr lang="en-US" b="1" dirty="0" smtClean="0"/>
+              <a:t>Equality Handling</a:t>
+            </a:r>
+            <a:r>
+              <a:rPr lang="en-US" dirty="0" smtClean="0"/>
+              <a:t>: The Intermediate Value Theorem</a:t>
+            </a:r>
+            <a:r>
+              <a:rPr lang="en-US" dirty="0" smtClean="0"/>
+              <a:t>.</a:t>
+            </a:r>
+            <a:endParaRPr lang="en-US" dirty="0"/>
+          </a:p>
+          <a:p>
+            <a:r>
+              <a:rPr lang="en-US" i="1" dirty="0" smtClean="0"/>
+              <a:t>Outcome</a:t>
+            </a:r>
+            <a:r>
+              <a:rPr lang="en-US" dirty="0" smtClean="0"/>
+              <a:t>: </a:t>
+            </a:r>
+          </a:p>
+          <a:p>
+            <a:pPr lvl="1"/>
+            <a:r>
+              <a:rPr lang="en-US" dirty="0" smtClean="0"/>
+              <a:t>Proposed 2 heuristics.</a:t>
+            </a:r>
+          </a:p>
+          <a:p>
+            <a:pPr lvl="2"/>
+            <a:r>
+              <a:rPr lang="en-US" dirty="0" smtClean="0"/>
+              <a:t>Experiments on SMT-LIB Benchmarks: </a:t>
+            </a:r>
+            <a:r>
+              <a:rPr lang="en-US" b="1" dirty="0" err="1" smtClean="0"/>
+              <a:t>raSAT</a:t>
+            </a:r>
+            <a:r>
+              <a:rPr lang="en-US" b="1" dirty="0" smtClean="0"/>
+              <a:t> </a:t>
+            </a:r>
+            <a:r>
+              <a:rPr lang="en-US" dirty="0" smtClean="0"/>
+              <a:t>is able to solve large constraints which are difficult for other tools.</a:t>
+            </a:r>
+          </a:p>
+          <a:p>
+            <a:pPr lvl="1"/>
+            <a:r>
+              <a:rPr lang="en-US" dirty="0" smtClean="0"/>
+              <a:t>Implemented equality handling.</a:t>
+            </a:r>
+            <a:endParaRPr lang="en-US" dirty="0" smtClean="0"/>
+          </a:p>
+        </p:txBody>
+      </p:sp>
+      <p:sp>
+        <p:nvSpPr>
+          <p:cNvPr id="4" name="Slide Number Placeholder 3"/>
+          <p:cNvSpPr>
+            <a:spLocks noGrp="1"/>
+          </p:cNvSpPr>
+          <p:nvPr>
+            <p:ph type="sldNum" sz="quarter" idx="12"/>
+          </p:nvPr>
+        </p:nvSpPr>
+        <p:spPr/>
+        <p:txBody>
+          <a:bodyPr/>
+          <a:lstStyle/>
+          <a:p>
+            <a:fld id="{58734595-61A4-4C07-BF74-5C223797634C}" type="slidenum">
+              <a:rPr lang="en-US" smtClean="0"/>
+              <a:t>4</a:t>
+            </a:fld>
+            <a:endParaRPr lang="en-US"/>
+          </a:p>
+        </p:txBody>
+      </p:sp>
+    </p:spTree>
+    <p:extLst>
+      <p:ext uri="{BB962C8B-B14F-4D97-AF65-F5344CB8AC3E}">
+        <p14:creationId xmlns:p14="http://schemas.microsoft.com/office/powerpoint/2010/main" val="3437708682"/>
       </p:ext>
     </p:extLst>
   </p:cSld>
@@ -9954,9 +11597,9 @@
                                           </p:stCondLst>
                                         </p:cTn>
                                         <p:tgtEl>
-                                          <p:spTgt spid="7">
+                                          <p:spTgt spid="3">
                                             <p:txEl>
-                                              <p:pRg st="1" end="1"/>
+                                              <p:pRg st="3" end="3"/>
                                             </p:txEl>
                                           </p:spTgt>
                                         </p:tgtEl>
@@ -9972,9 +11615,9 @@
                                       <p:cBhvr additive="base">
                                         <p:cTn id="7" dur="500" fill="hold"/>
                                         <p:tgtEl>
-                                          <p:spTgt spid="7">
+                                          <p:spTgt spid="3">
                                             <p:txEl>
-                                              <p:pRg st="1" end="1"/>
+                                              <p:pRg st="3" end="3"/>
                                             </p:txEl>
                                           </p:spTgt>
                                         </p:tgtEl>
@@ -9999,9 +11642,9 @@
                                       <p:cBhvr additive="base">
                                         <p:cTn id="8" dur="500" fill="hold"/>
                                         <p:tgtEl>
-                                          <p:spTgt spid="7">
+                                          <p:spTgt spid="3">
                                             <p:txEl>
-                                              <p:pRg st="1" end="1"/>
+                                              <p:pRg st="3" end="3"/>
                                             </p:txEl>
                                           </p:spTgt>
                                         </p:tgtEl>
@@ -10039,9 +11682,9 @@
                                           </p:stCondLst>
                                         </p:cTn>
                                         <p:tgtEl>
-                                          <p:spTgt spid="7">
+                                          <p:spTgt spid="3">
                                             <p:txEl>
-                                              <p:pRg st="2" end="2"/>
+                                              <p:pRg st="4" end="4"/>
                                             </p:txEl>
                                           </p:spTgt>
                                         </p:tgtEl>
@@ -10057,9 +11700,9 @@
                                       <p:cBhvr additive="base">
                                         <p:cTn id="11" dur="500" fill="hold"/>
                                         <p:tgtEl>
-                                          <p:spTgt spid="7">
+                                          <p:spTgt spid="3">
                                             <p:txEl>
-                                              <p:pRg st="2" end="2"/>
+                                              <p:pRg st="4" end="4"/>
                                             </p:txEl>
                                           </p:spTgt>
                                         </p:tgtEl>
@@ -10084,9 +11727,9 @@
                                       <p:cBhvr additive="base">
                                         <p:cTn id="12" dur="500" fill="hold"/>
                                         <p:tgtEl>
-                                          <p:spTgt spid="7">
+                                          <p:spTgt spid="3">
                                             <p:txEl>
-                                              <p:pRg st="2" end="2"/>
+                                              <p:pRg st="4" end="4"/>
                                             </p:txEl>
                                           </p:spTgt>
                                         </p:tgtEl>
@@ -10124,9 +11767,9 @@
                                           </p:stCondLst>
                                         </p:cTn>
                                         <p:tgtEl>
-                                          <p:spTgt spid="7">
+                                          <p:spTgt spid="3">
                                             <p:txEl>
-                                              <p:pRg st="3" end="3"/>
+                                              <p:pRg st="5" end="5"/>
                                             </p:txEl>
                                           </p:spTgt>
                                         </p:tgtEl>
@@ -10142,9 +11785,9 @@
                                       <p:cBhvr additive="base">
                                         <p:cTn id="15" dur="500" fill="hold"/>
                                         <p:tgtEl>
-                                          <p:spTgt spid="7">
+                                          <p:spTgt spid="3">
                                             <p:txEl>
-                                              <p:pRg st="3" end="3"/>
+                                              <p:pRg st="5" end="5"/>
                                             </p:txEl>
                                           </p:spTgt>
                                         </p:tgtEl>
@@ -10169,9 +11812,9 @@
                                       <p:cBhvr additive="base">
                                         <p:cTn id="16" dur="500" fill="hold"/>
                                         <p:tgtEl>
-                                          <p:spTgt spid="7">
+                                          <p:spTgt spid="3">
                                             <p:txEl>
-                                              <p:pRg st="3" end="3"/>
+                                              <p:pRg st="5" end="5"/>
                                             </p:txEl>
                                           </p:spTgt>
                                         </p:tgtEl>
@@ -10209,9 +11852,9 @@
                                           </p:stCondLst>
                                         </p:cTn>
                                         <p:tgtEl>
-                                          <p:spTgt spid="7">
+                                          <p:spTgt spid="3">
                                             <p:txEl>
-                                              <p:pRg st="4" end="4"/>
+                                              <p:pRg st="6" end="6"/>
                                             </p:txEl>
                                           </p:spTgt>
                                         </p:tgtEl>
@@ -10227,9 +11870,9 @@
                                       <p:cBhvr additive="base">
                                         <p:cTn id="19" dur="500" fill="hold"/>
                                         <p:tgtEl>
-                                          <p:spTgt spid="7">
+                                          <p:spTgt spid="3">
                                             <p:txEl>
-                                              <p:pRg st="4" end="4"/>
+                                              <p:pRg st="6" end="6"/>
                                             </p:txEl>
                                           </p:spTgt>
                                         </p:tgtEl>
@@ -10254,9 +11897,9 @@
                                       <p:cBhvr additive="base">
                                         <p:cTn id="20" dur="500" fill="hold"/>
                                         <p:tgtEl>
-                                          <p:spTgt spid="7">
+                                          <p:spTgt spid="3">
                                             <p:txEl>
-                                              <p:pRg st="4" end="4"/>
+                                              <p:pRg st="6" end="6"/>
                                             </p:txEl>
                                           </p:spTgt>
                                         </p:tgtEl>
@@ -10311,1509 +11954,6 @@
 </p:sld>
 </file>
 
-<file path=ppt/slides/slide20.xml><?xml version="1.0" encoding="utf-8"?>
-<p:sld xmlns:a="http://schemas.openxmlformats.org/drawingml/2006/main" xmlns:r="http://schemas.openxmlformats.org/officeDocument/2006/relationships" xmlns:p="http://schemas.openxmlformats.org/presentationml/2006/main">
-  <p:cSld>
-    <p:spTree>
-      <p:nvGrpSpPr>
-        <p:cNvPr id="1" name=""/>
-        <p:cNvGrpSpPr/>
-        <p:nvPr/>
-      </p:nvGrpSpPr>
-      <p:grpSpPr>
-        <a:xfrm>
-          <a:off x="0" y="0"/>
-          <a:ext cx="0" cy="0"/>
-          <a:chOff x="0" y="0"/>
-          <a:chExt cx="0" cy="0"/>
-        </a:xfrm>
-      </p:grpSpPr>
-      <p:sp>
-        <p:nvSpPr>
-          <p:cNvPr id="2" name="Title 1"/>
-          <p:cNvSpPr>
-            <a:spLocks noGrp="1"/>
-          </p:cNvSpPr>
-          <p:nvPr>
-            <p:ph type="title"/>
-          </p:nvPr>
-        </p:nvSpPr>
-        <p:spPr/>
-        <p:txBody>
-          <a:bodyPr/>
-          <a:lstStyle/>
-          <a:p>
-            <a:r>
-              <a:rPr lang="en-US" dirty="0"/>
-              <a:t>Extensions</a:t>
-            </a:r>
-          </a:p>
-        </p:txBody>
-      </p:sp>
-      <mc:AlternateContent xmlns:mc="http://schemas.openxmlformats.org/markup-compatibility/2006">
-        <mc:Choice xmlns:a14="http://schemas.microsoft.com/office/drawing/2010/main" Requires="a14">
-          <p:sp>
-            <p:nvSpPr>
-              <p:cNvPr id="3" name="Content Placeholder 2"/>
-              <p:cNvSpPr>
-                <a:spLocks noGrp="1"/>
-              </p:cNvSpPr>
-              <p:nvPr>
-                <p:ph idx="1"/>
-              </p:nvPr>
-            </p:nvSpPr>
-            <p:spPr/>
-            <p:txBody>
-              <a:bodyPr/>
-              <a:lstStyle/>
-              <a:p>
-                <a:r>
-                  <a:rPr lang="en-US" dirty="0" smtClean="0"/>
-                  <a:t>Implemented:</a:t>
-                </a:r>
-              </a:p>
-              <a:p>
-                <a:pPr lvl="1"/>
-                <a:r>
-                  <a:rPr lang="en-US" dirty="0" smtClean="0"/>
-                  <a:t>Single equations</a:t>
-                </a:r>
-              </a:p>
-              <a:p>
-                <a:pPr lvl="1"/>
-                <a:r>
-                  <a:rPr lang="en-US" dirty="0" smtClean="0"/>
-                  <a:t>Multiple equations:</a:t>
-                </a:r>
-              </a:p>
-              <a:p>
-                <a:pPr lvl="2"/>
-                <a:r>
-                  <a:rPr lang="en-US" dirty="0"/>
-                  <a:t>n</a:t>
-                </a:r>
-                <a:r>
-                  <a:rPr lang="en-US" dirty="0" smtClean="0"/>
-                  <a:t>umber of </a:t>
-                </a:r>
-                <a:r>
-                  <a:rPr lang="en-US" dirty="0" err="1" smtClean="0"/>
-                  <a:t>vars</a:t>
-                </a:r>
-                <a:r>
-                  <a:rPr lang="en-US" dirty="0" smtClean="0"/>
-                  <a:t> </a:t>
-                </a:r>
-                <a14:m>
-                  <m:oMath xmlns:m="http://schemas.openxmlformats.org/officeDocument/2006/math">
-                    <m:r>
-                      <a:rPr lang="en-US" i="1" smtClean="0">
-                        <a:latin typeface="Cambria Math" panose="02040503050406030204" pitchFamily="18" charset="0"/>
-                        <a:ea typeface="Cambria Math" panose="02040503050406030204" pitchFamily="18" charset="0"/>
-                      </a:rPr>
-                      <m:t>≥</m:t>
-                    </m:r>
-                    <m:r>
-                      <a:rPr lang="en-US" b="0" i="1" smtClean="0">
-                        <a:latin typeface="Cambria Math" panose="02040503050406030204" pitchFamily="18" charset="0"/>
-                        <a:ea typeface="Cambria Math" panose="02040503050406030204" pitchFamily="18" charset="0"/>
-                      </a:rPr>
-                      <m:t> </m:t>
-                    </m:r>
-                  </m:oMath>
-                </a14:m>
-                <a:r>
-                  <a:rPr lang="en-US" dirty="0" smtClean="0"/>
-                  <a:t>number of equations.</a:t>
-                </a:r>
-                <a:endParaRPr lang="en-US" dirty="0"/>
-              </a:p>
-            </p:txBody>
-          </p:sp>
-        </mc:Choice>
-        <mc:Fallback>
-          <p:sp>
-            <p:nvSpPr>
-              <p:cNvPr id="3" name="Content Placeholder 2"/>
-              <p:cNvSpPr>
-                <a:spLocks noGrp="1" noRot="1" noChangeAspect="1" noMove="1" noResize="1" noEditPoints="1" noAdjustHandles="1" noChangeArrowheads="1" noChangeShapeType="1" noTextEdit="1"/>
-              </p:cNvSpPr>
-              <p:nvPr>
-                <p:ph idx="1"/>
-              </p:nvPr>
-            </p:nvSpPr>
-            <p:spPr>
-              <a:blipFill rotWithShape="0">
-                <a:blip r:embed="rId2"/>
-                <a:stretch>
-                  <a:fillRect l="-1043" t="-2586"/>
-                </a:stretch>
-              </a:blipFill>
-            </p:spPr>
-            <p:txBody>
-              <a:bodyPr/>
-              <a:lstStyle/>
-              <a:p>
-                <a:r>
-                  <a:rPr lang="en-US">
-                    <a:noFill/>
-                  </a:rPr>
-                  <a:t> </a:t>
-                </a:r>
-              </a:p>
-            </p:txBody>
-          </p:sp>
-        </mc:Fallback>
-      </mc:AlternateContent>
-      <p:sp>
-        <p:nvSpPr>
-          <p:cNvPr id="4" name="Slide Number Placeholder 3"/>
-          <p:cNvSpPr>
-            <a:spLocks noGrp="1"/>
-          </p:cNvSpPr>
-          <p:nvPr>
-            <p:ph type="sldNum" sz="quarter" idx="12"/>
-          </p:nvPr>
-        </p:nvSpPr>
-        <p:spPr/>
-        <p:txBody>
-          <a:bodyPr/>
-          <a:lstStyle/>
-          <a:p>
-            <a:fld id="{58734595-61A4-4C07-BF74-5C223797634C}" type="slidenum">
-              <a:rPr lang="en-US" smtClean="0"/>
-              <a:t>20</a:t>
-            </a:fld>
-            <a:endParaRPr lang="en-US"/>
-          </a:p>
-        </p:txBody>
-      </p:sp>
-      <p:sp>
-        <p:nvSpPr>
-          <p:cNvPr id="5" name="Content Placeholder 4"/>
-          <p:cNvSpPr>
-            <a:spLocks noGrp="1"/>
-          </p:cNvSpPr>
-          <p:nvPr>
-            <p:ph sz="quarter" idx="13"/>
-          </p:nvPr>
-        </p:nvSpPr>
-        <p:spPr/>
-        <p:txBody>
-          <a:bodyPr/>
-          <a:lstStyle/>
-          <a:p>
-            <a:r>
-              <a:rPr lang="en-US" dirty="0"/>
-              <a:t>Equations </a:t>
-            </a:r>
-            <a:r>
-              <a:rPr lang="en-US" dirty="0" smtClean="0"/>
-              <a:t>Handling</a:t>
-            </a:r>
-            <a:endParaRPr lang="en-US" dirty="0"/>
-          </a:p>
-        </p:txBody>
-      </p:sp>
-    </p:spTree>
-    <p:extLst>
-      <p:ext uri="{BB962C8B-B14F-4D97-AF65-F5344CB8AC3E}">
-        <p14:creationId xmlns:p14="http://schemas.microsoft.com/office/powerpoint/2010/main" val="2029184266"/>
-      </p:ext>
-    </p:extLst>
-  </p:cSld>
-  <p:clrMapOvr>
-    <a:masterClrMapping/>
-  </p:clrMapOvr>
-</p:sld>
-</file>
-
-<file path=ppt/slides/slide21.xml><?xml version="1.0" encoding="utf-8"?>
-<p:sld xmlns:a="http://schemas.openxmlformats.org/drawingml/2006/main" xmlns:r="http://schemas.openxmlformats.org/officeDocument/2006/relationships" xmlns:p="http://schemas.openxmlformats.org/presentationml/2006/main">
-  <p:cSld>
-    <p:spTree>
-      <p:nvGrpSpPr>
-        <p:cNvPr id="1" name=""/>
-        <p:cNvGrpSpPr/>
-        <p:nvPr/>
-      </p:nvGrpSpPr>
-      <p:grpSpPr>
-        <a:xfrm>
-          <a:off x="0" y="0"/>
-          <a:ext cx="0" cy="0"/>
-          <a:chOff x="0" y="0"/>
-          <a:chExt cx="0" cy="0"/>
-        </a:xfrm>
-      </p:grpSpPr>
-      <p:sp>
-        <p:nvSpPr>
-          <p:cNvPr id="2" name="Title 1"/>
-          <p:cNvSpPr>
-            <a:spLocks noGrp="1"/>
-          </p:cNvSpPr>
-          <p:nvPr>
-            <p:ph type="title"/>
-          </p:nvPr>
-        </p:nvSpPr>
-        <p:spPr/>
-        <p:txBody>
-          <a:bodyPr/>
-          <a:lstStyle/>
-          <a:p>
-            <a:r>
-              <a:rPr lang="en-US" dirty="0" smtClean="0"/>
-              <a:t>Conclusion</a:t>
-            </a:r>
-            <a:endParaRPr lang="en-US" dirty="0"/>
-          </a:p>
-        </p:txBody>
-      </p:sp>
-      <p:sp>
-        <p:nvSpPr>
-          <p:cNvPr id="3" name="Content Placeholder 2"/>
-          <p:cNvSpPr>
-            <a:spLocks noGrp="1"/>
-          </p:cNvSpPr>
-          <p:nvPr>
-            <p:ph idx="1"/>
-          </p:nvPr>
-        </p:nvSpPr>
-        <p:spPr/>
-        <p:txBody>
-          <a:bodyPr/>
-          <a:lstStyle/>
-          <a:p>
-            <a:r>
-              <a:rPr lang="en-US" dirty="0" smtClean="0"/>
-              <a:t>Research Purpose</a:t>
-            </a:r>
-            <a:r>
-              <a:rPr lang="en-US" dirty="0"/>
-              <a:t>:</a:t>
-            </a:r>
-            <a:endParaRPr lang="en-US" b="1" dirty="0" smtClean="0"/>
-          </a:p>
-          <a:p>
-            <a:pPr lvl="1"/>
-            <a:r>
-              <a:rPr lang="en-US" b="1" dirty="0" smtClean="0"/>
-              <a:t>Efficiency </a:t>
-            </a:r>
-            <a:r>
-              <a:rPr lang="en-US" b="1" dirty="0"/>
-              <a:t>Improvement</a:t>
-            </a:r>
-            <a:r>
-              <a:rPr lang="en-US" dirty="0"/>
-              <a:t>: Heuristics.</a:t>
-            </a:r>
-          </a:p>
-          <a:p>
-            <a:pPr lvl="1"/>
-            <a:r>
-              <a:rPr lang="en-US" b="1" dirty="0"/>
-              <a:t>Equality Handling</a:t>
-            </a:r>
-            <a:r>
-              <a:rPr lang="en-US" dirty="0"/>
-              <a:t>: The Intermediate Value Theorem.</a:t>
-            </a:r>
-          </a:p>
-          <a:p>
-            <a:r>
-              <a:rPr lang="en-US" b="1" dirty="0" err="1" smtClean="0"/>
-              <a:t>raSAT</a:t>
-            </a:r>
-            <a:r>
-              <a:rPr lang="en-US" b="1" dirty="0" smtClean="0"/>
-              <a:t> </a:t>
-            </a:r>
-            <a:r>
-              <a:rPr lang="en-US" dirty="0" smtClean="0"/>
-              <a:t>can solve some large constraints from SMT-LIB </a:t>
-            </a:r>
-            <a:r>
-              <a:rPr lang="en-US" dirty="0" err="1" smtClean="0"/>
-              <a:t>bechmarks</a:t>
-            </a:r>
-            <a:r>
-              <a:rPr lang="en-US" dirty="0" smtClean="0"/>
-              <a:t> which are difficult for other tools.</a:t>
-            </a:r>
-          </a:p>
-          <a:p>
-            <a:r>
-              <a:rPr lang="en-US" dirty="0" smtClean="0"/>
-              <a:t>Future:</a:t>
-            </a:r>
-          </a:p>
-          <a:p>
-            <a:pPr lvl="1"/>
-            <a:r>
-              <a:rPr lang="en-US" dirty="0" smtClean="0"/>
-              <a:t>UNSAT core.</a:t>
-            </a:r>
-          </a:p>
-          <a:p>
-            <a:pPr lvl="1"/>
-            <a:r>
-              <a:rPr lang="en-US" smtClean="0"/>
-              <a:t>Test generation.</a:t>
-            </a:r>
-            <a:endParaRPr lang="en-US" dirty="0" smtClean="0"/>
-          </a:p>
-          <a:p>
-            <a:pPr lvl="1"/>
-            <a:r>
-              <a:rPr lang="en-US" dirty="0" smtClean="0"/>
-              <a:t>Box Decomposition.</a:t>
-            </a:r>
-            <a:endParaRPr lang="en-US" dirty="0" smtClean="0"/>
-          </a:p>
-        </p:txBody>
-      </p:sp>
-      <p:sp>
-        <p:nvSpPr>
-          <p:cNvPr id="4" name="Slide Number Placeholder 3"/>
-          <p:cNvSpPr>
-            <a:spLocks noGrp="1"/>
-          </p:cNvSpPr>
-          <p:nvPr>
-            <p:ph type="sldNum" sz="quarter" idx="12"/>
-          </p:nvPr>
-        </p:nvSpPr>
-        <p:spPr/>
-        <p:txBody>
-          <a:bodyPr/>
-          <a:lstStyle/>
-          <a:p>
-            <a:fld id="{58734595-61A4-4C07-BF74-5C223797634C}" type="slidenum">
-              <a:rPr lang="en-US" smtClean="0"/>
-              <a:t>21</a:t>
-            </a:fld>
-            <a:endParaRPr lang="en-US" dirty="0"/>
-          </a:p>
-        </p:txBody>
-      </p:sp>
-      <p:sp>
-        <p:nvSpPr>
-          <p:cNvPr id="5" name="Content Placeholder 4"/>
-          <p:cNvSpPr>
-            <a:spLocks noGrp="1"/>
-          </p:cNvSpPr>
-          <p:nvPr>
-            <p:ph sz="quarter" idx="13"/>
-          </p:nvPr>
-        </p:nvSpPr>
-        <p:spPr/>
-        <p:txBody>
-          <a:bodyPr/>
-          <a:lstStyle/>
-          <a:p>
-            <a:endParaRPr lang="en-US" dirty="0"/>
-          </a:p>
-        </p:txBody>
-      </p:sp>
-    </p:spTree>
-    <p:extLst>
-      <p:ext uri="{BB962C8B-B14F-4D97-AF65-F5344CB8AC3E}">
-        <p14:creationId xmlns:p14="http://schemas.microsoft.com/office/powerpoint/2010/main" val="1368709466"/>
-      </p:ext>
-    </p:extLst>
-  </p:cSld>
-  <p:clrMapOvr>
-    <a:masterClrMapping/>
-  </p:clrMapOvr>
-  <p:timing>
-    <p:tnLst>
-      <p:par>
-        <p:cTn id="1" dur="indefinite" restart="never" nodeType="tmRoot"/>
-      </p:par>
-    </p:tnLst>
-  </p:timing>
-</p:sld>
-</file>
-
-<file path=ppt/slides/slide22.xml><?xml version="1.0" encoding="utf-8"?>
-<p:sld xmlns:a="http://schemas.openxmlformats.org/drawingml/2006/main" xmlns:r="http://schemas.openxmlformats.org/officeDocument/2006/relationships" xmlns:p="http://schemas.openxmlformats.org/presentationml/2006/main">
-  <p:cSld>
-    <p:spTree>
-      <p:nvGrpSpPr>
-        <p:cNvPr id="1" name=""/>
-        <p:cNvGrpSpPr/>
-        <p:nvPr/>
-      </p:nvGrpSpPr>
-      <p:grpSpPr>
-        <a:xfrm>
-          <a:off x="0" y="0"/>
-          <a:ext cx="0" cy="0"/>
-          <a:chOff x="0" y="0"/>
-          <a:chExt cx="0" cy="0"/>
-        </a:xfrm>
-      </p:grpSpPr>
-      <p:sp>
-        <p:nvSpPr>
-          <p:cNvPr id="2" name="Title 1"/>
-          <p:cNvSpPr>
-            <a:spLocks noGrp="1"/>
-          </p:cNvSpPr>
-          <p:nvPr>
-            <p:ph type="title"/>
-          </p:nvPr>
-        </p:nvSpPr>
-        <p:spPr/>
-        <p:txBody>
-          <a:bodyPr/>
-          <a:lstStyle/>
-          <a:p>
-            <a:endParaRPr lang="en-US"/>
-          </a:p>
-        </p:txBody>
-      </p:sp>
-      <p:sp>
-        <p:nvSpPr>
-          <p:cNvPr id="3" name="Content Placeholder 2"/>
-          <p:cNvSpPr>
-            <a:spLocks noGrp="1"/>
-          </p:cNvSpPr>
-          <p:nvPr>
-            <p:ph idx="1"/>
-          </p:nvPr>
-        </p:nvSpPr>
-        <p:spPr/>
-        <p:txBody>
-          <a:bodyPr/>
-          <a:lstStyle/>
-          <a:p>
-            <a:endParaRPr lang="en-US" dirty="0"/>
-          </a:p>
-        </p:txBody>
-      </p:sp>
-      <p:sp>
-        <p:nvSpPr>
-          <p:cNvPr id="4" name="Rectangle 3"/>
-          <p:cNvSpPr/>
-          <p:nvPr/>
-        </p:nvSpPr>
-        <p:spPr>
-          <a:xfrm>
-            <a:off x="2428815" y="2967335"/>
-            <a:ext cx="7334380" cy="923330"/>
-          </a:xfrm>
-          <a:prstGeom prst="rect">
-            <a:avLst/>
-          </a:prstGeom>
-          <a:noFill/>
-        </p:spPr>
-        <p:txBody>
-          <a:bodyPr wrap="none" lIns="91440" tIns="45720" rIns="91440" bIns="45720">
-            <a:spAutoFit/>
-          </a:bodyPr>
-          <a:lstStyle/>
-          <a:p>
-            <a:pPr algn="ctr"/>
-            <a:r>
-              <a:rPr lang="en-US" sz="5400" b="1" cap="none" spc="0" dirty="0" smtClean="0">
-                <a:ln w="22225">
-                  <a:solidFill>
-                    <a:schemeClr val="accent2"/>
-                  </a:solidFill>
-                  <a:prstDash val="solid"/>
-                </a:ln>
-                <a:solidFill>
-                  <a:srgbClr val="FF0000"/>
-                </a:solidFill>
-                <a:effectLst/>
-              </a:rPr>
-              <a:t>THANKS FOR ATTENTION</a:t>
-            </a:r>
-            <a:endParaRPr lang="en-US" sz="5400" b="1" cap="none" spc="0" dirty="0">
-              <a:ln w="22225">
-                <a:solidFill>
-                  <a:schemeClr val="accent2"/>
-                </a:solidFill>
-                <a:prstDash val="solid"/>
-              </a:ln>
-              <a:solidFill>
-                <a:srgbClr val="FF0000"/>
-              </a:solidFill>
-              <a:effectLst/>
-            </a:endParaRPr>
-          </a:p>
-        </p:txBody>
-      </p:sp>
-      <p:sp>
-        <p:nvSpPr>
-          <p:cNvPr id="5" name="Slide Number Placeholder 4"/>
-          <p:cNvSpPr>
-            <a:spLocks noGrp="1"/>
-          </p:cNvSpPr>
-          <p:nvPr>
-            <p:ph type="sldNum" sz="quarter" idx="12"/>
-          </p:nvPr>
-        </p:nvSpPr>
-        <p:spPr/>
-        <p:txBody>
-          <a:bodyPr/>
-          <a:lstStyle/>
-          <a:p>
-            <a:fld id="{58734595-61A4-4C07-BF74-5C223797634C}" type="slidenum">
-              <a:rPr lang="en-US" smtClean="0"/>
-              <a:t>22</a:t>
-            </a:fld>
-            <a:endParaRPr lang="en-US"/>
-          </a:p>
-        </p:txBody>
-      </p:sp>
-    </p:spTree>
-    <p:extLst>
-      <p:ext uri="{BB962C8B-B14F-4D97-AF65-F5344CB8AC3E}">
-        <p14:creationId xmlns:p14="http://schemas.microsoft.com/office/powerpoint/2010/main" val="3473756603"/>
-      </p:ext>
-    </p:extLst>
-  </p:cSld>
-  <p:clrMapOvr>
-    <a:masterClrMapping/>
-  </p:clrMapOvr>
-  <p:timing>
-    <p:tnLst>
-      <p:par>
-        <p:cTn id="1" dur="indefinite" restart="never" nodeType="tmRoot"/>
-      </p:par>
-    </p:tnLst>
-  </p:timing>
-</p:sld>
-</file>
-
-<file path=ppt/slides/slide3.xml><?xml version="1.0" encoding="utf-8"?>
-<p:sld xmlns:a="http://schemas.openxmlformats.org/drawingml/2006/main" xmlns:r="http://schemas.openxmlformats.org/officeDocument/2006/relationships" xmlns:p="http://schemas.openxmlformats.org/presentationml/2006/main">
-  <p:cSld>
-    <p:spTree>
-      <p:nvGrpSpPr>
-        <p:cNvPr id="1" name=""/>
-        <p:cNvGrpSpPr/>
-        <p:nvPr/>
-      </p:nvGrpSpPr>
-      <p:grpSpPr>
-        <a:xfrm>
-          <a:off x="0" y="0"/>
-          <a:ext cx="0" cy="0"/>
-          <a:chOff x="0" y="0"/>
-          <a:chExt cx="0" cy="0"/>
-        </a:xfrm>
-      </p:grpSpPr>
-      <p:sp>
-        <p:nvSpPr>
-          <p:cNvPr id="2" name="Title 1"/>
-          <p:cNvSpPr>
-            <a:spLocks noGrp="1"/>
-          </p:cNvSpPr>
-          <p:nvPr>
-            <p:ph type="title"/>
-          </p:nvPr>
-        </p:nvSpPr>
-        <p:spPr/>
-        <p:txBody>
-          <a:bodyPr/>
-          <a:lstStyle/>
-          <a:p>
-            <a:r>
-              <a:rPr lang="en-US" dirty="0"/>
-              <a:t>Summary</a:t>
-            </a:r>
-          </a:p>
-        </p:txBody>
-      </p:sp>
-      <p:sp>
-        <p:nvSpPr>
-          <p:cNvPr id="4" name="Slide Number Placeholder 3"/>
-          <p:cNvSpPr>
-            <a:spLocks noGrp="1"/>
-          </p:cNvSpPr>
-          <p:nvPr>
-            <p:ph type="sldNum" sz="quarter" idx="12"/>
-          </p:nvPr>
-        </p:nvSpPr>
-        <p:spPr/>
-        <p:txBody>
-          <a:bodyPr/>
-          <a:lstStyle/>
-          <a:p>
-            <a:fld id="{58734595-61A4-4C07-BF74-5C223797634C}" type="slidenum">
-              <a:rPr lang="en-US" smtClean="0"/>
-              <a:t>3</a:t>
-            </a:fld>
-            <a:endParaRPr lang="en-US"/>
-          </a:p>
-        </p:txBody>
-      </p:sp>
-      <p:sp>
-        <p:nvSpPr>
-          <p:cNvPr id="5" name="Content Placeholder 4"/>
-          <p:cNvSpPr>
-            <a:spLocks noGrp="1"/>
-          </p:cNvSpPr>
-          <p:nvPr>
-            <p:ph sz="quarter" idx="13"/>
-          </p:nvPr>
-        </p:nvSpPr>
-        <p:spPr/>
-        <p:txBody>
-          <a:bodyPr/>
-          <a:lstStyle/>
-          <a:p>
-            <a:r>
-              <a:rPr lang="en-US" dirty="0" smtClean="0"/>
-              <a:t>Hook</a:t>
-            </a:r>
-            <a:endParaRPr lang="en-US" dirty="0"/>
-          </a:p>
-        </p:txBody>
-      </p:sp>
-      <p:sp>
-        <p:nvSpPr>
-          <p:cNvPr id="7" name="Content Placeholder 6"/>
-          <p:cNvSpPr>
-            <a:spLocks noGrp="1"/>
-          </p:cNvSpPr>
-          <p:nvPr>
-            <p:ph idx="1"/>
-          </p:nvPr>
-        </p:nvSpPr>
-        <p:spPr>
-          <a:xfrm>
-            <a:off x="838200" y="1930399"/>
-            <a:ext cx="10515600" cy="4927601"/>
-          </a:xfrm>
-        </p:spPr>
-        <p:txBody>
-          <a:bodyPr>
-            <a:normAutofit/>
-          </a:bodyPr>
-          <a:lstStyle/>
-          <a:p>
-            <a:r>
-              <a:rPr lang="en-US" dirty="0" smtClean="0"/>
-              <a:t>Why are we interested in solving Polynomial Constraints?</a:t>
-            </a:r>
-          </a:p>
-          <a:p>
-            <a:pPr lvl="1"/>
-            <a:r>
-              <a:rPr lang="en-US" dirty="0" smtClean="0"/>
-              <a:t>The complete method QE-CAD: DEXP.</a:t>
-            </a:r>
-          </a:p>
-          <a:p>
-            <a:pPr lvl="1"/>
-            <a:r>
-              <a:rPr lang="en-US" dirty="0"/>
-              <a:t>Interval </a:t>
-            </a:r>
-            <a:r>
-              <a:rPr lang="en-US" dirty="0" smtClean="0"/>
-              <a:t>Constraint Propagation (ICP): exploration of boxes.</a:t>
-            </a:r>
-          </a:p>
-          <a:p>
-            <a:pPr lvl="1"/>
-            <a:r>
-              <a:rPr lang="en-US" dirty="0" smtClean="0"/>
-              <a:t>Bit-blasting: </a:t>
-            </a:r>
-            <a:r>
-              <a:rPr lang="en-US" dirty="0"/>
-              <a:t>suffers with high number of variables or high degree of </a:t>
-            </a:r>
-            <a:r>
-              <a:rPr lang="en-US" dirty="0" smtClean="0"/>
-              <a:t>polynomials.</a:t>
-            </a:r>
-          </a:p>
-          <a:p>
-            <a:pPr lvl="1"/>
-            <a:r>
-              <a:rPr lang="en-US" dirty="0" smtClean="0"/>
-              <a:t>Linearization: </a:t>
-            </a:r>
-            <a:r>
-              <a:rPr lang="en-US" dirty="0"/>
-              <a:t>suffers with high degree of </a:t>
-            </a:r>
-            <a:r>
-              <a:rPr lang="en-US" dirty="0" smtClean="0"/>
-              <a:t>polynomials.</a:t>
-            </a:r>
-          </a:p>
-          <a:p>
-            <a:pPr lvl="1"/>
-            <a:r>
-              <a:rPr lang="en-US" dirty="0"/>
-              <a:t>Virtual </a:t>
-            </a:r>
-            <a:r>
-              <a:rPr lang="en-US" dirty="0" smtClean="0"/>
-              <a:t>substitution: </a:t>
-            </a:r>
-            <a:r>
-              <a:rPr lang="en-US" dirty="0"/>
-              <a:t>degree &lt;= </a:t>
-            </a:r>
-            <a:r>
-              <a:rPr lang="en-US" dirty="0" smtClean="0"/>
-              <a:t>5</a:t>
-            </a:r>
-          </a:p>
-          <a:p>
-            <a:pPr marL="914400" lvl="2" indent="0">
-              <a:buNone/>
-            </a:pPr>
-            <a:endParaRPr lang="en-US" dirty="0" smtClean="0"/>
-          </a:p>
-          <a:p>
-            <a:pPr marL="914400" lvl="2" indent="0">
-              <a:buNone/>
-            </a:pPr>
-            <a:endParaRPr lang="en-US" dirty="0" smtClean="0"/>
-          </a:p>
-        </p:txBody>
-      </p:sp>
-      <p:sp>
-        <p:nvSpPr>
-          <p:cNvPr id="6" name="TextBox 5"/>
-          <p:cNvSpPr txBox="1"/>
-          <p:nvPr/>
-        </p:nvSpPr>
-        <p:spPr>
-          <a:xfrm>
-            <a:off x="3160059" y="5499847"/>
-            <a:ext cx="5102679" cy="523220"/>
-          </a:xfrm>
-          <a:prstGeom prst="rect">
-            <a:avLst/>
-          </a:prstGeom>
-          <a:noFill/>
-        </p:spPr>
-        <p:txBody>
-          <a:bodyPr wrap="none" rtlCol="0">
-            <a:spAutoFit/>
-          </a:bodyPr>
-          <a:lstStyle/>
-          <a:p>
-            <a:r>
-              <a:rPr lang="en-US" sz="2800" dirty="0" err="1" smtClean="0">
-                <a:latin typeface="Times New Roman" panose="02020603050405020304" pitchFamily="18" charset="0"/>
-                <a:cs typeface="Times New Roman" panose="02020603050405020304" pitchFamily="18" charset="0"/>
-              </a:rPr>
-              <a:t>raSAT</a:t>
-            </a:r>
-            <a:r>
-              <a:rPr lang="en-US" sz="2800" dirty="0" smtClean="0">
-                <a:latin typeface="Times New Roman" panose="02020603050405020304" pitchFamily="18" charset="0"/>
-                <a:cs typeface="Times New Roman" panose="02020603050405020304" pitchFamily="18" charset="0"/>
-              </a:rPr>
-              <a:t>: ICP + Testing + heuristics</a:t>
-            </a:r>
-            <a:endParaRPr lang="en-US" sz="2800" dirty="0">
-              <a:latin typeface="Times New Roman" panose="02020603050405020304" pitchFamily="18" charset="0"/>
-              <a:cs typeface="Times New Roman" panose="02020603050405020304" pitchFamily="18" charset="0"/>
-            </a:endParaRPr>
-          </a:p>
-        </p:txBody>
-      </p:sp>
-    </p:spTree>
-    <p:extLst>
-      <p:ext uri="{BB962C8B-B14F-4D97-AF65-F5344CB8AC3E}">
-        <p14:creationId xmlns:p14="http://schemas.microsoft.com/office/powerpoint/2010/main" val="3893830263"/>
-      </p:ext>
-    </p:extLst>
-  </p:cSld>
-  <p:clrMapOvr>
-    <a:masterClrMapping/>
-  </p:clrMapOvr>
-  <p:timing>
-    <p:tnLst>
-      <p:par>
-        <p:cTn id="1" dur="indefinite" restart="never" nodeType="tmRoot">
-          <p:childTnLst>
-            <p:seq concurrent="1" nextAc="seek">
-              <p:cTn id="2" dur="indefinite" nodeType="mainSeq">
-                <p:childTnLst>
-                  <p:par>
-                    <p:cTn id="3" fill="hold">
-                      <p:stCondLst>
-                        <p:cond delay="indefinite"/>
-                      </p:stCondLst>
-                      <p:childTnLst>
-                        <p:par>
-                          <p:cTn id="4" fill="hold">
-                            <p:stCondLst>
-                              <p:cond delay="0"/>
-                            </p:stCondLst>
-                            <p:childTnLst>
-                              <p:par>
-                                <p:cTn id="5" presetID="2" presetClass="entr" presetSubtype="4" fill="hold" nodeType="clickEffect">
-                                  <p:stCondLst>
-                                    <p:cond delay="0"/>
-                                  </p:stCondLst>
-                                  <p:childTnLst>
-                                    <p:set>
-                                      <p:cBhvr>
-                                        <p:cTn id="6" dur="1" fill="hold">
-                                          <p:stCondLst>
-                                            <p:cond delay="0"/>
-                                          </p:stCondLst>
-                                        </p:cTn>
-                                        <p:tgtEl>
-                                          <p:spTgt spid="7">
-                                            <p:txEl>
-                                              <p:pRg st="1" end="1"/>
-                                            </p:txEl>
-                                          </p:spTgt>
-                                        </p:tgtEl>
-                                        <p:attrNameLst>
-                                          <p:attrName>style.visibility</p:attrName>
-                                        </p:attrNameLst>
-                                      </p:cBhvr>
-                                      <p:to>
-                                        <p:strVal val="visible"/>
-                                      </p:to>
-                                    </p:set>
-                                    <p:anim calcmode="lin" valueType="num">
-                                      <p:cBhvr additive="base">
-                                        <p:cTn id="7" dur="500" fill="hold"/>
-                                        <p:tgtEl>
-                                          <p:spTgt spid="7">
-                                            <p:txEl>
-                                              <p:pRg st="1" end="1"/>
-                                            </p:txEl>
-                                          </p:spTgt>
-                                        </p:tgtEl>
-                                        <p:attrNameLst>
-                                          <p:attrName>ppt_x</p:attrName>
-                                        </p:attrNameLst>
-                                      </p:cBhvr>
-                                      <p:tavLst>
-                                        <p:tav tm="0">
-                                          <p:val>
-                                            <p:strVal val="#ppt_x"/>
-                                          </p:val>
-                                        </p:tav>
-                                        <p:tav tm="100000">
-                                          <p:val>
-                                            <p:strVal val="#ppt_x"/>
-                                          </p:val>
-                                        </p:tav>
-                                      </p:tavLst>
-                                    </p:anim>
-                                    <p:anim calcmode="lin" valueType="num">
-                                      <p:cBhvr additive="base">
-                                        <p:cTn id="8" dur="500" fill="hold"/>
-                                        <p:tgtEl>
-                                          <p:spTgt spid="7">
-                                            <p:txEl>
-                                              <p:pRg st="1" end="1"/>
-                                            </p:txEl>
-                                          </p:spTgt>
-                                        </p:tgtEl>
-                                        <p:attrNameLst>
-                                          <p:attrName>ppt_y</p:attrName>
-                                        </p:attrNameLst>
-                                      </p:cBhvr>
-                                      <p:tavLst>
-                                        <p:tav tm="0">
-                                          <p:val>
-                                            <p:strVal val="1+#ppt_h/2"/>
-                                          </p:val>
-                                        </p:tav>
-                                        <p:tav tm="100000">
-                                          <p:val>
-                                            <p:strVal val="#ppt_y"/>
-                                          </p:val>
-                                        </p:tav>
-                                      </p:tavLst>
-                                    </p:anim>
-                                  </p:childTnLst>
-                                </p:cTn>
-                              </p:par>
-                            </p:childTnLst>
-                          </p:cTn>
-                        </p:par>
-                      </p:childTnLst>
-                    </p:cTn>
-                  </p:par>
-                  <p:par>
-                    <p:cTn id="9" fill="hold">
-                      <p:stCondLst>
-                        <p:cond delay="indefinite"/>
-                      </p:stCondLst>
-                      <p:childTnLst>
-                        <p:par>
-                          <p:cTn id="10" fill="hold">
-                            <p:stCondLst>
-                              <p:cond delay="0"/>
-                            </p:stCondLst>
-                            <p:childTnLst>
-                              <p:par>
-                                <p:cTn id="11" presetID="2" presetClass="entr" presetSubtype="4" fill="hold" nodeType="clickEffect">
-                                  <p:stCondLst>
-                                    <p:cond delay="0"/>
-                                  </p:stCondLst>
-                                  <p:childTnLst>
-                                    <p:set>
-                                      <p:cBhvr>
-                                        <p:cTn id="12" dur="1" fill="hold">
-                                          <p:stCondLst>
-                                            <p:cond delay="0"/>
-                                          </p:stCondLst>
-                                        </p:cTn>
-                                        <p:tgtEl>
-                                          <p:spTgt spid="7">
-                                            <p:txEl>
-                                              <p:pRg st="2" end="2"/>
-                                            </p:txEl>
-                                          </p:spTgt>
-                                        </p:tgtEl>
-                                        <p:attrNameLst>
-                                          <p:attrName>style.visibility</p:attrName>
-                                        </p:attrNameLst>
-                                      </p:cBhvr>
-                                      <p:to>
-                                        <p:strVal val="visible"/>
-                                      </p:to>
-                                    </p:set>
-                                    <p:anim calcmode="lin" valueType="num">
-                                      <p:cBhvr additive="base">
-                                        <p:cTn id="13" dur="500" fill="hold"/>
-                                        <p:tgtEl>
-                                          <p:spTgt spid="7">
-                                            <p:txEl>
-                                              <p:pRg st="2" end="2"/>
-                                            </p:txEl>
-                                          </p:spTgt>
-                                        </p:tgtEl>
-                                        <p:attrNameLst>
-                                          <p:attrName>ppt_x</p:attrName>
-                                        </p:attrNameLst>
-                                      </p:cBhvr>
-                                      <p:tavLst>
-                                        <p:tav tm="0">
-                                          <p:val>
-                                            <p:strVal val="#ppt_x"/>
-                                          </p:val>
-                                        </p:tav>
-                                        <p:tav tm="100000">
-                                          <p:val>
-                                            <p:strVal val="#ppt_x"/>
-                                          </p:val>
-                                        </p:tav>
-                                      </p:tavLst>
-                                    </p:anim>
-                                    <p:anim calcmode="lin" valueType="num">
-                                      <p:cBhvr additive="base">
-                                        <p:cTn id="14" dur="500" fill="hold"/>
-                                        <p:tgtEl>
-                                          <p:spTgt spid="7">
-                                            <p:txEl>
-                                              <p:pRg st="2" end="2"/>
-                                            </p:txEl>
-                                          </p:spTgt>
-                                        </p:tgtEl>
-                                        <p:attrNameLst>
-                                          <p:attrName>ppt_y</p:attrName>
-                                        </p:attrNameLst>
-                                      </p:cBhvr>
-                                      <p:tavLst>
-                                        <p:tav tm="0">
-                                          <p:val>
-                                            <p:strVal val="1+#ppt_h/2"/>
-                                          </p:val>
-                                        </p:tav>
-                                        <p:tav tm="100000">
-                                          <p:val>
-                                            <p:strVal val="#ppt_y"/>
-                                          </p:val>
-                                        </p:tav>
-                                      </p:tavLst>
-                                    </p:anim>
-                                  </p:childTnLst>
-                                </p:cTn>
-                              </p:par>
-                            </p:childTnLst>
-                          </p:cTn>
-                        </p:par>
-                      </p:childTnLst>
-                    </p:cTn>
-                  </p:par>
-                  <p:par>
-                    <p:cTn id="15" fill="hold">
-                      <p:stCondLst>
-                        <p:cond delay="indefinite"/>
-                      </p:stCondLst>
-                      <p:childTnLst>
-                        <p:par>
-                          <p:cTn id="16" fill="hold">
-                            <p:stCondLst>
-                              <p:cond delay="0"/>
-                            </p:stCondLst>
-                            <p:childTnLst>
-                              <p:par>
-                                <p:cTn id="17" presetID="2" presetClass="entr" presetSubtype="4" fill="hold" nodeType="clickEffect">
-                                  <p:stCondLst>
-                                    <p:cond delay="0"/>
-                                  </p:stCondLst>
-                                  <p:childTnLst>
-                                    <p:set>
-                                      <p:cBhvr>
-                                        <p:cTn id="18" dur="1" fill="hold">
-                                          <p:stCondLst>
-                                            <p:cond delay="0"/>
-                                          </p:stCondLst>
-                                        </p:cTn>
-                                        <p:tgtEl>
-                                          <p:spTgt spid="7">
-                                            <p:txEl>
-                                              <p:pRg st="3" end="3"/>
-                                            </p:txEl>
-                                          </p:spTgt>
-                                        </p:tgtEl>
-                                        <p:attrNameLst>
-                                          <p:attrName>style.visibility</p:attrName>
-                                        </p:attrNameLst>
-                                      </p:cBhvr>
-                                      <p:to>
-                                        <p:strVal val="visible"/>
-                                      </p:to>
-                                    </p:set>
-                                    <p:anim calcmode="lin" valueType="num">
-                                      <p:cBhvr additive="base">
-                                        <p:cTn id="19" dur="500" fill="hold"/>
-                                        <p:tgtEl>
-                                          <p:spTgt spid="7">
-                                            <p:txEl>
-                                              <p:pRg st="3" end="3"/>
-                                            </p:txEl>
-                                          </p:spTgt>
-                                        </p:tgtEl>
-                                        <p:attrNameLst>
-                                          <p:attrName>ppt_x</p:attrName>
-                                        </p:attrNameLst>
-                                      </p:cBhvr>
-                                      <p:tavLst>
-                                        <p:tav tm="0">
-                                          <p:val>
-                                            <p:strVal val="#ppt_x"/>
-                                          </p:val>
-                                        </p:tav>
-                                        <p:tav tm="100000">
-                                          <p:val>
-                                            <p:strVal val="#ppt_x"/>
-                                          </p:val>
-                                        </p:tav>
-                                      </p:tavLst>
-                                    </p:anim>
-                                    <p:anim calcmode="lin" valueType="num">
-                                      <p:cBhvr additive="base">
-                                        <p:cTn id="20" dur="500" fill="hold"/>
-                                        <p:tgtEl>
-                                          <p:spTgt spid="7">
-                                            <p:txEl>
-                                              <p:pRg st="3" end="3"/>
-                                            </p:txEl>
-                                          </p:spTgt>
-                                        </p:tgtEl>
-                                        <p:attrNameLst>
-                                          <p:attrName>ppt_y</p:attrName>
-                                        </p:attrNameLst>
-                                      </p:cBhvr>
-                                      <p:tavLst>
-                                        <p:tav tm="0">
-                                          <p:val>
-                                            <p:strVal val="1+#ppt_h/2"/>
-                                          </p:val>
-                                        </p:tav>
-                                        <p:tav tm="100000">
-                                          <p:val>
-                                            <p:strVal val="#ppt_y"/>
-                                          </p:val>
-                                        </p:tav>
-                                      </p:tavLst>
-                                    </p:anim>
-                                  </p:childTnLst>
-                                </p:cTn>
-                              </p:par>
-                            </p:childTnLst>
-                          </p:cTn>
-                        </p:par>
-                      </p:childTnLst>
-                    </p:cTn>
-                  </p:par>
-                  <p:par>
-                    <p:cTn id="21" fill="hold">
-                      <p:stCondLst>
-                        <p:cond delay="indefinite"/>
-                      </p:stCondLst>
-                      <p:childTnLst>
-                        <p:par>
-                          <p:cTn id="22" fill="hold">
-                            <p:stCondLst>
-                              <p:cond delay="0"/>
-                            </p:stCondLst>
-                            <p:childTnLst>
-                              <p:par>
-                                <p:cTn id="23" presetID="2" presetClass="entr" presetSubtype="4" fill="hold" nodeType="clickEffect">
-                                  <p:stCondLst>
-                                    <p:cond delay="0"/>
-                                  </p:stCondLst>
-                                  <p:childTnLst>
-                                    <p:set>
-                                      <p:cBhvr>
-                                        <p:cTn id="24" dur="1" fill="hold">
-                                          <p:stCondLst>
-                                            <p:cond delay="0"/>
-                                          </p:stCondLst>
-                                        </p:cTn>
-                                        <p:tgtEl>
-                                          <p:spTgt spid="7">
-                                            <p:txEl>
-                                              <p:pRg st="4" end="4"/>
-                                            </p:txEl>
-                                          </p:spTgt>
-                                        </p:tgtEl>
-                                        <p:attrNameLst>
-                                          <p:attrName>style.visibility</p:attrName>
-                                        </p:attrNameLst>
-                                      </p:cBhvr>
-                                      <p:to>
-                                        <p:strVal val="visible"/>
-                                      </p:to>
-                                    </p:set>
-                                    <p:anim calcmode="lin" valueType="num">
-                                      <p:cBhvr additive="base">
-                                        <p:cTn id="25" dur="500" fill="hold"/>
-                                        <p:tgtEl>
-                                          <p:spTgt spid="7">
-                                            <p:txEl>
-                                              <p:pRg st="4" end="4"/>
-                                            </p:txEl>
-                                          </p:spTgt>
-                                        </p:tgtEl>
-                                        <p:attrNameLst>
-                                          <p:attrName>ppt_x</p:attrName>
-                                        </p:attrNameLst>
-                                      </p:cBhvr>
-                                      <p:tavLst>
-                                        <p:tav tm="0">
-                                          <p:val>
-                                            <p:strVal val="#ppt_x"/>
-                                          </p:val>
-                                        </p:tav>
-                                        <p:tav tm="100000">
-                                          <p:val>
-                                            <p:strVal val="#ppt_x"/>
-                                          </p:val>
-                                        </p:tav>
-                                      </p:tavLst>
-                                    </p:anim>
-                                    <p:anim calcmode="lin" valueType="num">
-                                      <p:cBhvr additive="base">
-                                        <p:cTn id="26" dur="500" fill="hold"/>
-                                        <p:tgtEl>
-                                          <p:spTgt spid="7">
-                                            <p:txEl>
-                                              <p:pRg st="4" end="4"/>
-                                            </p:txEl>
-                                          </p:spTgt>
-                                        </p:tgtEl>
-                                        <p:attrNameLst>
-                                          <p:attrName>ppt_y</p:attrName>
-                                        </p:attrNameLst>
-                                      </p:cBhvr>
-                                      <p:tavLst>
-                                        <p:tav tm="0">
-                                          <p:val>
-                                            <p:strVal val="1+#ppt_h/2"/>
-                                          </p:val>
-                                        </p:tav>
-                                        <p:tav tm="100000">
-                                          <p:val>
-                                            <p:strVal val="#ppt_y"/>
-                                          </p:val>
-                                        </p:tav>
-                                      </p:tavLst>
-                                    </p:anim>
-                                  </p:childTnLst>
-                                </p:cTn>
-                              </p:par>
-                            </p:childTnLst>
-                          </p:cTn>
-                        </p:par>
-                      </p:childTnLst>
-                    </p:cTn>
-                  </p:par>
-                  <p:par>
-                    <p:cTn id="27" fill="hold">
-                      <p:stCondLst>
-                        <p:cond delay="indefinite"/>
-                      </p:stCondLst>
-                      <p:childTnLst>
-                        <p:par>
-                          <p:cTn id="28" fill="hold">
-                            <p:stCondLst>
-                              <p:cond delay="0"/>
-                            </p:stCondLst>
-                            <p:childTnLst>
-                              <p:par>
-                                <p:cTn id="29" presetID="2" presetClass="entr" presetSubtype="4" fill="hold" nodeType="clickEffect">
-                                  <p:stCondLst>
-                                    <p:cond delay="0"/>
-                                  </p:stCondLst>
-                                  <p:childTnLst>
-                                    <p:set>
-                                      <p:cBhvr>
-                                        <p:cTn id="30" dur="1" fill="hold">
-                                          <p:stCondLst>
-                                            <p:cond delay="0"/>
-                                          </p:stCondLst>
-                                        </p:cTn>
-                                        <p:tgtEl>
-                                          <p:spTgt spid="7">
-                                            <p:txEl>
-                                              <p:pRg st="5" end="5"/>
-                                            </p:txEl>
-                                          </p:spTgt>
-                                        </p:tgtEl>
-                                        <p:attrNameLst>
-                                          <p:attrName>style.visibility</p:attrName>
-                                        </p:attrNameLst>
-                                      </p:cBhvr>
-                                      <p:to>
-                                        <p:strVal val="visible"/>
-                                      </p:to>
-                                    </p:set>
-                                    <p:anim calcmode="lin" valueType="num">
-                                      <p:cBhvr additive="base">
-                                        <p:cTn id="31" dur="500" fill="hold"/>
-                                        <p:tgtEl>
-                                          <p:spTgt spid="7">
-                                            <p:txEl>
-                                              <p:pRg st="5" end="5"/>
-                                            </p:txEl>
-                                          </p:spTgt>
-                                        </p:tgtEl>
-                                        <p:attrNameLst>
-                                          <p:attrName>ppt_x</p:attrName>
-                                        </p:attrNameLst>
-                                      </p:cBhvr>
-                                      <p:tavLst>
-                                        <p:tav tm="0">
-                                          <p:val>
-                                            <p:strVal val="#ppt_x"/>
-                                          </p:val>
-                                        </p:tav>
-                                        <p:tav tm="100000">
-                                          <p:val>
-                                            <p:strVal val="#ppt_x"/>
-                                          </p:val>
-                                        </p:tav>
-                                      </p:tavLst>
-                                    </p:anim>
-                                    <p:anim calcmode="lin" valueType="num">
-                                      <p:cBhvr additive="base">
-                                        <p:cTn id="32" dur="500" fill="hold"/>
-                                        <p:tgtEl>
-                                          <p:spTgt spid="7">
-                                            <p:txEl>
-                                              <p:pRg st="5" end="5"/>
-                                            </p:txEl>
-                                          </p:spTgt>
-                                        </p:tgtEl>
-                                        <p:attrNameLst>
-                                          <p:attrName>ppt_y</p:attrName>
-                                        </p:attrNameLst>
-                                      </p:cBhvr>
-                                      <p:tavLst>
-                                        <p:tav tm="0">
-                                          <p:val>
-                                            <p:strVal val="1+#ppt_h/2"/>
-                                          </p:val>
-                                        </p:tav>
-                                        <p:tav tm="100000">
-                                          <p:val>
-                                            <p:strVal val="#ppt_y"/>
-                                          </p:val>
-                                        </p:tav>
-                                      </p:tavLst>
-                                    </p:anim>
-                                  </p:childTnLst>
-                                </p:cTn>
-                              </p:par>
-                            </p:childTnLst>
-                          </p:cTn>
-                        </p:par>
-                      </p:childTnLst>
-                    </p:cTn>
-                  </p:par>
-                </p:childTnLst>
-              </p:cTn>
-              <p:prevCondLst>
-                <p:cond evt="onPrev" delay="0">
-                  <p:tgtEl>
-                    <p:sldTgt/>
-                  </p:tgtEl>
-                </p:cond>
-              </p:prevCondLst>
-              <p:nextCondLst>
-                <p:cond evt="onNext" delay="0">
-                  <p:tgtEl>
-                    <p:sldTgt/>
-                  </p:tgtEl>
-                </p:cond>
-              </p:nextCondLst>
-            </p:seq>
-          </p:childTnLst>
-        </p:cTn>
-      </p:par>
-    </p:tnLst>
-  </p:timing>
-</p:sld>
-</file>
-
-<file path=ppt/slides/slide4.xml><?xml version="1.0" encoding="utf-8"?>
-<p:sld xmlns:a="http://schemas.openxmlformats.org/drawingml/2006/main" xmlns:r="http://schemas.openxmlformats.org/officeDocument/2006/relationships" xmlns:p="http://schemas.openxmlformats.org/presentationml/2006/main">
-  <p:cSld>
-    <p:spTree>
-      <p:nvGrpSpPr>
-        <p:cNvPr id="1" name=""/>
-        <p:cNvGrpSpPr/>
-        <p:nvPr/>
-      </p:nvGrpSpPr>
-      <p:grpSpPr>
-        <a:xfrm>
-          <a:off x="0" y="0"/>
-          <a:ext cx="0" cy="0"/>
-          <a:chOff x="0" y="0"/>
-          <a:chExt cx="0" cy="0"/>
-        </a:xfrm>
-      </p:grpSpPr>
-      <p:sp>
-        <p:nvSpPr>
-          <p:cNvPr id="2" name="Title 1"/>
-          <p:cNvSpPr>
-            <a:spLocks noGrp="1"/>
-          </p:cNvSpPr>
-          <p:nvPr>
-            <p:ph type="title"/>
-          </p:nvPr>
-        </p:nvSpPr>
-        <p:spPr>
-          <a:xfrm>
-            <a:off x="838200" y="-746"/>
-            <a:ext cx="10515600" cy="1053305"/>
-          </a:xfrm>
-        </p:spPr>
-        <p:txBody>
-          <a:bodyPr/>
-          <a:lstStyle/>
-          <a:p>
-            <a:r>
-              <a:rPr lang="en-US" dirty="0"/>
-              <a:t>Summary</a:t>
-            </a:r>
-          </a:p>
-        </p:txBody>
-      </p:sp>
-      <p:sp>
-        <p:nvSpPr>
-          <p:cNvPr id="3" name="Content Placeholder 2"/>
-          <p:cNvSpPr>
-            <a:spLocks noGrp="1"/>
-          </p:cNvSpPr>
-          <p:nvPr>
-            <p:ph idx="1"/>
-          </p:nvPr>
-        </p:nvSpPr>
-        <p:spPr/>
-        <p:txBody>
-          <a:bodyPr/>
-          <a:lstStyle/>
-          <a:p>
-            <a:r>
-              <a:rPr lang="en-US" i="1" dirty="0" smtClean="0"/>
-              <a:t>Research Purpose</a:t>
-            </a:r>
-            <a:r>
-              <a:rPr lang="en-US" dirty="0" smtClean="0"/>
-              <a:t>:</a:t>
-            </a:r>
-          </a:p>
-          <a:p>
-            <a:pPr lvl="1"/>
-            <a:r>
-              <a:rPr lang="en-US" b="1" dirty="0" smtClean="0"/>
-              <a:t>Efficiency Improvement</a:t>
-            </a:r>
-            <a:r>
-              <a:rPr lang="en-US" dirty="0" smtClean="0"/>
-              <a:t>: Heuristics.</a:t>
-            </a:r>
-          </a:p>
-          <a:p>
-            <a:pPr lvl="1"/>
-            <a:r>
-              <a:rPr lang="en-US" b="1" dirty="0" smtClean="0"/>
-              <a:t>Equality Handling</a:t>
-            </a:r>
-            <a:r>
-              <a:rPr lang="en-US" dirty="0" smtClean="0"/>
-              <a:t>: The Intermediate Value Theorem.</a:t>
-            </a:r>
-          </a:p>
-        </p:txBody>
-      </p:sp>
-      <p:sp>
-        <p:nvSpPr>
-          <p:cNvPr id="4" name="Slide Number Placeholder 3"/>
-          <p:cNvSpPr>
-            <a:spLocks noGrp="1"/>
-          </p:cNvSpPr>
-          <p:nvPr>
-            <p:ph type="sldNum" sz="quarter" idx="12"/>
-          </p:nvPr>
-        </p:nvSpPr>
-        <p:spPr/>
-        <p:txBody>
-          <a:bodyPr/>
-          <a:lstStyle/>
-          <a:p>
-            <a:fld id="{58734595-61A4-4C07-BF74-5C223797634C}" type="slidenum">
-              <a:rPr lang="en-US" smtClean="0"/>
-              <a:t>4</a:t>
-            </a:fld>
-            <a:endParaRPr lang="en-US"/>
-          </a:p>
-        </p:txBody>
-      </p:sp>
-    </p:spTree>
-    <p:extLst>
-      <p:ext uri="{BB962C8B-B14F-4D97-AF65-F5344CB8AC3E}">
-        <p14:creationId xmlns:p14="http://schemas.microsoft.com/office/powerpoint/2010/main" val="3437708682"/>
-      </p:ext>
-    </p:extLst>
-  </p:cSld>
-  <p:clrMapOvr>
-    <a:masterClrMapping/>
-  </p:clrMapOvr>
-  <p:timing>
-    <p:tnLst>
-      <p:par>
-        <p:cTn id="1" dur="indefinite" restart="never" nodeType="tmRoot"/>
-      </p:par>
-    </p:tnLst>
-  </p:timing>
-</p:sld>
-</file>
-
 <file path=ppt/slides/slide5.xml><?xml version="1.0" encoding="utf-8"?>
 <p:sld xmlns:a="http://schemas.openxmlformats.org/drawingml/2006/main" xmlns:r="http://schemas.openxmlformats.org/officeDocument/2006/relationships" xmlns:p="http://schemas.openxmlformats.org/presentationml/2006/main">
   <p:cSld>
@@ -11908,11 +12048,7 @@
           <a:p>
             <a:r>
               <a:rPr lang="en-US" dirty="0" smtClean="0"/>
-              <a:t>Heuristics for </a:t>
-            </a:r>
-            <a:r>
-              <a:rPr lang="en-US" dirty="0" smtClean="0"/>
-              <a:t>efficiency</a:t>
+              <a:t>Heuristics for efficiency</a:t>
             </a:r>
           </a:p>
           <a:p>
@@ -11921,12 +12057,12 @@
               <a:t>Experiments: evaluate heuristics and compare with other tools: </a:t>
             </a:r>
             <a:r>
-              <a:rPr lang="en-US" dirty="0" err="1" smtClean="0"/>
-              <a:t>iSAT</a:t>
-            </a:r>
-            <a:r>
               <a:rPr lang="en-US" dirty="0" smtClean="0"/>
-              <a:t>, Z3</a:t>
+              <a:t>iSAT3, </a:t>
+            </a:r>
+            <a:r>
+              <a:rPr lang="en-US" dirty="0" smtClean="0"/>
+              <a:t>Z3</a:t>
             </a:r>
           </a:p>
           <a:p>
@@ -12178,12 +12314,19 @@
                         <a:latin typeface="Cambria Math" panose="02040503050406030204" pitchFamily="18" charset="0"/>
                         <a:ea typeface="ＭＳ Ｐゴシック" charset="-128"/>
                       </a:rPr>
-                      <m:t>4 </m:t>
+                      <m:t>4</m:t>
+                    </m:r>
+                    <m:r>
+                      <a:rPr lang="en-US" altLang="ja-JP" b="0" i="1" smtClean="0">
+                        <a:latin typeface="Cambria Math" panose="02040503050406030204" pitchFamily="18" charset="0"/>
+                        <a:ea typeface="ＭＳ Ｐゴシック" charset="-128"/>
+                      </a:rPr>
+                      <m:t> </m:t>
                     </m:r>
                   </m:oMath>
                 </a14:m>
                 <a:r>
-                  <a:rPr lang="en-US" altLang="ja-JP" dirty="0">
+                  <a:rPr lang="en-US" altLang="ja-JP" dirty="0" smtClean="0">
                     <a:ea typeface="ＭＳ Ｐゴシック" charset="-128"/>
                   </a:rPr>
                   <a:t>a</a:t>
@@ -13340,636 +13483,9 @@
   <p:timing>
     <p:tnLst>
       <p:par>
-        <p:cTn id="1" dur="indefinite" restart="never" nodeType="tmRoot">
-          <p:childTnLst>
-            <p:seq concurrent="1" nextAc="seek">
-              <p:cTn id="2" dur="indefinite" nodeType="mainSeq">
-                <p:childTnLst>
-                  <p:par>
-                    <p:cTn id="3" fill="hold">
-                      <p:stCondLst>
-                        <p:cond delay="indefinite"/>
-                      </p:stCondLst>
-                      <p:childTnLst>
-                        <p:par>
-                          <p:cTn id="4" fill="hold">
-                            <p:stCondLst>
-                              <p:cond delay="0"/>
-                            </p:stCondLst>
-                            <p:childTnLst>
-                              <p:par>
-                                <p:cTn id="5" presetID="2" presetClass="entr" presetSubtype="4" fill="hold" grpId="0" nodeType="clickEffect">
-                                  <p:stCondLst>
-                                    <p:cond delay="0"/>
-                                  </p:stCondLst>
-                                  <p:childTnLst>
-                                    <p:set>
-                                      <p:cBhvr>
-                                        <p:cTn id="6" dur="1" fill="hold">
-                                          <p:stCondLst>
-                                            <p:cond delay="0"/>
-                                          </p:stCondLst>
-                                        </p:cTn>
-                                        <p:tgtEl>
-                                          <p:spTgt spid="5">
-                                            <p:txEl>
-                                              <p:pRg st="0" end="0"/>
-                                            </p:txEl>
-                                          </p:spTgt>
-                                        </p:tgtEl>
-                                        <p:attrNameLst>
-                                          <p:attrName>style.visibility</p:attrName>
-                                        </p:attrNameLst>
-                                      </p:cBhvr>
-                                      <p:to>
-                                        <p:strVal val="visible"/>
-                                      </p:to>
-                                    </p:set>
-                                    <p:anim calcmode="lin" valueType="num">
-                                      <p:cBhvr additive="base">
-                                        <p:cTn id="7" dur="500" fill="hold"/>
-                                        <p:tgtEl>
-                                          <p:spTgt spid="5">
-                                            <p:txEl>
-                                              <p:pRg st="0" end="0"/>
-                                            </p:txEl>
-                                          </p:spTgt>
-                                        </p:tgtEl>
-                                        <p:attrNameLst>
-                                          <p:attrName>ppt_x</p:attrName>
-                                        </p:attrNameLst>
-                                      </p:cBhvr>
-                                      <p:tavLst>
-                                        <p:tav tm="0">
-                                          <p:val>
-                                            <p:strVal val="#ppt_x"/>
-                                          </p:val>
-                                        </p:tav>
-                                        <p:tav tm="100000">
-                                          <p:val>
-                                            <p:strVal val="#ppt_x"/>
-                                          </p:val>
-                                        </p:tav>
-                                      </p:tavLst>
-                                    </p:anim>
-                                    <p:anim calcmode="lin" valueType="num">
-                                      <p:cBhvr additive="base">
-                                        <p:cTn id="8" dur="500" fill="hold"/>
-                                        <p:tgtEl>
-                                          <p:spTgt spid="5">
-                                            <p:txEl>
-                                              <p:pRg st="0" end="0"/>
-                                            </p:txEl>
-                                          </p:spTgt>
-                                        </p:tgtEl>
-                                        <p:attrNameLst>
-                                          <p:attrName>ppt_y</p:attrName>
-                                        </p:attrNameLst>
-                                      </p:cBhvr>
-                                      <p:tavLst>
-                                        <p:tav tm="0">
-                                          <p:val>
-                                            <p:strVal val="1+#ppt_h/2"/>
-                                          </p:val>
-                                        </p:tav>
-                                        <p:tav tm="100000">
-                                          <p:val>
-                                            <p:strVal val="#ppt_y"/>
-                                          </p:val>
-                                        </p:tav>
-                                      </p:tavLst>
-                                    </p:anim>
-                                  </p:childTnLst>
-                                </p:cTn>
-                              </p:par>
-                            </p:childTnLst>
-                          </p:cTn>
-                        </p:par>
-                      </p:childTnLst>
-                    </p:cTn>
-                  </p:par>
-                  <p:par>
-                    <p:cTn id="9" fill="hold">
-                      <p:stCondLst>
-                        <p:cond delay="indefinite"/>
-                      </p:stCondLst>
-                      <p:childTnLst>
-                        <p:par>
-                          <p:cTn id="10" fill="hold">
-                            <p:stCondLst>
-                              <p:cond delay="0"/>
-                            </p:stCondLst>
-                            <p:childTnLst>
-                              <p:par>
-                                <p:cTn id="11" presetID="2" presetClass="entr" presetSubtype="4" fill="hold" grpId="0" nodeType="clickEffect">
-                                  <p:stCondLst>
-                                    <p:cond delay="0"/>
-                                  </p:stCondLst>
-                                  <p:childTnLst>
-                                    <p:set>
-                                      <p:cBhvr>
-                                        <p:cTn id="12" dur="1" fill="hold">
-                                          <p:stCondLst>
-                                            <p:cond delay="0"/>
-                                          </p:stCondLst>
-                                        </p:cTn>
-                                        <p:tgtEl>
-                                          <p:spTgt spid="6"/>
-                                        </p:tgtEl>
-                                        <p:attrNameLst>
-                                          <p:attrName>style.visibility</p:attrName>
-                                        </p:attrNameLst>
-                                      </p:cBhvr>
-                                      <p:to>
-                                        <p:strVal val="visible"/>
-                                      </p:to>
-                                    </p:set>
-                                    <p:anim calcmode="lin" valueType="num">
-                                      <p:cBhvr additive="base">
-                                        <p:cTn id="13" dur="500" fill="hold"/>
-                                        <p:tgtEl>
-                                          <p:spTgt spid="6"/>
-                                        </p:tgtEl>
-                                        <p:attrNameLst>
-                                          <p:attrName>ppt_x</p:attrName>
-                                        </p:attrNameLst>
-                                      </p:cBhvr>
-                                      <p:tavLst>
-                                        <p:tav tm="0">
-                                          <p:val>
-                                            <p:strVal val="#ppt_x"/>
-                                          </p:val>
-                                        </p:tav>
-                                        <p:tav tm="100000">
-                                          <p:val>
-                                            <p:strVal val="#ppt_x"/>
-                                          </p:val>
-                                        </p:tav>
-                                      </p:tavLst>
-                                    </p:anim>
-                                    <p:anim calcmode="lin" valueType="num">
-                                      <p:cBhvr additive="base">
-                                        <p:cTn id="14" dur="500" fill="hold"/>
-                                        <p:tgtEl>
-                                          <p:spTgt spid="6"/>
-                                        </p:tgtEl>
-                                        <p:attrNameLst>
-                                          <p:attrName>ppt_y</p:attrName>
-                                        </p:attrNameLst>
-                                      </p:cBhvr>
-                                      <p:tavLst>
-                                        <p:tav tm="0">
-                                          <p:val>
-                                            <p:strVal val="1+#ppt_h/2"/>
-                                          </p:val>
-                                        </p:tav>
-                                        <p:tav tm="100000">
-                                          <p:val>
-                                            <p:strVal val="#ppt_y"/>
-                                          </p:val>
-                                        </p:tav>
-                                      </p:tavLst>
-                                    </p:anim>
-                                  </p:childTnLst>
-                                </p:cTn>
-                              </p:par>
-                              <p:par>
-                                <p:cTn id="15" presetID="2" presetClass="entr" presetSubtype="4" fill="hold" grpId="0" nodeType="withEffect">
-                                  <p:stCondLst>
-                                    <p:cond delay="0"/>
-                                  </p:stCondLst>
-                                  <p:childTnLst>
-                                    <p:set>
-                                      <p:cBhvr>
-                                        <p:cTn id="16" dur="1" fill="hold">
-                                          <p:stCondLst>
-                                            <p:cond delay="0"/>
-                                          </p:stCondLst>
-                                        </p:cTn>
-                                        <p:tgtEl>
-                                          <p:spTgt spid="11"/>
-                                        </p:tgtEl>
-                                        <p:attrNameLst>
-                                          <p:attrName>style.visibility</p:attrName>
-                                        </p:attrNameLst>
-                                      </p:cBhvr>
-                                      <p:to>
-                                        <p:strVal val="visible"/>
-                                      </p:to>
-                                    </p:set>
-                                    <p:anim calcmode="lin" valueType="num">
-                                      <p:cBhvr additive="base">
-                                        <p:cTn id="17" dur="500" fill="hold"/>
-                                        <p:tgtEl>
-                                          <p:spTgt spid="11"/>
-                                        </p:tgtEl>
-                                        <p:attrNameLst>
-                                          <p:attrName>ppt_x</p:attrName>
-                                        </p:attrNameLst>
-                                      </p:cBhvr>
-                                      <p:tavLst>
-                                        <p:tav tm="0">
-                                          <p:val>
-                                            <p:strVal val="#ppt_x"/>
-                                          </p:val>
-                                        </p:tav>
-                                        <p:tav tm="100000">
-                                          <p:val>
-                                            <p:strVal val="#ppt_x"/>
-                                          </p:val>
-                                        </p:tav>
-                                      </p:tavLst>
-                                    </p:anim>
-                                    <p:anim calcmode="lin" valueType="num">
-                                      <p:cBhvr additive="base">
-                                        <p:cTn id="18" dur="500" fill="hold"/>
-                                        <p:tgtEl>
-                                          <p:spTgt spid="11"/>
-                                        </p:tgtEl>
-                                        <p:attrNameLst>
-                                          <p:attrName>ppt_y</p:attrName>
-                                        </p:attrNameLst>
-                                      </p:cBhvr>
-                                      <p:tavLst>
-                                        <p:tav tm="0">
-                                          <p:val>
-                                            <p:strVal val="1+#ppt_h/2"/>
-                                          </p:val>
-                                        </p:tav>
-                                        <p:tav tm="100000">
-                                          <p:val>
-                                            <p:strVal val="#ppt_y"/>
-                                          </p:val>
-                                        </p:tav>
-                                      </p:tavLst>
-                                    </p:anim>
-                                  </p:childTnLst>
-                                </p:cTn>
-                              </p:par>
-                            </p:childTnLst>
-                          </p:cTn>
-                        </p:par>
-                      </p:childTnLst>
-                    </p:cTn>
-                  </p:par>
-                  <p:par>
-                    <p:cTn id="19" fill="hold">
-                      <p:stCondLst>
-                        <p:cond delay="indefinite"/>
-                      </p:stCondLst>
-                      <p:childTnLst>
-                        <p:par>
-                          <p:cTn id="20" fill="hold">
-                            <p:stCondLst>
-                              <p:cond delay="0"/>
-                            </p:stCondLst>
-                            <p:childTnLst>
-                              <p:par>
-                                <p:cTn id="21" presetID="2" presetClass="entr" presetSubtype="4" fill="hold" grpId="0" nodeType="clickEffect">
-                                  <p:stCondLst>
-                                    <p:cond delay="0"/>
-                                  </p:stCondLst>
-                                  <p:childTnLst>
-                                    <p:set>
-                                      <p:cBhvr>
-                                        <p:cTn id="22" dur="1" fill="hold">
-                                          <p:stCondLst>
-                                            <p:cond delay="0"/>
-                                          </p:stCondLst>
-                                        </p:cTn>
-                                        <p:tgtEl>
-                                          <p:spTgt spid="7"/>
-                                        </p:tgtEl>
-                                        <p:attrNameLst>
-                                          <p:attrName>style.visibility</p:attrName>
-                                        </p:attrNameLst>
-                                      </p:cBhvr>
-                                      <p:to>
-                                        <p:strVal val="visible"/>
-                                      </p:to>
-                                    </p:set>
-                                    <p:anim calcmode="lin" valueType="num">
-                                      <p:cBhvr additive="base">
-                                        <p:cTn id="23" dur="500" fill="hold"/>
-                                        <p:tgtEl>
-                                          <p:spTgt spid="7"/>
-                                        </p:tgtEl>
-                                        <p:attrNameLst>
-                                          <p:attrName>ppt_x</p:attrName>
-                                        </p:attrNameLst>
-                                      </p:cBhvr>
-                                      <p:tavLst>
-                                        <p:tav tm="0">
-                                          <p:val>
-                                            <p:strVal val="#ppt_x"/>
-                                          </p:val>
-                                        </p:tav>
-                                        <p:tav tm="100000">
-                                          <p:val>
-                                            <p:strVal val="#ppt_x"/>
-                                          </p:val>
-                                        </p:tav>
-                                      </p:tavLst>
-                                    </p:anim>
-                                    <p:anim calcmode="lin" valueType="num">
-                                      <p:cBhvr additive="base">
-                                        <p:cTn id="24" dur="500" fill="hold"/>
-                                        <p:tgtEl>
-                                          <p:spTgt spid="7"/>
-                                        </p:tgtEl>
-                                        <p:attrNameLst>
-                                          <p:attrName>ppt_y</p:attrName>
-                                        </p:attrNameLst>
-                                      </p:cBhvr>
-                                      <p:tavLst>
-                                        <p:tav tm="0">
-                                          <p:val>
-                                            <p:strVal val="1+#ppt_h/2"/>
-                                          </p:val>
-                                        </p:tav>
-                                        <p:tav tm="100000">
-                                          <p:val>
-                                            <p:strVal val="#ppt_y"/>
-                                          </p:val>
-                                        </p:tav>
-                                      </p:tavLst>
-                                    </p:anim>
-                                  </p:childTnLst>
-                                </p:cTn>
-                              </p:par>
-                              <p:par>
-                                <p:cTn id="25" presetID="2" presetClass="entr" presetSubtype="4" fill="hold" grpId="0" nodeType="withEffect">
-                                  <p:stCondLst>
-                                    <p:cond delay="0"/>
-                                  </p:stCondLst>
-                                  <p:childTnLst>
-                                    <p:set>
-                                      <p:cBhvr>
-                                        <p:cTn id="26" dur="1" fill="hold">
-                                          <p:stCondLst>
-                                            <p:cond delay="0"/>
-                                          </p:stCondLst>
-                                        </p:cTn>
-                                        <p:tgtEl>
-                                          <p:spTgt spid="9"/>
-                                        </p:tgtEl>
-                                        <p:attrNameLst>
-                                          <p:attrName>style.visibility</p:attrName>
-                                        </p:attrNameLst>
-                                      </p:cBhvr>
-                                      <p:to>
-                                        <p:strVal val="visible"/>
-                                      </p:to>
-                                    </p:set>
-                                    <p:anim calcmode="lin" valueType="num">
-                                      <p:cBhvr additive="base">
-                                        <p:cTn id="27" dur="500" fill="hold"/>
-                                        <p:tgtEl>
-                                          <p:spTgt spid="9"/>
-                                        </p:tgtEl>
-                                        <p:attrNameLst>
-                                          <p:attrName>ppt_x</p:attrName>
-                                        </p:attrNameLst>
-                                      </p:cBhvr>
-                                      <p:tavLst>
-                                        <p:tav tm="0">
-                                          <p:val>
-                                            <p:strVal val="#ppt_x"/>
-                                          </p:val>
-                                        </p:tav>
-                                        <p:tav tm="100000">
-                                          <p:val>
-                                            <p:strVal val="#ppt_x"/>
-                                          </p:val>
-                                        </p:tav>
-                                      </p:tavLst>
-                                    </p:anim>
-                                    <p:anim calcmode="lin" valueType="num">
-                                      <p:cBhvr additive="base">
-                                        <p:cTn id="28" dur="500" fill="hold"/>
-                                        <p:tgtEl>
-                                          <p:spTgt spid="9"/>
-                                        </p:tgtEl>
-                                        <p:attrNameLst>
-                                          <p:attrName>ppt_y</p:attrName>
-                                        </p:attrNameLst>
-                                      </p:cBhvr>
-                                      <p:tavLst>
-                                        <p:tav tm="0">
-                                          <p:val>
-                                            <p:strVal val="1+#ppt_h/2"/>
-                                          </p:val>
-                                        </p:tav>
-                                        <p:tav tm="100000">
-                                          <p:val>
-                                            <p:strVal val="#ppt_y"/>
-                                          </p:val>
-                                        </p:tav>
-                                      </p:tavLst>
-                                    </p:anim>
-                                  </p:childTnLst>
-                                </p:cTn>
-                              </p:par>
-                            </p:childTnLst>
-                          </p:cTn>
-                        </p:par>
-                      </p:childTnLst>
-                    </p:cTn>
-                  </p:par>
-                  <p:par>
-                    <p:cTn id="29" fill="hold">
-                      <p:stCondLst>
-                        <p:cond delay="indefinite"/>
-                      </p:stCondLst>
-                      <p:childTnLst>
-                        <p:par>
-                          <p:cTn id="30" fill="hold">
-                            <p:stCondLst>
-                              <p:cond delay="0"/>
-                            </p:stCondLst>
-                            <p:childTnLst>
-                              <p:par>
-                                <p:cTn id="31" presetID="2" presetClass="entr" presetSubtype="4" fill="hold" grpId="0" nodeType="clickEffect">
-                                  <p:stCondLst>
-                                    <p:cond delay="0"/>
-                                  </p:stCondLst>
-                                  <p:childTnLst>
-                                    <p:set>
-                                      <p:cBhvr>
-                                        <p:cTn id="32" dur="1" fill="hold">
-                                          <p:stCondLst>
-                                            <p:cond delay="0"/>
-                                          </p:stCondLst>
-                                        </p:cTn>
-                                        <p:tgtEl>
-                                          <p:spTgt spid="10"/>
-                                        </p:tgtEl>
-                                        <p:attrNameLst>
-                                          <p:attrName>style.visibility</p:attrName>
-                                        </p:attrNameLst>
-                                      </p:cBhvr>
-                                      <p:to>
-                                        <p:strVal val="visible"/>
-                                      </p:to>
-                                    </p:set>
-                                    <p:anim calcmode="lin" valueType="num">
-                                      <p:cBhvr additive="base">
-                                        <p:cTn id="33" dur="500" fill="hold"/>
-                                        <p:tgtEl>
-                                          <p:spTgt spid="10"/>
-                                        </p:tgtEl>
-                                        <p:attrNameLst>
-                                          <p:attrName>ppt_x</p:attrName>
-                                        </p:attrNameLst>
-                                      </p:cBhvr>
-                                      <p:tavLst>
-                                        <p:tav tm="0">
-                                          <p:val>
-                                            <p:strVal val="#ppt_x"/>
-                                          </p:val>
-                                        </p:tav>
-                                        <p:tav tm="100000">
-                                          <p:val>
-                                            <p:strVal val="#ppt_x"/>
-                                          </p:val>
-                                        </p:tav>
-                                      </p:tavLst>
-                                    </p:anim>
-                                    <p:anim calcmode="lin" valueType="num">
-                                      <p:cBhvr additive="base">
-                                        <p:cTn id="34" dur="500" fill="hold"/>
-                                        <p:tgtEl>
-                                          <p:spTgt spid="10"/>
-                                        </p:tgtEl>
-                                        <p:attrNameLst>
-                                          <p:attrName>ppt_y</p:attrName>
-                                        </p:attrNameLst>
-                                      </p:cBhvr>
-                                      <p:tavLst>
-                                        <p:tav tm="0">
-                                          <p:val>
-                                            <p:strVal val="1+#ppt_h/2"/>
-                                          </p:val>
-                                        </p:tav>
-                                        <p:tav tm="100000">
-                                          <p:val>
-                                            <p:strVal val="#ppt_y"/>
-                                          </p:val>
-                                        </p:tav>
-                                      </p:tavLst>
-                                    </p:anim>
-                                  </p:childTnLst>
-                                </p:cTn>
-                              </p:par>
-                              <p:par>
-                                <p:cTn id="35" presetID="2" presetClass="entr" presetSubtype="4" fill="hold" grpId="0" nodeType="withEffect">
-                                  <p:stCondLst>
-                                    <p:cond delay="0"/>
-                                  </p:stCondLst>
-                                  <p:childTnLst>
-                                    <p:set>
-                                      <p:cBhvr>
-                                        <p:cTn id="36" dur="1" fill="hold">
-                                          <p:stCondLst>
-                                            <p:cond delay="0"/>
-                                          </p:stCondLst>
-                                        </p:cTn>
-                                        <p:tgtEl>
-                                          <p:spTgt spid="8"/>
-                                        </p:tgtEl>
-                                        <p:attrNameLst>
-                                          <p:attrName>style.visibility</p:attrName>
-                                        </p:attrNameLst>
-                                      </p:cBhvr>
-                                      <p:to>
-                                        <p:strVal val="visible"/>
-                                      </p:to>
-                                    </p:set>
-                                    <p:anim calcmode="lin" valueType="num">
-                                      <p:cBhvr additive="base">
-                                        <p:cTn id="37" dur="500" fill="hold"/>
-                                        <p:tgtEl>
-                                          <p:spTgt spid="8"/>
-                                        </p:tgtEl>
-                                        <p:attrNameLst>
-                                          <p:attrName>ppt_x</p:attrName>
-                                        </p:attrNameLst>
-                                      </p:cBhvr>
-                                      <p:tavLst>
-                                        <p:tav tm="0">
-                                          <p:val>
-                                            <p:strVal val="#ppt_x"/>
-                                          </p:val>
-                                        </p:tav>
-                                        <p:tav tm="100000">
-                                          <p:val>
-                                            <p:strVal val="#ppt_x"/>
-                                          </p:val>
-                                        </p:tav>
-                                      </p:tavLst>
-                                    </p:anim>
-                                    <p:anim calcmode="lin" valueType="num">
-                                      <p:cBhvr additive="base">
-                                        <p:cTn id="38" dur="500" fill="hold"/>
-                                        <p:tgtEl>
-                                          <p:spTgt spid="8"/>
-                                        </p:tgtEl>
-                                        <p:attrNameLst>
-                                          <p:attrName>ppt_y</p:attrName>
-                                        </p:attrNameLst>
-                                      </p:cBhvr>
-                                      <p:tavLst>
-                                        <p:tav tm="0">
-                                          <p:val>
-                                            <p:strVal val="1+#ppt_h/2"/>
-                                          </p:val>
-                                        </p:tav>
-                                        <p:tav tm="100000">
-                                          <p:val>
-                                            <p:strVal val="#ppt_y"/>
-                                          </p:val>
-                                        </p:tav>
-                                      </p:tavLst>
-                                    </p:anim>
-                                  </p:childTnLst>
-                                </p:cTn>
-                              </p:par>
-                            </p:childTnLst>
-                          </p:cTn>
-                        </p:par>
-                      </p:childTnLst>
-                    </p:cTn>
-                  </p:par>
-                </p:childTnLst>
-              </p:cTn>
-              <p:prevCondLst>
-                <p:cond evt="onPrev" delay="0">
-                  <p:tgtEl>
-                    <p:sldTgt/>
-                  </p:tgtEl>
-                </p:cond>
-              </p:prevCondLst>
-              <p:nextCondLst>
-                <p:cond evt="onNext" delay="0">
-                  <p:tgtEl>
-                    <p:sldTgt/>
-                  </p:tgtEl>
-                </p:cond>
-              </p:nextCondLst>
-            </p:seq>
-          </p:childTnLst>
-        </p:cTn>
+        <p:cTn id="1" dur="indefinite" restart="never" nodeType="tmRoot"/>
       </p:par>
     </p:tnLst>
-    <p:bldLst>
-      <p:bldP spid="5" grpId="0" build="p"/>
-      <p:bldP spid="6" grpId="0" animBg="1"/>
-      <p:bldP spid="7" grpId="0" animBg="1"/>
-      <p:bldP spid="8" grpId="0" animBg="1"/>
-      <p:bldP spid="9" grpId="0" animBg="1"/>
-      <p:bldP spid="10" grpId="0" animBg="1"/>
-      <p:bldP spid="11" grpId="0"/>
-    </p:bldLst>
   </p:timing>
 </p:sld>
 </file>
@@ -14873,7 +14389,7 @@
         <p:spPr>
           <a:xfrm>
             <a:off x="7653447" y="4281413"/>
-            <a:ext cx="3507948" cy="523220"/>
+            <a:ext cx="3934219" cy="523220"/>
           </a:xfrm>
           <a:prstGeom prst="rect">
             <a:avLst/>
@@ -14912,8 +14428,26 @@
                 <a:latin typeface="Times New Roman" panose="02020603050405020304" pitchFamily="18" charset="0"/>
                 <a:cs typeface="Times New Roman" panose="02020603050405020304" pitchFamily="18" charset="0"/>
               </a:rPr>
-              <a:t> - SAT</a:t>
-            </a:r>
+              <a:t> </a:t>
+            </a:r>
+            <a:r>
+              <a:rPr lang="en-US" sz="2800" dirty="0" smtClean="0">
+                <a:latin typeface="Times New Roman" panose="02020603050405020304" pitchFamily="18" charset="0"/>
+                <a:cs typeface="Times New Roman" panose="02020603050405020304" pitchFamily="18" charset="0"/>
+              </a:rPr>
+              <a:t>- </a:t>
+            </a:r>
+            <a:r>
+              <a:rPr lang="en-US" sz="2800" dirty="0" smtClean="0">
+                <a:latin typeface="Times New Roman" panose="02020603050405020304" pitchFamily="18" charset="0"/>
+                <a:cs typeface="Times New Roman" panose="02020603050405020304" pitchFamily="18" charset="0"/>
+              </a:rPr>
+              <a:t>VALID</a:t>
+            </a:r>
+            <a:endParaRPr lang="en-US" sz="2800" dirty="0" smtClean="0">
+              <a:latin typeface="Times New Roman" panose="02020603050405020304" pitchFamily="18" charset="0"/>
+              <a:cs typeface="Times New Roman" panose="02020603050405020304" pitchFamily="18" charset="0"/>
+            </a:endParaRPr>
           </a:p>
         </p:txBody>
       </p:sp>
@@ -15417,33 +14951,15 @@
                                   </p:childTnLst>
                                 </p:cTn>
                               </p:par>
-                            </p:childTnLst>
-                          </p:cTn>
-                        </p:par>
-                      </p:childTnLst>
-                    </p:cTn>
-                  </p:par>
-                  <p:par>
-                    <p:cTn id="29" fill="hold">
-                      <p:stCondLst>
-                        <p:cond delay="indefinite"/>
-                      </p:stCondLst>
-                      <p:childTnLst>
-                        <p:par>
-                          <p:cTn id="30" fill="hold">
-                            <p:stCondLst>
-                              <p:cond delay="0"/>
-                            </p:stCondLst>
-                            <p:childTnLst>
                               <p:par>
-                                <p:cTn id="31" presetID="2" presetClass="entr" presetSubtype="4" fill="hold" nodeType="clickEffect">
+                                <p:cTn id="29" presetID="2" presetClass="entr" presetSubtype="4" fill="hold" nodeType="withEffect">
                                   <p:stCondLst>
                                     <p:cond delay="0"/>
                                   </p:stCondLst>
                                   <p:childTnLst>
                                     <p:set>
                                       <p:cBhvr>
-                                        <p:cTn id="32" dur="1" fill="hold">
+                                        <p:cTn id="30" dur="1" fill="hold">
                                           <p:stCondLst>
                                             <p:cond delay="0"/>
                                           </p:stCondLst>
@@ -15461,7 +14977,7 @@
                                     </p:set>
                                     <p:anim calcmode="lin" valueType="num">
                                       <p:cBhvr additive="base">
-                                        <p:cTn id="33" dur="500" fill="hold"/>
+                                        <p:cTn id="31" dur="500" fill="hold"/>
                                         <p:tgtEl>
                                           <p:spTgt spid="11"/>
                                         </p:tgtEl>
@@ -15484,7 +15000,7 @@
                                     </p:anim>
                                     <p:anim calcmode="lin" valueType="num">
                                       <p:cBhvr additive="base">
-                                        <p:cTn id="34" dur="500" fill="hold"/>
+                                        <p:cTn id="32" dur="500" fill="hold"/>
                                         <p:tgtEl>
                                           <p:spTgt spid="11"/>
                                         </p:tgtEl>
@@ -15509,14 +15025,14 @@
                                 </p:cTn>
                               </p:par>
                               <p:par>
-                                <p:cTn id="35" presetID="2" presetClass="entr" presetSubtype="4" fill="hold" grpId="0" nodeType="withEffect">
+                                <p:cTn id="33" presetID="2" presetClass="entr" presetSubtype="4" fill="hold" grpId="0" nodeType="withEffect">
                                   <p:stCondLst>
                                     <p:cond delay="0"/>
                                   </p:stCondLst>
                                   <p:childTnLst>
                                     <p:set>
                                       <p:cBhvr>
-                                        <p:cTn id="36" dur="1" fill="hold">
+                                        <p:cTn id="34" dur="1" fill="hold">
                                           <p:stCondLst>
                                             <p:cond delay="0"/>
                                           </p:stCondLst>
@@ -15534,7 +15050,7 @@
                                     </p:set>
                                     <p:anim calcmode="lin" valueType="num">
                                       <p:cBhvr additive="base">
-                                        <p:cTn id="37" dur="500" fill="hold"/>
+                                        <p:cTn id="35" dur="500" fill="hold"/>
                                         <p:tgtEl>
                                           <p:spTgt spid="30"/>
                                         </p:tgtEl>
@@ -15557,7 +15073,7 @@
                                     </p:anim>
                                     <p:anim calcmode="lin" valueType="num">
                                       <p:cBhvr additive="base">
-                                        <p:cTn id="38" dur="500" fill="hold"/>
+                                        <p:cTn id="36" dur="500" fill="hold"/>
                                         <p:tgtEl>
                                           <p:spTgt spid="30"/>
                                         </p:tgtEl>
@@ -15582,14 +15098,14 @@
                                 </p:cTn>
                               </p:par>
                               <p:par>
-                                <p:cTn id="39" presetID="2" presetClass="entr" presetSubtype="4" fill="hold" grpId="0" nodeType="withEffect">
+                                <p:cTn id="37" presetID="2" presetClass="entr" presetSubtype="4" fill="hold" grpId="0" nodeType="withEffect">
                                   <p:stCondLst>
                                     <p:cond delay="0"/>
                                   </p:stCondLst>
                                   <p:childTnLst>
                                     <p:set>
                                       <p:cBhvr>
-                                        <p:cTn id="40" dur="1" fill="hold">
+                                        <p:cTn id="38" dur="1" fill="hold">
                                           <p:stCondLst>
                                             <p:cond delay="0"/>
                                           </p:stCondLst>
@@ -15607,7 +15123,7 @@
                                     </p:set>
                                     <p:anim calcmode="lin" valueType="num">
                                       <p:cBhvr additive="base">
-                                        <p:cTn id="41" dur="500" fill="hold"/>
+                                        <p:cTn id="39" dur="500" fill="hold"/>
                                         <p:tgtEl>
                                           <p:spTgt spid="36"/>
                                         </p:tgtEl>
@@ -15630,7 +15146,7 @@
                                     </p:anim>
                                     <p:anim calcmode="lin" valueType="num">
                                       <p:cBhvr additive="base">
-                                        <p:cTn id="42" dur="500" fill="hold"/>
+                                        <p:cTn id="40" dur="500" fill="hold"/>
                                         <p:tgtEl>
                                           <p:spTgt spid="36"/>
                                         </p:tgtEl>
@@ -15655,14 +15171,14 @@
                                 </p:cTn>
                               </p:par>
                               <p:par>
-                                <p:cTn id="43" presetID="2" presetClass="entr" presetSubtype="4" fill="hold" grpId="0" nodeType="withEffect">
+                                <p:cTn id="41" presetID="2" presetClass="entr" presetSubtype="4" fill="hold" grpId="0" nodeType="withEffect">
                                   <p:stCondLst>
                                     <p:cond delay="0"/>
                                   </p:stCondLst>
                                   <p:childTnLst>
                                     <p:set>
                                       <p:cBhvr>
-                                        <p:cTn id="44" dur="1" fill="hold">
+                                        <p:cTn id="42" dur="1" fill="hold">
                                           <p:stCondLst>
                                             <p:cond delay="0"/>
                                           </p:stCondLst>
@@ -15680,7 +15196,7 @@
                                     </p:set>
                                     <p:anim calcmode="lin" valueType="num">
                                       <p:cBhvr additive="base">
-                                        <p:cTn id="45" dur="500" fill="hold"/>
+                                        <p:cTn id="43" dur="500" fill="hold"/>
                                         <p:tgtEl>
                                           <p:spTgt spid="27"/>
                                         </p:tgtEl>
@@ -15703,7 +15219,7 @@
                                     </p:anim>
                                     <p:anim calcmode="lin" valueType="num">
                                       <p:cBhvr additive="base">
-                                        <p:cTn id="46" dur="500" fill="hold"/>
+                                        <p:cTn id="44" dur="500" fill="hold"/>
                                         <p:tgtEl>
                                           <p:spTgt spid="27"/>
                                         </p:tgtEl>
@@ -15728,14 +15244,14 @@
                                 </p:cTn>
                               </p:par>
                               <p:par>
-                                <p:cTn id="47" presetID="2" presetClass="entr" presetSubtype="4" fill="hold" grpId="0" nodeType="withEffect">
+                                <p:cTn id="45" presetID="2" presetClass="entr" presetSubtype="4" fill="hold" grpId="0" nodeType="withEffect">
                                   <p:stCondLst>
                                     <p:cond delay="0"/>
                                   </p:stCondLst>
                                   <p:childTnLst>
                                     <p:set>
                                       <p:cBhvr>
-                                        <p:cTn id="48" dur="1" fill="hold">
+                                        <p:cTn id="46" dur="1" fill="hold">
                                           <p:stCondLst>
                                             <p:cond delay="0"/>
                                           </p:stCondLst>
@@ -15753,7 +15269,7 @@
                                     </p:set>
                                     <p:anim calcmode="lin" valueType="num">
                                       <p:cBhvr additive="base">
-                                        <p:cTn id="49" dur="500" fill="hold"/>
+                                        <p:cTn id="47" dur="500" fill="hold"/>
                                         <p:tgtEl>
                                           <p:spTgt spid="28"/>
                                         </p:tgtEl>
@@ -15776,7 +15292,7 @@
                                     </p:anim>
                                     <p:anim calcmode="lin" valueType="num">
                                       <p:cBhvr additive="base">
-                                        <p:cTn id="50" dur="500" fill="hold"/>
+                                        <p:cTn id="48" dur="500" fill="hold"/>
                                         <p:tgtEl>
                                           <p:spTgt spid="28"/>
                                         </p:tgtEl>
@@ -15801,14 +15317,14 @@
                                 </p:cTn>
                               </p:par>
                               <p:par>
-                                <p:cTn id="51" presetID="2" presetClass="entr" presetSubtype="4" fill="hold" grpId="0" nodeType="withEffect">
+                                <p:cTn id="49" presetID="2" presetClass="entr" presetSubtype="4" fill="hold" grpId="0" nodeType="withEffect">
                                   <p:stCondLst>
                                     <p:cond delay="0"/>
                                   </p:stCondLst>
                                   <p:childTnLst>
                                     <p:set>
                                       <p:cBhvr>
-                                        <p:cTn id="52" dur="1" fill="hold">
+                                        <p:cTn id="50" dur="1" fill="hold">
                                           <p:stCondLst>
                                             <p:cond delay="0"/>
                                           </p:stCondLst>
@@ -15826,7 +15342,7 @@
                                     </p:set>
                                     <p:anim calcmode="lin" valueType="num">
                                       <p:cBhvr additive="base">
-                                        <p:cTn id="53" dur="500" fill="hold"/>
+                                        <p:cTn id="51" dur="500" fill="hold"/>
                                         <p:tgtEl>
                                           <p:spTgt spid="29"/>
                                         </p:tgtEl>
@@ -15849,7 +15365,7 @@
                                     </p:anim>
                                     <p:anim calcmode="lin" valueType="num">
                                       <p:cBhvr additive="base">
-                                        <p:cTn id="54" dur="500" fill="hold"/>
+                                        <p:cTn id="52" dur="500" fill="hold"/>
                                         <p:tgtEl>
                                           <p:spTgt spid="29"/>
                                         </p:tgtEl>
@@ -15873,33 +15389,15 @@
                                   </p:childTnLst>
                                 </p:cTn>
                               </p:par>
-                            </p:childTnLst>
-                          </p:cTn>
-                        </p:par>
-                      </p:childTnLst>
-                    </p:cTn>
-                  </p:par>
-                  <p:par>
-                    <p:cTn id="55" fill="hold">
-                      <p:stCondLst>
-                        <p:cond delay="indefinite"/>
-                      </p:stCondLst>
-                      <p:childTnLst>
-                        <p:par>
-                          <p:cTn id="56" fill="hold">
-                            <p:stCondLst>
-                              <p:cond delay="0"/>
-                            </p:stCondLst>
-                            <p:childTnLst>
                               <p:par>
-                                <p:cTn id="57" presetID="2" presetClass="entr" presetSubtype="4" fill="hold" grpId="0" nodeType="clickEffect">
+                                <p:cTn id="53" presetID="2" presetClass="entr" presetSubtype="4" fill="hold" grpId="0" nodeType="withEffect">
                                   <p:stCondLst>
                                     <p:cond delay="0"/>
                                   </p:stCondLst>
                                   <p:childTnLst>
                                     <p:set>
                                       <p:cBhvr>
-                                        <p:cTn id="58" dur="1" fill="hold">
+                                        <p:cTn id="54" dur="1" fill="hold">
                                           <p:stCondLst>
                                             <p:cond delay="0"/>
                                           </p:stCondLst>
@@ -15917,7 +15415,7 @@
                                     </p:set>
                                     <p:anim calcmode="lin" valueType="num">
                                       <p:cBhvr additive="base">
-                                        <p:cTn id="59" dur="500" fill="hold"/>
+                                        <p:cTn id="55" dur="500" fill="hold"/>
                                         <p:tgtEl>
                                           <p:spTgt spid="35"/>
                                         </p:tgtEl>
@@ -15940,9 +15438,82 @@
                                     </p:anim>
                                     <p:anim calcmode="lin" valueType="num">
                                       <p:cBhvr additive="base">
+                                        <p:cTn id="56" dur="500" fill="hold"/>
+                                        <p:tgtEl>
+                                          <p:spTgt spid="35"/>
+                                        </p:tgtEl>
+                                        <p:attrNameLst>
+                                          <p:attrName>ppt_y</p:attrName>
+                                        </p:attrNameLst>
+                                      </p:cBhvr>
+                                      <p:tavLst>
+                                        <p:tav tm="0">
+                                          <p:val>
+                                            <p:strVal val="1+#ppt_h/2"/>
+                                          </p:val>
+                                        </p:tav>
+                                        <p:tav tm="100000">
+                                          <p:val>
+                                            <p:strVal val="#ppt_y"/>
+                                          </p:val>
+                                        </p:tav>
+                                      </p:tavLst>
+                                    </p:anim>
+                                  </p:childTnLst>
+                                </p:cTn>
+                              </p:par>
+                              <p:par>
+                                <p:cTn id="57" presetID="2" presetClass="entr" presetSubtype="4" fill="hold" grpId="0" nodeType="withEffect">
+                                  <p:stCondLst>
+                                    <p:cond delay="0"/>
+                                  </p:stCondLst>
+                                  <p:childTnLst>
+                                    <p:set>
+                                      <p:cBhvr>
+                                        <p:cTn id="58" dur="1" fill="hold">
+                                          <p:stCondLst>
+                                            <p:cond delay="0"/>
+                                          </p:stCondLst>
+                                        </p:cTn>
+                                        <p:tgtEl>
+                                          <p:spTgt spid="31"/>
+                                        </p:tgtEl>
+                                        <p:attrNameLst>
+                                          <p:attrName>style.visibility</p:attrName>
+                                        </p:attrNameLst>
+                                      </p:cBhvr>
+                                      <p:to>
+                                        <p:strVal val="visible"/>
+                                      </p:to>
+                                    </p:set>
+                                    <p:anim calcmode="lin" valueType="num">
+                                      <p:cBhvr additive="base">
+                                        <p:cTn id="59" dur="500" fill="hold"/>
+                                        <p:tgtEl>
+                                          <p:spTgt spid="31"/>
+                                        </p:tgtEl>
+                                        <p:attrNameLst>
+                                          <p:attrName>ppt_x</p:attrName>
+                                        </p:attrNameLst>
+                                      </p:cBhvr>
+                                      <p:tavLst>
+                                        <p:tav tm="0">
+                                          <p:val>
+                                            <p:strVal val="#ppt_x"/>
+                                          </p:val>
+                                        </p:tav>
+                                        <p:tav tm="100000">
+                                          <p:val>
+                                            <p:strVal val="#ppt_x"/>
+                                          </p:val>
+                                        </p:tav>
+                                      </p:tavLst>
+                                    </p:anim>
+                                    <p:anim calcmode="lin" valueType="num">
+                                      <p:cBhvr additive="base">
                                         <p:cTn id="60" dur="500" fill="hold"/>
                                         <p:tgtEl>
-                                          <p:spTgt spid="35"/>
+                                          <p:spTgt spid="31"/>
                                         </p:tgtEl>
                                         <p:attrNameLst>
                                           <p:attrName>ppt_y</p:attrName>
@@ -15978,7 +15549,7 @@
                                           </p:stCondLst>
                                         </p:cTn>
                                         <p:tgtEl>
-                                          <p:spTgt spid="31"/>
+                                          <p:spTgt spid="32"/>
                                         </p:tgtEl>
                                         <p:attrNameLst>
                                           <p:attrName>style.visibility</p:attrName>
@@ -15992,7 +15563,7 @@
                                       <p:cBhvr additive="base">
                                         <p:cTn id="63" dur="500" fill="hold"/>
                                         <p:tgtEl>
-                                          <p:spTgt spid="31"/>
+                                          <p:spTgt spid="32"/>
                                         </p:tgtEl>
                                         <p:attrNameLst>
                                           <p:attrName>ppt_x</p:attrName>
@@ -16015,7 +15586,7 @@
                                       <p:cBhvr additive="base">
                                         <p:cTn id="64" dur="500" fill="hold"/>
                                         <p:tgtEl>
-                                          <p:spTgt spid="31"/>
+                                          <p:spTgt spid="32"/>
                                         </p:tgtEl>
                                         <p:attrNameLst>
                                           <p:attrName>ppt_y</p:attrName>
@@ -16051,7 +15622,7 @@
                                           </p:stCondLst>
                                         </p:cTn>
                                         <p:tgtEl>
-                                          <p:spTgt spid="32"/>
+                                          <p:spTgt spid="34"/>
                                         </p:tgtEl>
                                         <p:attrNameLst>
                                           <p:attrName>style.visibility</p:attrName>
@@ -16065,7 +15636,7 @@
                                       <p:cBhvr additive="base">
                                         <p:cTn id="67" dur="500" fill="hold"/>
                                         <p:tgtEl>
-                                          <p:spTgt spid="32"/>
+                                          <p:spTgt spid="34"/>
                                         </p:tgtEl>
                                         <p:attrNameLst>
                                           <p:attrName>ppt_x</p:attrName>
@@ -16088,7 +15659,7 @@
                                       <p:cBhvr additive="base">
                                         <p:cTn id="68" dur="500" fill="hold"/>
                                         <p:tgtEl>
-                                          <p:spTgt spid="32"/>
+                                          <p:spTgt spid="34"/>
                                         </p:tgtEl>
                                         <p:attrNameLst>
                                           <p:attrName>ppt_y</p:attrName>
@@ -16124,7 +15695,7 @@
                                           </p:stCondLst>
                                         </p:cTn>
                                         <p:tgtEl>
-                                          <p:spTgt spid="34"/>
+                                          <p:spTgt spid="33"/>
                                         </p:tgtEl>
                                         <p:attrNameLst>
                                           <p:attrName>style.visibility</p:attrName>
@@ -16137,79 +15708,6 @@
                                     <p:anim calcmode="lin" valueType="num">
                                       <p:cBhvr additive="base">
                                         <p:cTn id="71" dur="500" fill="hold"/>
-                                        <p:tgtEl>
-                                          <p:spTgt spid="34"/>
-                                        </p:tgtEl>
-                                        <p:attrNameLst>
-                                          <p:attrName>ppt_x</p:attrName>
-                                        </p:attrNameLst>
-                                      </p:cBhvr>
-                                      <p:tavLst>
-                                        <p:tav tm="0">
-                                          <p:val>
-                                            <p:strVal val="#ppt_x"/>
-                                          </p:val>
-                                        </p:tav>
-                                        <p:tav tm="100000">
-                                          <p:val>
-                                            <p:strVal val="#ppt_x"/>
-                                          </p:val>
-                                        </p:tav>
-                                      </p:tavLst>
-                                    </p:anim>
-                                    <p:anim calcmode="lin" valueType="num">
-                                      <p:cBhvr additive="base">
-                                        <p:cTn id="72" dur="500" fill="hold"/>
-                                        <p:tgtEl>
-                                          <p:spTgt spid="34"/>
-                                        </p:tgtEl>
-                                        <p:attrNameLst>
-                                          <p:attrName>ppt_y</p:attrName>
-                                        </p:attrNameLst>
-                                      </p:cBhvr>
-                                      <p:tavLst>
-                                        <p:tav tm="0">
-                                          <p:val>
-                                            <p:strVal val="1+#ppt_h/2"/>
-                                          </p:val>
-                                        </p:tav>
-                                        <p:tav tm="100000">
-                                          <p:val>
-                                            <p:strVal val="#ppt_y"/>
-                                          </p:val>
-                                        </p:tav>
-                                      </p:tavLst>
-                                    </p:anim>
-                                  </p:childTnLst>
-                                </p:cTn>
-                              </p:par>
-                              <p:par>
-                                <p:cTn id="73" presetID="2" presetClass="entr" presetSubtype="4" fill="hold" grpId="0" nodeType="withEffect">
-                                  <p:stCondLst>
-                                    <p:cond delay="0"/>
-                                  </p:stCondLst>
-                                  <p:childTnLst>
-                                    <p:set>
-                                      <p:cBhvr>
-                                        <p:cTn id="74" dur="1" fill="hold">
-                                          <p:stCondLst>
-                                            <p:cond delay="0"/>
-                                          </p:stCondLst>
-                                        </p:cTn>
-                                        <p:tgtEl>
-                                          <p:spTgt spid="33"/>
-                                        </p:tgtEl>
-                                        <p:attrNameLst>
-                                          <p:attrName>style.visibility</p:attrName>
-                                        </p:attrNameLst>
-                                      </p:cBhvr>
-                                      <p:to>
-                                        <p:strVal val="visible"/>
-                                      </p:to>
-                                    </p:set>
-                                    <p:anim calcmode="lin" valueType="num">
-                                      <p:cBhvr additive="base">
-                                        <p:cTn id="75" dur="500" fill="hold"/>
                                         <p:tgtEl>
                                           <p:spTgt spid="33"/>
                                         </p:tgtEl>
@@ -16232,7 +15730,7 @@
                                     </p:anim>
                                     <p:anim calcmode="lin" valueType="num">
                                       <p:cBhvr additive="base">
-                                        <p:cTn id="76" dur="500" fill="hold"/>
+                                        <p:cTn id="72" dur="500" fill="hold"/>
                                         <p:tgtEl>
                                           <p:spTgt spid="33"/>
                                         </p:tgtEl>
@@ -16257,14 +15755,14 @@
                                 </p:cTn>
                               </p:par>
                               <p:par>
-                                <p:cTn id="77" presetID="2" presetClass="entr" presetSubtype="4" fill="hold" nodeType="withEffect">
+                                <p:cTn id="73" presetID="2" presetClass="entr" presetSubtype="4" fill="hold" nodeType="withEffect">
                                   <p:stCondLst>
                                     <p:cond delay="0"/>
                                   </p:stCondLst>
                                   <p:childTnLst>
                                     <p:set>
                                       <p:cBhvr>
-                                        <p:cTn id="78" dur="1" fill="hold">
+                                        <p:cTn id="74" dur="1" fill="hold">
                                           <p:stCondLst>
                                             <p:cond delay="0"/>
                                           </p:stCondLst>
@@ -16282,7 +15780,7 @@
                                     </p:set>
                                     <p:anim calcmode="lin" valueType="num">
                                       <p:cBhvr additive="base">
-                                        <p:cTn id="79" dur="500" fill="hold"/>
+                                        <p:cTn id="75" dur="500" fill="hold"/>
                                         <p:tgtEl>
                                           <p:spTgt spid="13"/>
                                         </p:tgtEl>
@@ -16305,7 +15803,7 @@
                                     </p:anim>
                                     <p:anim calcmode="lin" valueType="num">
                                       <p:cBhvr additive="base">
-                                        <p:cTn id="80" dur="500" fill="hold"/>
+                                        <p:cTn id="76" dur="500" fill="hold"/>
                                         <p:tgtEl>
                                           <p:spTgt spid="13"/>
                                         </p:tgtEl>
@@ -17480,7 +16978,7 @@
                                           </p:stCondLst>
                                         </p:cTn>
                                         <p:tgtEl>
-                                          <p:spTgt spid="20"/>
+                                          <p:spTgt spid="22"/>
                                         </p:tgtEl>
                                         <p:attrNameLst>
                                           <p:attrName>style.visibility</p:attrName>
@@ -17494,7 +16992,7 @@
                                       <p:cBhvr additive="base">
                                         <p:cTn id="7" dur="500" fill="hold"/>
                                         <p:tgtEl>
-                                          <p:spTgt spid="20"/>
+                                          <p:spTgt spid="22"/>
                                         </p:tgtEl>
                                         <p:attrNameLst>
                                           <p:attrName>ppt_x</p:attrName>
@@ -17517,7 +17015,7 @@
                                       <p:cBhvr additive="base">
                                         <p:cTn id="8" dur="500" fill="hold"/>
                                         <p:tgtEl>
-                                          <p:spTgt spid="20"/>
+                                          <p:spTgt spid="22"/>
                                         </p:tgtEl>
                                         <p:attrNameLst>
                                           <p:attrName>ppt_y</p:attrName>
@@ -17553,7 +17051,7 @@
                                           </p:stCondLst>
                                         </p:cTn>
                                         <p:tgtEl>
-                                          <p:spTgt spid="18"/>
+                                          <p:spTgt spid="24"/>
                                         </p:tgtEl>
                                         <p:attrNameLst>
                                           <p:attrName>style.visibility</p:attrName>
@@ -17566,352 +17064,6 @@
                                     <p:anim calcmode="lin" valueType="num">
                                       <p:cBhvr additive="base">
                                         <p:cTn id="11" dur="500" fill="hold"/>
-                                        <p:tgtEl>
-                                          <p:spTgt spid="18"/>
-                                        </p:tgtEl>
-                                        <p:attrNameLst>
-                                          <p:attrName>ppt_x</p:attrName>
-                                        </p:attrNameLst>
-                                      </p:cBhvr>
-                                      <p:tavLst>
-                                        <p:tav tm="0">
-                                          <p:val>
-                                            <p:strVal val="#ppt_x"/>
-                                          </p:val>
-                                        </p:tav>
-                                        <p:tav tm="100000">
-                                          <p:val>
-                                            <p:strVal val="#ppt_x"/>
-                                          </p:val>
-                                        </p:tav>
-                                      </p:tavLst>
-                                    </p:anim>
-                                    <p:anim calcmode="lin" valueType="num">
-                                      <p:cBhvr additive="base">
-                                        <p:cTn id="12" dur="500" fill="hold"/>
-                                        <p:tgtEl>
-                                          <p:spTgt spid="18"/>
-                                        </p:tgtEl>
-                                        <p:attrNameLst>
-                                          <p:attrName>ppt_y</p:attrName>
-                                        </p:attrNameLst>
-                                      </p:cBhvr>
-                                      <p:tavLst>
-                                        <p:tav tm="0">
-                                          <p:val>
-                                            <p:strVal val="1+#ppt_h/2"/>
-                                          </p:val>
-                                        </p:tav>
-                                        <p:tav tm="100000">
-                                          <p:val>
-                                            <p:strVal val="#ppt_y"/>
-                                          </p:val>
-                                        </p:tav>
-                                      </p:tavLst>
-                                    </p:anim>
-                                  </p:childTnLst>
-                                </p:cTn>
-                              </p:par>
-                            </p:childTnLst>
-                          </p:cTn>
-                        </p:par>
-                      </p:childTnLst>
-                    </p:cTn>
-                  </p:par>
-                  <p:par>
-                    <p:cTn id="13" fill="hold">
-                      <p:stCondLst>
-                        <p:cond delay="indefinite"/>
-                      </p:stCondLst>
-                      <p:childTnLst>
-                        <p:par>
-                          <p:cTn id="14" fill="hold">
-                            <p:stCondLst>
-                              <p:cond delay="0"/>
-                            </p:stCondLst>
-                            <p:childTnLst>
-                              <p:par>
-                                <p:cTn id="15" presetID="2" presetClass="entr" presetSubtype="4" fill="hold" grpId="0" nodeType="clickEffect">
-                                  <p:stCondLst>
-                                    <p:cond delay="0"/>
-                                  </p:stCondLst>
-                                  <p:childTnLst>
-                                    <p:set>
-                                      <p:cBhvr>
-                                        <p:cTn id="16" dur="1" fill="hold">
-                                          <p:stCondLst>
-                                            <p:cond delay="0"/>
-                                          </p:stCondLst>
-                                        </p:cTn>
-                                        <p:tgtEl>
-                                          <p:spTgt spid="19"/>
-                                        </p:tgtEl>
-                                        <p:attrNameLst>
-                                          <p:attrName>style.visibility</p:attrName>
-                                        </p:attrNameLst>
-                                      </p:cBhvr>
-                                      <p:to>
-                                        <p:strVal val="visible"/>
-                                      </p:to>
-                                    </p:set>
-                                    <p:anim calcmode="lin" valueType="num">
-                                      <p:cBhvr additive="base">
-                                        <p:cTn id="17" dur="500" fill="hold"/>
-                                        <p:tgtEl>
-                                          <p:spTgt spid="19"/>
-                                        </p:tgtEl>
-                                        <p:attrNameLst>
-                                          <p:attrName>ppt_x</p:attrName>
-                                        </p:attrNameLst>
-                                      </p:cBhvr>
-                                      <p:tavLst>
-                                        <p:tav tm="0">
-                                          <p:val>
-                                            <p:strVal val="#ppt_x"/>
-                                          </p:val>
-                                        </p:tav>
-                                        <p:tav tm="100000">
-                                          <p:val>
-                                            <p:strVal val="#ppt_x"/>
-                                          </p:val>
-                                        </p:tav>
-                                      </p:tavLst>
-                                    </p:anim>
-                                    <p:anim calcmode="lin" valueType="num">
-                                      <p:cBhvr additive="base">
-                                        <p:cTn id="18" dur="500" fill="hold"/>
-                                        <p:tgtEl>
-                                          <p:spTgt spid="19"/>
-                                        </p:tgtEl>
-                                        <p:attrNameLst>
-                                          <p:attrName>ppt_y</p:attrName>
-                                        </p:attrNameLst>
-                                      </p:cBhvr>
-                                      <p:tavLst>
-                                        <p:tav tm="0">
-                                          <p:val>
-                                            <p:strVal val="1+#ppt_h/2"/>
-                                          </p:val>
-                                        </p:tav>
-                                        <p:tav tm="100000">
-                                          <p:val>
-                                            <p:strVal val="#ppt_y"/>
-                                          </p:val>
-                                        </p:tav>
-                                      </p:tavLst>
-                                    </p:anim>
-                                  </p:childTnLst>
-                                </p:cTn>
-                              </p:par>
-                              <p:par>
-                                <p:cTn id="19" presetID="2" presetClass="entr" presetSubtype="4" fill="hold" grpId="0" nodeType="withEffect">
-                                  <p:stCondLst>
-                                    <p:cond delay="0"/>
-                                  </p:stCondLst>
-                                  <p:childTnLst>
-                                    <p:set>
-                                      <p:cBhvr>
-                                        <p:cTn id="20" dur="1" fill="hold">
-                                          <p:stCondLst>
-                                            <p:cond delay="0"/>
-                                          </p:stCondLst>
-                                        </p:cTn>
-                                        <p:tgtEl>
-                                          <p:spTgt spid="21"/>
-                                        </p:tgtEl>
-                                        <p:attrNameLst>
-                                          <p:attrName>style.visibility</p:attrName>
-                                        </p:attrNameLst>
-                                      </p:cBhvr>
-                                      <p:to>
-                                        <p:strVal val="visible"/>
-                                      </p:to>
-                                    </p:set>
-                                    <p:anim calcmode="lin" valueType="num">
-                                      <p:cBhvr additive="base">
-                                        <p:cTn id="21" dur="500" fill="hold"/>
-                                        <p:tgtEl>
-                                          <p:spTgt spid="21"/>
-                                        </p:tgtEl>
-                                        <p:attrNameLst>
-                                          <p:attrName>ppt_x</p:attrName>
-                                        </p:attrNameLst>
-                                      </p:cBhvr>
-                                      <p:tavLst>
-                                        <p:tav tm="0">
-                                          <p:val>
-                                            <p:strVal val="#ppt_x"/>
-                                          </p:val>
-                                        </p:tav>
-                                        <p:tav tm="100000">
-                                          <p:val>
-                                            <p:strVal val="#ppt_x"/>
-                                          </p:val>
-                                        </p:tav>
-                                      </p:tavLst>
-                                    </p:anim>
-                                    <p:anim calcmode="lin" valueType="num">
-                                      <p:cBhvr additive="base">
-                                        <p:cTn id="22" dur="500" fill="hold"/>
-                                        <p:tgtEl>
-                                          <p:spTgt spid="21"/>
-                                        </p:tgtEl>
-                                        <p:attrNameLst>
-                                          <p:attrName>ppt_y</p:attrName>
-                                        </p:attrNameLst>
-                                      </p:cBhvr>
-                                      <p:tavLst>
-                                        <p:tav tm="0">
-                                          <p:val>
-                                            <p:strVal val="1+#ppt_h/2"/>
-                                          </p:val>
-                                        </p:tav>
-                                        <p:tav tm="100000">
-                                          <p:val>
-                                            <p:strVal val="#ppt_y"/>
-                                          </p:val>
-                                        </p:tav>
-                                      </p:tavLst>
-                                    </p:anim>
-                                  </p:childTnLst>
-                                </p:cTn>
-                              </p:par>
-                            </p:childTnLst>
-                          </p:cTn>
-                        </p:par>
-                      </p:childTnLst>
-                    </p:cTn>
-                  </p:par>
-                  <p:par>
-                    <p:cTn id="23" fill="hold">
-                      <p:stCondLst>
-                        <p:cond delay="indefinite"/>
-                      </p:stCondLst>
-                      <p:childTnLst>
-                        <p:par>
-                          <p:cTn id="24" fill="hold">
-                            <p:stCondLst>
-                              <p:cond delay="0"/>
-                            </p:stCondLst>
-                            <p:childTnLst>
-                              <p:par>
-                                <p:cTn id="25" presetID="2" presetClass="entr" presetSubtype="4" fill="hold" grpId="0" nodeType="clickEffect">
-                                  <p:stCondLst>
-                                    <p:cond delay="0"/>
-                                  </p:stCondLst>
-                                  <p:childTnLst>
-                                    <p:set>
-                                      <p:cBhvr>
-                                        <p:cTn id="26" dur="1" fill="hold">
-                                          <p:stCondLst>
-                                            <p:cond delay="0"/>
-                                          </p:stCondLst>
-                                        </p:cTn>
-                                        <p:tgtEl>
-                                          <p:spTgt spid="22"/>
-                                        </p:tgtEl>
-                                        <p:attrNameLst>
-                                          <p:attrName>style.visibility</p:attrName>
-                                        </p:attrNameLst>
-                                      </p:cBhvr>
-                                      <p:to>
-                                        <p:strVal val="visible"/>
-                                      </p:to>
-                                    </p:set>
-                                    <p:anim calcmode="lin" valueType="num">
-                                      <p:cBhvr additive="base">
-                                        <p:cTn id="27" dur="500" fill="hold"/>
-                                        <p:tgtEl>
-                                          <p:spTgt spid="22"/>
-                                        </p:tgtEl>
-                                        <p:attrNameLst>
-                                          <p:attrName>ppt_x</p:attrName>
-                                        </p:attrNameLst>
-                                      </p:cBhvr>
-                                      <p:tavLst>
-                                        <p:tav tm="0">
-                                          <p:val>
-                                            <p:strVal val="#ppt_x"/>
-                                          </p:val>
-                                        </p:tav>
-                                        <p:tav tm="100000">
-                                          <p:val>
-                                            <p:strVal val="#ppt_x"/>
-                                          </p:val>
-                                        </p:tav>
-                                      </p:tavLst>
-                                    </p:anim>
-                                    <p:anim calcmode="lin" valueType="num">
-                                      <p:cBhvr additive="base">
-                                        <p:cTn id="28" dur="500" fill="hold"/>
-                                        <p:tgtEl>
-                                          <p:spTgt spid="22"/>
-                                        </p:tgtEl>
-                                        <p:attrNameLst>
-                                          <p:attrName>ppt_y</p:attrName>
-                                        </p:attrNameLst>
-                                      </p:cBhvr>
-                                      <p:tavLst>
-                                        <p:tav tm="0">
-                                          <p:val>
-                                            <p:strVal val="1+#ppt_h/2"/>
-                                          </p:val>
-                                        </p:tav>
-                                        <p:tav tm="100000">
-                                          <p:val>
-                                            <p:strVal val="#ppt_y"/>
-                                          </p:val>
-                                        </p:tav>
-                                      </p:tavLst>
-                                    </p:anim>
-                                  </p:childTnLst>
-                                </p:cTn>
-                              </p:par>
-                            </p:childTnLst>
-                          </p:cTn>
-                        </p:par>
-                      </p:childTnLst>
-                    </p:cTn>
-                  </p:par>
-                  <p:par>
-                    <p:cTn id="29" fill="hold">
-                      <p:stCondLst>
-                        <p:cond delay="indefinite"/>
-                      </p:stCondLst>
-                      <p:childTnLst>
-                        <p:par>
-                          <p:cTn id="30" fill="hold">
-                            <p:stCondLst>
-                              <p:cond delay="0"/>
-                            </p:stCondLst>
-                            <p:childTnLst>
-                              <p:par>
-                                <p:cTn id="31" presetID="2" presetClass="entr" presetSubtype="4" fill="hold" grpId="0" nodeType="clickEffect">
-                                  <p:stCondLst>
-                                    <p:cond delay="0"/>
-                                  </p:stCondLst>
-                                  <p:childTnLst>
-                                    <p:set>
-                                      <p:cBhvr>
-                                        <p:cTn id="32" dur="1" fill="hold">
-                                          <p:stCondLst>
-                                            <p:cond delay="0"/>
-                                          </p:stCondLst>
-                                        </p:cTn>
-                                        <p:tgtEl>
-                                          <p:spTgt spid="24"/>
-                                        </p:tgtEl>
-                                        <p:attrNameLst>
-                                          <p:attrName>style.visibility</p:attrName>
-                                        </p:attrNameLst>
-                                      </p:cBhvr>
-                                      <p:to>
-                                        <p:strVal val="visible"/>
-                                      </p:to>
-                                    </p:set>
-                                    <p:anim calcmode="lin" valueType="num">
-                                      <p:cBhvr additive="base">
-                                        <p:cTn id="33" dur="500" fill="hold"/>
                                         <p:tgtEl>
                                           <p:spTgt spid="24"/>
                                         </p:tgtEl>
@@ -17934,7 +17086,7 @@
                                     </p:anim>
                                     <p:anim calcmode="lin" valueType="num">
                                       <p:cBhvr additive="base">
-                                        <p:cTn id="34" dur="500" fill="hold"/>
+                                        <p:cTn id="12" dur="500" fill="hold"/>
                                         <p:tgtEl>
                                           <p:spTgt spid="24"/>
                                         </p:tgtEl>
@@ -17986,10 +17138,6 @@
       </p:par>
     </p:tnLst>
     <p:bldLst>
-      <p:bldP spid="18" grpId="0" animBg="1"/>
-      <p:bldP spid="19" grpId="0" animBg="1"/>
-      <p:bldP spid="20" grpId="0" animBg="1"/>
-      <p:bldP spid="21" grpId="0" animBg="1"/>
       <p:bldP spid="22" grpId="0"/>
       <p:bldP spid="24" grpId="0"/>
     </p:bldLst>

--- a/report/thesis/presentation.pptx
+++ b/report/thesis/presentation.pptx
@@ -5,29 +5,31 @@
     <p:sldMasterId id="2147483648" r:id="rId1"/>
   </p:sldMasterIdLst>
   <p:notesMasterIdLst>
-    <p:notesMasterId r:id="rId19"/>
+    <p:notesMasterId r:id="rId21"/>
   </p:notesMasterIdLst>
   <p:handoutMasterIdLst>
-    <p:handoutMasterId r:id="rId20"/>
+    <p:handoutMasterId r:id="rId22"/>
   </p:handoutMasterIdLst>
   <p:sldIdLst>
     <p:sldId id="291" r:id="rId2"/>
     <p:sldId id="303" r:id="rId3"/>
     <p:sldId id="281" r:id="rId4"/>
     <p:sldId id="282" r:id="rId5"/>
-    <p:sldId id="283" r:id="rId6"/>
-    <p:sldId id="286" r:id="rId7"/>
-    <p:sldId id="287" r:id="rId8"/>
-    <p:sldId id="285" r:id="rId9"/>
-    <p:sldId id="288" r:id="rId10"/>
+    <p:sldId id="286" r:id="rId6"/>
+    <p:sldId id="287" r:id="rId7"/>
+    <p:sldId id="285" r:id="rId8"/>
+    <p:sldId id="288" r:id="rId9"/>
+    <p:sldId id="306" r:id="rId10"/>
     <p:sldId id="304" r:id="rId11"/>
-    <p:sldId id="293" r:id="rId12"/>
-    <p:sldId id="295" r:id="rId13"/>
-    <p:sldId id="296" r:id="rId14"/>
-    <p:sldId id="289" r:id="rId15"/>
-    <p:sldId id="298" r:id="rId16"/>
-    <p:sldId id="290" r:id="rId17"/>
-    <p:sldId id="276" r:id="rId18"/>
+    <p:sldId id="307" r:id="rId12"/>
+    <p:sldId id="308" r:id="rId13"/>
+    <p:sldId id="293" r:id="rId14"/>
+    <p:sldId id="295" r:id="rId15"/>
+    <p:sldId id="296" r:id="rId16"/>
+    <p:sldId id="289" r:id="rId17"/>
+    <p:sldId id="298" r:id="rId18"/>
+    <p:sldId id="290" r:id="rId19"/>
+    <p:sldId id="276" r:id="rId20"/>
   </p:sldIdLst>
   <p:sldSz cx="12192000" cy="6858000"/>
   <p:notesSz cx="9866313" cy="6735763"/>
@@ -3978,7 +3980,6 @@
               <a:rPr lang="en-US" dirty="0" smtClean="0"/>
               <a:t>.</a:t>
             </a:r>
-            <a:endParaRPr lang="en-US" dirty="0" smtClean="0"/>
           </a:p>
         </p:txBody>
       </p:sp>
@@ -4026,6 +4027,1047 @@
 </file>
 
 <file path=ppt/slides/slide11.xml><?xml version="1.0" encoding="utf-8"?>
+<p:sld xmlns:a="http://schemas.openxmlformats.org/drawingml/2006/main" xmlns:r="http://schemas.openxmlformats.org/officeDocument/2006/relationships" xmlns:p="http://schemas.openxmlformats.org/presentationml/2006/main">
+  <p:cSld>
+    <p:spTree>
+      <p:nvGrpSpPr>
+        <p:cNvPr id="1" name=""/>
+        <p:cNvGrpSpPr/>
+        <p:nvPr/>
+      </p:nvGrpSpPr>
+      <p:grpSpPr>
+        <a:xfrm>
+          <a:off x="0" y="0"/>
+          <a:ext cx="0" cy="0"/>
+          <a:chOff x="0" y="0"/>
+          <a:chExt cx="0" cy="0"/>
+        </a:xfrm>
+      </p:grpSpPr>
+      <p:sp>
+        <p:nvSpPr>
+          <p:cNvPr id="2" name="Title 1"/>
+          <p:cNvSpPr>
+            <a:spLocks noGrp="1"/>
+          </p:cNvSpPr>
+          <p:nvPr>
+            <p:ph type="title"/>
+          </p:nvPr>
+        </p:nvSpPr>
+        <p:spPr/>
+        <p:txBody>
+          <a:bodyPr/>
+          <a:lstStyle/>
+          <a:p>
+            <a:r>
+              <a:rPr lang="en-US" dirty="0" smtClean="0"/>
+              <a:t>Incremental widening and deepening</a:t>
+            </a:r>
+            <a:endParaRPr lang="en-US" dirty="0"/>
+          </a:p>
+        </p:txBody>
+      </p:sp>
+      <p:sp>
+        <p:nvSpPr>
+          <p:cNvPr id="3" name="Content Placeholder 2"/>
+          <p:cNvSpPr>
+            <a:spLocks noGrp="1"/>
+          </p:cNvSpPr>
+          <p:nvPr>
+            <p:ph idx="1"/>
+          </p:nvPr>
+        </p:nvSpPr>
+        <p:spPr/>
+        <p:txBody>
+          <a:bodyPr/>
+          <a:lstStyle/>
+          <a:p>
+            <a:r>
+              <a:rPr lang="en-US" dirty="0" smtClean="0"/>
+              <a:t>Incremental widening</a:t>
+            </a:r>
+            <a:endParaRPr lang="en-US" dirty="0"/>
+          </a:p>
+        </p:txBody>
+      </p:sp>
+      <p:sp>
+        <p:nvSpPr>
+          <p:cNvPr id="4" name="Slide Number Placeholder 3"/>
+          <p:cNvSpPr>
+            <a:spLocks noGrp="1"/>
+          </p:cNvSpPr>
+          <p:nvPr>
+            <p:ph type="sldNum" sz="quarter" idx="12"/>
+          </p:nvPr>
+        </p:nvSpPr>
+        <p:spPr/>
+        <p:txBody>
+          <a:bodyPr/>
+          <a:lstStyle/>
+          <a:p>
+            <a:fld id="{58734595-61A4-4C07-BF74-5C223797634C}" type="slidenum">
+              <a:rPr lang="en-US" smtClean="0"/>
+              <a:t>11</a:t>
+            </a:fld>
+            <a:endParaRPr lang="en-US"/>
+          </a:p>
+        </p:txBody>
+      </p:sp>
+      <p:pic>
+        <p:nvPicPr>
+          <p:cNvPr id="5" name="Picture 4"/>
+          <p:cNvPicPr>
+            <a:picLocks noChangeAspect="1"/>
+          </p:cNvPicPr>
+          <p:nvPr/>
+        </p:nvPicPr>
+        <p:blipFill>
+          <a:blip r:embed="rId5">
+            <a:extLst>
+              <a:ext uri="{28A0092B-C50C-407E-A947-70E740481C1C}">
+                <a14:useLocalDpi xmlns:a14="http://schemas.microsoft.com/office/drawing/2010/main" val="0"/>
+              </a:ext>
+            </a:extLst>
+          </a:blip>
+          <a:stretch>
+            <a:fillRect/>
+          </a:stretch>
+        </p:blipFill>
+        <p:spPr>
+          <a:xfrm>
+            <a:off x="1027509" y="3644105"/>
+            <a:ext cx="5068491" cy="1001270"/>
+          </a:xfrm>
+          <a:prstGeom prst="rect">
+            <a:avLst/>
+          </a:prstGeom>
+        </p:spPr>
+      </p:pic>
+      <p:pic>
+        <p:nvPicPr>
+          <p:cNvPr id="7" name="Picture 6"/>
+          <p:cNvPicPr>
+            <a:picLocks noChangeAspect="1"/>
+          </p:cNvPicPr>
+          <p:nvPr>
+            <p:custDataLst>
+              <p:tags r:id="rId1"/>
+            </p:custDataLst>
+          </p:nvPr>
+        </p:nvPicPr>
+        <p:blipFill>
+          <a:blip r:embed="rId6" cstate="print">
+            <a:extLst>
+              <a:ext uri="{28A0092B-C50C-407E-A947-70E740481C1C}">
+                <a14:useLocalDpi xmlns:a14="http://schemas.microsoft.com/office/drawing/2010/main" val="0"/>
+              </a:ext>
+            </a:extLst>
+          </a:blip>
+          <a:stretch>
+            <a:fillRect/>
+          </a:stretch>
+        </p:blipFill>
+        <p:spPr>
+          <a:xfrm>
+            <a:off x="7207549" y="1324460"/>
+            <a:ext cx="1649730" cy="314325"/>
+          </a:xfrm>
+          <a:prstGeom prst="rect">
+            <a:avLst/>
+          </a:prstGeom>
+        </p:spPr>
+      </p:pic>
+      <p:sp>
+        <p:nvSpPr>
+          <p:cNvPr id="8" name="TextBox 7"/>
+          <p:cNvSpPr txBox="1"/>
+          <p:nvPr/>
+        </p:nvSpPr>
+        <p:spPr>
+          <a:xfrm>
+            <a:off x="10899795" y="3025415"/>
+            <a:ext cx="856901" cy="523220"/>
+          </a:xfrm>
+          <a:prstGeom prst="rect">
+            <a:avLst/>
+          </a:prstGeom>
+          <a:noFill/>
+        </p:spPr>
+        <p:txBody>
+          <a:bodyPr wrap="none" rtlCol="0">
+            <a:spAutoFit/>
+          </a:bodyPr>
+          <a:lstStyle/>
+          <a:p>
+            <a:r>
+              <a:rPr lang="en-US" sz="2800" b="1" dirty="0" smtClean="0">
+                <a:solidFill>
+                  <a:srgbClr val="00B050"/>
+                </a:solidFill>
+                <a:latin typeface="Times New Roman" panose="02020603050405020304" pitchFamily="18" charset="0"/>
+                <a:cs typeface="Times New Roman" panose="02020603050405020304" pitchFamily="18" charset="0"/>
+              </a:rPr>
+              <a:t>SAT</a:t>
+            </a:r>
+            <a:endParaRPr lang="en-US" sz="2800" b="1" dirty="0">
+              <a:solidFill>
+                <a:srgbClr val="00B050"/>
+              </a:solidFill>
+              <a:latin typeface="Times New Roman" panose="02020603050405020304" pitchFamily="18" charset="0"/>
+              <a:cs typeface="Times New Roman" panose="02020603050405020304" pitchFamily="18" charset="0"/>
+            </a:endParaRPr>
+          </a:p>
+        </p:txBody>
+      </p:sp>
+      <p:cxnSp>
+        <p:nvCxnSpPr>
+          <p:cNvPr id="10" name="Straight Arrow Connector 9"/>
+          <p:cNvCxnSpPr>
+            <a:stCxn id="7" idx="3"/>
+            <a:endCxn id="8" idx="1"/>
+          </p:cNvCxnSpPr>
+          <p:nvPr/>
+        </p:nvCxnSpPr>
+        <p:spPr>
+          <a:xfrm>
+            <a:off x="8857279" y="1481623"/>
+            <a:ext cx="2042516" cy="1805402"/>
+          </a:xfrm>
+          <a:prstGeom prst="straightConnector1">
+            <a:avLst/>
+          </a:prstGeom>
+          <a:ln>
+            <a:solidFill>
+              <a:srgbClr val="00B050"/>
+            </a:solidFill>
+            <a:tailEnd type="triangle"/>
+          </a:ln>
+        </p:spPr>
+        <p:style>
+          <a:lnRef idx="1">
+            <a:schemeClr val="accent1"/>
+          </a:lnRef>
+          <a:fillRef idx="0">
+            <a:schemeClr val="accent1"/>
+          </a:fillRef>
+          <a:effectRef idx="0">
+            <a:schemeClr val="accent1"/>
+          </a:effectRef>
+          <a:fontRef idx="minor">
+            <a:schemeClr val="tx1"/>
+          </a:fontRef>
+        </p:style>
+      </p:cxnSp>
+      <p:sp>
+        <p:nvSpPr>
+          <p:cNvPr id="11" name="TextBox 10"/>
+          <p:cNvSpPr txBox="1"/>
+          <p:nvPr/>
+        </p:nvSpPr>
+        <p:spPr>
+          <a:xfrm rot="2507816">
+            <a:off x="9754852" y="2088177"/>
+            <a:ext cx="732445" cy="461665"/>
+          </a:xfrm>
+          <a:prstGeom prst="rect">
+            <a:avLst/>
+          </a:prstGeom>
+          <a:noFill/>
+        </p:spPr>
+        <p:txBody>
+          <a:bodyPr wrap="none" rtlCol="0">
+            <a:spAutoFit/>
+          </a:bodyPr>
+          <a:lstStyle/>
+          <a:p>
+            <a:r>
+              <a:rPr lang="en-US" sz="2400" dirty="0" smtClean="0">
+                <a:solidFill>
+                  <a:srgbClr val="00B050"/>
+                </a:solidFill>
+                <a:latin typeface="Times New Roman" panose="02020603050405020304" pitchFamily="18" charset="0"/>
+                <a:cs typeface="Times New Roman" panose="02020603050405020304" pitchFamily="18" charset="0"/>
+              </a:rPr>
+              <a:t>SAT</a:t>
+            </a:r>
+            <a:endParaRPr lang="en-US" sz="2800" dirty="0">
+              <a:solidFill>
+                <a:srgbClr val="00B050"/>
+              </a:solidFill>
+              <a:latin typeface="Times New Roman" panose="02020603050405020304" pitchFamily="18" charset="0"/>
+              <a:cs typeface="Times New Roman" panose="02020603050405020304" pitchFamily="18" charset="0"/>
+            </a:endParaRPr>
+          </a:p>
+        </p:txBody>
+      </p:sp>
+      <p:pic>
+        <p:nvPicPr>
+          <p:cNvPr id="13" name="Picture 12"/>
+          <p:cNvPicPr>
+            <a:picLocks noChangeAspect="1"/>
+          </p:cNvPicPr>
+          <p:nvPr>
+            <p:custDataLst>
+              <p:tags r:id="rId2"/>
+            </p:custDataLst>
+          </p:nvPr>
+        </p:nvPicPr>
+        <p:blipFill>
+          <a:blip r:embed="rId7" cstate="print">
+            <a:extLst>
+              <a:ext uri="{28A0092B-C50C-407E-A947-70E740481C1C}">
+                <a14:useLocalDpi xmlns:a14="http://schemas.microsoft.com/office/drawing/2010/main" val="0"/>
+              </a:ext>
+            </a:extLst>
+          </a:blip>
+          <a:stretch>
+            <a:fillRect/>
+          </a:stretch>
+        </p:blipFill>
+        <p:spPr>
+          <a:xfrm>
+            <a:off x="7207549" y="2631649"/>
+            <a:ext cx="1649730" cy="314325"/>
+          </a:xfrm>
+          <a:prstGeom prst="rect">
+            <a:avLst/>
+          </a:prstGeom>
+        </p:spPr>
+      </p:pic>
+      <p:cxnSp>
+        <p:nvCxnSpPr>
+          <p:cNvPr id="15" name="Straight Arrow Connector 14"/>
+          <p:cNvCxnSpPr>
+            <a:stCxn id="7" idx="2"/>
+            <a:endCxn id="13" idx="0"/>
+          </p:cNvCxnSpPr>
+          <p:nvPr/>
+        </p:nvCxnSpPr>
+        <p:spPr>
+          <a:xfrm>
+            <a:off x="8032414" y="1638785"/>
+            <a:ext cx="0" cy="992864"/>
+          </a:xfrm>
+          <a:prstGeom prst="straightConnector1">
+            <a:avLst/>
+          </a:prstGeom>
+          <a:ln>
+            <a:solidFill>
+              <a:srgbClr val="C00000"/>
+            </a:solidFill>
+            <a:tailEnd type="triangle"/>
+          </a:ln>
+        </p:spPr>
+        <p:style>
+          <a:lnRef idx="1">
+            <a:schemeClr val="accent1"/>
+          </a:lnRef>
+          <a:fillRef idx="0">
+            <a:schemeClr val="accent1"/>
+          </a:fillRef>
+          <a:effectRef idx="0">
+            <a:schemeClr val="accent1"/>
+          </a:effectRef>
+          <a:fontRef idx="minor">
+            <a:schemeClr val="tx1"/>
+          </a:fontRef>
+        </p:style>
+      </p:cxnSp>
+      <p:sp>
+        <p:nvSpPr>
+          <p:cNvPr id="16" name="TextBox 15"/>
+          <p:cNvSpPr txBox="1"/>
+          <p:nvPr/>
+        </p:nvSpPr>
+        <p:spPr>
+          <a:xfrm>
+            <a:off x="7559345" y="1881344"/>
+            <a:ext cx="1013867" cy="400110"/>
+          </a:xfrm>
+          <a:prstGeom prst="rect">
+            <a:avLst/>
+          </a:prstGeom>
+          <a:noFill/>
+        </p:spPr>
+        <p:txBody>
+          <a:bodyPr wrap="none" rtlCol="0">
+            <a:spAutoFit/>
+          </a:bodyPr>
+          <a:lstStyle/>
+          <a:p>
+            <a:r>
+              <a:rPr lang="en-US" sz="2000" dirty="0" smtClean="0">
+                <a:solidFill>
+                  <a:srgbClr val="C00000"/>
+                </a:solidFill>
+                <a:latin typeface="Times New Roman" panose="02020603050405020304" pitchFamily="18" charset="0"/>
+                <a:cs typeface="Times New Roman" panose="02020603050405020304" pitchFamily="18" charset="0"/>
+              </a:rPr>
+              <a:t>UNSAT</a:t>
+            </a:r>
+            <a:endParaRPr lang="en-US" sz="2000" dirty="0">
+              <a:solidFill>
+                <a:srgbClr val="C00000"/>
+              </a:solidFill>
+              <a:latin typeface="Times New Roman" panose="02020603050405020304" pitchFamily="18" charset="0"/>
+              <a:cs typeface="Times New Roman" panose="02020603050405020304" pitchFamily="18" charset="0"/>
+            </a:endParaRPr>
+          </a:p>
+        </p:txBody>
+      </p:sp>
+      <p:cxnSp>
+        <p:nvCxnSpPr>
+          <p:cNvPr id="17" name="Straight Arrow Connector 16"/>
+          <p:cNvCxnSpPr/>
+          <p:nvPr/>
+        </p:nvCxnSpPr>
+        <p:spPr>
+          <a:xfrm flipH="1">
+            <a:off x="8066278" y="2976515"/>
+            <a:ext cx="1" cy="884285"/>
+          </a:xfrm>
+          <a:prstGeom prst="straightConnector1">
+            <a:avLst/>
+          </a:prstGeom>
+          <a:ln>
+            <a:solidFill>
+              <a:srgbClr val="C00000"/>
+            </a:solidFill>
+            <a:tailEnd type="triangle"/>
+          </a:ln>
+        </p:spPr>
+        <p:style>
+          <a:lnRef idx="1">
+            <a:schemeClr val="accent1"/>
+          </a:lnRef>
+          <a:fillRef idx="0">
+            <a:schemeClr val="accent1"/>
+          </a:fillRef>
+          <a:effectRef idx="0">
+            <a:schemeClr val="accent1"/>
+          </a:effectRef>
+          <a:fontRef idx="minor">
+            <a:schemeClr val="tx1"/>
+          </a:fontRef>
+        </p:style>
+      </p:cxnSp>
+      <p:sp>
+        <p:nvSpPr>
+          <p:cNvPr id="18" name="TextBox 17"/>
+          <p:cNvSpPr txBox="1"/>
+          <p:nvPr/>
+        </p:nvSpPr>
+        <p:spPr>
+          <a:xfrm>
+            <a:off x="7620460" y="3272892"/>
+            <a:ext cx="1013867" cy="400110"/>
+          </a:xfrm>
+          <a:prstGeom prst="rect">
+            <a:avLst/>
+          </a:prstGeom>
+          <a:noFill/>
+        </p:spPr>
+        <p:txBody>
+          <a:bodyPr wrap="none" rtlCol="0">
+            <a:spAutoFit/>
+          </a:bodyPr>
+          <a:lstStyle/>
+          <a:p>
+            <a:r>
+              <a:rPr lang="en-US" sz="2000" dirty="0" smtClean="0">
+                <a:solidFill>
+                  <a:srgbClr val="C00000"/>
+                </a:solidFill>
+                <a:latin typeface="Times New Roman" panose="02020603050405020304" pitchFamily="18" charset="0"/>
+                <a:cs typeface="Times New Roman" panose="02020603050405020304" pitchFamily="18" charset="0"/>
+              </a:rPr>
+              <a:t>UNSAT</a:t>
+            </a:r>
+            <a:endParaRPr lang="en-US" sz="2000" dirty="0">
+              <a:solidFill>
+                <a:srgbClr val="C00000"/>
+              </a:solidFill>
+              <a:latin typeface="Times New Roman" panose="02020603050405020304" pitchFamily="18" charset="0"/>
+              <a:cs typeface="Times New Roman" panose="02020603050405020304" pitchFamily="18" charset="0"/>
+            </a:endParaRPr>
+          </a:p>
+        </p:txBody>
+      </p:sp>
+      <p:cxnSp>
+        <p:nvCxnSpPr>
+          <p:cNvPr id="19" name="Straight Arrow Connector 18"/>
+          <p:cNvCxnSpPr>
+            <a:stCxn id="13" idx="3"/>
+          </p:cNvCxnSpPr>
+          <p:nvPr/>
+        </p:nvCxnSpPr>
+        <p:spPr>
+          <a:xfrm>
+            <a:off x="8857279" y="2788812"/>
+            <a:ext cx="1968109" cy="498213"/>
+          </a:xfrm>
+          <a:prstGeom prst="straightConnector1">
+            <a:avLst/>
+          </a:prstGeom>
+          <a:ln>
+            <a:solidFill>
+              <a:srgbClr val="00B050"/>
+            </a:solidFill>
+            <a:tailEnd type="triangle"/>
+          </a:ln>
+        </p:spPr>
+        <p:style>
+          <a:lnRef idx="1">
+            <a:schemeClr val="accent1"/>
+          </a:lnRef>
+          <a:fillRef idx="0">
+            <a:schemeClr val="accent1"/>
+          </a:fillRef>
+          <a:effectRef idx="0">
+            <a:schemeClr val="accent1"/>
+          </a:effectRef>
+          <a:fontRef idx="minor">
+            <a:schemeClr val="tx1"/>
+          </a:fontRef>
+        </p:style>
+      </p:cxnSp>
+      <p:sp>
+        <p:nvSpPr>
+          <p:cNvPr id="22" name="TextBox 21"/>
+          <p:cNvSpPr txBox="1"/>
+          <p:nvPr/>
+        </p:nvSpPr>
+        <p:spPr>
+          <a:xfrm rot="867890">
+            <a:off x="9366271" y="2586599"/>
+            <a:ext cx="732445" cy="461665"/>
+          </a:xfrm>
+          <a:prstGeom prst="rect">
+            <a:avLst/>
+          </a:prstGeom>
+          <a:noFill/>
+        </p:spPr>
+        <p:txBody>
+          <a:bodyPr wrap="none" rtlCol="0">
+            <a:spAutoFit/>
+          </a:bodyPr>
+          <a:lstStyle/>
+          <a:p>
+            <a:r>
+              <a:rPr lang="en-US" sz="2400" dirty="0" smtClean="0">
+                <a:solidFill>
+                  <a:srgbClr val="00B050"/>
+                </a:solidFill>
+                <a:latin typeface="Times New Roman" panose="02020603050405020304" pitchFamily="18" charset="0"/>
+                <a:cs typeface="Times New Roman" panose="02020603050405020304" pitchFamily="18" charset="0"/>
+              </a:rPr>
+              <a:t>SAT</a:t>
+            </a:r>
+            <a:endParaRPr lang="en-US" sz="2800" dirty="0">
+              <a:solidFill>
+                <a:srgbClr val="00B050"/>
+              </a:solidFill>
+              <a:latin typeface="Times New Roman" panose="02020603050405020304" pitchFamily="18" charset="0"/>
+              <a:cs typeface="Times New Roman" panose="02020603050405020304" pitchFamily="18" charset="0"/>
+            </a:endParaRPr>
+          </a:p>
+        </p:txBody>
+      </p:sp>
+      <p:pic>
+        <p:nvPicPr>
+          <p:cNvPr id="39" name="Picture 38"/>
+          <p:cNvPicPr>
+            <a:picLocks noChangeAspect="1"/>
+          </p:cNvPicPr>
+          <p:nvPr>
+            <p:custDataLst>
+              <p:tags r:id="rId3"/>
+            </p:custDataLst>
+          </p:nvPr>
+        </p:nvPicPr>
+        <p:blipFill>
+          <a:blip r:embed="rId8" cstate="print">
+            <a:extLst>
+              <a:ext uri="{28A0092B-C50C-407E-A947-70E740481C1C}">
+                <a14:useLocalDpi xmlns:a14="http://schemas.microsoft.com/office/drawing/2010/main" val="0"/>
+              </a:ext>
+            </a:extLst>
+          </a:blip>
+          <a:stretch>
+            <a:fillRect/>
+          </a:stretch>
+        </p:blipFill>
+        <p:spPr>
+          <a:xfrm>
+            <a:off x="7319462" y="5115832"/>
+            <a:ext cx="1792605" cy="316230"/>
+          </a:xfrm>
+          <a:prstGeom prst="rect">
+            <a:avLst/>
+          </a:prstGeom>
+        </p:spPr>
+      </p:pic>
+      <p:cxnSp>
+        <p:nvCxnSpPr>
+          <p:cNvPr id="25" name="Straight Arrow Connector 24"/>
+          <p:cNvCxnSpPr/>
+          <p:nvPr/>
+        </p:nvCxnSpPr>
+        <p:spPr>
+          <a:xfrm flipH="1">
+            <a:off x="8079468" y="4230492"/>
+            <a:ext cx="1" cy="884285"/>
+          </a:xfrm>
+          <a:prstGeom prst="straightConnector1">
+            <a:avLst/>
+          </a:prstGeom>
+          <a:ln>
+            <a:solidFill>
+              <a:srgbClr val="C00000"/>
+            </a:solidFill>
+            <a:tailEnd type="triangle"/>
+          </a:ln>
+        </p:spPr>
+        <p:style>
+          <a:lnRef idx="1">
+            <a:schemeClr val="accent1"/>
+          </a:lnRef>
+          <a:fillRef idx="0">
+            <a:schemeClr val="accent1"/>
+          </a:fillRef>
+          <a:effectRef idx="0">
+            <a:schemeClr val="accent1"/>
+          </a:effectRef>
+          <a:fontRef idx="minor">
+            <a:schemeClr val="tx1"/>
+          </a:fontRef>
+        </p:style>
+      </p:cxnSp>
+      <p:sp>
+        <p:nvSpPr>
+          <p:cNvPr id="26" name="TextBox 25"/>
+          <p:cNvSpPr txBox="1"/>
+          <p:nvPr/>
+        </p:nvSpPr>
+        <p:spPr>
+          <a:xfrm>
+            <a:off x="7633650" y="4526869"/>
+            <a:ext cx="1013867" cy="400110"/>
+          </a:xfrm>
+          <a:prstGeom prst="rect">
+            <a:avLst/>
+          </a:prstGeom>
+          <a:noFill/>
+        </p:spPr>
+        <p:txBody>
+          <a:bodyPr wrap="none" rtlCol="0">
+            <a:spAutoFit/>
+          </a:bodyPr>
+          <a:lstStyle/>
+          <a:p>
+            <a:r>
+              <a:rPr lang="en-US" sz="2000" dirty="0" smtClean="0">
+                <a:solidFill>
+                  <a:srgbClr val="C00000"/>
+                </a:solidFill>
+                <a:latin typeface="Times New Roman" panose="02020603050405020304" pitchFamily="18" charset="0"/>
+                <a:cs typeface="Times New Roman" panose="02020603050405020304" pitchFamily="18" charset="0"/>
+              </a:rPr>
+              <a:t>UNSAT</a:t>
+            </a:r>
+            <a:endParaRPr lang="en-US" sz="2000" dirty="0">
+              <a:solidFill>
+                <a:srgbClr val="C00000"/>
+              </a:solidFill>
+              <a:latin typeface="Times New Roman" panose="02020603050405020304" pitchFamily="18" charset="0"/>
+              <a:cs typeface="Times New Roman" panose="02020603050405020304" pitchFamily="18" charset="0"/>
+            </a:endParaRPr>
+          </a:p>
+        </p:txBody>
+      </p:sp>
+      <p:cxnSp>
+        <p:nvCxnSpPr>
+          <p:cNvPr id="28" name="Straight Arrow Connector 27"/>
+          <p:cNvCxnSpPr/>
+          <p:nvPr/>
+        </p:nvCxnSpPr>
+        <p:spPr>
+          <a:xfrm>
+            <a:off x="8079468" y="5441695"/>
+            <a:ext cx="0" cy="1066179"/>
+          </a:xfrm>
+          <a:prstGeom prst="straightConnector1">
+            <a:avLst/>
+          </a:prstGeom>
+          <a:ln>
+            <a:solidFill>
+              <a:srgbClr val="C00000"/>
+            </a:solidFill>
+            <a:tailEnd type="triangle"/>
+          </a:ln>
+        </p:spPr>
+        <p:style>
+          <a:lnRef idx="1">
+            <a:schemeClr val="accent1"/>
+          </a:lnRef>
+          <a:fillRef idx="0">
+            <a:schemeClr val="accent1"/>
+          </a:fillRef>
+          <a:effectRef idx="0">
+            <a:schemeClr val="accent1"/>
+          </a:effectRef>
+          <a:fontRef idx="minor">
+            <a:schemeClr val="tx1"/>
+          </a:fontRef>
+        </p:style>
+      </p:cxnSp>
+      <p:sp>
+        <p:nvSpPr>
+          <p:cNvPr id="29" name="TextBox 28"/>
+          <p:cNvSpPr txBox="1"/>
+          <p:nvPr/>
+        </p:nvSpPr>
+        <p:spPr>
+          <a:xfrm>
+            <a:off x="7633650" y="5672267"/>
+            <a:ext cx="1013867" cy="400110"/>
+          </a:xfrm>
+          <a:prstGeom prst="rect">
+            <a:avLst/>
+          </a:prstGeom>
+          <a:noFill/>
+        </p:spPr>
+        <p:txBody>
+          <a:bodyPr wrap="none" rtlCol="0">
+            <a:spAutoFit/>
+          </a:bodyPr>
+          <a:lstStyle/>
+          <a:p>
+            <a:r>
+              <a:rPr lang="en-US" sz="2000" dirty="0" smtClean="0">
+                <a:solidFill>
+                  <a:srgbClr val="C00000"/>
+                </a:solidFill>
+                <a:latin typeface="Times New Roman" panose="02020603050405020304" pitchFamily="18" charset="0"/>
+                <a:cs typeface="Times New Roman" panose="02020603050405020304" pitchFamily="18" charset="0"/>
+              </a:rPr>
+              <a:t>UNSAT</a:t>
+            </a:r>
+            <a:endParaRPr lang="en-US" sz="2000" dirty="0">
+              <a:solidFill>
+                <a:srgbClr val="C00000"/>
+              </a:solidFill>
+              <a:latin typeface="Times New Roman" panose="02020603050405020304" pitchFamily="18" charset="0"/>
+              <a:cs typeface="Times New Roman" panose="02020603050405020304" pitchFamily="18" charset="0"/>
+            </a:endParaRPr>
+          </a:p>
+        </p:txBody>
+      </p:sp>
+      <p:sp>
+        <p:nvSpPr>
+          <p:cNvPr id="31" name="TextBox 30"/>
+          <p:cNvSpPr txBox="1"/>
+          <p:nvPr/>
+        </p:nvSpPr>
+        <p:spPr>
+          <a:xfrm>
+            <a:off x="7513385" y="6419153"/>
+            <a:ext cx="1376274" cy="523220"/>
+          </a:xfrm>
+          <a:prstGeom prst="rect">
+            <a:avLst/>
+          </a:prstGeom>
+          <a:noFill/>
+        </p:spPr>
+        <p:txBody>
+          <a:bodyPr wrap="none" rtlCol="0">
+            <a:spAutoFit/>
+          </a:bodyPr>
+          <a:lstStyle/>
+          <a:p>
+            <a:r>
+              <a:rPr lang="en-US" sz="2800" b="1" dirty="0" smtClean="0">
+                <a:solidFill>
+                  <a:srgbClr val="C00000"/>
+                </a:solidFill>
+                <a:latin typeface="Times New Roman" panose="02020603050405020304" pitchFamily="18" charset="0"/>
+                <a:cs typeface="Times New Roman" panose="02020603050405020304" pitchFamily="18" charset="0"/>
+              </a:rPr>
+              <a:t>UNSAT</a:t>
+            </a:r>
+            <a:endParaRPr lang="en-US" sz="2800" b="1" dirty="0">
+              <a:solidFill>
+                <a:srgbClr val="C00000"/>
+              </a:solidFill>
+              <a:latin typeface="Times New Roman" panose="02020603050405020304" pitchFamily="18" charset="0"/>
+              <a:cs typeface="Times New Roman" panose="02020603050405020304" pitchFamily="18" charset="0"/>
+            </a:endParaRPr>
+          </a:p>
+        </p:txBody>
+      </p:sp>
+      <p:cxnSp>
+        <p:nvCxnSpPr>
+          <p:cNvPr id="35" name="Straight Arrow Connector 34"/>
+          <p:cNvCxnSpPr>
+            <a:stCxn id="39" idx="3"/>
+            <a:endCxn id="8" idx="1"/>
+          </p:cNvCxnSpPr>
+          <p:nvPr/>
+        </p:nvCxnSpPr>
+        <p:spPr>
+          <a:xfrm flipV="1">
+            <a:off x="9112067" y="3287025"/>
+            <a:ext cx="1787728" cy="1986922"/>
+          </a:xfrm>
+          <a:prstGeom prst="straightConnector1">
+            <a:avLst/>
+          </a:prstGeom>
+          <a:ln>
+            <a:solidFill>
+              <a:srgbClr val="00B050"/>
+            </a:solidFill>
+            <a:tailEnd type="triangle"/>
+          </a:ln>
+        </p:spPr>
+        <p:style>
+          <a:lnRef idx="1">
+            <a:schemeClr val="accent1"/>
+          </a:lnRef>
+          <a:fillRef idx="0">
+            <a:schemeClr val="accent1"/>
+          </a:fillRef>
+          <a:effectRef idx="0">
+            <a:schemeClr val="accent1"/>
+          </a:effectRef>
+          <a:fontRef idx="minor">
+            <a:schemeClr val="tx1"/>
+          </a:fontRef>
+        </p:style>
+      </p:cxnSp>
+      <p:sp>
+        <p:nvSpPr>
+          <p:cNvPr id="36" name="TextBox 35"/>
+          <p:cNvSpPr txBox="1"/>
+          <p:nvPr/>
+        </p:nvSpPr>
+        <p:spPr>
+          <a:xfrm rot="18878478">
+            <a:off x="9453329" y="4037805"/>
+            <a:ext cx="732445" cy="461665"/>
+          </a:xfrm>
+          <a:prstGeom prst="rect">
+            <a:avLst/>
+          </a:prstGeom>
+          <a:noFill/>
+        </p:spPr>
+        <p:txBody>
+          <a:bodyPr wrap="square" rtlCol="0">
+            <a:spAutoFit/>
+          </a:bodyPr>
+          <a:lstStyle/>
+          <a:p>
+            <a:r>
+              <a:rPr lang="en-US" sz="2400" dirty="0" smtClean="0">
+                <a:solidFill>
+                  <a:srgbClr val="00B050"/>
+                </a:solidFill>
+                <a:latin typeface="Times New Roman" panose="02020603050405020304" pitchFamily="18" charset="0"/>
+                <a:cs typeface="Times New Roman" panose="02020603050405020304" pitchFamily="18" charset="0"/>
+              </a:rPr>
+              <a:t>SAT</a:t>
+            </a:r>
+            <a:endParaRPr lang="en-US" sz="2800" dirty="0">
+              <a:solidFill>
+                <a:srgbClr val="00B050"/>
+              </a:solidFill>
+              <a:latin typeface="Times New Roman" panose="02020603050405020304" pitchFamily="18" charset="0"/>
+              <a:cs typeface="Times New Roman" panose="02020603050405020304" pitchFamily="18" charset="0"/>
+            </a:endParaRPr>
+          </a:p>
+        </p:txBody>
+      </p:sp>
+    </p:spTree>
+    <p:extLst>
+      <p:ext uri="{BB962C8B-B14F-4D97-AF65-F5344CB8AC3E}">
+        <p14:creationId xmlns:p14="http://schemas.microsoft.com/office/powerpoint/2010/main" val="726089099"/>
+      </p:ext>
+    </p:extLst>
+  </p:cSld>
+  <p:clrMapOvr>
+    <a:masterClrMapping/>
+  </p:clrMapOvr>
+  <p:timing>
+    <p:tnLst>
+      <p:par>
+        <p:cTn id="1" dur="indefinite" restart="never" nodeType="tmRoot"/>
+      </p:par>
+    </p:tnLst>
+  </p:timing>
+</p:sld>
+</file>
+
+<file path=ppt/slides/slide12.xml><?xml version="1.0" encoding="utf-8"?>
+<p:sld xmlns:a="http://schemas.openxmlformats.org/drawingml/2006/main" xmlns:r="http://schemas.openxmlformats.org/officeDocument/2006/relationships" xmlns:p="http://schemas.openxmlformats.org/presentationml/2006/main">
+  <p:cSld>
+    <p:spTree>
+      <p:nvGrpSpPr>
+        <p:cNvPr id="1" name=""/>
+        <p:cNvGrpSpPr/>
+        <p:nvPr/>
+      </p:nvGrpSpPr>
+      <p:grpSpPr>
+        <a:xfrm>
+          <a:off x="0" y="0"/>
+          <a:ext cx="0" cy="0"/>
+          <a:chOff x="0" y="0"/>
+          <a:chExt cx="0" cy="0"/>
+        </a:xfrm>
+      </p:grpSpPr>
+      <p:sp>
+        <p:nvSpPr>
+          <p:cNvPr id="2" name="Title 1"/>
+          <p:cNvSpPr>
+            <a:spLocks noGrp="1"/>
+          </p:cNvSpPr>
+          <p:nvPr>
+            <p:ph type="title"/>
+          </p:nvPr>
+        </p:nvSpPr>
+        <p:spPr/>
+        <p:txBody>
+          <a:bodyPr/>
+          <a:lstStyle/>
+          <a:p>
+            <a:r>
+              <a:rPr lang="en-US" dirty="0"/>
+              <a:t>Incremental widening and deepening</a:t>
+            </a:r>
+          </a:p>
+        </p:txBody>
+      </p:sp>
+      <p:sp>
+        <p:nvSpPr>
+          <p:cNvPr id="3" name="Content Placeholder 2"/>
+          <p:cNvSpPr>
+            <a:spLocks noGrp="1"/>
+          </p:cNvSpPr>
+          <p:nvPr>
+            <p:ph idx="1"/>
+          </p:nvPr>
+        </p:nvSpPr>
+        <p:spPr/>
+        <p:txBody>
+          <a:bodyPr/>
+          <a:lstStyle/>
+          <a:p>
+            <a:r>
+              <a:rPr lang="en-US" dirty="0" smtClean="0"/>
+              <a:t>Incremental deepening</a:t>
+            </a:r>
+            <a:endParaRPr lang="en-US" dirty="0"/>
+          </a:p>
+        </p:txBody>
+      </p:sp>
+      <p:sp>
+        <p:nvSpPr>
+          <p:cNvPr id="4" name="Slide Number Placeholder 3"/>
+          <p:cNvSpPr>
+            <a:spLocks noGrp="1"/>
+          </p:cNvSpPr>
+          <p:nvPr>
+            <p:ph type="sldNum" sz="quarter" idx="12"/>
+          </p:nvPr>
+        </p:nvSpPr>
+        <p:spPr/>
+        <p:txBody>
+          <a:bodyPr/>
+          <a:lstStyle/>
+          <a:p>
+            <a:fld id="{58734595-61A4-4C07-BF74-5C223797634C}" type="slidenum">
+              <a:rPr lang="en-US" smtClean="0"/>
+              <a:t>12</a:t>
+            </a:fld>
+            <a:endParaRPr lang="en-US"/>
+          </a:p>
+        </p:txBody>
+      </p:sp>
+      <p:pic>
+        <p:nvPicPr>
+          <p:cNvPr id="5" name="Picture 4"/>
+          <p:cNvPicPr>
+            <a:picLocks noChangeAspect="1"/>
+          </p:cNvPicPr>
+          <p:nvPr/>
+        </p:nvPicPr>
+        <p:blipFill>
+          <a:blip r:embed="rId3">
+            <a:extLst>
+              <a:ext uri="{28A0092B-C50C-407E-A947-70E740481C1C}">
+                <a14:useLocalDpi xmlns:a14="http://schemas.microsoft.com/office/drawing/2010/main" val="0"/>
+              </a:ext>
+            </a:extLst>
+          </a:blip>
+          <a:stretch>
+            <a:fillRect/>
+          </a:stretch>
+        </p:blipFill>
+        <p:spPr>
+          <a:xfrm>
+            <a:off x="6598943" y="1954440"/>
+            <a:ext cx="4429714" cy="2738286"/>
+          </a:xfrm>
+          <a:prstGeom prst="rect">
+            <a:avLst/>
+          </a:prstGeom>
+        </p:spPr>
+      </p:pic>
+      <p:pic>
+        <p:nvPicPr>
+          <p:cNvPr id="6" name="Picture 5"/>
+          <p:cNvPicPr>
+            <a:picLocks noChangeAspect="1"/>
+          </p:cNvPicPr>
+          <p:nvPr>
+            <p:custDataLst>
+              <p:tags r:id="rId1"/>
+            </p:custDataLst>
+          </p:nvPr>
+        </p:nvPicPr>
+        <p:blipFill>
+          <a:blip r:embed="rId4" cstate="print">
+            <a:extLst>
+              <a:ext uri="{28A0092B-C50C-407E-A947-70E740481C1C}">
+                <a14:useLocalDpi xmlns:a14="http://schemas.microsoft.com/office/drawing/2010/main" val="0"/>
+              </a:ext>
+            </a:extLst>
+          </a:blip>
+          <a:stretch>
+            <a:fillRect/>
+          </a:stretch>
+        </p:blipFill>
+        <p:spPr>
+          <a:xfrm>
+            <a:off x="1793860" y="3365975"/>
+            <a:ext cx="2388870" cy="278130"/>
+          </a:xfrm>
+          <a:prstGeom prst="rect">
+            <a:avLst/>
+          </a:prstGeom>
+        </p:spPr>
+      </p:pic>
+    </p:spTree>
+    <p:extLst>
+      <p:ext uri="{BB962C8B-B14F-4D97-AF65-F5344CB8AC3E}">
+        <p14:creationId xmlns:p14="http://schemas.microsoft.com/office/powerpoint/2010/main" val="336688745"/>
+      </p:ext>
+    </p:extLst>
+  </p:cSld>
+  <p:clrMapOvr>
+    <a:masterClrMapping/>
+  </p:clrMapOvr>
+</p:sld>
+</file>
+
+<file path=ppt/slides/slide13.xml><?xml version="1.0" encoding="utf-8"?>
 <p:sld xmlns:a="http://schemas.openxmlformats.org/drawingml/2006/main" xmlns:r="http://schemas.openxmlformats.org/officeDocument/2006/relationships" xmlns:p="http://schemas.openxmlformats.org/presentationml/2006/main">
   <p:cSld>
     <p:spTree>
@@ -4282,7 +5324,7 @@
           <a:p>
             <a:fld id="{58734595-61A4-4C07-BF74-5C223797634C}" type="slidenum">
               <a:rPr lang="en-US" smtClean="0"/>
-              <a:t>11</a:t>
+              <a:t>13</a:t>
             </a:fld>
             <a:endParaRPr lang="en-US"/>
           </a:p>
@@ -4343,7 +5385,7 @@
 </p:sld>
 </file>
 
-<file path=ppt/slides/slide12.xml><?xml version="1.0" encoding="utf-8"?>
+<file path=ppt/slides/slide14.xml><?xml version="1.0" encoding="utf-8"?>
 <p:sld xmlns:a="http://schemas.openxmlformats.org/drawingml/2006/main" xmlns:r="http://schemas.openxmlformats.org/officeDocument/2006/relationships" xmlns:p="http://schemas.openxmlformats.org/presentationml/2006/main">
   <p:cSld>
     <p:spTree>
@@ -4454,7 +5496,7 @@
           <a:p>
             <a:fld id="{58734595-61A4-4C07-BF74-5C223797634C}" type="slidenum">
               <a:rPr lang="en-US" smtClean="0"/>
-              <a:t>12</a:t>
+              <a:t>14</a:t>
             </a:fld>
             <a:endParaRPr lang="en-US"/>
           </a:p>
@@ -4681,7 +5723,6 @@
                         <a:rPr lang="en-US" sz="2400" dirty="0" smtClean="0"/>
                         <a:t>Time(s)</a:t>
                       </a:r>
-                      <a:endParaRPr lang="en-US" sz="2400" dirty="0" smtClean="0"/>
                     </a:p>
                   </a:txBody>
                   <a:tcPr anchor="ctr"/>
@@ -4772,7 +5813,6 @@
                         <a:rPr lang="en-US" sz="2400" dirty="0" smtClean="0"/>
                         <a:t>Time (s)</a:t>
                       </a:r>
-                      <a:endParaRPr lang="en-US" sz="2400" dirty="0" smtClean="0"/>
                     </a:p>
                   </a:txBody>
                   <a:tcPr anchor="ctr"/>
@@ -5073,7 +6113,7 @@
 </p:sld>
 </file>
 
-<file path=ppt/slides/slide13.xml><?xml version="1.0" encoding="utf-8"?>
+<file path=ppt/slides/slide15.xml><?xml version="1.0" encoding="utf-8"?>
 <p:sld xmlns:a="http://schemas.openxmlformats.org/drawingml/2006/main" xmlns:r="http://schemas.openxmlformats.org/officeDocument/2006/relationships" xmlns:p="http://schemas.openxmlformats.org/presentationml/2006/main">
   <p:cSld>
     <p:spTree>
@@ -5149,7 +6189,7 @@
           <a:p>
             <a:fld id="{58734595-61A4-4C07-BF74-5C223797634C}" type="slidenum">
               <a:rPr lang="en-US" smtClean="0"/>
-              <a:t>13</a:t>
+              <a:t>15</a:t>
             </a:fld>
             <a:endParaRPr lang="en-US"/>
           </a:p>
@@ -5994,7 +7034,7 @@
 </p:sld>
 </file>
 
-<file path=ppt/slides/slide14.xml><?xml version="1.0" encoding="utf-8"?>
+<file path=ppt/slides/slide16.xml><?xml version="1.0" encoding="utf-8"?>
 <p:sld xmlns:a="http://schemas.openxmlformats.org/drawingml/2006/main" xmlns:r="http://schemas.openxmlformats.org/officeDocument/2006/relationships" xmlns:p="http://schemas.openxmlformats.org/presentationml/2006/main">
   <p:cSld>
     <p:spTree>
@@ -6034,7 +7074,6 @@
               <a:rPr lang="en-US" dirty="0"/>
               <a:t>with other tools</a:t>
             </a:r>
-            <a:endParaRPr lang="en-US" dirty="0"/>
           </a:p>
         </p:txBody>
       </p:sp>
@@ -6124,7 +7163,7 @@
           <a:p>
             <a:fld id="{58734595-61A4-4C07-BF74-5C223797634C}" type="slidenum">
               <a:rPr lang="en-US" smtClean="0"/>
-              <a:t>14</a:t>
+              <a:t>16</a:t>
             </a:fld>
             <a:endParaRPr lang="en-US"/>
           </a:p>
@@ -6150,7 +7189,7 @@
 </p:sld>
 </file>
 
-<file path=ppt/slides/slide15.xml><?xml version="1.0" encoding="utf-8"?>
+<file path=ppt/slides/slide17.xml><?xml version="1.0" encoding="utf-8"?>
 <p:sld xmlns:a="http://schemas.openxmlformats.org/drawingml/2006/main" xmlns:r="http://schemas.openxmlformats.org/officeDocument/2006/relationships" xmlns:p="http://schemas.openxmlformats.org/presentationml/2006/main">
   <p:cSld>
     <p:spTree>
@@ -6190,8 +7229,8 @@
           </a:p>
         </p:txBody>
       </p:sp>
-      <mc:AlternateContent xmlns:mc="http://schemas.openxmlformats.org/markup-compatibility/2006">
-        <mc:Choice xmlns:a14="http://schemas.microsoft.com/office/drawing/2010/main" Requires="a14">
+      <mc:AlternateContent xmlns:mc="http://schemas.openxmlformats.org/markup-compatibility/2006" xmlns:a14="http://schemas.microsoft.com/office/drawing/2010/main">
+        <mc:Choice Requires="a14">
           <p:sp>
             <p:nvSpPr>
               <p:cNvPr id="3" name="Content Placeholder 2"/>
@@ -6333,7 +7372,7 @@
             </p:txBody>
           </p:sp>
         </mc:Choice>
-        <mc:Fallback>
+        <mc:Fallback xmlns="">
           <p:sp>
             <p:nvSpPr>
               <p:cNvPr id="3" name="Content Placeholder 2"/>
@@ -6388,7 +7427,7 @@
           <a:p>
             <a:fld id="{58734595-61A4-4C07-BF74-5C223797634C}" type="slidenum">
               <a:rPr lang="en-US" smtClean="0"/>
-              <a:t>15</a:t>
+              <a:t>17</a:t>
             </a:fld>
             <a:endParaRPr lang="en-US"/>
           </a:p>
@@ -6685,14 +7724,7 @@
                 <a:latin typeface="Times New Roman" panose="02020603050405020304" pitchFamily="18" charset="0"/>
                 <a:cs typeface="Times New Roman" panose="02020603050405020304" pitchFamily="18" charset="0"/>
               </a:rPr>
-              <a:t> </a:t>
-            </a:r>
-            <a:r>
-              <a:rPr lang="en-US" sz="2800" dirty="0" smtClean="0">
-                <a:latin typeface="Times New Roman" panose="02020603050405020304" pitchFamily="18" charset="0"/>
-                <a:cs typeface="Times New Roman" panose="02020603050405020304" pitchFamily="18" charset="0"/>
-              </a:rPr>
-              <a:t>inequalities – timeout = 60s</a:t>
+              <a:t> inequalities – timeout = 60s</a:t>
             </a:r>
             <a:endParaRPr lang="en-US" sz="2800" dirty="0">
               <a:latin typeface="Times New Roman" panose="02020603050405020304" pitchFamily="18" charset="0"/>
@@ -6911,7 +7943,7 @@
 </p:sld>
 </file>
 
-<file path=ppt/slides/slide16.xml><?xml version="1.0" encoding="utf-8"?>
+<file path=ppt/slides/slide18.xml><?xml version="1.0" encoding="utf-8"?>
 <p:sld xmlns:a="http://schemas.openxmlformats.org/drawingml/2006/main" xmlns:r="http://schemas.openxmlformats.org/officeDocument/2006/relationships" xmlns:p="http://schemas.openxmlformats.org/presentationml/2006/main">
   <p:cSld>
     <p:spTree>
@@ -6975,29 +8007,18 @@
               <a:rPr lang="en-US" dirty="0" smtClean="0"/>
               <a:t>UNSAT-directed heuristic: UNSAT core.</a:t>
             </a:r>
-            <a:endParaRPr lang="en-US" dirty="0" smtClean="0"/>
           </a:p>
           <a:p>
             <a:r>
               <a:rPr lang="en-US" dirty="0" smtClean="0"/>
-              <a:t>Test </a:t>
-            </a:r>
+              <a:t>Test generation heuristics.</a:t>
+            </a:r>
+          </a:p>
+          <a:p>
             <a:r>
               <a:rPr lang="en-US" dirty="0" smtClean="0"/>
-              <a:t>generation heuristics.</a:t>
-            </a:r>
-            <a:endParaRPr lang="en-US" dirty="0" smtClean="0"/>
-          </a:p>
-          <a:p>
-            <a:r>
-              <a:rPr lang="en-US" dirty="0" smtClean="0"/>
-              <a:t>Box </a:t>
-            </a:r>
-            <a:r>
-              <a:rPr lang="en-US" dirty="0" smtClean="0"/>
-              <a:t>Decomposition heuristics.</a:t>
-            </a:r>
-            <a:endParaRPr lang="en-US" dirty="0" smtClean="0"/>
+              <a:t>Box Decomposition heuristics.</a:t>
+            </a:r>
           </a:p>
         </p:txBody>
       </p:sp>
@@ -7018,7 +8039,7 @@
           <a:p>
             <a:fld id="{58734595-61A4-4C07-BF74-5C223797634C}" type="slidenum">
               <a:rPr lang="en-US" smtClean="0"/>
-              <a:t>16</a:t>
+              <a:t>18</a:t>
             </a:fld>
             <a:endParaRPr lang="en-US" dirty="0"/>
           </a:p>
@@ -7044,7 +8065,7 @@
 </p:sld>
 </file>
 
-<file path=ppt/slides/slide17.xml><?xml version="1.0" encoding="utf-8"?>
+<file path=ppt/slides/slide19.xml><?xml version="1.0" encoding="utf-8"?>
 <p:sld xmlns:a="http://schemas.openxmlformats.org/drawingml/2006/main" xmlns:r="http://schemas.openxmlformats.org/officeDocument/2006/relationships" xmlns:p="http://schemas.openxmlformats.org/presentationml/2006/main">
   <p:cSld>
     <p:spTree>
@@ -7169,7 +8190,7 @@
           <a:p>
             <a:fld id="{58734595-61A4-4C07-BF74-5C223797634C}" type="slidenum">
               <a:rPr lang="en-US" smtClean="0"/>
-              <a:t>17</a:t>
+              <a:t>19</a:t>
             </a:fld>
             <a:endParaRPr lang="en-US"/>
           </a:p>
@@ -7241,7 +8262,6 @@
               <a:rPr lang="en-US" dirty="0"/>
               <a:t>.</a:t>
             </a:r>
-            <a:endParaRPr lang="en-US" dirty="0"/>
           </a:p>
         </p:txBody>
       </p:sp>
@@ -7275,25 +8295,7 @@
               <a:rPr lang="en-US" altLang="ja-JP" dirty="0" smtClean="0">
                 <a:ea typeface="ＭＳ Ｐゴシック" charset="-128"/>
               </a:rPr>
-              <a:t>Find </a:t>
-            </a:r>
-            <a:r>
-              <a:rPr lang="en-US" altLang="ja-JP" dirty="0" smtClean="0">
-                <a:ea typeface="ＭＳ Ｐゴシック" charset="-128"/>
-              </a:rPr>
-              <a:t>the real values of x, y such </a:t>
-            </a:r>
-            <a:r>
-              <a:rPr lang="en-US" altLang="ja-JP" dirty="0" smtClean="0">
-                <a:ea typeface="ＭＳ Ｐゴシック" charset="-128"/>
-              </a:rPr>
-              <a:t>that</a:t>
-            </a:r>
-            <a:r>
-              <a:rPr lang="en-US" altLang="ja-JP" dirty="0" smtClean="0">
-                <a:ea typeface="ＭＳ Ｐゴシック" charset="-128"/>
-              </a:rPr>
-              <a:t>:</a:t>
+              <a:t>Find the real values of x, y such that:</a:t>
             </a:r>
           </a:p>
           <a:p>
@@ -7563,11 +8565,7 @@
             </a:pPr>
             <a:r>
               <a:rPr lang="en-US" dirty="0" smtClean="0"/>
-              <a:t>Raised </a:t>
-            </a:r>
-            <a:r>
-              <a:rPr lang="en-US" dirty="0" smtClean="0"/>
-              <a:t>in many applications in Software Verification</a:t>
+              <a:t>Raised in many applications in Software Verification</a:t>
             </a:r>
           </a:p>
           <a:p>
@@ -7585,11 +8583,7 @@
             <a:pPr lvl="1"/>
             <a:r>
               <a:rPr lang="en-US" dirty="0" smtClean="0"/>
-              <a:t>Invariants </a:t>
-            </a:r>
-            <a:r>
-              <a:rPr lang="en-US" dirty="0" smtClean="0"/>
-              <a:t>Generation</a:t>
+              <a:t>Invariants Generation</a:t>
             </a:r>
           </a:p>
           <a:p>
@@ -7711,17 +8705,8 @@
           <a:p>
             <a:r>
               <a:rPr lang="en-US" dirty="0" smtClean="0"/>
-              <a:t>QE-CAD</a:t>
-            </a:r>
-            <a:r>
-              <a:rPr lang="en-US" dirty="0" smtClean="0"/>
-              <a:t>: </a:t>
-            </a:r>
-            <a:r>
-              <a:rPr lang="en-US" dirty="0" smtClean="0"/>
-              <a:t>DEXP</a:t>
-            </a:r>
-            <a:endParaRPr lang="en-US" dirty="0" smtClean="0"/>
+              <a:t>QE-CAD: DEXP</a:t>
+            </a:r>
           </a:p>
           <a:p>
             <a:r>
@@ -7778,7 +8763,6 @@
               <a:rPr lang="en-US" dirty="0" smtClean="0"/>
               <a:t>&lt; 5.</a:t>
             </a:r>
-            <a:endParaRPr lang="en-US" dirty="0" smtClean="0"/>
           </a:p>
           <a:p>
             <a:pPr marL="914400" lvl="2" indent="0">
@@ -8001,21 +8985,15 @@
             <p:ph type="title"/>
           </p:nvPr>
         </p:nvSpPr>
-        <p:spPr>
-          <a:xfrm>
-            <a:off x="838200" y="-746"/>
-            <a:ext cx="10515600" cy="1053305"/>
-          </a:xfrm>
-        </p:spPr>
+        <p:spPr/>
         <p:txBody>
           <a:bodyPr/>
           <a:lstStyle/>
           <a:p>
             <a:r>
-              <a:rPr lang="en-US" dirty="0" smtClean="0"/>
-              <a:t>Contributions</a:t>
-            </a:r>
-            <a:endParaRPr lang="en-US" dirty="0"/>
+              <a:rPr lang="en-US" dirty="0"/>
+              <a:t>Over-Approximation - Interval arithmetic</a:t>
+            </a:r>
           </a:p>
         </p:txBody>
       </p:sp>
@@ -8034,91 +9012,7 @@
           <a:bodyPr/>
           <a:lstStyle/>
           <a:p>
-            <a:r>
-              <a:rPr lang="en-US" b="1" dirty="0" smtClean="0"/>
-              <a:t>Confirmation of </a:t>
-            </a:r>
-            <a:r>
-              <a:rPr lang="en-US" b="1" dirty="0" err="1" smtClean="0"/>
-              <a:t>satisfiability</a:t>
-            </a:r>
-            <a:r>
-              <a:rPr lang="en-US" b="1" dirty="0" smtClean="0"/>
-              <a:t>:</a:t>
-            </a:r>
-            <a:r>
-              <a:rPr lang="en-US" dirty="0" smtClean="0"/>
-              <a:t> </a:t>
-            </a:r>
-            <a:r>
-              <a:rPr lang="en-US" dirty="0" err="1" smtClean="0"/>
-              <a:t>iRRAM</a:t>
-            </a:r>
-            <a:r>
-              <a:rPr lang="en-US" dirty="0" smtClean="0"/>
-              <a:t>.</a:t>
-            </a:r>
-            <a:endParaRPr lang="en-US" b="1" dirty="0" smtClean="0"/>
-          </a:p>
-          <a:p>
-            <a:r>
-              <a:rPr lang="en-US" b="1" dirty="0" smtClean="0"/>
-              <a:t>Efficiency </a:t>
-            </a:r>
-            <a:r>
-              <a:rPr lang="en-US" b="1" dirty="0" smtClean="0"/>
-              <a:t>Improvement</a:t>
-            </a:r>
-            <a:r>
-              <a:rPr lang="en-US" dirty="0" smtClean="0"/>
-              <a:t>: </a:t>
-            </a:r>
-            <a:r>
-              <a:rPr lang="en-US" dirty="0" smtClean="0"/>
-              <a:t>Heuristics of choosing </a:t>
-            </a:r>
-            <a:r>
-              <a:rPr lang="en-US" dirty="0" err="1" smtClean="0"/>
-              <a:t>satisfiable</a:t>
-            </a:r>
-            <a:r>
-              <a:rPr lang="en-US" dirty="0" smtClean="0"/>
-              <a:t> box.</a:t>
-            </a:r>
-            <a:endParaRPr lang="en-US" dirty="0" smtClean="0"/>
-          </a:p>
-          <a:p>
-            <a:r>
-              <a:rPr lang="en-US" b="1" dirty="0" smtClean="0"/>
-              <a:t>Equality </a:t>
-            </a:r>
-            <a:r>
-              <a:rPr lang="en-US" b="1" dirty="0" smtClean="0"/>
-              <a:t>Handling implementation</a:t>
-            </a:r>
-            <a:r>
-              <a:rPr lang="en-US" dirty="0" smtClean="0"/>
-              <a:t>: </a:t>
-            </a:r>
-            <a:r>
-              <a:rPr lang="en-US" dirty="0" smtClean="0"/>
-              <a:t>The Intermediate Value Theorem</a:t>
-            </a:r>
-            <a:r>
-              <a:rPr lang="en-US" dirty="0" smtClean="0"/>
-              <a:t>.</a:t>
-            </a:r>
-          </a:p>
-          <a:p>
-            <a:r>
-              <a:rPr lang="en-US" b="1" dirty="0" smtClean="0"/>
-              <a:t>Constraints over integer numbers implementation</a:t>
-            </a:r>
-            <a:r>
-              <a:rPr lang="en-US" dirty="0" smtClean="0"/>
-              <a:t>.</a:t>
-            </a:r>
-            <a:endParaRPr lang="en-US" dirty="0" smtClean="0"/>
+            <a:endParaRPr lang="en-US" dirty="0"/>
           </a:p>
         </p:txBody>
       </p:sp>
@@ -8140,108 +9034,6 @@
             <a:fld id="{58734595-61A4-4C07-BF74-5C223797634C}" type="slidenum">
               <a:rPr lang="en-US" smtClean="0"/>
               <a:t>5</a:t>
-            </a:fld>
-            <a:endParaRPr lang="en-US"/>
-          </a:p>
-        </p:txBody>
-      </p:sp>
-    </p:spTree>
-    <p:extLst>
-      <p:ext uri="{BB962C8B-B14F-4D97-AF65-F5344CB8AC3E}">
-        <p14:creationId xmlns:p14="http://schemas.microsoft.com/office/powerpoint/2010/main" val="3437708682"/>
-      </p:ext>
-    </p:extLst>
-  </p:cSld>
-  <p:clrMapOvr>
-    <a:masterClrMapping/>
-  </p:clrMapOvr>
-  <p:timing>
-    <p:tnLst>
-      <p:par>
-        <p:cTn id="1" dur="indefinite" restart="never" nodeType="tmRoot"/>
-      </p:par>
-    </p:tnLst>
-  </p:timing>
-</p:sld>
-</file>
-
-<file path=ppt/slides/slide6.xml><?xml version="1.0" encoding="utf-8"?>
-<p:sld xmlns:a="http://schemas.openxmlformats.org/drawingml/2006/main" xmlns:r="http://schemas.openxmlformats.org/officeDocument/2006/relationships" xmlns:p="http://schemas.openxmlformats.org/presentationml/2006/main">
-  <p:cSld>
-    <p:spTree>
-      <p:nvGrpSpPr>
-        <p:cNvPr id="1" name=""/>
-        <p:cNvGrpSpPr/>
-        <p:nvPr/>
-      </p:nvGrpSpPr>
-      <p:grpSpPr>
-        <a:xfrm>
-          <a:off x="0" y="0"/>
-          <a:ext cx="0" cy="0"/>
-          <a:chOff x="0" y="0"/>
-          <a:chExt cx="0" cy="0"/>
-        </a:xfrm>
-      </p:grpSpPr>
-      <p:sp>
-        <p:nvSpPr>
-          <p:cNvPr id="2" name="Title 1"/>
-          <p:cNvSpPr>
-            <a:spLocks noGrp="1"/>
-          </p:cNvSpPr>
-          <p:nvPr>
-            <p:ph type="title"/>
-          </p:nvPr>
-        </p:nvSpPr>
-        <p:spPr/>
-        <p:txBody>
-          <a:bodyPr/>
-          <a:lstStyle/>
-          <a:p>
-            <a:r>
-              <a:rPr lang="en-US" dirty="0"/>
-              <a:t>Over-Approximation - Interval arithmetic</a:t>
-            </a:r>
-            <a:endParaRPr lang="en-US" dirty="0"/>
-          </a:p>
-        </p:txBody>
-      </p:sp>
-      <p:sp>
-        <p:nvSpPr>
-          <p:cNvPr id="3" name="Content Placeholder 2"/>
-          <p:cNvSpPr>
-            <a:spLocks noGrp="1"/>
-          </p:cNvSpPr>
-          <p:nvPr>
-            <p:ph idx="1"/>
-          </p:nvPr>
-        </p:nvSpPr>
-        <p:spPr/>
-        <p:txBody>
-          <a:bodyPr/>
-          <a:lstStyle/>
-          <a:p>
-            <a:endParaRPr lang="en-US" dirty="0"/>
-          </a:p>
-        </p:txBody>
-      </p:sp>
-      <p:sp>
-        <p:nvSpPr>
-          <p:cNvPr id="4" name="Slide Number Placeholder 3"/>
-          <p:cNvSpPr>
-            <a:spLocks noGrp="1"/>
-          </p:cNvSpPr>
-          <p:nvPr>
-            <p:ph type="sldNum" sz="quarter" idx="12"/>
-          </p:nvPr>
-        </p:nvSpPr>
-        <p:spPr/>
-        <p:txBody>
-          <a:bodyPr/>
-          <a:lstStyle/>
-          <a:p>
-            <a:fld id="{58734595-61A4-4C07-BF74-5C223797634C}" type="slidenum">
-              <a:rPr lang="en-US" smtClean="0"/>
-              <a:t>6</a:t>
             </a:fld>
             <a:endParaRPr lang="en-US"/>
           </a:p>
@@ -9026,7 +9818,7 @@
 </p:sld>
 </file>
 
-<file path=ppt/slides/slide7.xml><?xml version="1.0" encoding="utf-8"?>
+<file path=ppt/slides/slide6.xml><?xml version="1.0" encoding="utf-8"?>
 <p:sld xmlns:a="http://schemas.openxmlformats.org/drawingml/2006/main" xmlns:r="http://schemas.openxmlformats.org/officeDocument/2006/relationships" xmlns:p="http://schemas.openxmlformats.org/presentationml/2006/main">
   <p:cSld>
     <p:spTree>
@@ -9067,7 +9859,6 @@
               <a:rPr lang="en-US" dirty="0"/>
               <a:t>Over-Approximation - Interval arithmetic</a:t>
             </a:r>
-            <a:endParaRPr lang="en-US" dirty="0"/>
           </a:p>
         </p:txBody>
       </p:sp>
@@ -9088,7 +9879,7 @@
           <a:p>
             <a:fld id="{58734595-61A4-4C07-BF74-5C223797634C}" type="slidenum">
               <a:rPr lang="en-US" smtClean="0"/>
-              <a:t>7</a:t>
+              <a:t>6</a:t>
             </a:fld>
             <a:endParaRPr lang="en-US"/>
           </a:p>
@@ -9292,8 +10083,8 @@
           </a:p>
         </p:txBody>
       </p:sp>
-      <mc:AlternateContent xmlns:mc="http://schemas.openxmlformats.org/markup-compatibility/2006">
-        <mc:Choice xmlns:a14="http://schemas.microsoft.com/office/drawing/2010/main" Requires="a14">
+      <mc:AlternateContent xmlns:mc="http://schemas.openxmlformats.org/markup-compatibility/2006" xmlns:a14="http://schemas.microsoft.com/office/drawing/2010/main">
+        <mc:Choice Requires="a14">
           <p:sp>
             <p:nvSpPr>
               <p:cNvPr id="24" name="TextBox 23"/>
@@ -9351,7 +10142,7 @@
             </p:txBody>
           </p:sp>
         </mc:Choice>
-        <mc:Fallback>
+        <mc:Fallback xmlns="">
           <p:sp>
             <p:nvSpPr>
               <p:cNvPr id="24" name="TextBox 23"/>
@@ -9390,8 +10181,8 @@
           </p:sp>
         </mc:Fallback>
       </mc:AlternateContent>
-      <mc:AlternateContent xmlns:mc="http://schemas.openxmlformats.org/markup-compatibility/2006">
-        <mc:Choice xmlns:a14="http://schemas.microsoft.com/office/drawing/2010/main" Requires="a14">
+      <mc:AlternateContent xmlns:mc="http://schemas.openxmlformats.org/markup-compatibility/2006" xmlns:a14="http://schemas.microsoft.com/office/drawing/2010/main">
+        <mc:Choice Requires="a14">
           <p:sp>
             <p:nvSpPr>
               <p:cNvPr id="25" name="TextBox 24"/>
@@ -9474,7 +10265,7 @@
             </p:txBody>
           </p:sp>
         </mc:Choice>
-        <mc:Fallback>
+        <mc:Fallback xmlns="">
           <p:sp>
             <p:nvSpPr>
               <p:cNvPr id="25" name="TextBox 24"/>
@@ -9621,8 +10412,8 @@
           </a:p>
         </p:txBody>
       </p:sp>
-      <mc:AlternateContent xmlns:mc="http://schemas.openxmlformats.org/markup-compatibility/2006">
-        <mc:Choice xmlns:a14="http://schemas.microsoft.com/office/drawing/2010/main" Requires="a14">
+      <mc:AlternateContent xmlns:mc="http://schemas.openxmlformats.org/markup-compatibility/2006" xmlns:a14="http://schemas.microsoft.com/office/drawing/2010/main">
+        <mc:Choice Requires="a14">
           <p:sp>
             <p:nvSpPr>
               <p:cNvPr id="30" name="TextBox 29"/>
@@ -9680,7 +10471,7 @@
             </p:txBody>
           </p:sp>
         </mc:Choice>
-        <mc:Fallback>
+        <mc:Fallback xmlns="">
           <p:sp>
             <p:nvSpPr>
               <p:cNvPr id="30" name="TextBox 29"/>
@@ -9719,8 +10510,8 @@
           </p:sp>
         </mc:Fallback>
       </mc:AlternateContent>
-      <mc:AlternateContent xmlns:mc="http://schemas.openxmlformats.org/markup-compatibility/2006">
-        <mc:Choice xmlns:a14="http://schemas.microsoft.com/office/drawing/2010/main" Requires="a14">
+      <mc:AlternateContent xmlns:mc="http://schemas.openxmlformats.org/markup-compatibility/2006" xmlns:a14="http://schemas.microsoft.com/office/drawing/2010/main">
+        <mc:Choice Requires="a14">
           <p:sp>
             <p:nvSpPr>
               <p:cNvPr id="31" name="TextBox 30"/>
@@ -9755,14 +10546,7 @@
                     <a:latin typeface="Times New Roman" panose="02020603050405020304" pitchFamily="18" charset="0"/>
                     <a:cs typeface="Times New Roman" panose="02020603050405020304" pitchFamily="18" charset="0"/>
                   </a:rPr>
-                  <a:t> &gt; 0: </a:t>
-                </a:r>
-                <a:r>
-                  <a:rPr lang="en-US" sz="2800" dirty="0" smtClean="0">
-                    <a:latin typeface="Times New Roman" panose="02020603050405020304" pitchFamily="18" charset="0"/>
-                    <a:cs typeface="Times New Roman" panose="02020603050405020304" pitchFamily="18" charset="0"/>
-                  </a:rPr>
-                  <a:t>IA-UNKNOWN </a:t>
+                  <a:t> &gt; 0: IA-UNKNOWN </a:t>
                 </a:r>
                 <a14:m>
                   <m:oMath xmlns:m="http://schemas.openxmlformats.org/officeDocument/2006/math">
@@ -9798,7 +10582,7 @@
             </p:txBody>
           </p:sp>
         </mc:Choice>
-        <mc:Fallback>
+        <mc:Fallback xmlns="">
           <p:sp>
             <p:nvSpPr>
               <p:cNvPr id="31" name="TextBox 30"/>
@@ -9945,8 +10729,8 @@
           </a:p>
         </p:txBody>
       </p:sp>
-      <mc:AlternateContent xmlns:mc="http://schemas.openxmlformats.org/markup-compatibility/2006">
-        <mc:Choice xmlns:a14="http://schemas.microsoft.com/office/drawing/2010/main" Requires="a14">
+      <mc:AlternateContent xmlns:mc="http://schemas.openxmlformats.org/markup-compatibility/2006" xmlns:a14="http://schemas.microsoft.com/office/drawing/2010/main">
+        <mc:Choice Requires="a14">
           <p:sp>
             <p:nvSpPr>
               <p:cNvPr id="35" name="TextBox 34"/>
@@ -10004,7 +10788,7 @@
             </p:txBody>
           </p:sp>
         </mc:Choice>
-        <mc:Fallback>
+        <mc:Fallback xmlns="">
           <p:sp>
             <p:nvSpPr>
               <p:cNvPr id="35" name="TextBox 34"/>
@@ -10043,8 +10827,8 @@
           </p:sp>
         </mc:Fallback>
       </mc:AlternateContent>
-      <mc:AlternateContent xmlns:mc="http://schemas.openxmlformats.org/markup-compatibility/2006">
-        <mc:Choice xmlns:a14="http://schemas.microsoft.com/office/drawing/2010/main" Requires="a14">
+      <mc:AlternateContent xmlns:mc="http://schemas.openxmlformats.org/markup-compatibility/2006" xmlns:a14="http://schemas.microsoft.com/office/drawing/2010/main">
+        <mc:Choice Requires="a14">
           <p:sp>
             <p:nvSpPr>
               <p:cNvPr id="36" name="TextBox 35"/>
@@ -10134,7 +10918,7 @@
             </p:txBody>
           </p:sp>
         </mc:Choice>
-        <mc:Fallback>
+        <mc:Fallback xmlns="">
           <p:sp>
             <p:nvSpPr>
               <p:cNvPr id="36" name="TextBox 35"/>
@@ -11597,7 +12381,7 @@
 </p:sld>
 </file>
 
-<file path=ppt/slides/slide8.xml><?xml version="1.0" encoding="utf-8"?>
+<file path=ppt/slides/slide7.xml><?xml version="1.0" encoding="utf-8"?>
 <p:sld xmlns:a="http://schemas.openxmlformats.org/drawingml/2006/main" xmlns:r="http://schemas.openxmlformats.org/officeDocument/2006/relationships" xmlns:p="http://schemas.openxmlformats.org/presentationml/2006/main">
   <p:cSld>
     <p:spTree>
@@ -11654,7 +12438,7 @@
           <a:p>
             <a:fld id="{58734595-61A4-4C07-BF74-5C223797634C}" type="slidenum">
               <a:rPr lang="en-US" smtClean="0"/>
-              <a:t>8</a:t>
+              <a:t>7</a:t>
             </a:fld>
             <a:endParaRPr lang="en-US"/>
           </a:p>
@@ -12063,12 +12847,6 @@
               </a:rPr>
               <a:t>SAT with values for x, y </a:t>
             </a:r>
-            <a:endParaRPr lang="en-US" altLang="ja-JP" sz="2800" dirty="0" smtClean="0">
-              <a:effectLst/>
-              <a:latin typeface="Times New Roman" panose="02020603050405020304" pitchFamily="18" charset="0"/>
-              <a:ea typeface="ＭＳ Ｐゴシック" charset="-128"/>
-              <a:cs typeface="Times New Roman" panose="02020603050405020304" pitchFamily="18" charset="0"/>
-            </a:endParaRPr>
           </a:p>
         </p:txBody>
       </p:sp>
@@ -12797,7 +13575,7 @@
 </p:sld>
 </file>
 
-<file path=ppt/slides/slide9.xml><?xml version="1.0" encoding="utf-8"?>
+<file path=ppt/slides/slide8.xml><?xml version="1.0" encoding="utf-8"?>
 <p:sld xmlns:a="http://schemas.openxmlformats.org/drawingml/2006/main" xmlns:r="http://schemas.openxmlformats.org/officeDocument/2006/relationships" xmlns:p="http://schemas.openxmlformats.org/presentationml/2006/main">
   <p:cSld>
     <p:spTree>
@@ -12831,7 +13609,7 @@
           <a:p>
             <a:fld id="{58734595-61A4-4C07-BF74-5C223797634C}" type="slidenum">
               <a:rPr lang="en-US" smtClean="0"/>
-              <a:t>9</a:t>
+              <a:t>8</a:t>
             </a:fld>
             <a:endParaRPr lang="en-US"/>
           </a:p>
@@ -12846,7 +13624,7 @@
         <p:spPr>
           <a:xfrm>
             <a:off x="2591804" y="1165865"/>
-            <a:ext cx="8044129" cy="5642826"/>
+            <a:ext cx="7805263" cy="5642826"/>
           </a:xfrm>
           <a:prstGeom prst="rect">
             <a:avLst/>
@@ -14534,6 +15312,199 @@
 </p:sld>
 </file>
 
+<file path=ppt/slides/slide9.xml><?xml version="1.0" encoding="utf-8"?>
+<p:sld xmlns:a="http://schemas.openxmlformats.org/drawingml/2006/main" xmlns:r="http://schemas.openxmlformats.org/officeDocument/2006/relationships" xmlns:p="http://schemas.openxmlformats.org/presentationml/2006/main">
+  <p:cSld>
+    <p:spTree>
+      <p:nvGrpSpPr>
+        <p:cNvPr id="1" name=""/>
+        <p:cNvGrpSpPr/>
+        <p:nvPr/>
+      </p:nvGrpSpPr>
+      <p:grpSpPr>
+        <a:xfrm>
+          <a:off x="0" y="0"/>
+          <a:ext cx="0" cy="0"/>
+          <a:chOff x="0" y="0"/>
+          <a:chExt cx="0" cy="0"/>
+        </a:xfrm>
+      </p:grpSpPr>
+      <p:sp>
+        <p:nvSpPr>
+          <p:cNvPr id="2" name="Title 1"/>
+          <p:cNvSpPr>
+            <a:spLocks noGrp="1"/>
+          </p:cNvSpPr>
+          <p:nvPr>
+            <p:ph type="title"/>
+          </p:nvPr>
+        </p:nvSpPr>
+        <p:spPr>
+          <a:xfrm>
+            <a:off x="838200" y="-746"/>
+            <a:ext cx="10515600" cy="1053305"/>
+          </a:xfrm>
+        </p:spPr>
+        <p:txBody>
+          <a:bodyPr/>
+          <a:lstStyle/>
+          <a:p>
+            <a:r>
+              <a:rPr lang="en-US" dirty="0" smtClean="0"/>
+              <a:t>Contributions</a:t>
+            </a:r>
+            <a:endParaRPr lang="en-US" dirty="0"/>
+          </a:p>
+        </p:txBody>
+      </p:sp>
+      <p:sp>
+        <p:nvSpPr>
+          <p:cNvPr id="3" name="Content Placeholder 2"/>
+          <p:cNvSpPr>
+            <a:spLocks noGrp="1"/>
+          </p:cNvSpPr>
+          <p:nvPr>
+            <p:ph idx="1"/>
+          </p:nvPr>
+        </p:nvSpPr>
+        <p:spPr/>
+        <p:txBody>
+          <a:bodyPr/>
+          <a:lstStyle/>
+          <a:p>
+            <a:r>
+              <a:rPr lang="en-US" b="1" dirty="0" smtClean="0"/>
+              <a:t>Confirmation of </a:t>
+            </a:r>
+            <a:r>
+              <a:rPr lang="en-US" b="1" dirty="0" err="1" smtClean="0"/>
+              <a:t>satisfiability</a:t>
+            </a:r>
+            <a:r>
+              <a:rPr lang="en-US" b="1" dirty="0" smtClean="0"/>
+              <a:t>:</a:t>
+            </a:r>
+            <a:r>
+              <a:rPr lang="en-US" dirty="0" smtClean="0"/>
+              <a:t> </a:t>
+            </a:r>
+            <a:r>
+              <a:rPr lang="en-US" dirty="0" err="1" smtClean="0"/>
+              <a:t>iRRAM</a:t>
+            </a:r>
+            <a:r>
+              <a:rPr lang="en-US" dirty="0" smtClean="0"/>
+              <a:t>.</a:t>
+            </a:r>
+            <a:endParaRPr lang="en-US" b="1" dirty="0" smtClean="0"/>
+          </a:p>
+          <a:p>
+            <a:r>
+              <a:rPr lang="en-US" b="1" dirty="0" smtClean="0"/>
+              <a:t>Efficiency Improvement</a:t>
+            </a:r>
+            <a:r>
+              <a:rPr lang="en-US" dirty="0" smtClean="0"/>
+              <a:t>: </a:t>
+            </a:r>
+            <a:endParaRPr lang="en-US" dirty="0" smtClean="0"/>
+          </a:p>
+          <a:p>
+            <a:pPr lvl="1"/>
+            <a:r>
+              <a:rPr lang="en-US" dirty="0" smtClean="0"/>
+              <a:t>Incremental widening and deepening.</a:t>
+            </a:r>
+            <a:endParaRPr lang="en-US" dirty="0" smtClean="0"/>
+          </a:p>
+          <a:p>
+            <a:pPr lvl="1"/>
+            <a:r>
+              <a:rPr lang="en-US" dirty="0" smtClean="0"/>
+              <a:t>Heuristics to choose </a:t>
+            </a:r>
+            <a:r>
+              <a:rPr lang="en-US" dirty="0" err="1" smtClean="0"/>
+              <a:t>satisfiable</a:t>
+            </a:r>
+            <a:r>
+              <a:rPr lang="en-US" dirty="0" smtClean="0"/>
+              <a:t> box.</a:t>
+            </a:r>
+          </a:p>
+          <a:p>
+            <a:r>
+              <a:rPr lang="en-US" b="1" dirty="0" smtClean="0"/>
+              <a:t>Equality Handling implementation</a:t>
+            </a:r>
+            <a:r>
+              <a:rPr lang="en-US" dirty="0" smtClean="0"/>
+              <a:t>: </a:t>
+            </a:r>
+            <a:r>
+              <a:rPr lang="en-US" dirty="0" smtClean="0"/>
+              <a:t>Using the </a:t>
+            </a:r>
+            <a:r>
+              <a:rPr lang="en-US" dirty="0" smtClean="0"/>
+              <a:t>Intermediate Value Theorem.</a:t>
+            </a:r>
+          </a:p>
+          <a:p>
+            <a:r>
+              <a:rPr lang="en-US" b="1" dirty="0" smtClean="0"/>
+              <a:t>Constraints over integer numbers implementation</a:t>
+            </a:r>
+            <a:r>
+              <a:rPr lang="en-US" dirty="0" smtClean="0"/>
+              <a:t>.</a:t>
+            </a:r>
+          </a:p>
+        </p:txBody>
+      </p:sp>
+      <p:sp>
+        <p:nvSpPr>
+          <p:cNvPr id="4" name="Slide Number Placeholder 3"/>
+          <p:cNvSpPr>
+            <a:spLocks noGrp="1"/>
+          </p:cNvSpPr>
+          <p:nvPr>
+            <p:ph type="sldNum" sz="quarter" idx="12"/>
+          </p:nvPr>
+        </p:nvSpPr>
+        <p:spPr/>
+        <p:txBody>
+          <a:bodyPr/>
+          <a:lstStyle/>
+          <a:p>
+            <a:fld id="{58734595-61A4-4C07-BF74-5C223797634C}" type="slidenum">
+              <a:rPr lang="en-US" smtClean="0"/>
+              <a:t>9</a:t>
+            </a:fld>
+            <a:endParaRPr lang="en-US"/>
+          </a:p>
+        </p:txBody>
+      </p:sp>
+    </p:spTree>
+    <p:extLst>
+      <p:ext uri="{BB962C8B-B14F-4D97-AF65-F5344CB8AC3E}">
+        <p14:creationId xmlns:p14="http://schemas.microsoft.com/office/powerpoint/2010/main" val="1258043230"/>
+      </p:ext>
+    </p:extLst>
+  </p:cSld>
+  <p:clrMapOvr>
+    <a:masterClrMapping/>
+  </p:clrMapOvr>
+  <p:timing>
+    <p:tnLst>
+      <p:par>
+        <p:cTn id="1" dur="indefinite" restart="never" nodeType="tmRoot"/>
+      </p:par>
+    </p:tnLst>
+  </p:timing>
+</p:sld>
+</file>
+
 <file path=ppt/tags/tag1.xml><?xml version="1.0" encoding="utf-8"?>
 <p:tagLst xmlns:a="http://schemas.openxmlformats.org/drawingml/2006/main" xmlns:r="http://schemas.openxmlformats.org/officeDocument/2006/relationships" xmlns:p="http://schemas.openxmlformats.org/presentationml/2006/main">
   <p:tag name="ORIGINALHEIGHT" val="135"/>
@@ -14544,6 +15515,42 @@
 </file>
 
 <file path=ppt/tags/tag2.xml><?xml version="1.0" encoding="utf-8"?>
+<p:tagLst xmlns:a="http://schemas.openxmlformats.org/drawingml/2006/main" xmlns:r="http://schemas.openxmlformats.org/officeDocument/2006/relationships" xmlns:p="http://schemas.openxmlformats.org/presentationml/2006/main">
+  <p:tag name="ORIGINALHEIGHT" val="123.75"/>
+  <p:tag name="ORIGINALWIDTH" val="649.5"/>
+  <p:tag name="LATEXADDIN" val="\documentclass{article}&#10;\usepackage{amsmath}&#10;\pagestyle{empty}&#10;\begin{document}&#10;&#10;&#10;$x \in [-\delta_1, \delta_1]$&#10;&#10;\end{document}"/>
+  <p:tag name="IGUANATEXSIZE" val="20"/>
+</p:tagLst>
+</file>
+
+<file path=ppt/tags/tag3.xml><?xml version="1.0" encoding="utf-8"?>
+<p:tagLst xmlns:a="http://schemas.openxmlformats.org/drawingml/2006/main" xmlns:r="http://schemas.openxmlformats.org/officeDocument/2006/relationships" xmlns:p="http://schemas.openxmlformats.org/presentationml/2006/main">
+  <p:tag name="ORIGINALHEIGHT" val="123.75"/>
+  <p:tag name="ORIGINALWIDTH" val="649.5"/>
+  <p:tag name="LATEXADDIN" val="\documentclass{article}&#10;\usepackage{amsmath}&#10;\pagestyle{empty}&#10;\begin{document}&#10;&#10;&#10;$x \in [-\delta_2, \delta_2]$&#10;&#10;\end{document}"/>
+  <p:tag name="IGUANATEXSIZE" val="20"/>
+</p:tagLst>
+</file>
+
+<file path=ppt/tags/tag4.xml><?xml version="1.0" encoding="utf-8"?>
+<p:tagLst xmlns:a="http://schemas.openxmlformats.org/drawingml/2006/main" xmlns:r="http://schemas.openxmlformats.org/officeDocument/2006/relationships" xmlns:p="http://schemas.openxmlformats.org/presentationml/2006/main">
+  <p:tag name="ORIGINALHEIGHT" val="124.5"/>
+  <p:tag name="ORIGINALWIDTH" val="705.75"/>
+  <p:tag name="LATEXADDIN" val="\documentclass{article}&#10;\usepackage{amsmath}&#10;\pagestyle{empty}&#10;\begin{document}&#10;&#10;&#10;$x \in (-\infty, \infty)$&#10;&#10;\end{document}"/>
+  <p:tag name="IGUANATEXSIZE" val="20"/>
+</p:tagLst>
+</file>
+
+<file path=ppt/tags/tag5.xml><?xml version="1.0" encoding="utf-8"?>
+<p:tagLst xmlns:a="http://schemas.openxmlformats.org/drawingml/2006/main" xmlns:r="http://schemas.openxmlformats.org/officeDocument/2006/relationships" xmlns:p="http://schemas.openxmlformats.org/presentationml/2006/main">
+  <p:tag name="ORIGINALHEIGHT" val="109.5"/>
+  <p:tag name="ORIGINALWIDTH" val="940.5"/>
+  <p:tag name="LATEXADDIN" val="\documentclass{article}&#10;\usepackage{amsmath}&#10;\pagestyle{empty}&#10;\begin{document}&#10;&#10;&#10;$\gamma_0 &gt; \gamma_1 &gt; \cdots &gt; 0$&#10;&#10;\end{document}"/>
+  <p:tag name="IGUANATEXSIZE" val="20"/>
+</p:tagLst>
+</file>
+
+<file path=ppt/tags/tag6.xml><?xml version="1.0" encoding="utf-8"?>
 <p:tagLst xmlns:a="http://schemas.openxmlformats.org/drawingml/2006/main" xmlns:r="http://schemas.openxmlformats.org/officeDocument/2006/relationships" xmlns:p="http://schemas.openxmlformats.org/presentationml/2006/main">
   <p:tag name="ORIGINALHEIGHT" val="879.75"/>
   <p:tag name="ORIGINALWIDTH" val="1583.25"/>

--- a/report/thesis/presentation.pptx
+++ b/report/thesis/presentation.pptx
@@ -5,10 +5,10 @@
     <p:sldMasterId id="2147483648" r:id="rId1"/>
   </p:sldMasterIdLst>
   <p:notesMasterIdLst>
-    <p:notesMasterId r:id="rId21"/>
+    <p:notesMasterId r:id="rId23"/>
   </p:notesMasterIdLst>
   <p:handoutMasterIdLst>
-    <p:handoutMasterId r:id="rId22"/>
+    <p:handoutMasterId r:id="rId24"/>
   </p:handoutMasterIdLst>
   <p:sldIdLst>
     <p:sldId id="291" r:id="rId2"/>
@@ -24,12 +24,14 @@
     <p:sldId id="307" r:id="rId12"/>
     <p:sldId id="308" r:id="rId13"/>
     <p:sldId id="293" r:id="rId14"/>
-    <p:sldId id="295" r:id="rId15"/>
-    <p:sldId id="296" r:id="rId16"/>
-    <p:sldId id="289" r:id="rId17"/>
-    <p:sldId id="298" r:id="rId18"/>
-    <p:sldId id="290" r:id="rId19"/>
-    <p:sldId id="276" r:id="rId20"/>
+    <p:sldId id="309" r:id="rId15"/>
+    <p:sldId id="295" r:id="rId16"/>
+    <p:sldId id="310" r:id="rId17"/>
+    <p:sldId id="296" r:id="rId18"/>
+    <p:sldId id="289" r:id="rId19"/>
+    <p:sldId id="298" r:id="rId20"/>
+    <p:sldId id="290" r:id="rId21"/>
+    <p:sldId id="276" r:id="rId22"/>
   </p:sldIdLst>
   <p:sldSz cx="12192000" cy="6858000"/>
   <p:notesSz cx="9866313" cy="6735763"/>
@@ -218,7 +220,7 @@
           <a:p>
             <a:fld id="{3BDF281E-AFA1-4A32-8604-4B83490BD1E6}" type="datetimeFigureOut">
               <a:rPr lang="en-US" smtClean="0"/>
-              <a:t>16/2/2015</a:t>
+              <a:t>17/2/2015</a:t>
             </a:fld>
             <a:endParaRPr lang="en-US"/>
           </a:p>
@@ -383,7 +385,7 @@
           <a:p>
             <a:fld id="{CC811DBB-F5CA-4B66-8C46-9BFB2CF34FDF}" type="datetimeFigureOut">
               <a:rPr lang="en-US" smtClean="0"/>
-              <a:t>16/2/2015</a:t>
+              <a:t>17/2/2015</a:t>
             </a:fld>
             <a:endParaRPr lang="en-US"/>
           </a:p>
@@ -866,7 +868,7 @@
           <a:p>
             <a:fld id="{1C203ACE-B4F2-4693-A5EC-C75A2B6A37DE}" type="datetime1">
               <a:rPr lang="en-US" smtClean="0"/>
-              <a:t>16/2/2015</a:t>
+              <a:t>17/2/2015</a:t>
             </a:fld>
             <a:endParaRPr lang="en-US"/>
           </a:p>
@@ -1048,7 +1050,7 @@
           <a:p>
             <a:fld id="{422229DC-3C9B-4477-A703-15F4BE9D31B3}" type="datetime1">
               <a:rPr lang="en-US" smtClean="0"/>
-              <a:t>16/2/2015</a:t>
+              <a:t>17/2/2015</a:t>
             </a:fld>
             <a:endParaRPr lang="en-US"/>
           </a:p>
@@ -1228,7 +1230,7 @@
           <a:p>
             <a:fld id="{55AB01CA-0D5B-46FA-95BF-E561F07A4D8F}" type="datetime1">
               <a:rPr lang="en-US" smtClean="0"/>
-              <a:t>16/2/2015</a:t>
+              <a:t>17/2/2015</a:t>
             </a:fld>
             <a:endParaRPr lang="en-US"/>
           </a:p>
@@ -1456,7 +1458,7 @@
           <a:p>
             <a:fld id="{A9B95D94-7463-4C79-AD7E-909BB9221208}" type="datetime1">
               <a:rPr lang="en-US" smtClean="0"/>
-              <a:t>16/2/2015</a:t>
+              <a:t>17/2/2015</a:t>
             </a:fld>
             <a:endParaRPr lang="en-US"/>
           </a:p>
@@ -1709,7 +1711,7 @@
           <a:p>
             <a:fld id="{5B998241-6580-45AB-AF4A-8FCC6B81E525}" type="datetime1">
               <a:rPr lang="en-US" smtClean="0"/>
-              <a:t>16/2/2015</a:t>
+              <a:t>17/2/2015</a:t>
             </a:fld>
             <a:endParaRPr lang="en-US"/>
           </a:p>
@@ -1948,7 +1950,7 @@
           <a:p>
             <a:fld id="{8AD9FD1A-2B5A-4994-8BE0-C7CA8F7B9383}" type="datetime1">
               <a:rPr lang="en-US" smtClean="0"/>
-              <a:t>16/2/2015</a:t>
+              <a:t>17/2/2015</a:t>
             </a:fld>
             <a:endParaRPr lang="en-US"/>
           </a:p>
@@ -2315,7 +2317,7 @@
           <a:p>
             <a:fld id="{CC945CD5-3225-420A-B2EA-38C39015A5AF}" type="datetime1">
               <a:rPr lang="en-US" smtClean="0"/>
-              <a:t>16/2/2015</a:t>
+              <a:t>17/2/2015</a:t>
             </a:fld>
             <a:endParaRPr lang="en-US"/>
           </a:p>
@@ -2433,7 +2435,7 @@
           <a:p>
             <a:fld id="{96E0193E-D61F-4551-86D3-635F5185FC02}" type="datetime1">
               <a:rPr lang="en-US" smtClean="0"/>
-              <a:t>16/2/2015</a:t>
+              <a:t>17/2/2015</a:t>
             </a:fld>
             <a:endParaRPr lang="en-US"/>
           </a:p>
@@ -2528,7 +2530,7 @@
           <a:p>
             <a:fld id="{6DDAE63C-8192-4811-B915-E2F3682EFAEB}" type="datetime1">
               <a:rPr lang="en-US" smtClean="0"/>
-              <a:t>16/2/2015</a:t>
+              <a:t>17/2/2015</a:t>
             </a:fld>
             <a:endParaRPr lang="en-US"/>
           </a:p>
@@ -2805,7 +2807,7 @@
           <a:p>
             <a:fld id="{8D400AD5-6900-4E1B-8B11-3E7E442C445E}" type="datetime1">
               <a:rPr lang="en-US" smtClean="0"/>
-              <a:t>16/2/2015</a:t>
+              <a:t>17/2/2015</a:t>
             </a:fld>
             <a:endParaRPr lang="en-US"/>
           </a:p>
@@ -3058,7 +3060,7 @@
           <a:p>
             <a:fld id="{7C21539E-5042-4D9C-ABCC-4F0336E6748A}" type="datetime1">
               <a:rPr lang="en-US" smtClean="0"/>
-              <a:t>16/2/2015</a:t>
+              <a:t>17/2/2015</a:t>
             </a:fld>
             <a:endParaRPr lang="en-US"/>
           </a:p>
@@ -3271,7 +3273,7 @@
           <a:p>
             <a:fld id="{4429AAAB-01E2-44E7-AADD-466876DDD51D}" type="datetime1">
               <a:rPr lang="en-US" smtClean="0"/>
-              <a:t>16/2/2015</a:t>
+              <a:t>17/2/2015</a:t>
             </a:fld>
             <a:endParaRPr lang="en-US"/>
           </a:p>
@@ -3849,11 +3851,7 @@
             </a:r>
             <a:r>
               <a:rPr lang="en-US" dirty="0"/>
-              <a:t>of </a:t>
-            </a:r>
-            <a:r>
-              <a:rPr lang="en-US" dirty="0" err="1" smtClean="0"/>
-              <a:t>satisfiability</a:t>
+              <a:t>of SAT result</a:t>
             </a:r>
             <a:endParaRPr lang="en-US" sz="4000" dirty="0"/>
           </a:p>
@@ -3953,20 +3951,12 @@
               <a:t> for </a:t>
             </a:r>
             <a:r>
-              <a:rPr lang="en-US" dirty="0" err="1" smtClean="0">
-                <a:solidFill>
-                  <a:srgbClr val="00B050"/>
-                </a:solidFill>
-              </a:rPr>
-              <a:t>satisfiability</a:t>
-            </a:r>
-            <a:r>
               <a:rPr lang="en-US" dirty="0" smtClean="0">
                 <a:solidFill>
                   <a:srgbClr val="00B050"/>
                 </a:solidFill>
               </a:rPr>
-              <a:t> </a:t>
+              <a:t>SAT </a:t>
             </a:r>
             <a:r>
               <a:rPr lang="en-US" dirty="0">
@@ -4121,7 +4111,7 @@
           <p:nvPr/>
         </p:nvPicPr>
         <p:blipFill>
-          <a:blip r:embed="rId5">
+          <a:blip r:embed="rId6">
             <a:extLst>
               <a:ext uri="{28A0092B-C50C-407E-A947-70E740481C1C}">
                 <a14:useLocalDpi xmlns:a14="http://schemas.microsoft.com/office/drawing/2010/main" val="0"/>
@@ -4155,7 +4145,7 @@
           </p:nvPr>
         </p:nvPicPr>
         <p:blipFill>
-          <a:blip r:embed="rId6" cstate="print">
+          <a:blip r:embed="rId7" cstate="print">
             <a:extLst>
               <a:ext uri="{28A0092B-C50C-407E-A947-70E740481C1C}">
                 <a14:useLocalDpi xmlns:a14="http://schemas.microsoft.com/office/drawing/2010/main" val="0"/>
@@ -4312,7 +4302,7 @@
           </p:nvPr>
         </p:nvPicPr>
         <p:blipFill>
-          <a:blip r:embed="rId7" cstate="print">
+          <a:blip r:embed="rId8" cstate="print">
             <a:extLst>
               <a:ext uri="{28A0092B-C50C-407E-A947-70E740481C1C}">
                 <a14:useLocalDpi xmlns:a14="http://schemas.microsoft.com/office/drawing/2010/main" val="0"/>
@@ -4585,7 +4575,7 @@
           </p:nvPr>
         </p:nvPicPr>
         <p:blipFill>
-          <a:blip r:embed="rId8" cstate="print">
+          <a:blip r:embed="rId9" cstate="print">
             <a:extLst>
               <a:ext uri="{28A0092B-C50C-407E-A947-70E740481C1C}">
                 <a14:useLocalDpi xmlns:a14="http://schemas.microsoft.com/office/drawing/2010/main" val="0"/>
@@ -4885,6 +4875,40 @@
           </a:p>
         </p:txBody>
       </p:sp>
+      <p:pic>
+        <p:nvPicPr>
+          <p:cNvPr id="6" name="Picture 5"/>
+          <p:cNvPicPr>
+            <a:picLocks noChangeAspect="1"/>
+          </p:cNvPicPr>
+          <p:nvPr>
+            <p:custDataLst>
+              <p:tags r:id="rId4"/>
+            </p:custDataLst>
+          </p:nvPr>
+        </p:nvPicPr>
+        <p:blipFill>
+          <a:blip r:embed="rId10" cstate="print">
+            <a:extLst>
+              <a:ext uri="{28A0092B-C50C-407E-A947-70E740481C1C}">
+                <a14:useLocalDpi xmlns:a14="http://schemas.microsoft.com/office/drawing/2010/main" val="0"/>
+              </a:ext>
+            </a:extLst>
+          </a:blip>
+          <a:stretch>
+            <a:fillRect/>
+          </a:stretch>
+        </p:blipFill>
+        <p:spPr>
+          <a:xfrm>
+            <a:off x="8066278" y="3923603"/>
+            <a:ext cx="34290" cy="287655"/>
+          </a:xfrm>
+          <a:prstGeom prst="rect">
+            <a:avLst/>
+          </a:prstGeom>
+        </p:spPr>
+      </p:pic>
     </p:spTree>
     <p:extLst>
       <p:ext uri="{BB962C8B-B14F-4D97-AF65-F5344CB8AC3E}">
@@ -5101,14 +5125,22 @@
           <a:p>
             <a:r>
               <a:rPr lang="en-US" dirty="0" smtClean="0"/>
-              <a:t>Heuristics for Efficiency</a:t>
+              <a:t>Heuristics for choosing </a:t>
+            </a:r>
+            <a:r>
+              <a:rPr lang="en-US" dirty="0" err="1" smtClean="0"/>
+              <a:t>satisfiable</a:t>
+            </a:r>
+            <a:r>
+              <a:rPr lang="en-US" dirty="0" smtClean="0"/>
+              <a:t> box</a:t>
             </a:r>
             <a:endParaRPr lang="en-US" dirty="0"/>
           </a:p>
         </p:txBody>
       </p:sp>
-      <mc:AlternateContent xmlns:mc="http://schemas.openxmlformats.org/markup-compatibility/2006" xmlns:a14="http://schemas.microsoft.com/office/drawing/2010/main">
-        <mc:Choice Requires="a14">
+      <mc:AlternateContent xmlns:mc="http://schemas.openxmlformats.org/markup-compatibility/2006">
+        <mc:Choice xmlns:a14="http://schemas.microsoft.com/office/drawing/2010/main" Requires="a14">
           <p:sp>
             <p:nvSpPr>
               <p:cNvPr id="3" name="Content Placeholder 2"/>
@@ -5119,10 +5151,34 @@
                 <p:ph idx="1"/>
               </p:nvPr>
             </p:nvSpPr>
-            <p:spPr/>
+            <p:spPr>
+              <a:xfrm>
+                <a:off x="838200" y="1277471"/>
+                <a:ext cx="10515600" cy="5078879"/>
+              </a:xfrm>
+            </p:spPr>
             <p:txBody>
-              <a:bodyPr/>
+              <a:bodyPr>
+                <a:normAutofit fontScale="92500" lnSpcReduction="10000"/>
+              </a:bodyPr>
               <a:lstStyle/>
+              <a:p>
+                <a:r>
+                  <a:rPr lang="en-US" dirty="0" smtClean="0"/>
+                  <a:t>Previous work implem</a:t>
+                </a:r>
+                <a:r>
+                  <a:rPr lang="en-US" dirty="0" smtClean="0"/>
+                  <a:t>ented a heuristics called dependency:</a:t>
+                </a:r>
+              </a:p>
+              <a:p>
+                <a:pPr lvl="1"/>
+                <a:r>
+                  <a:rPr lang="en-US" dirty="0" smtClean="0"/>
+                  <a:t>Does not show clear difference with random choices.</a:t>
+                </a:r>
+              </a:p>
               <a:p>
                 <a:r>
                   <a:rPr lang="en-US" dirty="0" smtClean="0"/>
@@ -5256,6 +5312,387 @@
                 </a:r>
               </a:p>
               <a:p>
+                <a:pPr marL="857250" lvl="2" indent="0">
+                  <a:buNone/>
+                </a:pPr>
+                <a:r>
+                  <a:rPr lang="en-US" dirty="0">
+                    <a:sym typeface="Wingdings" panose="05000000000000000000" pitchFamily="2" charset="2"/>
+                  </a:rPr>
+                  <a:t>E.g</a:t>
+                </a:r>
+                <a:r>
+                  <a:rPr lang="en-US" dirty="0" smtClean="0">
+                    <a:sym typeface="Wingdings" panose="05000000000000000000" pitchFamily="2" charset="2"/>
+                  </a:rPr>
+                  <a:t>.    </a:t>
+                </a:r>
+                <a14:m>
+                  <m:oMath xmlns:m="http://schemas.openxmlformats.org/officeDocument/2006/math">
+                    <m:r>
+                      <a:rPr lang="en-US" i="1">
+                        <a:solidFill>
+                          <a:srgbClr val="00B050"/>
+                        </a:solidFill>
+                        <a:latin typeface="Cambria Math" panose="02040503050406030204" pitchFamily="18" charset="0"/>
+                        <a:ea typeface="Cambria Math" panose="02040503050406030204" pitchFamily="18" charset="0"/>
+                      </a:rPr>
+                      <m:t>𝑥</m:t>
+                    </m:r>
+                    <m:r>
+                      <a:rPr lang="en-US" i="1">
+                        <a:solidFill>
+                          <a:srgbClr val="00B050"/>
+                        </a:solidFill>
+                        <a:latin typeface="Cambria Math" panose="02040503050406030204" pitchFamily="18" charset="0"/>
+                        <a:ea typeface="Cambria Math" panose="02040503050406030204" pitchFamily="18" charset="0"/>
+                      </a:rPr>
+                      <m:t>=1+</m:t>
+                    </m:r>
+                    <m:sSub>
+                      <m:sSubPr>
+                        <m:ctrlPr>
+                          <a:rPr lang="en-US" i="1">
+                            <a:solidFill>
+                              <a:srgbClr val="00B050"/>
+                            </a:solidFill>
+                            <a:latin typeface="Cambria Math" panose="02040503050406030204" pitchFamily="18" charset="0"/>
+                            <a:ea typeface="Cambria Math" panose="02040503050406030204" pitchFamily="18" charset="0"/>
+                          </a:rPr>
+                        </m:ctrlPr>
+                      </m:sSubPr>
+                      <m:e>
+                        <m:r>
+                          <a:rPr lang="en-US" i="1">
+                            <a:solidFill>
+                              <a:srgbClr val="00B050"/>
+                            </a:solidFill>
+                            <a:latin typeface="Cambria Math" panose="02040503050406030204" pitchFamily="18" charset="0"/>
+                            <a:ea typeface="Cambria Math" panose="02040503050406030204" pitchFamily="18" charset="0"/>
+                          </a:rPr>
+                          <m:t>𝜖</m:t>
+                        </m:r>
+                      </m:e>
+                      <m:sub>
+                        <m:r>
+                          <a:rPr lang="en-US" i="1">
+                            <a:solidFill>
+                              <a:srgbClr val="00B050"/>
+                            </a:solidFill>
+                            <a:latin typeface="Cambria Math" panose="02040503050406030204" pitchFamily="18" charset="0"/>
+                            <a:ea typeface="Cambria Math" panose="02040503050406030204" pitchFamily="18" charset="0"/>
+                          </a:rPr>
+                          <m:t>1</m:t>
+                        </m:r>
+                      </m:sub>
+                    </m:sSub>
+                  </m:oMath>
+                </a14:m>
+                <a:r>
+                  <a:rPr lang="en-US" dirty="0">
+                    <a:sym typeface="Wingdings" panose="05000000000000000000" pitchFamily="2" charset="2"/>
+                  </a:rPr>
+                  <a:t>, </a:t>
+                </a:r>
+                <a14:m>
+                  <m:oMath xmlns:m="http://schemas.openxmlformats.org/officeDocument/2006/math">
+                    <m:r>
+                      <a:rPr lang="en-US" i="1">
+                        <a:solidFill>
+                          <a:srgbClr val="00B0F0"/>
+                        </a:solidFill>
+                        <a:latin typeface="Cambria Math" panose="02040503050406030204" pitchFamily="18" charset="0"/>
+                        <a:ea typeface="Cambria Math" panose="02040503050406030204" pitchFamily="18" charset="0"/>
+                      </a:rPr>
+                      <m:t>𝑦</m:t>
+                    </m:r>
+                    <m:r>
+                      <a:rPr lang="en-US" i="1">
+                        <a:solidFill>
+                          <a:srgbClr val="00B0F0"/>
+                        </a:solidFill>
+                        <a:latin typeface="Cambria Math" panose="02040503050406030204" pitchFamily="18" charset="0"/>
+                        <a:ea typeface="Cambria Math" panose="02040503050406030204" pitchFamily="18" charset="0"/>
+                      </a:rPr>
+                      <m:t>=2+</m:t>
+                    </m:r>
+                    <m:sSub>
+                      <m:sSubPr>
+                        <m:ctrlPr>
+                          <a:rPr lang="en-US" i="1">
+                            <a:solidFill>
+                              <a:srgbClr val="00B0F0"/>
+                            </a:solidFill>
+                            <a:latin typeface="Cambria Math" panose="02040503050406030204" pitchFamily="18" charset="0"/>
+                            <a:ea typeface="Cambria Math" panose="02040503050406030204" pitchFamily="18" charset="0"/>
+                          </a:rPr>
+                        </m:ctrlPr>
+                      </m:sSubPr>
+                      <m:e>
+                        <m:r>
+                          <a:rPr lang="en-US" i="1">
+                            <a:solidFill>
+                              <a:srgbClr val="00B0F0"/>
+                            </a:solidFill>
+                            <a:latin typeface="Cambria Math" panose="02040503050406030204" pitchFamily="18" charset="0"/>
+                            <a:ea typeface="Cambria Math" panose="02040503050406030204" pitchFamily="18" charset="0"/>
+                          </a:rPr>
+                          <m:t>𝜖</m:t>
+                        </m:r>
+                      </m:e>
+                      <m:sub>
+                        <m:r>
+                          <a:rPr lang="en-US" i="1">
+                            <a:solidFill>
+                              <a:srgbClr val="00B0F0"/>
+                            </a:solidFill>
+                            <a:latin typeface="Cambria Math" panose="02040503050406030204" pitchFamily="18" charset="0"/>
+                            <a:ea typeface="Cambria Math" panose="02040503050406030204" pitchFamily="18" charset="0"/>
+                          </a:rPr>
+                          <m:t>2</m:t>
+                        </m:r>
+                      </m:sub>
+                    </m:sSub>
+                  </m:oMath>
+                </a14:m>
+                <a:endParaRPr lang="en-US" dirty="0" smtClean="0">
+                  <a:solidFill>
+                    <a:srgbClr val="00B0F0"/>
+                  </a:solidFill>
+                  <a:ea typeface="Cambria Math" panose="02040503050406030204" pitchFamily="18" charset="0"/>
+                </a:endParaRPr>
+              </a:p>
+              <a:p>
+                <a:pPr marL="857250" lvl="2" indent="0">
+                  <a:buNone/>
+                </a:pPr>
+                <a:endParaRPr lang="en-US" dirty="0">
+                  <a:solidFill>
+                    <a:srgbClr val="00B0F0"/>
+                  </a:solidFill>
+                  <a:ea typeface="Cambria Math" panose="02040503050406030204" pitchFamily="18" charset="0"/>
+                </a:endParaRPr>
+              </a:p>
+              <a:p>
+                <a:pPr marL="857250" lvl="2" indent="0">
+                  <a:buNone/>
+                </a:pPr>
+                <a14:m>
+                  <m:oMath xmlns:m="http://schemas.openxmlformats.org/officeDocument/2006/math">
+                    <m:r>
+                      <a:rPr lang="en-US" i="1">
+                        <a:latin typeface="Cambria Math" panose="02040503050406030204" pitchFamily="18" charset="0"/>
+                      </a:rPr>
+                      <m:t>𝑥𝑦</m:t>
+                    </m:r>
+                    <m:r>
+                      <a:rPr lang="en-US" i="1">
+                        <a:latin typeface="Cambria Math" panose="02040503050406030204" pitchFamily="18" charset="0"/>
+                      </a:rPr>
+                      <m:t>=2</m:t>
+                    </m:r>
+                    <m:sSub>
+                      <m:sSubPr>
+                        <m:ctrlPr>
+                          <a:rPr lang="en-US" i="1">
+                            <a:solidFill>
+                              <a:srgbClr val="00B050"/>
+                            </a:solidFill>
+                            <a:latin typeface="Cambria Math" panose="02040503050406030204" pitchFamily="18" charset="0"/>
+                            <a:ea typeface="Cambria Math" panose="02040503050406030204" pitchFamily="18" charset="0"/>
+                          </a:rPr>
+                        </m:ctrlPr>
+                      </m:sSubPr>
+                      <m:e>
+                        <m:r>
+                          <a:rPr lang="en-US" i="1">
+                            <a:solidFill>
+                              <a:srgbClr val="00B050"/>
+                            </a:solidFill>
+                            <a:latin typeface="Cambria Math" panose="02040503050406030204" pitchFamily="18" charset="0"/>
+                            <a:ea typeface="Cambria Math" panose="02040503050406030204" pitchFamily="18" charset="0"/>
+                          </a:rPr>
+                          <m:t>𝜖</m:t>
+                        </m:r>
+                      </m:e>
+                      <m:sub>
+                        <m:r>
+                          <a:rPr lang="en-US" i="1">
+                            <a:solidFill>
+                              <a:srgbClr val="00B050"/>
+                            </a:solidFill>
+                            <a:latin typeface="Cambria Math" panose="02040503050406030204" pitchFamily="18" charset="0"/>
+                            <a:ea typeface="Cambria Math" panose="02040503050406030204" pitchFamily="18" charset="0"/>
+                          </a:rPr>
+                          <m:t>1</m:t>
+                        </m:r>
+                      </m:sub>
+                    </m:sSub>
+                    <m:r>
+                      <a:rPr lang="en-US" i="1">
+                        <a:latin typeface="Cambria Math" panose="02040503050406030204" pitchFamily="18" charset="0"/>
+                        <a:ea typeface="Cambria Math" panose="02040503050406030204" pitchFamily="18" charset="0"/>
+                      </a:rPr>
+                      <m:t>+</m:t>
+                    </m:r>
+                    <m:sSub>
+                      <m:sSubPr>
+                        <m:ctrlPr>
+                          <a:rPr lang="en-US" i="1">
+                            <a:solidFill>
+                              <a:srgbClr val="00B0F0"/>
+                            </a:solidFill>
+                            <a:latin typeface="Cambria Math" panose="02040503050406030204" pitchFamily="18" charset="0"/>
+                            <a:ea typeface="Cambria Math" panose="02040503050406030204" pitchFamily="18" charset="0"/>
+                          </a:rPr>
+                        </m:ctrlPr>
+                      </m:sSubPr>
+                      <m:e>
+                        <m:r>
+                          <a:rPr lang="en-US" i="1">
+                            <a:solidFill>
+                              <a:srgbClr val="00B0F0"/>
+                            </a:solidFill>
+                            <a:latin typeface="Cambria Math" panose="02040503050406030204" pitchFamily="18" charset="0"/>
+                            <a:ea typeface="Cambria Math" panose="02040503050406030204" pitchFamily="18" charset="0"/>
+                          </a:rPr>
+                          <m:t>𝜖</m:t>
+                        </m:r>
+                      </m:e>
+                      <m:sub>
+                        <m:r>
+                          <a:rPr lang="en-US" i="1">
+                            <a:solidFill>
+                              <a:srgbClr val="00B0F0"/>
+                            </a:solidFill>
+                            <a:latin typeface="Cambria Math" panose="02040503050406030204" pitchFamily="18" charset="0"/>
+                            <a:ea typeface="Cambria Math" panose="02040503050406030204" pitchFamily="18" charset="0"/>
+                          </a:rPr>
+                          <m:t>2</m:t>
+                        </m:r>
+                      </m:sub>
+                    </m:sSub>
+                    <m:r>
+                      <a:rPr lang="en-US" i="1">
+                        <a:latin typeface="Cambria Math" panose="02040503050406030204" pitchFamily="18" charset="0"/>
+                        <a:ea typeface="Cambria Math" panose="02040503050406030204" pitchFamily="18" charset="0"/>
+                      </a:rPr>
+                      <m:t>+</m:t>
+                    </m:r>
+                    <m:sSub>
+                      <m:sSubPr>
+                        <m:ctrlPr>
+                          <a:rPr lang="en-US" i="1">
+                            <a:latin typeface="Cambria Math" panose="02040503050406030204" pitchFamily="18" charset="0"/>
+                            <a:ea typeface="Cambria Math" panose="02040503050406030204" pitchFamily="18" charset="0"/>
+                          </a:rPr>
+                        </m:ctrlPr>
+                      </m:sSubPr>
+                      <m:e>
+                        <m:r>
+                          <a:rPr lang="en-US" i="1">
+                            <a:latin typeface="Cambria Math" panose="02040503050406030204" pitchFamily="18" charset="0"/>
+                            <a:ea typeface="Cambria Math" panose="02040503050406030204" pitchFamily="18" charset="0"/>
+                          </a:rPr>
+                          <m:t>𝜖</m:t>
+                        </m:r>
+                      </m:e>
+                      <m:sub>
+                        <m:r>
+                          <a:rPr lang="en-US" i="1">
+                            <a:latin typeface="Cambria Math" panose="02040503050406030204" pitchFamily="18" charset="0"/>
+                            <a:ea typeface="Cambria Math" panose="02040503050406030204" pitchFamily="18" charset="0"/>
+                          </a:rPr>
+                          <m:t>1</m:t>
+                        </m:r>
+                      </m:sub>
+                    </m:sSub>
+                    <m:sSub>
+                      <m:sSubPr>
+                        <m:ctrlPr>
+                          <a:rPr lang="en-US" i="1">
+                            <a:latin typeface="Cambria Math" panose="02040503050406030204" pitchFamily="18" charset="0"/>
+                            <a:ea typeface="Cambria Math" panose="02040503050406030204" pitchFamily="18" charset="0"/>
+                          </a:rPr>
+                        </m:ctrlPr>
+                      </m:sSubPr>
+                      <m:e>
+                        <m:r>
+                          <a:rPr lang="en-US" i="1">
+                            <a:latin typeface="Cambria Math" panose="02040503050406030204" pitchFamily="18" charset="0"/>
+                            <a:ea typeface="Cambria Math" panose="02040503050406030204" pitchFamily="18" charset="0"/>
+                          </a:rPr>
+                          <m:t>𝜖</m:t>
+                        </m:r>
+                      </m:e>
+                      <m:sub>
+                        <m:r>
+                          <a:rPr lang="en-US" i="1">
+                            <a:latin typeface="Cambria Math" panose="02040503050406030204" pitchFamily="18" charset="0"/>
+                            <a:ea typeface="Cambria Math" panose="02040503050406030204" pitchFamily="18" charset="0"/>
+                          </a:rPr>
+                          <m:t>2</m:t>
+                        </m:r>
+                      </m:sub>
+                    </m:sSub>
+                    <m:r>
+                      <a:rPr lang="en-US" i="1">
+                        <a:latin typeface="Cambria Math" panose="02040503050406030204" pitchFamily="18" charset="0"/>
+                        <a:ea typeface="Cambria Math" panose="02040503050406030204" pitchFamily="18" charset="0"/>
+                      </a:rPr>
+                      <m:t>+2</m:t>
+                    </m:r>
+                  </m:oMath>
+                </a14:m>
+                <a:r>
+                  <a:rPr lang="en-US" dirty="0">
+                    <a:sym typeface="Wingdings" panose="05000000000000000000" pitchFamily="2" charset="2"/>
+                  </a:rPr>
+                  <a:t> </a:t>
+                </a:r>
+                <a:endParaRPr lang="en-US" dirty="0" smtClean="0">
+                  <a:sym typeface="Wingdings" panose="05000000000000000000" pitchFamily="2" charset="2"/>
+                </a:endParaRPr>
+              </a:p>
+              <a:p>
+                <a:pPr marL="857250" lvl="2" indent="0">
+                  <a:buNone/>
+                </a:pPr>
+                <a:endParaRPr lang="en-US" dirty="0">
+                  <a:sym typeface="Wingdings" panose="05000000000000000000" pitchFamily="2" charset="2"/>
+                </a:endParaRPr>
+              </a:p>
+              <a:p>
+                <a:pPr marL="857250" lvl="2" indent="0">
+                  <a:buNone/>
+                </a:pPr>
+                <a:r>
+                  <a:rPr lang="en-US" dirty="0" smtClean="0">
+                    <a:sym typeface="Wingdings" panose="05000000000000000000" pitchFamily="2" charset="2"/>
+                  </a:rPr>
+                  <a:t> change of x affects more on the change of </a:t>
+                </a:r>
+                <a14:m>
+                  <m:oMath xmlns:m="http://schemas.openxmlformats.org/officeDocument/2006/math">
+                    <m:r>
+                      <a:rPr lang="en-US" i="1">
+                        <a:latin typeface="Cambria Math" panose="02040503050406030204" pitchFamily="18" charset="0"/>
+                      </a:rPr>
+                      <m:t>𝑥𝑦</m:t>
+                    </m:r>
+                  </m:oMath>
+                </a14:m>
+                <a:r>
+                  <a:rPr lang="en-US" dirty="0" smtClean="0">
+                    <a:sym typeface="Wingdings" panose="05000000000000000000" pitchFamily="2" charset="2"/>
+                  </a:rPr>
+                  <a:t>, than that of y</a:t>
+                </a:r>
+                <a:endParaRPr lang="en-US" dirty="0">
+                  <a:sym typeface="Wingdings" panose="05000000000000000000" pitchFamily="2" charset="2"/>
+                </a:endParaRPr>
+              </a:p>
+              <a:p>
                 <a:endParaRPr lang="en-US" dirty="0"/>
               </a:p>
               <a:p>
@@ -5273,7 +5710,7 @@
             </p:txBody>
           </p:sp>
         </mc:Choice>
-        <mc:Fallback xmlns="">
+        <mc:Fallback>
           <p:sp>
             <p:nvSpPr>
               <p:cNvPr id="3" name="Content Placeholder 2"/>
@@ -5285,10 +5722,14 @@
               </p:nvPr>
             </p:nvSpPr>
             <p:spPr>
+              <a:xfrm>
+                <a:off x="838200" y="1277471"/>
+                <a:ext cx="10515600" cy="5078879"/>
+              </a:xfrm>
               <a:blipFill rotWithShape="0">
-                <a:blip r:embed="rId3"/>
+                <a:blip r:embed="rId2"/>
                 <a:stretch>
-                  <a:fillRect l="-1043" t="-2586"/>
+                  <a:fillRect l="-928" t="-2761" b="-240"/>
                 </a:stretch>
               </a:blipFill>
             </p:spPr>
@@ -5332,19 +5773,14 @@
       </p:sp>
       <p:pic>
         <p:nvPicPr>
-          <p:cNvPr id="16" name="Content Placeholder 15"/>
+          <p:cNvPr id="6" name="Picture 5"/>
           <p:cNvPicPr>
-            <a:picLocks noGrp="1" noChangeAspect="1"/>
+            <a:picLocks noChangeAspect="1"/>
           </p:cNvPicPr>
-          <p:nvPr>
-            <p:ph sz="quarter" idx="4294967295"/>
-            <p:custDataLst>
-              <p:tags r:id="rId1"/>
-            </p:custDataLst>
-          </p:nvPr>
+          <p:nvPr/>
         </p:nvPicPr>
         <p:blipFill>
-          <a:blip r:embed="rId4" cstate="print">
+          <a:blip r:embed="rId3">
             <a:extLst>
               <a:ext uri="{28A0092B-C50C-407E-A947-70E740481C1C}">
                 <a14:useLocalDpi xmlns:a14="http://schemas.microsoft.com/office/drawing/2010/main" val="0"/>
@@ -5357,14 +5793,173 @@
         </p:blipFill>
         <p:spPr>
           <a:xfrm>
-            <a:off x="3829320" y="4121785"/>
-            <a:ext cx="4021455" cy="2234565"/>
+            <a:off x="7480494" y="2631365"/>
+            <a:ext cx="4600000" cy="1142857"/>
           </a:xfrm>
           <a:prstGeom prst="rect">
             <a:avLst/>
           </a:prstGeom>
         </p:spPr>
       </p:pic>
+      <p:cxnSp>
+        <p:nvCxnSpPr>
+          <p:cNvPr id="8" name="Straight Arrow Connector 7"/>
+          <p:cNvCxnSpPr/>
+          <p:nvPr/>
+        </p:nvCxnSpPr>
+        <p:spPr>
+          <a:xfrm flipV="1">
+            <a:off x="2662518" y="4612341"/>
+            <a:ext cx="40341" cy="430308"/>
+          </a:xfrm>
+          <a:prstGeom prst="straightConnector1">
+            <a:avLst/>
+          </a:prstGeom>
+          <a:ln>
+            <a:solidFill>
+              <a:srgbClr val="00B050"/>
+            </a:solidFill>
+            <a:tailEnd type="triangle"/>
+          </a:ln>
+        </p:spPr>
+        <p:style>
+          <a:lnRef idx="1">
+            <a:schemeClr val="accent1"/>
+          </a:lnRef>
+          <a:fillRef idx="0">
+            <a:schemeClr val="accent1"/>
+          </a:fillRef>
+          <a:effectRef idx="0">
+            <a:schemeClr val="accent1"/>
+          </a:effectRef>
+          <a:fontRef idx="minor">
+            <a:schemeClr val="tx1"/>
+          </a:fontRef>
+        </p:style>
+      </p:cxnSp>
+      <p:cxnSp>
+        <p:nvCxnSpPr>
+          <p:cNvPr id="9" name="Straight Arrow Connector 8"/>
+          <p:cNvCxnSpPr/>
+          <p:nvPr/>
+        </p:nvCxnSpPr>
+        <p:spPr>
+          <a:xfrm flipV="1">
+            <a:off x="3590364" y="4652682"/>
+            <a:ext cx="672354" cy="430308"/>
+          </a:xfrm>
+          <a:prstGeom prst="straightConnector1">
+            <a:avLst/>
+          </a:prstGeom>
+          <a:ln>
+            <a:tailEnd type="triangle"/>
+          </a:ln>
+        </p:spPr>
+        <p:style>
+          <a:lnRef idx="1">
+            <a:schemeClr val="accent1"/>
+          </a:lnRef>
+          <a:fillRef idx="0">
+            <a:schemeClr val="accent1"/>
+          </a:fillRef>
+          <a:effectRef idx="0">
+            <a:schemeClr val="accent1"/>
+          </a:effectRef>
+          <a:fontRef idx="minor">
+            <a:schemeClr val="tx1"/>
+          </a:fontRef>
+        </p:style>
+      </p:cxnSp>
+      <mc:AlternateContent xmlns:mc="http://schemas.openxmlformats.org/markup-compatibility/2006">
+        <mc:Choice xmlns:a14="http://schemas.microsoft.com/office/drawing/2010/main" Requires="a14">
+          <p:sp>
+            <p:nvSpPr>
+              <p:cNvPr id="19" name="TextBox 18"/>
+              <p:cNvSpPr txBox="1"/>
+              <p:nvPr/>
+            </p:nvSpPr>
+            <p:spPr>
+              <a:xfrm>
+                <a:off x="9668335" y="2461843"/>
+                <a:ext cx="1004249" cy="461665"/>
+              </a:xfrm>
+              <a:prstGeom prst="rect">
+                <a:avLst/>
+              </a:prstGeom>
+              <a:noFill/>
+            </p:spPr>
+            <p:txBody>
+              <a:bodyPr wrap="none" rtlCol="0">
+                <a:spAutoFit/>
+              </a:bodyPr>
+              <a:lstStyle/>
+              <a:p>
+                <a:pPr marL="0" lvl="1"/>
+                <a14:m>
+                  <m:oMathPara xmlns:m="http://schemas.openxmlformats.org/officeDocument/2006/math">
+                    <m:oMathParaPr>
+                      <m:jc m:val="centerGroup"/>
+                    </m:oMathParaPr>
+                    <m:oMath xmlns:m="http://schemas.openxmlformats.org/officeDocument/2006/math">
+                      <m:r>
+                        <a:rPr lang="en-US" sz="2400" i="1">
+                          <a:latin typeface="Cambria Math" panose="02040503050406030204" pitchFamily="18" charset="0"/>
+                        </a:rPr>
+                        <m:t>𝑓</m:t>
+                      </m:r>
+                      <m:r>
+                        <a:rPr lang="en-US" sz="2400" i="1">
+                          <a:latin typeface="Cambria Math" panose="02040503050406030204" pitchFamily="18" charset="0"/>
+                        </a:rPr>
+                        <m:t>&gt;0</m:t>
+                      </m:r>
+                    </m:oMath>
+                  </m:oMathPara>
+                </a14:m>
+                <a:endParaRPr lang="en-US" sz="2400" dirty="0"/>
+              </a:p>
+            </p:txBody>
+          </p:sp>
+        </mc:Choice>
+        <mc:Fallback>
+          <p:sp>
+            <p:nvSpPr>
+              <p:cNvPr id="19" name="TextBox 18"/>
+              <p:cNvSpPr txBox="1">
+                <a:spLocks noRot="1" noChangeAspect="1" noMove="1" noResize="1" noEditPoints="1" noAdjustHandles="1" noChangeArrowheads="1" noChangeShapeType="1" noTextEdit="1"/>
+              </p:cNvSpPr>
+              <p:nvPr/>
+            </p:nvSpPr>
+            <p:spPr>
+              <a:xfrm>
+                <a:off x="9668335" y="2461843"/>
+                <a:ext cx="1004249" cy="461665"/>
+              </a:xfrm>
+              <a:prstGeom prst="rect">
+                <a:avLst/>
+              </a:prstGeom>
+              <a:blipFill rotWithShape="0">
+                <a:blip r:embed="rId4"/>
+                <a:stretch>
+                  <a:fillRect l="-1212" b="-17105"/>
+                </a:stretch>
+              </a:blipFill>
+            </p:spPr>
+            <p:txBody>
+              <a:bodyPr/>
+              <a:lstStyle/>
+              <a:p>
+                <a:r>
+                  <a:rPr lang="en-US">
+                    <a:noFill/>
+                  </a:rPr>
+                  <a:t> </a:t>
+                </a:r>
+              </a:p>
+            </p:txBody>
+          </p:sp>
+        </mc:Fallback>
+      </mc:AlternateContent>
     </p:spTree>
     <p:extLst>
       <p:ext uri="{BB962C8B-B14F-4D97-AF65-F5344CB8AC3E}">
@@ -5418,6 +6013,492 @@
           <a:lstStyle/>
           <a:p>
             <a:r>
+              <a:rPr lang="en-US" dirty="0"/>
+              <a:t>Heuristics for choosing </a:t>
+            </a:r>
+            <a:r>
+              <a:rPr lang="en-US" dirty="0" err="1"/>
+              <a:t>satisfiable</a:t>
+            </a:r>
+            <a:r>
+              <a:rPr lang="en-US" dirty="0"/>
+              <a:t> box</a:t>
+            </a:r>
+          </a:p>
+        </p:txBody>
+      </p:sp>
+      <p:graphicFrame>
+        <p:nvGraphicFramePr>
+          <p:cNvPr id="5" name="Content Placeholder 4"/>
+          <p:cNvGraphicFramePr>
+            <a:graphicFrameLocks noGrp="1"/>
+          </p:cNvGraphicFramePr>
+          <p:nvPr>
+            <p:ph idx="1"/>
+            <p:extLst>
+              <p:ext uri="{D42A27DB-BD31-4B8C-83A1-F6EECF244321}">
+                <p14:modId xmlns:p14="http://schemas.microsoft.com/office/powerpoint/2010/main" val="1573757326"/>
+              </p:ext>
+            </p:extLst>
+          </p:nvPr>
+        </p:nvGraphicFramePr>
+        <p:xfrm>
+          <a:off x="295835" y="1627094"/>
+          <a:ext cx="11712387" cy="3474720"/>
+        </p:xfrm>
+        <a:graphic>
+          <a:graphicData uri="http://schemas.openxmlformats.org/drawingml/2006/table">
+            <a:tbl>
+              <a:tblPr firstRow="1" bandRow="1">
+                <a:tableStyleId>{5C22544A-7EE6-4342-B048-85BDC9FD1C3A}</a:tableStyleId>
+              </a:tblPr>
+              <a:tblGrid>
+                <a:gridCol w="3904129"/>
+                <a:gridCol w="3904129"/>
+                <a:gridCol w="3904129"/>
+              </a:tblGrid>
+              <a:tr h="364378">
+                <a:tc>
+                  <a:txBody>
+                    <a:bodyPr/>
+                    <a:lstStyle/>
+                    <a:p>
+                      <a:pPr algn="ctr"/>
+                      <a:r>
+                        <a:rPr lang="en-US" sz="2400" dirty="0" smtClean="0">
+                          <a:latin typeface="Times New Roman" panose="02020603050405020304" pitchFamily="18" charset="0"/>
+                          <a:cs typeface="Times New Roman" panose="02020603050405020304" pitchFamily="18" charset="0"/>
+                        </a:rPr>
+                        <a:t>Select an</a:t>
+                      </a:r>
+                      <a:r>
+                        <a:rPr lang="en-US" sz="2400" baseline="0" dirty="0" smtClean="0">
+                          <a:latin typeface="Times New Roman" panose="02020603050405020304" pitchFamily="18" charset="0"/>
+                          <a:cs typeface="Times New Roman" panose="02020603050405020304" pitchFamily="18" charset="0"/>
+                        </a:rPr>
+                        <a:t> inequality</a:t>
+                      </a:r>
+                      <a:endParaRPr lang="en-US" sz="2400" dirty="0">
+                        <a:latin typeface="Times New Roman" panose="02020603050405020304" pitchFamily="18" charset="0"/>
+                        <a:cs typeface="Times New Roman" panose="02020603050405020304" pitchFamily="18" charset="0"/>
+                      </a:endParaRPr>
+                    </a:p>
+                  </a:txBody>
+                  <a:tcPr anchor="ctr"/>
+                </a:tc>
+                <a:tc>
+                  <a:txBody>
+                    <a:bodyPr/>
+                    <a:lstStyle/>
+                    <a:p>
+                      <a:pPr algn="ctr"/>
+                      <a:r>
+                        <a:rPr lang="en-US" sz="2400" dirty="0" smtClean="0">
+                          <a:latin typeface="Times New Roman" panose="02020603050405020304" pitchFamily="18" charset="0"/>
+                          <a:cs typeface="Times New Roman" panose="02020603050405020304" pitchFamily="18" charset="0"/>
+                        </a:rPr>
+                        <a:t>Select a box</a:t>
+                      </a:r>
+                      <a:endParaRPr lang="en-US" sz="2400" dirty="0">
+                        <a:latin typeface="Times New Roman" panose="02020603050405020304" pitchFamily="18" charset="0"/>
+                        <a:cs typeface="Times New Roman" panose="02020603050405020304" pitchFamily="18" charset="0"/>
+                      </a:endParaRPr>
+                    </a:p>
+                  </a:txBody>
+                  <a:tcPr anchor="ctr"/>
+                </a:tc>
+                <a:tc>
+                  <a:txBody>
+                    <a:bodyPr/>
+                    <a:lstStyle/>
+                    <a:p>
+                      <a:pPr algn="ctr"/>
+                      <a:r>
+                        <a:rPr lang="en-US" sz="2400" dirty="0" smtClean="0">
+                          <a:latin typeface="Times New Roman" panose="02020603050405020304" pitchFamily="18" charset="0"/>
+                          <a:cs typeface="Times New Roman" panose="02020603050405020304" pitchFamily="18" charset="0"/>
+                        </a:rPr>
+                        <a:t>Select a variable</a:t>
+                      </a:r>
+                      <a:endParaRPr lang="en-US" sz="2400" dirty="0">
+                        <a:latin typeface="Times New Roman" panose="02020603050405020304" pitchFamily="18" charset="0"/>
+                        <a:cs typeface="Times New Roman" panose="02020603050405020304" pitchFamily="18" charset="0"/>
+                      </a:endParaRPr>
+                    </a:p>
+                  </a:txBody>
+                  <a:tcPr anchor="ctr"/>
+                </a:tc>
+              </a:tr>
+              <a:tr h="370840">
+                <a:tc>
+                  <a:txBody>
+                    <a:bodyPr/>
+                    <a:lstStyle/>
+                    <a:p>
+                      <a:pPr algn="l"/>
+                      <a:r>
+                        <a:rPr lang="en-US" sz="2400" dirty="0" smtClean="0">
+                          <a:latin typeface="Times New Roman" panose="02020603050405020304" pitchFamily="18" charset="0"/>
+                          <a:cs typeface="Times New Roman" panose="02020603050405020304" pitchFamily="18" charset="0"/>
+                        </a:rPr>
+                        <a:t>(1) Least SAT-likelihood</a:t>
+                      </a:r>
+                      <a:endParaRPr lang="en-US" sz="2400" dirty="0">
+                        <a:latin typeface="Times New Roman" panose="02020603050405020304" pitchFamily="18" charset="0"/>
+                        <a:cs typeface="Times New Roman" panose="02020603050405020304" pitchFamily="18" charset="0"/>
+                      </a:endParaRPr>
+                    </a:p>
+                  </a:txBody>
+                  <a:tcPr anchor="ctr"/>
+                </a:tc>
+                <a:tc>
+                  <a:txBody>
+                    <a:bodyPr/>
+                    <a:lstStyle/>
+                    <a:p>
+                      <a:pPr algn="l"/>
+                      <a:r>
+                        <a:rPr lang="en-US" sz="2400" dirty="0" smtClean="0">
+                          <a:latin typeface="Times New Roman" panose="02020603050405020304" pitchFamily="18" charset="0"/>
+                          <a:cs typeface="Times New Roman" panose="02020603050405020304" pitchFamily="18" charset="0"/>
+                        </a:rPr>
+                        <a:t>(3) Largest number of SAT inequalities</a:t>
+                      </a:r>
+                      <a:endParaRPr lang="en-US" sz="2400" dirty="0">
+                        <a:latin typeface="Times New Roman" panose="02020603050405020304" pitchFamily="18" charset="0"/>
+                        <a:cs typeface="Times New Roman" panose="02020603050405020304" pitchFamily="18" charset="0"/>
+                      </a:endParaRPr>
+                    </a:p>
+                  </a:txBody>
+                  <a:tcPr anchor="ctr"/>
+                </a:tc>
+                <a:tc>
+                  <a:txBody>
+                    <a:bodyPr/>
+                    <a:lstStyle/>
+                    <a:p>
+                      <a:pPr algn="l"/>
+                      <a:r>
+                        <a:rPr lang="en-US" sz="2400" dirty="0" smtClean="0">
+                          <a:latin typeface="Times New Roman" panose="02020603050405020304" pitchFamily="18" charset="0"/>
+                          <a:cs typeface="Times New Roman" panose="02020603050405020304" pitchFamily="18" charset="0"/>
+                        </a:rPr>
+                        <a:t>(8) Largest </a:t>
+                      </a:r>
+                      <a:r>
+                        <a:rPr lang="en-US" sz="2400" dirty="0" err="1" smtClean="0">
+                          <a:latin typeface="Times New Roman" panose="02020603050405020304" pitchFamily="18" charset="0"/>
+                          <a:cs typeface="Times New Roman" panose="02020603050405020304" pitchFamily="18" charset="0"/>
+                        </a:rPr>
+                        <a:t>sensitibity</a:t>
+                      </a:r>
+                      <a:endParaRPr lang="en-US" sz="2400" dirty="0">
+                        <a:latin typeface="Times New Roman" panose="02020603050405020304" pitchFamily="18" charset="0"/>
+                        <a:cs typeface="Times New Roman" panose="02020603050405020304" pitchFamily="18" charset="0"/>
+                      </a:endParaRPr>
+                    </a:p>
+                  </a:txBody>
+                  <a:tcPr anchor="ctr"/>
+                </a:tc>
+              </a:tr>
+              <a:tr h="370840">
+                <a:tc>
+                  <a:txBody>
+                    <a:bodyPr/>
+                    <a:lstStyle/>
+                    <a:p>
+                      <a:pPr algn="l"/>
+                      <a:r>
+                        <a:rPr lang="en-US" sz="2400" dirty="0" smtClean="0">
+                          <a:latin typeface="Times New Roman" panose="02020603050405020304" pitchFamily="18" charset="0"/>
+                          <a:cs typeface="Times New Roman" panose="02020603050405020304" pitchFamily="18" charset="0"/>
+                        </a:rPr>
+                        <a:t>(2) Largest SAT-likelihood</a:t>
+                      </a:r>
+                      <a:endParaRPr lang="en-US" sz="2400" dirty="0">
+                        <a:latin typeface="Times New Roman" panose="02020603050405020304" pitchFamily="18" charset="0"/>
+                        <a:cs typeface="Times New Roman" panose="02020603050405020304" pitchFamily="18" charset="0"/>
+                      </a:endParaRPr>
+                    </a:p>
+                  </a:txBody>
+                  <a:tcPr anchor="ctr"/>
+                </a:tc>
+                <a:tc>
+                  <a:txBody>
+                    <a:bodyPr/>
+                    <a:lstStyle/>
+                    <a:p>
+                      <a:pPr algn="l"/>
+                      <a:r>
+                        <a:rPr lang="en-US" sz="2400" dirty="0" smtClean="0">
+                          <a:latin typeface="Times New Roman" panose="02020603050405020304" pitchFamily="18" charset="0"/>
+                          <a:cs typeface="Times New Roman" panose="02020603050405020304" pitchFamily="18" charset="0"/>
+                        </a:rPr>
+                        <a:t>(4) Least number of SAT inequalities</a:t>
+                      </a:r>
+                      <a:endParaRPr lang="en-US" sz="2400" dirty="0">
+                        <a:latin typeface="Times New Roman" panose="02020603050405020304" pitchFamily="18" charset="0"/>
+                        <a:cs typeface="Times New Roman" panose="02020603050405020304" pitchFamily="18" charset="0"/>
+                      </a:endParaRPr>
+                    </a:p>
+                  </a:txBody>
+                  <a:tcPr anchor="ctr"/>
+                </a:tc>
+                <a:tc>
+                  <a:txBody>
+                    <a:bodyPr/>
+                    <a:lstStyle/>
+                    <a:p>
+                      <a:pPr algn="l"/>
+                      <a:endParaRPr lang="en-US" sz="2400">
+                        <a:latin typeface="Times New Roman" panose="02020603050405020304" pitchFamily="18" charset="0"/>
+                        <a:cs typeface="Times New Roman" panose="02020603050405020304" pitchFamily="18" charset="0"/>
+                      </a:endParaRPr>
+                    </a:p>
+                  </a:txBody>
+                  <a:tcPr anchor="ctr"/>
+                </a:tc>
+              </a:tr>
+              <a:tr h="370840">
+                <a:tc>
+                  <a:txBody>
+                    <a:bodyPr/>
+                    <a:lstStyle/>
+                    <a:p>
+                      <a:pPr algn="l"/>
+                      <a:endParaRPr lang="en-US" sz="2400" dirty="0">
+                        <a:latin typeface="Times New Roman" panose="02020603050405020304" pitchFamily="18" charset="0"/>
+                        <a:cs typeface="Times New Roman" panose="02020603050405020304" pitchFamily="18" charset="0"/>
+                      </a:endParaRPr>
+                    </a:p>
+                  </a:txBody>
+                  <a:tcPr anchor="ctr"/>
+                </a:tc>
+                <a:tc>
+                  <a:txBody>
+                    <a:bodyPr/>
+                    <a:lstStyle/>
+                    <a:p>
+                      <a:pPr algn="l"/>
+                      <a:r>
+                        <a:rPr lang="en-US" sz="2400" dirty="0" smtClean="0">
+                          <a:latin typeface="Times New Roman" panose="02020603050405020304" pitchFamily="18" charset="0"/>
+                          <a:cs typeface="Times New Roman" panose="02020603050405020304" pitchFamily="18" charset="0"/>
+                        </a:rPr>
+                        <a:t>(5) Largest SAT-likelihood.</a:t>
+                      </a:r>
+                      <a:endParaRPr lang="en-US" sz="2400" dirty="0">
+                        <a:latin typeface="Times New Roman" panose="02020603050405020304" pitchFamily="18" charset="0"/>
+                        <a:cs typeface="Times New Roman" panose="02020603050405020304" pitchFamily="18" charset="0"/>
+                      </a:endParaRPr>
+                    </a:p>
+                  </a:txBody>
+                  <a:tcPr anchor="ctr"/>
+                </a:tc>
+                <a:tc>
+                  <a:txBody>
+                    <a:bodyPr/>
+                    <a:lstStyle/>
+                    <a:p>
+                      <a:pPr algn="l"/>
+                      <a:endParaRPr lang="en-US" sz="2400">
+                        <a:latin typeface="Times New Roman" panose="02020603050405020304" pitchFamily="18" charset="0"/>
+                        <a:cs typeface="Times New Roman" panose="02020603050405020304" pitchFamily="18" charset="0"/>
+                      </a:endParaRPr>
+                    </a:p>
+                  </a:txBody>
+                  <a:tcPr anchor="ctr"/>
+                </a:tc>
+              </a:tr>
+              <a:tr h="370840">
+                <a:tc>
+                  <a:txBody>
+                    <a:bodyPr/>
+                    <a:lstStyle/>
+                    <a:p>
+                      <a:pPr algn="l"/>
+                      <a:endParaRPr lang="en-US" sz="2400">
+                        <a:latin typeface="Times New Roman" panose="02020603050405020304" pitchFamily="18" charset="0"/>
+                        <a:cs typeface="Times New Roman" panose="02020603050405020304" pitchFamily="18" charset="0"/>
+                      </a:endParaRPr>
+                    </a:p>
+                  </a:txBody>
+                  <a:tcPr anchor="ctr"/>
+                </a:tc>
+                <a:tc>
+                  <a:txBody>
+                    <a:bodyPr/>
+                    <a:lstStyle/>
+                    <a:p>
+                      <a:pPr algn="l"/>
+                      <a:r>
+                        <a:rPr lang="en-US" sz="2400" dirty="0" smtClean="0">
+                          <a:latin typeface="Times New Roman" panose="02020603050405020304" pitchFamily="18" charset="0"/>
+                          <a:cs typeface="Times New Roman" panose="02020603050405020304" pitchFamily="18" charset="0"/>
+                        </a:rPr>
+                        <a:t>(6) Least SAT-likelihood.</a:t>
+                      </a:r>
+                      <a:endParaRPr lang="en-US" sz="2400" dirty="0">
+                        <a:latin typeface="Times New Roman" panose="02020603050405020304" pitchFamily="18" charset="0"/>
+                        <a:cs typeface="Times New Roman" panose="02020603050405020304" pitchFamily="18" charset="0"/>
+                      </a:endParaRPr>
+                    </a:p>
+                  </a:txBody>
+                  <a:tcPr anchor="ctr"/>
+                </a:tc>
+                <a:tc>
+                  <a:txBody>
+                    <a:bodyPr/>
+                    <a:lstStyle/>
+                    <a:p>
+                      <a:pPr algn="l"/>
+                      <a:endParaRPr lang="en-US" sz="2400" dirty="0">
+                        <a:latin typeface="Times New Roman" panose="02020603050405020304" pitchFamily="18" charset="0"/>
+                        <a:cs typeface="Times New Roman" panose="02020603050405020304" pitchFamily="18" charset="0"/>
+                      </a:endParaRPr>
+                    </a:p>
+                  </a:txBody>
+                  <a:tcPr anchor="ctr"/>
+                </a:tc>
+              </a:tr>
+              <a:tr h="370840">
+                <a:tc>
+                  <a:txBody>
+                    <a:bodyPr/>
+                    <a:lstStyle/>
+                    <a:p>
+                      <a:pPr algn="l"/>
+                      <a:r>
+                        <a:rPr lang="en-US" sz="2400" dirty="0" smtClean="0">
+                          <a:latin typeface="Times New Roman" panose="02020603050405020304" pitchFamily="18" charset="0"/>
+                          <a:cs typeface="Times New Roman" panose="02020603050405020304" pitchFamily="18" charset="0"/>
+                        </a:rPr>
+                        <a:t>(10) Random</a:t>
+                      </a:r>
+                      <a:endParaRPr lang="en-US" sz="2400" dirty="0">
+                        <a:latin typeface="Times New Roman" panose="02020603050405020304" pitchFamily="18" charset="0"/>
+                        <a:cs typeface="Times New Roman" panose="02020603050405020304" pitchFamily="18" charset="0"/>
+                      </a:endParaRPr>
+                    </a:p>
+                  </a:txBody>
+                  <a:tcPr anchor="ctr"/>
+                </a:tc>
+                <a:tc>
+                  <a:txBody>
+                    <a:bodyPr/>
+                    <a:lstStyle/>
+                    <a:p>
+                      <a:pPr algn="l"/>
+                      <a:r>
+                        <a:rPr lang="en-US" sz="2400" dirty="0" smtClean="0">
+                          <a:latin typeface="Times New Roman" panose="02020603050405020304" pitchFamily="18" charset="0"/>
+                          <a:cs typeface="Times New Roman" panose="02020603050405020304" pitchFamily="18" charset="0"/>
+                        </a:rPr>
+                        <a:t>(7) Random</a:t>
+                      </a:r>
+                      <a:endParaRPr lang="en-US" sz="2400" dirty="0">
+                        <a:latin typeface="Times New Roman" panose="02020603050405020304" pitchFamily="18" charset="0"/>
+                        <a:cs typeface="Times New Roman" panose="02020603050405020304" pitchFamily="18" charset="0"/>
+                      </a:endParaRPr>
+                    </a:p>
+                  </a:txBody>
+                  <a:tcPr anchor="ctr"/>
+                </a:tc>
+                <a:tc>
+                  <a:txBody>
+                    <a:bodyPr/>
+                    <a:lstStyle/>
+                    <a:p>
+                      <a:pPr algn="l"/>
+                      <a:r>
+                        <a:rPr lang="en-US" sz="2400" dirty="0" smtClean="0">
+                          <a:latin typeface="Times New Roman" panose="02020603050405020304" pitchFamily="18" charset="0"/>
+                          <a:cs typeface="Times New Roman" panose="02020603050405020304" pitchFamily="18" charset="0"/>
+                        </a:rPr>
+                        <a:t>(9) Random</a:t>
+                      </a:r>
+                      <a:endParaRPr lang="en-US" sz="2400" dirty="0">
+                        <a:latin typeface="Times New Roman" panose="02020603050405020304" pitchFamily="18" charset="0"/>
+                        <a:cs typeface="Times New Roman" panose="02020603050405020304" pitchFamily="18" charset="0"/>
+                      </a:endParaRPr>
+                    </a:p>
+                  </a:txBody>
+                  <a:tcPr anchor="ctr"/>
+                </a:tc>
+              </a:tr>
+            </a:tbl>
+          </a:graphicData>
+        </a:graphic>
+      </p:graphicFrame>
+      <p:sp>
+        <p:nvSpPr>
+          <p:cNvPr id="4" name="Slide Number Placeholder 3"/>
+          <p:cNvSpPr>
+            <a:spLocks noGrp="1"/>
+          </p:cNvSpPr>
+          <p:nvPr>
+            <p:ph type="sldNum" sz="quarter" idx="12"/>
+          </p:nvPr>
+        </p:nvSpPr>
+        <p:spPr/>
+        <p:txBody>
+          <a:bodyPr/>
+          <a:lstStyle/>
+          <a:p>
+            <a:fld id="{58734595-61A4-4C07-BF74-5C223797634C}" type="slidenum">
+              <a:rPr lang="en-US" smtClean="0"/>
+              <a:t>14</a:t>
+            </a:fld>
+            <a:endParaRPr lang="en-US"/>
+          </a:p>
+        </p:txBody>
+      </p:sp>
+    </p:spTree>
+    <p:extLst>
+      <p:ext uri="{BB962C8B-B14F-4D97-AF65-F5344CB8AC3E}">
+        <p14:creationId xmlns:p14="http://schemas.microsoft.com/office/powerpoint/2010/main" val="328790551"/>
+      </p:ext>
+    </p:extLst>
+  </p:cSld>
+  <p:clrMapOvr>
+    <a:masterClrMapping/>
+  </p:clrMapOvr>
+</p:sld>
+</file>
+
+<file path=ppt/slides/slide15.xml><?xml version="1.0" encoding="utf-8"?>
+<p:sld xmlns:a="http://schemas.openxmlformats.org/drawingml/2006/main" xmlns:r="http://schemas.openxmlformats.org/officeDocument/2006/relationships" xmlns:p="http://schemas.openxmlformats.org/presentationml/2006/main">
+  <p:cSld>
+    <p:spTree>
+      <p:nvGrpSpPr>
+        <p:cNvPr id="1" name=""/>
+        <p:cNvGrpSpPr/>
+        <p:nvPr/>
+      </p:nvGrpSpPr>
+      <p:grpSpPr>
+        <a:xfrm>
+          <a:off x="0" y="0"/>
+          <a:ext cx="0" cy="0"/>
+          <a:chOff x="0" y="0"/>
+          <a:chExt cx="0" cy="0"/>
+        </a:xfrm>
+      </p:grpSpPr>
+      <p:sp>
+        <p:nvSpPr>
+          <p:cNvPr id="2" name="Title 1"/>
+          <p:cNvSpPr>
+            <a:spLocks noGrp="1"/>
+          </p:cNvSpPr>
+          <p:nvPr>
+            <p:ph type="title"/>
+          </p:nvPr>
+        </p:nvSpPr>
+        <p:spPr/>
+        <p:txBody>
+          <a:bodyPr/>
+          <a:lstStyle/>
+          <a:p>
+            <a:r>
               <a:rPr lang="en-US" dirty="0" smtClean="0"/>
               <a:t>Heuristics effects</a:t>
             </a:r>
@@ -5438,11 +6519,13 @@
         <p:spPr>
           <a:xfrm>
             <a:off x="838200" y="1587896"/>
-            <a:ext cx="10515600" cy="4879579"/>
+            <a:ext cx="10515600" cy="5133579"/>
           </a:xfrm>
         </p:spPr>
         <p:txBody>
-          <a:bodyPr/>
+          <a:bodyPr>
+            <a:normAutofit/>
+          </a:bodyPr>
           <a:lstStyle/>
           <a:p>
             <a:endParaRPr lang="en-US" dirty="0" smtClean="0"/>
@@ -5460,21 +6543,36 @@
             <a:endParaRPr lang="en-US" dirty="0" smtClean="0"/>
           </a:p>
           <a:p>
-            <a:r>
-              <a:rPr lang="en-US" dirty="0" err="1" smtClean="0"/>
-              <a:t>Zankl</a:t>
+            <a:pPr lvl="1"/>
+            <a:endParaRPr lang="en-US" dirty="0" smtClean="0"/>
+          </a:p>
+          <a:p>
+            <a:pPr lvl="1"/>
+            <a:endParaRPr lang="en-US" dirty="0" smtClean="0"/>
+          </a:p>
+          <a:p>
+            <a:r>
+              <a:rPr lang="en-US" dirty="0"/>
+              <a:t>Except for (1)-(5)-(8), other combinations have </a:t>
             </a:r>
             <a:r>
               <a:rPr lang="en-US" dirty="0" smtClean="0"/>
-              <a:t>.</a:t>
-            </a:r>
+              <a:t>almost the same </a:t>
+            </a:r>
+            <a:r>
+              <a:rPr lang="en-US" dirty="0"/>
+              <a:t>performance as (10)-(7)-(9) </a:t>
+            </a:r>
+            <a:r>
+              <a:rPr lang="en-US" dirty="0">
+                <a:sym typeface="Wingdings" panose="05000000000000000000" pitchFamily="2" charset="2"/>
+              </a:rPr>
+              <a:t> combination (5)-(8) shows improvements.</a:t>
+            </a:r>
+            <a:endParaRPr lang="en-US" dirty="0"/>
           </a:p>
           <a:p>
             <a:pPr lvl="1"/>
-            <a:r>
-              <a:rPr lang="en-US" dirty="0" smtClean="0"/>
-              <a:t>Difference</a:t>
-            </a:r>
             <a:endParaRPr lang="en-US" dirty="0"/>
           </a:p>
         </p:txBody>
@@ -5496,7 +6594,7 @@
           <a:p>
             <a:fld id="{58734595-61A4-4C07-BF74-5C223797634C}" type="slidenum">
               <a:rPr lang="en-US" smtClean="0"/>
-              <a:t>14</a:t>
+              <a:t>15</a:t>
             </a:fld>
             <a:endParaRPr lang="en-US"/>
           </a:p>
@@ -5511,13 +6609,13 @@
           <p:nvPr>
             <p:extLst>
               <p:ext uri="{D42A27DB-BD31-4B8C-83A1-F6EECF244321}">
-                <p14:modId xmlns:p14="http://schemas.microsoft.com/office/powerpoint/2010/main" val="1521794390"/>
+                <p14:modId xmlns:p14="http://schemas.microsoft.com/office/powerpoint/2010/main" val="3985316373"/>
               </p:ext>
             </p:extLst>
           </p:nvPr>
         </p:nvGraphicFramePr>
         <p:xfrm>
-          <a:off x="510478" y="1219200"/>
+          <a:off x="376787" y="1466045"/>
           <a:ext cx="11582890" cy="2863085"/>
         </p:xfrm>
         <a:graphic>
@@ -5531,8 +6629,8 @@
                 <a:gridCol w="1987751"/>
                 <a:gridCol w="1267898"/>
                 <a:gridCol w="1267898"/>
-                <a:gridCol w="1267898"/>
-                <a:gridCol w="1267898"/>
+                <a:gridCol w="1301953"/>
+                <a:gridCol w="1233843"/>
                 <a:gridCol w="1267898"/>
                 <a:gridCol w="1267898"/>
               </a:tblGrid>
@@ -5579,7 +6677,7 @@
                       <a:pPr algn="ctr"/>
                       <a:r>
                         <a:rPr lang="en-US" sz="2400" dirty="0" smtClean="0"/>
-                        <a:t>Heuristics</a:t>
+                        <a:t>(10)-(5)-(8)</a:t>
                       </a:r>
                       <a:endParaRPr lang="en-US" sz="2400" dirty="0"/>
                     </a:p>
@@ -5615,7 +6713,7 @@
                       <a:pPr algn="ctr"/>
                       <a:r>
                         <a:rPr lang="en-US" sz="2400" dirty="0" smtClean="0"/>
-                        <a:t>No Heuristics</a:t>
+                        <a:t>(10)-(7)-(9)</a:t>
                       </a:r>
                       <a:endParaRPr lang="en-US" sz="2400" dirty="0"/>
                     </a:p>
@@ -5861,7 +6959,22 @@
                       <a:pPr algn="ctr"/>
                       <a:r>
                         <a:rPr lang="en-US" sz="2400" b="1" dirty="0" smtClean="0"/>
-                        <a:t>31</a:t>
+                        <a:t>30</a:t>
+                      </a:r>
+                      <a:endParaRPr lang="en-US" sz="2400" b="1" dirty="0"/>
+                    </a:p>
+                  </a:txBody>
+                  <a:tcPr anchor="ctr"/>
+                </a:tc>
+                <a:tc>
+                  <a:txBody>
+                    <a:bodyPr/>
+                    <a:lstStyle/>
+                    <a:p>
+                      <a:pPr algn="ctr"/>
+                      <a:r>
+                        <a:rPr lang="en-US" sz="2400" b="1" dirty="0" smtClean="0"/>
+                        <a:t>11</a:t>
                       </a:r>
                       <a:endParaRPr lang="en-US" sz="2400" b="1" dirty="0"/>
                     </a:p>
@@ -5876,22 +6989,7 @@
                       <a:pPr algn="ctr"/>
                       <a:r>
                         <a:rPr lang="en-US" sz="2400" dirty="0" smtClean="0"/>
-                        <a:t>10</a:t>
-                      </a:r>
-                      <a:endParaRPr lang="en-US" sz="2400" dirty="0"/>
-                    </a:p>
-                  </a:txBody>
-                  <a:tcPr anchor="ctr"/>
-                </a:tc>
-                <a:tc>
-                  <a:txBody>
-                    <a:bodyPr/>
-                    <a:lstStyle/>
-                    <a:p>
-                      <a:pPr algn="ctr"/>
-                      <a:r>
-                        <a:rPr lang="en-US" sz="2400" dirty="0" smtClean="0"/>
-                        <a:t>765.46</a:t>
+                        <a:t>1406.03</a:t>
                       </a:r>
                       <a:endParaRPr lang="en-US" sz="2400" dirty="0"/>
                     </a:p>
@@ -6113,7 +7211,7 @@
 </p:sld>
 </file>
 
-<file path=ppt/slides/slide15.xml><?xml version="1.0" encoding="utf-8"?>
+<file path=ppt/slides/slide16.xml><?xml version="1.0" encoding="utf-8"?>
 <p:sld xmlns:a="http://schemas.openxmlformats.org/drawingml/2006/main" xmlns:r="http://schemas.openxmlformats.org/officeDocument/2006/relationships" xmlns:p="http://schemas.openxmlformats.org/presentationml/2006/main">
   <p:cSld>
     <p:spTree>
@@ -6146,10 +7244,9 @@
           <a:lstStyle/>
           <a:p>
             <a:r>
-              <a:rPr lang="en-US" dirty="0" smtClean="0"/>
-              <a:t>Comparison with other tools</a:t>
-            </a:r>
-            <a:endParaRPr lang="en-US" dirty="0"/>
+              <a:rPr lang="en-US" dirty="0"/>
+              <a:t>Heuristics effects</a:t>
+            </a:r>
           </a:p>
         </p:txBody>
       </p:sp>
@@ -6168,6 +7265,75 @@
           <a:bodyPr/>
           <a:lstStyle/>
           <a:p>
+            <a:r>
+              <a:rPr lang="en-US" dirty="0" smtClean="0"/>
+              <a:t>On </a:t>
+            </a:r>
+            <a:r>
+              <a:rPr lang="en-US" dirty="0" err="1"/>
+              <a:t>Zankl</a:t>
+            </a:r>
+            <a:r>
+              <a:rPr lang="en-US" dirty="0"/>
+              <a:t> family:</a:t>
+            </a:r>
+          </a:p>
+          <a:p>
+            <a:pPr lvl="1"/>
+            <a:r>
+              <a:rPr lang="en-US" dirty="0"/>
+              <a:t>(5)-(8) runs quicker than (10)-(7)-(9) for a same SAT benchmark.</a:t>
+            </a:r>
+          </a:p>
+          <a:p>
+            <a:pPr lvl="1"/>
+            <a:r>
+              <a:rPr lang="en-US" dirty="0"/>
+              <a:t>SAT Benchmarks that are solved by (5)-(8) but not by (10)-(7)-(9) often contains large number of </a:t>
+            </a:r>
+            <a:r>
+              <a:rPr lang="en-US" dirty="0" smtClean="0"/>
+              <a:t>variables (more than 20).</a:t>
+            </a:r>
+          </a:p>
+          <a:p>
+            <a:r>
+              <a:rPr lang="en-US" dirty="0" err="1" smtClean="0"/>
+              <a:t>Meti-tarski</a:t>
+            </a:r>
+            <a:r>
+              <a:rPr lang="en-US" dirty="0" smtClean="0"/>
+              <a:t>:</a:t>
+            </a:r>
+          </a:p>
+          <a:p>
+            <a:pPr lvl="1"/>
+            <a:r>
+              <a:rPr lang="en-US" dirty="0" smtClean="0"/>
+              <a:t>Each benchmark has less than 5 variables.</a:t>
+            </a:r>
+          </a:p>
+          <a:p>
+            <a:pPr lvl="1"/>
+            <a:r>
+              <a:rPr lang="en-US" dirty="0"/>
+              <a:t>(5)-(8</a:t>
+            </a:r>
+            <a:r>
+              <a:rPr lang="en-US" dirty="0" smtClean="0"/>
+              <a:t>) does not make clear difference with </a:t>
+            </a:r>
+            <a:r>
+              <a:rPr lang="en-US" dirty="0"/>
+              <a:t>(10)-(7)-(9</a:t>
+            </a:r>
+            <a:r>
+              <a:rPr lang="en-US" dirty="0" smtClean="0"/>
+              <a:t>).</a:t>
+            </a:r>
+            <a:endParaRPr lang="en-US" dirty="0"/>
+          </a:p>
+          <a:p>
             <a:endParaRPr lang="en-US" dirty="0"/>
           </a:p>
         </p:txBody>
@@ -6189,7 +7355,102 @@
           <a:p>
             <a:fld id="{58734595-61A4-4C07-BF74-5C223797634C}" type="slidenum">
               <a:rPr lang="en-US" smtClean="0"/>
-              <a:t>15</a:t>
+              <a:t>16</a:t>
+            </a:fld>
+            <a:endParaRPr lang="en-US"/>
+          </a:p>
+        </p:txBody>
+      </p:sp>
+    </p:spTree>
+    <p:extLst>
+      <p:ext uri="{BB962C8B-B14F-4D97-AF65-F5344CB8AC3E}">
+        <p14:creationId xmlns:p14="http://schemas.microsoft.com/office/powerpoint/2010/main" val="3347696425"/>
+      </p:ext>
+    </p:extLst>
+  </p:cSld>
+  <p:clrMapOvr>
+    <a:masterClrMapping/>
+  </p:clrMapOvr>
+</p:sld>
+</file>
+
+<file path=ppt/slides/slide17.xml><?xml version="1.0" encoding="utf-8"?>
+<p:sld xmlns:a="http://schemas.openxmlformats.org/drawingml/2006/main" xmlns:r="http://schemas.openxmlformats.org/officeDocument/2006/relationships" xmlns:p="http://schemas.openxmlformats.org/presentationml/2006/main">
+  <p:cSld>
+    <p:spTree>
+      <p:nvGrpSpPr>
+        <p:cNvPr id="1" name=""/>
+        <p:cNvGrpSpPr/>
+        <p:nvPr/>
+      </p:nvGrpSpPr>
+      <p:grpSpPr>
+        <a:xfrm>
+          <a:off x="0" y="0"/>
+          <a:ext cx="0" cy="0"/>
+          <a:chOff x="0" y="0"/>
+          <a:chExt cx="0" cy="0"/>
+        </a:xfrm>
+      </p:grpSpPr>
+      <p:sp>
+        <p:nvSpPr>
+          <p:cNvPr id="2" name="Title 1"/>
+          <p:cNvSpPr>
+            <a:spLocks noGrp="1"/>
+          </p:cNvSpPr>
+          <p:nvPr>
+            <p:ph type="title"/>
+          </p:nvPr>
+        </p:nvSpPr>
+        <p:spPr/>
+        <p:txBody>
+          <a:bodyPr/>
+          <a:lstStyle/>
+          <a:p>
+            <a:r>
+              <a:rPr lang="en-US" dirty="0" smtClean="0"/>
+              <a:t>Comparison with other tools</a:t>
+            </a:r>
+            <a:endParaRPr lang="en-US" dirty="0"/>
+          </a:p>
+        </p:txBody>
+      </p:sp>
+      <p:sp>
+        <p:nvSpPr>
+          <p:cNvPr id="3" name="Content Placeholder 2"/>
+          <p:cNvSpPr>
+            <a:spLocks noGrp="1"/>
+          </p:cNvSpPr>
+          <p:nvPr>
+            <p:ph idx="1"/>
+          </p:nvPr>
+        </p:nvSpPr>
+        <p:spPr/>
+        <p:txBody>
+          <a:bodyPr/>
+          <a:lstStyle/>
+          <a:p>
+            <a:endParaRPr lang="en-US" dirty="0"/>
+          </a:p>
+        </p:txBody>
+      </p:sp>
+      <p:sp>
+        <p:nvSpPr>
+          <p:cNvPr id="4" name="Slide Number Placeholder 3"/>
+          <p:cNvSpPr>
+            <a:spLocks noGrp="1"/>
+          </p:cNvSpPr>
+          <p:nvPr>
+            <p:ph type="sldNum" sz="quarter" idx="12"/>
+          </p:nvPr>
+        </p:nvSpPr>
+        <p:spPr/>
+        <p:txBody>
+          <a:bodyPr/>
+          <a:lstStyle/>
+          <a:p>
+            <a:fld id="{58734595-61A4-4C07-BF74-5C223797634C}" type="slidenum">
+              <a:rPr lang="en-US" smtClean="0"/>
+              <a:t>17</a:t>
             </a:fld>
             <a:endParaRPr lang="en-US"/>
           </a:p>
@@ -6204,14 +7465,14 @@
           <p:nvPr>
             <p:extLst>
               <p:ext uri="{D42A27DB-BD31-4B8C-83A1-F6EECF244321}">
-                <p14:modId xmlns:p14="http://schemas.microsoft.com/office/powerpoint/2010/main" val="975379394"/>
+                <p14:modId xmlns:p14="http://schemas.microsoft.com/office/powerpoint/2010/main" val="3211777720"/>
               </p:ext>
             </p:extLst>
           </p:nvPr>
         </p:nvGraphicFramePr>
         <p:xfrm>
-          <a:off x="697336" y="2881710"/>
-          <a:ext cx="10185819" cy="3373860"/>
+          <a:off x="147913" y="2074890"/>
+          <a:ext cx="11860310" cy="3739620"/>
         </p:xfrm>
         <a:graphic>
           <a:graphicData uri="http://schemas.openxmlformats.org/drawingml/2006/table">
@@ -6220,13 +7481,16 @@
                 <a:tableStyleId>{5C22544A-7EE6-4342-B048-85BDC9FD1C3A}</a:tableStyleId>
               </a:tblPr>
               <a:tblGrid>
-                <a:gridCol w="1455117"/>
-                <a:gridCol w="1455117"/>
-                <a:gridCol w="1455117"/>
-                <a:gridCol w="1455117"/>
-                <a:gridCol w="1455117"/>
-                <a:gridCol w="1455117"/>
-                <a:gridCol w="1455117"/>
+                <a:gridCol w="1186031"/>
+                <a:gridCol w="1186031"/>
+                <a:gridCol w="1186031"/>
+                <a:gridCol w="1186031"/>
+                <a:gridCol w="1186031"/>
+                <a:gridCol w="1186031"/>
+                <a:gridCol w="1186031"/>
+                <a:gridCol w="1186031"/>
+                <a:gridCol w="1186031"/>
+                <a:gridCol w="1186031"/>
               </a:tblGrid>
               <a:tr h="637725">
                 <a:tc rowSpan="2">
@@ -6505,6 +7769,147 @@
                   </a:txBody>
                   <a:tcPr/>
                 </a:tc>
+                <a:tc gridSpan="3">
+                  <a:txBody>
+                    <a:bodyPr/>
+                    <a:lstStyle/>
+                    <a:p>
+                      <a:pPr marL="0" marR="0" indent="0" algn="ctr" defTabSz="914400" rtl="0" eaLnBrk="1" fontAlgn="auto" latinLnBrk="0" hangingPunct="1">
+                        <a:lnSpc>
+                          <a:spcPct val="100000"/>
+                        </a:lnSpc>
+                        <a:spcBef>
+                          <a:spcPts val="0"/>
+                        </a:spcBef>
+                        <a:spcAft>
+                          <a:spcPts val="0"/>
+                        </a:spcAft>
+                        <a:buClrTx/>
+                        <a:buSzTx/>
+                        <a:buFontTx/>
+                        <a:buNone/>
+                        <a:tabLst/>
+                        <a:defRPr/>
+                      </a:pPr>
+                      <a:r>
+                        <a:rPr lang="en-US" sz="2400" dirty="0" smtClean="0">
+                          <a:latin typeface="Times New Roman" panose="02020603050405020304" pitchFamily="18" charset="0"/>
+                          <a:cs typeface="Times New Roman" panose="02020603050405020304" pitchFamily="18" charset="0"/>
+                        </a:rPr>
+                        <a:t>QEPCAD: </a:t>
+                      </a:r>
+                      <a:r>
+                        <a:rPr lang="en-US" sz="2400" dirty="0" smtClean="0"/>
+                        <a:t>136</a:t>
+                      </a:r>
+                      <a:r>
+                        <a:rPr lang="en-US" sz="2400" dirty="0" smtClean="0">
+                          <a:latin typeface="Times New Roman" panose="02020603050405020304" pitchFamily="18" charset="0"/>
+                          <a:cs typeface="Times New Roman" panose="02020603050405020304" pitchFamily="18" charset="0"/>
+                        </a:rPr>
+                        <a:t> inequalities</a:t>
+                      </a:r>
+                    </a:p>
+                    <a:p>
+                      <a:pPr marL="0" marR="0" indent="0" algn="ctr" defTabSz="914400" rtl="0" eaLnBrk="1" fontAlgn="auto" latinLnBrk="0" hangingPunct="1">
+                        <a:lnSpc>
+                          <a:spcPct val="100000"/>
+                        </a:lnSpc>
+                        <a:spcBef>
+                          <a:spcPts val="0"/>
+                        </a:spcBef>
+                        <a:spcAft>
+                          <a:spcPts val="0"/>
+                        </a:spcAft>
+                        <a:buClrTx/>
+                        <a:buSzTx/>
+                        <a:buFontTx/>
+                        <a:buNone/>
+                        <a:tabLst/>
+                        <a:defRPr/>
+                      </a:pPr>
+                      <a:r>
+                        <a:rPr lang="en-US" sz="2400" dirty="0" smtClean="0">
+                          <a:latin typeface="Times New Roman" panose="02020603050405020304" pitchFamily="18" charset="0"/>
+                          <a:cs typeface="Times New Roman" panose="02020603050405020304" pitchFamily="18" charset="0"/>
+                        </a:rPr>
+                        <a:t>timeout</a:t>
+                      </a:r>
+                      <a:r>
+                        <a:rPr lang="en-US" sz="2400" baseline="0" dirty="0" smtClean="0">
+                          <a:latin typeface="Times New Roman" panose="02020603050405020304" pitchFamily="18" charset="0"/>
+                          <a:cs typeface="Times New Roman" panose="02020603050405020304" pitchFamily="18" charset="0"/>
+                        </a:rPr>
+                        <a:t> = 900s</a:t>
+                      </a:r>
+                      <a:endParaRPr lang="en-US" sz="2400" dirty="0" smtClean="0">
+                        <a:latin typeface="Times New Roman" panose="02020603050405020304" pitchFamily="18" charset="0"/>
+                        <a:cs typeface="Times New Roman" panose="02020603050405020304" pitchFamily="18" charset="0"/>
+                      </a:endParaRPr>
+                    </a:p>
+                  </a:txBody>
+                  <a:tcPr/>
+                </a:tc>
+                <a:tc hMerge="1">
+                  <a:txBody>
+                    <a:bodyPr/>
+                    <a:lstStyle/>
+                    <a:p>
+                      <a:pPr marL="0" marR="0" indent="0" algn="ctr" defTabSz="914400" rtl="0" eaLnBrk="1" fontAlgn="auto" latinLnBrk="0" hangingPunct="1">
+                        <a:lnSpc>
+                          <a:spcPct val="100000"/>
+                        </a:lnSpc>
+                        <a:spcBef>
+                          <a:spcPts val="0"/>
+                        </a:spcBef>
+                        <a:spcAft>
+                          <a:spcPts val="0"/>
+                        </a:spcAft>
+                        <a:buClrTx/>
+                        <a:buSzTx/>
+                        <a:buFontTx/>
+                        <a:buNone/>
+                        <a:tabLst/>
+                        <a:defRPr/>
+                      </a:pPr>
+                      <a:endParaRPr lang="en-US" sz="2400" dirty="0" smtClean="0">
+                        <a:latin typeface="Times New Roman" panose="02020603050405020304" pitchFamily="18" charset="0"/>
+                        <a:cs typeface="Times New Roman" panose="02020603050405020304" pitchFamily="18" charset="0"/>
+                      </a:endParaRPr>
+                    </a:p>
+                  </a:txBody>
+                  <a:tcPr/>
+                </a:tc>
+                <a:tc hMerge="1">
+                  <a:txBody>
+                    <a:bodyPr/>
+                    <a:lstStyle/>
+                    <a:p>
+                      <a:pPr marL="0" marR="0" indent="0" algn="ctr" defTabSz="914400" rtl="0" eaLnBrk="1" fontAlgn="auto" latinLnBrk="0" hangingPunct="1">
+                        <a:lnSpc>
+                          <a:spcPct val="100000"/>
+                        </a:lnSpc>
+                        <a:spcBef>
+                          <a:spcPts val="0"/>
+                        </a:spcBef>
+                        <a:spcAft>
+                          <a:spcPts val="0"/>
+                        </a:spcAft>
+                        <a:buClrTx/>
+                        <a:buSzTx/>
+                        <a:buFontTx/>
+                        <a:buNone/>
+                        <a:tabLst/>
+                        <a:defRPr/>
+                      </a:pPr>
+                      <a:endParaRPr lang="en-US" sz="2400" dirty="0" smtClean="0">
+                        <a:latin typeface="Times New Roman" panose="02020603050405020304" pitchFamily="18" charset="0"/>
+                        <a:cs typeface="Times New Roman" panose="02020603050405020304" pitchFamily="18" charset="0"/>
+                      </a:endParaRPr>
+                    </a:p>
+                  </a:txBody>
+                  <a:tcPr/>
+                </a:tc>
               </a:tr>
               <a:tr h="637725">
                 <a:tc vMerge="1">
@@ -6513,6 +7918,51 @@
                     <a:lstStyle/>
                     <a:p>
                       <a:pPr algn="ctr"/>
+                      <a:endParaRPr lang="en-US" sz="2400" dirty="0"/>
+                    </a:p>
+                  </a:txBody>
+                  <a:tcPr/>
+                </a:tc>
+                <a:tc>
+                  <a:txBody>
+                    <a:bodyPr/>
+                    <a:lstStyle/>
+                    <a:p>
+                      <a:pPr algn="ctr"/>
+                      <a:r>
+                        <a:rPr lang="en-US" sz="2400" dirty="0" smtClean="0"/>
+                        <a:t>SAT</a:t>
+                      </a:r>
+                      <a:endParaRPr lang="en-US" sz="2400" dirty="0"/>
+                    </a:p>
+                  </a:txBody>
+                  <a:tcPr/>
+                </a:tc>
+                <a:tc>
+                  <a:txBody>
+                    <a:bodyPr/>
+                    <a:lstStyle/>
+                    <a:p>
+                      <a:pPr algn="ctr"/>
+                      <a:r>
+                        <a:rPr lang="en-US" sz="2400" dirty="0" smtClean="0"/>
+                        <a:t>UNSAT</a:t>
+                      </a:r>
+                      <a:endParaRPr lang="en-US" sz="2400" dirty="0"/>
+                    </a:p>
+                  </a:txBody>
+                  <a:tcPr/>
+                </a:tc>
+                <a:tc>
+                  <a:txBody>
+                    <a:bodyPr/>
+                    <a:lstStyle/>
+                    <a:p>
+                      <a:pPr algn="ctr"/>
+                      <a:r>
+                        <a:rPr lang="en-US" sz="2400" dirty="0" smtClean="0"/>
+                        <a:t>Time (s)</a:t>
+                      </a:r>
                       <a:endParaRPr lang="en-US" sz="2400" dirty="0"/>
                     </a:p>
                   </a:txBody>
@@ -6737,6 +8187,73 @@
                   </a:txBody>
                   <a:tcPr/>
                 </a:tc>
+                <a:tc>
+                  <a:txBody>
+                    <a:bodyPr/>
+                    <a:lstStyle/>
+                    <a:p>
+                      <a:pPr algn="ctr"/>
+                      <a:r>
+                        <a:rPr lang="en-US" sz="2400" b="0" i="0" u="none" strike="noStrike" kern="1200" baseline="0" dirty="0" smtClean="0">
+                          <a:solidFill>
+                            <a:schemeClr val="dk1"/>
+                          </a:solidFill>
+                          <a:latin typeface="+mn-lt"/>
+                          <a:ea typeface="+mn-ea"/>
+                          <a:cs typeface="+mn-cs"/>
+                        </a:rPr>
+                        <a:t>-</a:t>
+                      </a:r>
+                      <a:endParaRPr lang="en-US" sz="2400" dirty="0"/>
+                    </a:p>
+                  </a:txBody>
+                  <a:tcPr/>
+                </a:tc>
+                <a:tc>
+                  <a:txBody>
+                    <a:bodyPr/>
+                    <a:lstStyle/>
+                    <a:p>
+                      <a:pPr algn="ctr"/>
+                      <a:r>
+                        <a:rPr lang="en-US" sz="2400" b="0" i="0" u="none" strike="noStrike" kern="1200" baseline="0" dirty="0" smtClean="0">
+                          <a:solidFill>
+                            <a:schemeClr val="dk1"/>
+                          </a:solidFill>
+                          <a:latin typeface="+mn-lt"/>
+                          <a:ea typeface="+mn-ea"/>
+                          <a:cs typeface="+mn-cs"/>
+                        </a:rPr>
+                        <a:t>-</a:t>
+                      </a:r>
+                      <a:endParaRPr lang="en-US" sz="2400" dirty="0"/>
+                    </a:p>
+                  </a:txBody>
+                  <a:tcPr/>
+                </a:tc>
+                <a:tc>
+                  <a:txBody>
+                    <a:bodyPr/>
+                    <a:lstStyle/>
+                    <a:p>
+                      <a:pPr algn="ctr"/>
+                      <a:r>
+                        <a:rPr lang="en-US" sz="2400" b="0" i="0" kern="1200" dirty="0" smtClean="0">
+                          <a:solidFill>
+                            <a:schemeClr val="dk1"/>
+                          </a:solidFill>
+                          <a:effectLst/>
+                          <a:latin typeface="+mn-lt"/>
+                          <a:ea typeface="+mn-ea"/>
+                          <a:cs typeface="+mn-cs"/>
+                        </a:rPr>
+                        <a:t>-</a:t>
+                      </a:r>
+                      <a:endParaRPr lang="en-US" sz="2400" dirty="0"/>
+                    </a:p>
+                  </a:txBody>
+                  <a:tcPr/>
+                </a:tc>
               </a:tr>
               <a:tr h="637725">
                 <a:tc>
@@ -6844,6 +8361,51 @@
                   </a:txBody>
                   <a:tcPr anchor="ctr"/>
                 </a:tc>
+                <a:tc>
+                  <a:txBody>
+                    <a:bodyPr/>
+                    <a:lstStyle/>
+                    <a:p>
+                      <a:pPr algn="ctr"/>
+                      <a:r>
+                        <a:rPr lang="en-US" sz="2400" b="0" dirty="0" smtClean="0"/>
+                        <a:t>70</a:t>
+                      </a:r>
+                      <a:endParaRPr lang="en-US" sz="2400" b="0" dirty="0"/>
+                    </a:p>
+                  </a:txBody>
+                  <a:tcPr anchor="ctr"/>
+                </a:tc>
+                <a:tc>
+                  <a:txBody>
+                    <a:bodyPr/>
+                    <a:lstStyle/>
+                    <a:p>
+                      <a:pPr algn="ctr"/>
+                      <a:r>
+                        <a:rPr lang="en-US" sz="2400" b="0" dirty="0" smtClean="0"/>
+                        <a:t>0</a:t>
+                      </a:r>
+                      <a:endParaRPr lang="en-US" sz="2400" b="0" dirty="0"/>
+                    </a:p>
+                  </a:txBody>
+                  <a:tcPr anchor="ctr"/>
+                </a:tc>
+                <a:tc>
+                  <a:txBody>
+                    <a:bodyPr/>
+                    <a:lstStyle/>
+                    <a:p>
+                      <a:pPr algn="ctr"/>
+                      <a:r>
+                        <a:rPr lang="en-US" sz="2400" b="0" dirty="0" smtClean="0"/>
+                        <a:t>15.24</a:t>
+                      </a:r>
+                      <a:endParaRPr lang="en-US" sz="2400" b="0" dirty="0"/>
+                    </a:p>
+                  </a:txBody>
+                  <a:tcPr anchor="ctr"/>
+                </a:tc>
               </a:tr>
               <a:tr h="637725">
                 <a:tc>
@@ -6899,7 +8461,7 @@
                       <a:pPr algn="ctr"/>
                       <a:r>
                         <a:rPr lang="en-US" sz="2400" b="1" dirty="0" smtClean="0"/>
-                        <a:t>1034.73</a:t>
+                        <a:t>1034.7</a:t>
                       </a:r>
                       <a:endParaRPr lang="en-US" sz="2400" b="1" dirty="0"/>
                     </a:p>
@@ -6973,6 +8535,73 @@
                   </a:txBody>
                   <a:tcPr/>
                 </a:tc>
+                <a:tc>
+                  <a:txBody>
+                    <a:bodyPr/>
+                    <a:lstStyle/>
+                    <a:p>
+                      <a:pPr algn="ctr"/>
+                      <a:r>
+                        <a:rPr lang="en-US" sz="2400" b="1" i="0" u="none" strike="noStrike" kern="1200" baseline="0" dirty="0" smtClean="0">
+                          <a:solidFill>
+                            <a:schemeClr val="dk1"/>
+                          </a:solidFill>
+                          <a:latin typeface="+mn-lt"/>
+                          <a:ea typeface="+mn-ea"/>
+                          <a:cs typeface="+mn-cs"/>
+                        </a:rPr>
+                        <a:t>114</a:t>
+                      </a:r>
+                      <a:endParaRPr lang="en-US" sz="2400" b="1" dirty="0"/>
+                    </a:p>
+                  </a:txBody>
+                  <a:tcPr/>
+                </a:tc>
+                <a:tc>
+                  <a:txBody>
+                    <a:bodyPr/>
+                    <a:lstStyle/>
+                    <a:p>
+                      <a:pPr algn="ctr"/>
+                      <a:r>
+                        <a:rPr lang="en-US" sz="2400" b="1" i="0" u="none" strike="noStrike" kern="1200" baseline="0" dirty="0" smtClean="0">
+                          <a:solidFill>
+                            <a:schemeClr val="dk1"/>
+                          </a:solidFill>
+                          <a:latin typeface="+mn-lt"/>
+                          <a:ea typeface="+mn-ea"/>
+                          <a:cs typeface="+mn-cs"/>
+                        </a:rPr>
+                        <a:t>22</a:t>
+                      </a:r>
+                      <a:endParaRPr lang="en-US" sz="2400" b="1" dirty="0"/>
+                    </a:p>
+                  </a:txBody>
+                  <a:tcPr/>
+                </a:tc>
+                <a:tc>
+                  <a:txBody>
+                    <a:bodyPr/>
+                    <a:lstStyle/>
+                    <a:p>
+                      <a:pPr algn="ctr"/>
+                      <a:r>
+                        <a:rPr lang="en-US" sz="2400" b="1" i="0" kern="1200" dirty="0" smtClean="0">
+                          <a:solidFill>
+                            <a:schemeClr val="dk1"/>
+                          </a:solidFill>
+                          <a:effectLst/>
+                          <a:latin typeface="+mn-lt"/>
+                          <a:ea typeface="+mn-ea"/>
+                          <a:cs typeface="+mn-cs"/>
+                        </a:rPr>
+                        <a:t>0.45</a:t>
+                      </a:r>
+                      <a:endParaRPr lang="en-US" sz="2400" b="1" dirty="0"/>
+                    </a:p>
+                  </a:txBody>
+                  <a:tcPr/>
+                </a:tc>
               </a:tr>
             </a:tbl>
           </a:graphicData>
@@ -6986,8 +8615,8 @@
         </p:nvSpPr>
         <p:spPr>
           <a:xfrm>
-            <a:off x="3882489" y="2232776"/>
-            <a:ext cx="3858300" cy="461665"/>
+            <a:off x="3669280" y="1425956"/>
+            <a:ext cx="4492587" cy="461665"/>
           </a:xfrm>
           <a:prstGeom prst="rect">
             <a:avLst/>
@@ -6995,7 +8624,7 @@
           <a:noFill/>
         </p:spPr>
         <p:txBody>
-          <a:bodyPr wrap="none" rtlCol="0">
+          <a:bodyPr wrap="square" rtlCol="0">
             <a:spAutoFit/>
           </a:bodyPr>
           <a:lstStyle/>
@@ -7034,7 +8663,7 @@
 </p:sld>
 </file>
 
-<file path=ppt/slides/slide16.xml><?xml version="1.0" encoding="utf-8"?>
+<file path=ppt/slides/slide18.xml><?xml version="1.0" encoding="utf-8"?>
 <p:sld xmlns:a="http://schemas.openxmlformats.org/drawingml/2006/main" xmlns:r="http://schemas.openxmlformats.org/officeDocument/2006/relationships" xmlns:p="http://schemas.openxmlformats.org/presentationml/2006/main">
   <p:cSld>
     <p:spTree>
@@ -7087,9 +8716,16 @@
             <p:ph idx="1"/>
           </p:nvPr>
         </p:nvSpPr>
-        <p:spPr/>
-        <p:txBody>
-          <a:bodyPr/>
+        <p:spPr>
+          <a:xfrm>
+            <a:off x="838200" y="1293414"/>
+            <a:ext cx="10515600" cy="5062935"/>
+          </a:xfrm>
+        </p:spPr>
+        <p:txBody>
+          <a:bodyPr>
+            <a:normAutofit lnSpcReduction="10000"/>
+          </a:bodyPr>
           <a:lstStyle/>
           <a:p>
             <a:r>
@@ -7138,8 +8774,63 @@
             <a:pPr lvl="1"/>
             <a:r>
               <a:rPr lang="en-US" dirty="0"/>
-              <a:t>matrix-5-all-01: 132 variables, 276 inequalities/equations.</a:t>
-            </a:r>
+              <a:t>matrix-5-all-01: 132 variables, 276 inequalities/equations</a:t>
+            </a:r>
+            <a:r>
+              <a:rPr lang="en-US" dirty="0" smtClean="0"/>
+              <a:t>.</a:t>
+            </a:r>
+          </a:p>
+          <a:p>
+            <a:r>
+              <a:rPr lang="en-US" dirty="0" smtClean="0"/>
+              <a:t>Z3 quickly solves constraints with small number of variables (up to around 10).</a:t>
+            </a:r>
+          </a:p>
+          <a:p>
+            <a:r>
+              <a:rPr lang="en-US" dirty="0" smtClean="0"/>
+              <a:t>iSAT3 and Z3 quickly detect UNSAT:</a:t>
+            </a:r>
+          </a:p>
+          <a:p>
+            <a:pPr lvl="1"/>
+            <a:r>
+              <a:rPr lang="en-US" dirty="0" smtClean="0"/>
+              <a:t>Z3: </a:t>
+            </a:r>
+            <a:r>
+              <a:rPr lang="en-US" dirty="0"/>
+              <a:t>A minimum set of </a:t>
+            </a:r>
+            <a:r>
+              <a:rPr lang="en-US" dirty="0" smtClean="0"/>
+              <a:t>asserted literals that is still UNSAT </a:t>
+            </a:r>
+            <a:r>
+              <a:rPr lang="en-US" dirty="0" smtClean="0">
+                <a:sym typeface="Wingdings" panose="05000000000000000000" pitchFamily="2" charset="2"/>
+              </a:rPr>
+              <a:t></a:t>
+            </a:r>
+            <a:r>
+              <a:rPr lang="en-US" dirty="0" smtClean="0"/>
+              <a:t> conflicting core. </a:t>
+            </a:r>
+          </a:p>
+          <a:p>
+            <a:pPr lvl="1"/>
+            <a:r>
+              <a:rPr lang="en-US" dirty="0" smtClean="0"/>
+              <a:t>iSAT3: use implication graph to derive a conflict clause that contains few atoms.</a:t>
+            </a:r>
+          </a:p>
+          <a:p>
+            <a:endParaRPr lang="en-US" dirty="0" smtClean="0"/>
+          </a:p>
+          <a:p>
+            <a:pPr lvl="1"/>
+            <a:endParaRPr lang="en-US" dirty="0"/>
           </a:p>
           <a:p>
             <a:endParaRPr lang="en-US" dirty="0"/>
@@ -7163,7 +8854,7 @@
           <a:p>
             <a:fld id="{58734595-61A4-4C07-BF74-5C223797634C}" type="slidenum">
               <a:rPr lang="en-US" smtClean="0"/>
-              <a:t>16</a:t>
+              <a:t>18</a:t>
             </a:fld>
             <a:endParaRPr lang="en-US"/>
           </a:p>
@@ -7189,7 +8880,7 @@
 </p:sld>
 </file>
 
-<file path=ppt/slides/slide17.xml><?xml version="1.0" encoding="utf-8"?>
+<file path=ppt/slides/slide19.xml><?xml version="1.0" encoding="utf-8"?>
 <p:sld xmlns:a="http://schemas.openxmlformats.org/drawingml/2006/main" xmlns:r="http://schemas.openxmlformats.org/officeDocument/2006/relationships" xmlns:p="http://schemas.openxmlformats.org/presentationml/2006/main">
   <p:cSld>
     <p:spTree>
@@ -7427,7 +9118,7 @@
           <a:p>
             <a:fld id="{58734595-61A4-4C07-BF74-5C223797634C}" type="slidenum">
               <a:rPr lang="en-US" smtClean="0"/>
-              <a:t>17</a:t>
+              <a:t>19</a:t>
             </a:fld>
             <a:endParaRPr lang="en-US"/>
           </a:p>
@@ -7943,279 +9634,6 @@
 </p:sld>
 </file>
 
-<file path=ppt/slides/slide18.xml><?xml version="1.0" encoding="utf-8"?>
-<p:sld xmlns:a="http://schemas.openxmlformats.org/drawingml/2006/main" xmlns:r="http://schemas.openxmlformats.org/officeDocument/2006/relationships" xmlns:p="http://schemas.openxmlformats.org/presentationml/2006/main">
-  <p:cSld>
-    <p:spTree>
-      <p:nvGrpSpPr>
-        <p:cNvPr id="1" name=""/>
-        <p:cNvGrpSpPr/>
-        <p:nvPr/>
-      </p:nvGrpSpPr>
-      <p:grpSpPr>
-        <a:xfrm>
-          <a:off x="0" y="0"/>
-          <a:ext cx="0" cy="0"/>
-          <a:chOff x="0" y="0"/>
-          <a:chExt cx="0" cy="0"/>
-        </a:xfrm>
-      </p:grpSpPr>
-      <p:sp>
-        <p:nvSpPr>
-          <p:cNvPr id="2" name="Title 1"/>
-          <p:cNvSpPr>
-            <a:spLocks noGrp="1"/>
-          </p:cNvSpPr>
-          <p:nvPr>
-            <p:ph type="title"/>
-          </p:nvPr>
-        </p:nvSpPr>
-        <p:spPr/>
-        <p:txBody>
-          <a:bodyPr/>
-          <a:lstStyle/>
-          <a:p>
-            <a:r>
-              <a:rPr lang="en-US" dirty="0" smtClean="0"/>
-              <a:t>Future works</a:t>
-            </a:r>
-            <a:endParaRPr lang="en-US" dirty="0"/>
-          </a:p>
-        </p:txBody>
-      </p:sp>
-      <p:sp>
-        <p:nvSpPr>
-          <p:cNvPr id="3" name="Content Placeholder 2"/>
-          <p:cNvSpPr>
-            <a:spLocks noGrp="1"/>
-          </p:cNvSpPr>
-          <p:nvPr>
-            <p:ph idx="1"/>
-          </p:nvPr>
-        </p:nvSpPr>
-        <p:spPr>
-          <a:xfrm>
-            <a:off x="838200" y="1273174"/>
-            <a:ext cx="10515600" cy="4246563"/>
-          </a:xfrm>
-        </p:spPr>
-        <p:txBody>
-          <a:bodyPr/>
-          <a:lstStyle/>
-          <a:p>
-            <a:r>
-              <a:rPr lang="en-US" dirty="0" smtClean="0"/>
-              <a:t>UNSAT-directed heuristic: UNSAT core.</a:t>
-            </a:r>
-          </a:p>
-          <a:p>
-            <a:r>
-              <a:rPr lang="en-US" dirty="0" smtClean="0"/>
-              <a:t>Test generation heuristics.</a:t>
-            </a:r>
-          </a:p>
-          <a:p>
-            <a:r>
-              <a:rPr lang="en-US" dirty="0" smtClean="0"/>
-              <a:t>Box Decomposition heuristics.</a:t>
-            </a:r>
-          </a:p>
-        </p:txBody>
-      </p:sp>
-      <p:sp>
-        <p:nvSpPr>
-          <p:cNvPr id="4" name="Slide Number Placeholder 3"/>
-          <p:cNvSpPr>
-            <a:spLocks noGrp="1"/>
-          </p:cNvSpPr>
-          <p:nvPr>
-            <p:ph type="sldNum" sz="quarter" idx="12"/>
-          </p:nvPr>
-        </p:nvSpPr>
-        <p:spPr/>
-        <p:txBody>
-          <a:bodyPr/>
-          <a:lstStyle/>
-          <a:p>
-            <a:fld id="{58734595-61A4-4C07-BF74-5C223797634C}" type="slidenum">
-              <a:rPr lang="en-US" smtClean="0"/>
-              <a:t>18</a:t>
-            </a:fld>
-            <a:endParaRPr lang="en-US" dirty="0"/>
-          </a:p>
-        </p:txBody>
-      </p:sp>
-    </p:spTree>
-    <p:extLst>
-      <p:ext uri="{BB962C8B-B14F-4D97-AF65-F5344CB8AC3E}">
-        <p14:creationId xmlns:p14="http://schemas.microsoft.com/office/powerpoint/2010/main" val="1368709466"/>
-      </p:ext>
-    </p:extLst>
-  </p:cSld>
-  <p:clrMapOvr>
-    <a:masterClrMapping/>
-  </p:clrMapOvr>
-  <p:timing>
-    <p:tnLst>
-      <p:par>
-        <p:cTn id="1" dur="indefinite" restart="never" nodeType="tmRoot"/>
-      </p:par>
-    </p:tnLst>
-  </p:timing>
-</p:sld>
-</file>
-
-<file path=ppt/slides/slide19.xml><?xml version="1.0" encoding="utf-8"?>
-<p:sld xmlns:a="http://schemas.openxmlformats.org/drawingml/2006/main" xmlns:r="http://schemas.openxmlformats.org/officeDocument/2006/relationships" xmlns:p="http://schemas.openxmlformats.org/presentationml/2006/main">
-  <p:cSld>
-    <p:spTree>
-      <p:nvGrpSpPr>
-        <p:cNvPr id="1" name=""/>
-        <p:cNvGrpSpPr/>
-        <p:nvPr/>
-      </p:nvGrpSpPr>
-      <p:grpSpPr>
-        <a:xfrm>
-          <a:off x="0" y="0"/>
-          <a:ext cx="0" cy="0"/>
-          <a:chOff x="0" y="0"/>
-          <a:chExt cx="0" cy="0"/>
-        </a:xfrm>
-      </p:grpSpPr>
-      <p:sp>
-        <p:nvSpPr>
-          <p:cNvPr id="2" name="Title 1"/>
-          <p:cNvSpPr>
-            <a:spLocks noGrp="1"/>
-          </p:cNvSpPr>
-          <p:nvPr>
-            <p:ph type="title"/>
-          </p:nvPr>
-        </p:nvSpPr>
-        <p:spPr/>
-        <p:txBody>
-          <a:bodyPr/>
-          <a:lstStyle/>
-          <a:p>
-            <a:endParaRPr lang="en-US"/>
-          </a:p>
-        </p:txBody>
-      </p:sp>
-      <p:sp>
-        <p:nvSpPr>
-          <p:cNvPr id="3" name="Content Placeholder 2"/>
-          <p:cNvSpPr>
-            <a:spLocks noGrp="1"/>
-          </p:cNvSpPr>
-          <p:nvPr>
-            <p:ph idx="1"/>
-          </p:nvPr>
-        </p:nvSpPr>
-        <p:spPr/>
-        <p:txBody>
-          <a:bodyPr/>
-          <a:lstStyle/>
-          <a:p>
-            <a:endParaRPr lang="en-US" dirty="0"/>
-          </a:p>
-        </p:txBody>
-      </p:sp>
-      <p:sp>
-        <p:nvSpPr>
-          <p:cNvPr id="4" name="Rectangle 3"/>
-          <p:cNvSpPr/>
-          <p:nvPr/>
-        </p:nvSpPr>
-        <p:spPr>
-          <a:xfrm>
-            <a:off x="2428815" y="2967335"/>
-            <a:ext cx="7334380" cy="923330"/>
-          </a:xfrm>
-          <a:prstGeom prst="rect">
-            <a:avLst/>
-          </a:prstGeom>
-          <a:noFill/>
-        </p:spPr>
-        <p:txBody>
-          <a:bodyPr wrap="none" lIns="91440" tIns="45720" rIns="91440" bIns="45720">
-            <a:spAutoFit/>
-          </a:bodyPr>
-          <a:lstStyle/>
-          <a:p>
-            <a:pPr algn="ctr"/>
-            <a:r>
-              <a:rPr lang="en-US" sz="5400" b="1" cap="none" spc="0" dirty="0" smtClean="0">
-                <a:ln w="22225">
-                  <a:solidFill>
-                    <a:schemeClr val="accent2"/>
-                  </a:solidFill>
-                  <a:prstDash val="solid"/>
-                </a:ln>
-                <a:solidFill>
-                  <a:srgbClr val="FF0000"/>
-                </a:solidFill>
-                <a:effectLst/>
-              </a:rPr>
-              <a:t>THANKS FOR ATTENTION</a:t>
-            </a:r>
-            <a:endParaRPr lang="en-US" sz="5400" b="1" cap="none" spc="0" dirty="0">
-              <a:ln w="22225">
-                <a:solidFill>
-                  <a:schemeClr val="accent2"/>
-                </a:solidFill>
-                <a:prstDash val="solid"/>
-              </a:ln>
-              <a:solidFill>
-                <a:srgbClr val="FF0000"/>
-              </a:solidFill>
-              <a:effectLst/>
-            </a:endParaRPr>
-          </a:p>
-        </p:txBody>
-      </p:sp>
-      <p:sp>
-        <p:nvSpPr>
-          <p:cNvPr id="5" name="Slide Number Placeholder 4"/>
-          <p:cNvSpPr>
-            <a:spLocks noGrp="1"/>
-          </p:cNvSpPr>
-          <p:nvPr>
-            <p:ph type="sldNum" sz="quarter" idx="12"/>
-          </p:nvPr>
-        </p:nvSpPr>
-        <p:spPr/>
-        <p:txBody>
-          <a:bodyPr/>
-          <a:lstStyle/>
-          <a:p>
-            <a:fld id="{58734595-61A4-4C07-BF74-5C223797634C}" type="slidenum">
-              <a:rPr lang="en-US" smtClean="0"/>
-              <a:t>19</a:t>
-            </a:fld>
-            <a:endParaRPr lang="en-US"/>
-          </a:p>
-        </p:txBody>
-      </p:sp>
-    </p:spTree>
-    <p:extLst>
-      <p:ext uri="{BB962C8B-B14F-4D97-AF65-F5344CB8AC3E}">
-        <p14:creationId xmlns:p14="http://schemas.microsoft.com/office/powerpoint/2010/main" val="3473756603"/>
-      </p:ext>
-    </p:extLst>
-  </p:cSld>
-  <p:clrMapOvr>
-    <a:masterClrMapping/>
-  </p:clrMapOvr>
-  <p:timing>
-    <p:tnLst>
-      <p:par>
-        <p:cTn id="1" dur="indefinite" restart="never" nodeType="tmRoot"/>
-      </p:par>
-    </p:tnLst>
-  </p:timing>
-</p:sld>
-</file>
-
 <file path=ppt/slides/slide2.xml><?xml version="1.0" encoding="utf-8"?>
 <p:sld xmlns:a="http://schemas.openxmlformats.org/drawingml/2006/main" xmlns:r="http://schemas.openxmlformats.org/officeDocument/2006/relationships" xmlns:p="http://schemas.openxmlformats.org/presentationml/2006/main">
   <p:cSld>
@@ -8282,7 +9700,9 @@
           </a:xfrm>
         </p:spPr>
         <p:txBody>
-          <a:bodyPr/>
+          <a:bodyPr>
+            <a:normAutofit/>
+          </a:bodyPr>
           <a:lstStyle/>
           <a:p>
             <a:pPr marL="0" indent="0" algn="just">
@@ -8317,30 +9737,35 @@
             </a:pPr>
             <a:r>
               <a:rPr lang="en-US" dirty="0"/>
-              <a:t>If there exist an assignment of x, y that satisfies the constraints </a:t>
+              <a:t>If there exist an assignment of x, y that satisfies the constraints  </a:t>
+            </a:r>
+            <a:r>
+              <a:rPr lang="en-US" dirty="0" smtClean="0"/>
+              <a:t>      </a:t>
+            </a:r>
+            <a:r>
+              <a:rPr lang="en-US" dirty="0" smtClean="0">
+                <a:sym typeface="Wingdings" panose="05000000000000000000" pitchFamily="2" charset="2"/>
+              </a:rPr>
+              <a:t> </a:t>
+            </a:r>
+            <a:r>
+              <a:rPr lang="en-US" dirty="0" err="1" smtClean="0">
+                <a:sym typeface="Wingdings" panose="05000000000000000000" pitchFamily="2" charset="2"/>
+              </a:rPr>
+              <a:t>satisfiable</a:t>
+            </a:r>
+            <a:r>
+              <a:rPr lang="en-US" dirty="0" smtClean="0">
+                <a:sym typeface="Wingdings" panose="05000000000000000000" pitchFamily="2" charset="2"/>
+              </a:rPr>
+              <a:t> </a:t>
             </a:r>
             <a:r>
               <a:rPr lang="en-US" dirty="0">
                 <a:sym typeface="Wingdings" panose="05000000000000000000" pitchFamily="2" charset="2"/>
               </a:rPr>
-              <a:t> </a:t>
-            </a:r>
-            <a:br>
-              <a:rPr lang="en-US" dirty="0">
-                <a:sym typeface="Wingdings" panose="05000000000000000000" pitchFamily="2" charset="2"/>
-              </a:rPr>
-            </a:br>
-            <a:r>
-              <a:rPr lang="en-US" dirty="0" err="1">
-                <a:sym typeface="Wingdings" panose="05000000000000000000" pitchFamily="2" charset="2"/>
-              </a:rPr>
-              <a:t>satisfiable</a:t>
-            </a:r>
-            <a:r>
-              <a:rPr lang="en-US" dirty="0">
-                <a:sym typeface="Wingdings" panose="05000000000000000000" pitchFamily="2" charset="2"/>
-              </a:rPr>
-              <a:t> (SAT</a:t>
+              <a:t>(SAT</a:t>
             </a:r>
             <a:r>
               <a:rPr lang="en-US" dirty="0" smtClean="0">
@@ -8477,6 +9902,279 @@
 </p:sld>
 </file>
 
+<file path=ppt/slides/slide20.xml><?xml version="1.0" encoding="utf-8"?>
+<p:sld xmlns:a="http://schemas.openxmlformats.org/drawingml/2006/main" xmlns:r="http://schemas.openxmlformats.org/officeDocument/2006/relationships" xmlns:p="http://schemas.openxmlformats.org/presentationml/2006/main">
+  <p:cSld>
+    <p:spTree>
+      <p:nvGrpSpPr>
+        <p:cNvPr id="1" name=""/>
+        <p:cNvGrpSpPr/>
+        <p:nvPr/>
+      </p:nvGrpSpPr>
+      <p:grpSpPr>
+        <a:xfrm>
+          <a:off x="0" y="0"/>
+          <a:ext cx="0" cy="0"/>
+          <a:chOff x="0" y="0"/>
+          <a:chExt cx="0" cy="0"/>
+        </a:xfrm>
+      </p:grpSpPr>
+      <p:sp>
+        <p:nvSpPr>
+          <p:cNvPr id="2" name="Title 1"/>
+          <p:cNvSpPr>
+            <a:spLocks noGrp="1"/>
+          </p:cNvSpPr>
+          <p:nvPr>
+            <p:ph type="title"/>
+          </p:nvPr>
+        </p:nvSpPr>
+        <p:spPr/>
+        <p:txBody>
+          <a:bodyPr/>
+          <a:lstStyle/>
+          <a:p>
+            <a:r>
+              <a:rPr lang="en-US" dirty="0" smtClean="0"/>
+              <a:t>Future works</a:t>
+            </a:r>
+            <a:endParaRPr lang="en-US" dirty="0"/>
+          </a:p>
+        </p:txBody>
+      </p:sp>
+      <p:sp>
+        <p:nvSpPr>
+          <p:cNvPr id="3" name="Content Placeholder 2"/>
+          <p:cNvSpPr>
+            <a:spLocks noGrp="1"/>
+          </p:cNvSpPr>
+          <p:nvPr>
+            <p:ph idx="1"/>
+          </p:nvPr>
+        </p:nvSpPr>
+        <p:spPr>
+          <a:xfrm>
+            <a:off x="838200" y="1273174"/>
+            <a:ext cx="10515600" cy="4246563"/>
+          </a:xfrm>
+        </p:spPr>
+        <p:txBody>
+          <a:bodyPr/>
+          <a:lstStyle/>
+          <a:p>
+            <a:r>
+              <a:rPr lang="en-US" dirty="0" smtClean="0"/>
+              <a:t>UNSAT-directed heuristic: UNSAT core.</a:t>
+            </a:r>
+          </a:p>
+          <a:p>
+            <a:r>
+              <a:rPr lang="en-US" dirty="0" smtClean="0"/>
+              <a:t>Test generation heuristics.</a:t>
+            </a:r>
+          </a:p>
+          <a:p>
+            <a:r>
+              <a:rPr lang="en-US" dirty="0" smtClean="0"/>
+              <a:t>Box Decomposition heuristics.</a:t>
+            </a:r>
+          </a:p>
+        </p:txBody>
+      </p:sp>
+      <p:sp>
+        <p:nvSpPr>
+          <p:cNvPr id="4" name="Slide Number Placeholder 3"/>
+          <p:cNvSpPr>
+            <a:spLocks noGrp="1"/>
+          </p:cNvSpPr>
+          <p:nvPr>
+            <p:ph type="sldNum" sz="quarter" idx="12"/>
+          </p:nvPr>
+        </p:nvSpPr>
+        <p:spPr/>
+        <p:txBody>
+          <a:bodyPr/>
+          <a:lstStyle/>
+          <a:p>
+            <a:fld id="{58734595-61A4-4C07-BF74-5C223797634C}" type="slidenum">
+              <a:rPr lang="en-US" smtClean="0"/>
+              <a:t>20</a:t>
+            </a:fld>
+            <a:endParaRPr lang="en-US" dirty="0"/>
+          </a:p>
+        </p:txBody>
+      </p:sp>
+    </p:spTree>
+    <p:extLst>
+      <p:ext uri="{BB962C8B-B14F-4D97-AF65-F5344CB8AC3E}">
+        <p14:creationId xmlns:p14="http://schemas.microsoft.com/office/powerpoint/2010/main" val="1368709466"/>
+      </p:ext>
+    </p:extLst>
+  </p:cSld>
+  <p:clrMapOvr>
+    <a:masterClrMapping/>
+  </p:clrMapOvr>
+  <p:timing>
+    <p:tnLst>
+      <p:par>
+        <p:cTn id="1" dur="indefinite" restart="never" nodeType="tmRoot"/>
+      </p:par>
+    </p:tnLst>
+  </p:timing>
+</p:sld>
+</file>
+
+<file path=ppt/slides/slide21.xml><?xml version="1.0" encoding="utf-8"?>
+<p:sld xmlns:a="http://schemas.openxmlformats.org/drawingml/2006/main" xmlns:r="http://schemas.openxmlformats.org/officeDocument/2006/relationships" xmlns:p="http://schemas.openxmlformats.org/presentationml/2006/main">
+  <p:cSld>
+    <p:spTree>
+      <p:nvGrpSpPr>
+        <p:cNvPr id="1" name=""/>
+        <p:cNvGrpSpPr/>
+        <p:nvPr/>
+      </p:nvGrpSpPr>
+      <p:grpSpPr>
+        <a:xfrm>
+          <a:off x="0" y="0"/>
+          <a:ext cx="0" cy="0"/>
+          <a:chOff x="0" y="0"/>
+          <a:chExt cx="0" cy="0"/>
+        </a:xfrm>
+      </p:grpSpPr>
+      <p:sp>
+        <p:nvSpPr>
+          <p:cNvPr id="2" name="Title 1"/>
+          <p:cNvSpPr>
+            <a:spLocks noGrp="1"/>
+          </p:cNvSpPr>
+          <p:nvPr>
+            <p:ph type="title"/>
+          </p:nvPr>
+        </p:nvSpPr>
+        <p:spPr/>
+        <p:txBody>
+          <a:bodyPr/>
+          <a:lstStyle/>
+          <a:p>
+            <a:endParaRPr lang="en-US"/>
+          </a:p>
+        </p:txBody>
+      </p:sp>
+      <p:sp>
+        <p:nvSpPr>
+          <p:cNvPr id="3" name="Content Placeholder 2"/>
+          <p:cNvSpPr>
+            <a:spLocks noGrp="1"/>
+          </p:cNvSpPr>
+          <p:nvPr>
+            <p:ph idx="1"/>
+          </p:nvPr>
+        </p:nvSpPr>
+        <p:spPr/>
+        <p:txBody>
+          <a:bodyPr/>
+          <a:lstStyle/>
+          <a:p>
+            <a:endParaRPr lang="en-US" dirty="0"/>
+          </a:p>
+        </p:txBody>
+      </p:sp>
+      <p:sp>
+        <p:nvSpPr>
+          <p:cNvPr id="4" name="Rectangle 3"/>
+          <p:cNvSpPr/>
+          <p:nvPr/>
+        </p:nvSpPr>
+        <p:spPr>
+          <a:xfrm>
+            <a:off x="2428815" y="2967335"/>
+            <a:ext cx="7334380" cy="923330"/>
+          </a:xfrm>
+          <a:prstGeom prst="rect">
+            <a:avLst/>
+          </a:prstGeom>
+          <a:noFill/>
+        </p:spPr>
+        <p:txBody>
+          <a:bodyPr wrap="none" lIns="91440" tIns="45720" rIns="91440" bIns="45720">
+            <a:spAutoFit/>
+          </a:bodyPr>
+          <a:lstStyle/>
+          <a:p>
+            <a:pPr algn="ctr"/>
+            <a:r>
+              <a:rPr lang="en-US" sz="5400" b="1" cap="none" spc="0" dirty="0" smtClean="0">
+                <a:ln w="22225">
+                  <a:solidFill>
+                    <a:schemeClr val="accent2"/>
+                  </a:solidFill>
+                  <a:prstDash val="solid"/>
+                </a:ln>
+                <a:solidFill>
+                  <a:srgbClr val="FF0000"/>
+                </a:solidFill>
+                <a:effectLst/>
+              </a:rPr>
+              <a:t>THANKS FOR ATTENTION</a:t>
+            </a:r>
+            <a:endParaRPr lang="en-US" sz="5400" b="1" cap="none" spc="0" dirty="0">
+              <a:ln w="22225">
+                <a:solidFill>
+                  <a:schemeClr val="accent2"/>
+                </a:solidFill>
+                <a:prstDash val="solid"/>
+              </a:ln>
+              <a:solidFill>
+                <a:srgbClr val="FF0000"/>
+              </a:solidFill>
+              <a:effectLst/>
+            </a:endParaRPr>
+          </a:p>
+        </p:txBody>
+      </p:sp>
+      <p:sp>
+        <p:nvSpPr>
+          <p:cNvPr id="5" name="Slide Number Placeholder 4"/>
+          <p:cNvSpPr>
+            <a:spLocks noGrp="1"/>
+          </p:cNvSpPr>
+          <p:nvPr>
+            <p:ph type="sldNum" sz="quarter" idx="12"/>
+          </p:nvPr>
+        </p:nvSpPr>
+        <p:spPr/>
+        <p:txBody>
+          <a:bodyPr/>
+          <a:lstStyle/>
+          <a:p>
+            <a:fld id="{58734595-61A4-4C07-BF74-5C223797634C}" type="slidenum">
+              <a:rPr lang="en-US" smtClean="0"/>
+              <a:t>21</a:t>
+            </a:fld>
+            <a:endParaRPr lang="en-US"/>
+          </a:p>
+        </p:txBody>
+      </p:sp>
+    </p:spTree>
+    <p:extLst>
+      <p:ext uri="{BB962C8B-B14F-4D97-AF65-F5344CB8AC3E}">
+        <p14:creationId xmlns:p14="http://schemas.microsoft.com/office/powerpoint/2010/main" val="3473756603"/>
+      </p:ext>
+    </p:extLst>
+  </p:cSld>
+  <p:clrMapOvr>
+    <a:masterClrMapping/>
+  </p:clrMapOvr>
+  <p:timing>
+    <p:tnLst>
+      <p:par>
+        <p:cTn id="1" dur="indefinite" restart="never" nodeType="tmRoot"/>
+      </p:par>
+    </p:tnLst>
+  </p:timing>
+</p:sld>
+</file>
+
 <file path=ppt/slides/slide3.xml><?xml version="1.0" encoding="utf-8"?>
 <p:sld xmlns:a="http://schemas.openxmlformats.org/drawingml/2006/main" xmlns:r="http://schemas.openxmlformats.org/officeDocument/2006/relationships" xmlns:p="http://schemas.openxmlformats.org/presentationml/2006/main">
   <p:cSld>
@@ -8705,7 +10403,14 @@
           <a:p>
             <a:r>
               <a:rPr lang="en-US" dirty="0" smtClean="0"/>
-              <a:t>QE-CAD: DEXP</a:t>
+              <a:t>QE-CAD: complete but DEXP</a:t>
+            </a:r>
+          </a:p>
+          <a:p>
+            <a:pPr lvl="1"/>
+            <a:r>
+              <a:rPr lang="en-US" dirty="0" smtClean="0"/>
+              <a:t>Without providing SAT instance: EXP (only output SAT or UNSAT).</a:t>
             </a:r>
           </a:p>
           <a:p>
@@ -8715,7 +10420,14 @@
             </a:r>
             <a:r>
               <a:rPr lang="en-US" dirty="0" smtClean="0"/>
-              <a:t>Constraint Propagation (ICP): exploration of boxes.</a:t>
+              <a:t>Constraint Propagation (ICP):</a:t>
+            </a:r>
+          </a:p>
+          <a:p>
+            <a:pPr lvl="1"/>
+            <a:r>
+              <a:rPr lang="en-US" dirty="0" smtClean="0"/>
+              <a:t>EXP on solvable constraints.</a:t>
             </a:r>
           </a:p>
           <a:p>
@@ -8723,27 +10435,26 @@
               <a:rPr lang="en-US" dirty="0" smtClean="0"/>
               <a:t>Bit-blasting: </a:t>
             </a:r>
-            <a:r>
-              <a:rPr lang="en-US" dirty="0"/>
-              <a:t>suffers with high number of variables or high degree of </a:t>
-            </a:r>
+            <a:endParaRPr lang="en-US" dirty="0"/>
+          </a:p>
+          <a:p>
+            <a:pPr lvl="1"/>
             <a:r>
               <a:rPr lang="en-US" dirty="0" smtClean="0"/>
-              <a:t>polynomials.</a:t>
+              <a:t>Bounded variables.</a:t>
             </a:r>
           </a:p>
           <a:p>
             <a:r>
               <a:rPr lang="en-US" dirty="0" smtClean="0"/>
-              <a:t>Linearization: </a:t>
-            </a:r>
-            <a:r>
-              <a:rPr lang="en-US" dirty="0"/>
-              <a:t>suffers with high degree of </a:t>
-            </a:r>
+              <a:t>Linearization:</a:t>
+            </a:r>
+          </a:p>
+          <a:p>
+            <a:pPr lvl="1"/>
             <a:r>
               <a:rPr lang="en-US" dirty="0" smtClean="0"/>
-              <a:t>polynomials.</a:t>
+              <a:t>Bounded variables.</a:t>
             </a:r>
           </a:p>
           <a:p>
@@ -8775,49 +10486,6 @@
               <a:buNone/>
             </a:pPr>
             <a:endParaRPr lang="en-US" dirty="0" smtClean="0"/>
-          </a:p>
-        </p:txBody>
-      </p:sp>
-      <p:sp>
-        <p:nvSpPr>
-          <p:cNvPr id="6" name="TextBox 5"/>
-          <p:cNvSpPr txBox="1"/>
-          <p:nvPr/>
-        </p:nvSpPr>
-        <p:spPr>
-          <a:xfrm>
-            <a:off x="3112434" y="5004547"/>
-            <a:ext cx="5102679" cy="523220"/>
-          </a:xfrm>
-          <a:prstGeom prst="rect">
-            <a:avLst/>
-          </a:prstGeom>
-          <a:noFill/>
-        </p:spPr>
-        <p:txBody>
-          <a:bodyPr wrap="none" rtlCol="0">
-            <a:spAutoFit/>
-          </a:bodyPr>
-          <a:lstStyle/>
-          <a:p>
-            <a:r>
-              <a:rPr lang="en-US" sz="2800" b="1" dirty="0" err="1" smtClean="0">
-                <a:latin typeface="Times New Roman" panose="02020603050405020304" pitchFamily="18" charset="0"/>
-                <a:cs typeface="Times New Roman" panose="02020603050405020304" pitchFamily="18" charset="0"/>
-              </a:rPr>
-              <a:t>raSAT</a:t>
-            </a:r>
-            <a:r>
-              <a:rPr lang="en-US" sz="2800" dirty="0" smtClean="0">
-                <a:latin typeface="Times New Roman" panose="02020603050405020304" pitchFamily="18" charset="0"/>
-                <a:cs typeface="Times New Roman" panose="02020603050405020304" pitchFamily="18" charset="0"/>
-              </a:rPr>
-              <a:t>: ICP + Testing + heuristics</a:t>
-            </a:r>
-            <a:endParaRPr lang="en-US" sz="2800" dirty="0">
-              <a:latin typeface="Times New Roman" panose="02020603050405020304" pitchFamily="18" charset="0"/>
-              <a:cs typeface="Times New Roman" panose="02020603050405020304" pitchFamily="18" charset="0"/>
-            </a:endParaRPr>
           </a:p>
         </p:txBody>
       </p:sp>
@@ -8834,126 +10502,9 @@
   <p:timing>
     <p:tnLst>
       <p:par>
-        <p:cTn id="1" dur="indefinite" restart="never" nodeType="tmRoot">
-          <p:childTnLst>
-            <p:seq concurrent="1" nextAc="seek">
-              <p:cTn id="2" dur="indefinite" nodeType="mainSeq">
-                <p:childTnLst>
-                  <p:par>
-                    <p:cTn id="3" fill="hold">
-                      <p:stCondLst>
-                        <p:cond delay="indefinite"/>
-                      </p:stCondLst>
-                      <p:childTnLst>
-                        <p:par>
-                          <p:cTn id="4" fill="hold">
-                            <p:stCondLst>
-                              <p:cond delay="0"/>
-                            </p:stCondLst>
-                            <p:childTnLst>
-                              <p:par>
-                                <p:cTn id="5" presetID="2" presetClass="entr" presetSubtype="4" fill="hold" grpId="0" nodeType="clickEffect">
-                                  <p:stCondLst>
-                                    <p:cond delay="0"/>
-                                  </p:stCondLst>
-                                  <p:childTnLst>
-                                    <p:set>
-                                      <p:cBhvr>
-                                        <p:cTn id="6" dur="1" fill="hold">
-                                          <p:stCondLst>
-                                            <p:cond delay="0"/>
-                                          </p:stCondLst>
-                                        </p:cTn>
-                                        <p:tgtEl>
-                                          <p:spTgt spid="6"/>
-                                        </p:tgtEl>
-                                        <p:attrNameLst>
-                                          <p:attrName>style.visibility</p:attrName>
-                                        </p:attrNameLst>
-                                      </p:cBhvr>
-                                      <p:to>
-                                        <p:strVal val="visible"/>
-                                      </p:to>
-                                    </p:set>
-                                    <p:anim calcmode="lin" valueType="num">
-                                      <p:cBhvr additive="base">
-                                        <p:cTn id="7" dur="500" fill="hold"/>
-                                        <p:tgtEl>
-                                          <p:spTgt spid="6"/>
-                                        </p:tgtEl>
-                                        <p:attrNameLst>
-                                          <p:attrName>ppt_x</p:attrName>
-                                        </p:attrNameLst>
-                                      </p:cBhvr>
-                                      <p:tavLst>
-                                        <p:tav tm="0">
-                                          <p:val>
-                                            <p:strVal val="#ppt_x"/>
-                                          </p:val>
-                                        </p:tav>
-                                        <p:tav tm="100000">
-                                          <p:val>
-                                            <p:strVal val="#ppt_x"/>
-                                          </p:val>
-                                        </p:tav>
-                                      </p:tavLst>
-                                    </p:anim>
-                                    <p:anim calcmode="lin" valueType="num">
-                                      <p:cBhvr additive="base">
-                                        <p:cTn id="8" dur="500" fill="hold"/>
-                                        <p:tgtEl>
-                                          <p:spTgt spid="6"/>
-                                        </p:tgtEl>
-                                        <p:attrNameLst>
-                                          <p:attrName>ppt_y</p:attrName>
-                                        </p:attrNameLst>
-                                      </p:cBhvr>
-                                      <p:tavLst>
-                                        <p:tav tm="0">
-                                          <p:val>
-                                            <p:strVal val="1+#ppt_h/2"/>
-                                          </p:val>
-                                        </p:tav>
-                                        <p:tav tm="100000">
-                                          <p:val>
-                                            <p:strVal val="#ppt_y"/>
-                                          </p:val>
-                                        </p:tav>
-                                      </p:tavLst>
-                                    </p:anim>
-                                  </p:childTnLst>
-                                </p:cTn>
-                              </p:par>
-                            </p:childTnLst>
-                          </p:cTn>
-                        </p:par>
-                      </p:childTnLst>
-                    </p:cTn>
-                  </p:par>
-                </p:childTnLst>
-              </p:cTn>
-              <p:prevCondLst>
-                <p:cond evt="onPrev" delay="0">
-                  <p:tgtEl>
-                    <p:sldTgt/>
-                  </p:tgtEl>
-                </p:cond>
-              </p:prevCondLst>
-              <p:nextCondLst>
-                <p:cond evt="onNext" delay="0">
-                  <p:tgtEl>
-                    <p:sldTgt/>
-                  </p:tgtEl>
-                </p:cond>
-              </p:nextCondLst>
-            </p:seq>
-          </p:childTnLst>
-        </p:cTn>
+        <p:cTn id="1" dur="indefinite" restart="never" nodeType="tmRoot"/>
       </p:par>
     </p:tnLst>
-    <p:bldLst>
-      <p:bldP spid="6" grpId="0"/>
-    </p:bldLst>
   </p:timing>
 </p:sld>
 </file>
@@ -10965,7 +12516,7 @@
         </p:nvSpPr>
         <p:spPr>
           <a:xfrm>
-            <a:off x="1533817" y="1423784"/>
+            <a:off x="2036804" y="1453878"/>
             <a:ext cx="3206327" cy="523220"/>
           </a:xfrm>
           <a:prstGeom prst="rect">
@@ -12452,7 +14003,7 @@
         </p:nvSpPr>
         <p:spPr bwMode="auto">
           <a:xfrm>
-            <a:off x="4186237" y="2421872"/>
+            <a:off x="4186236" y="2388738"/>
             <a:ext cx="4095750" cy="2438400"/>
           </a:xfrm>
           <a:prstGeom prst="roundRect">
@@ -12858,7 +14409,7 @@
         </p:nvSpPr>
         <p:spPr bwMode="auto">
           <a:xfrm>
-            <a:off x="2747962" y="3319738"/>
+            <a:off x="2734515" y="3319738"/>
             <a:ext cx="1438275" cy="464970"/>
           </a:xfrm>
           <a:prstGeom prst="rightArrow">
@@ -14986,36 +16537,6 @@
           </p:sp>
         </mc:Fallback>
       </mc:AlternateContent>
-      <p:pic>
-        <p:nvPicPr>
-          <p:cNvPr id="7" name="Picture 6"/>
-          <p:cNvPicPr>
-            <a:picLocks noChangeAspect="1"/>
-          </p:cNvPicPr>
-          <p:nvPr/>
-        </p:nvPicPr>
-        <p:blipFill>
-          <a:blip r:embed="rId4">
-            <a:extLst>
-              <a:ext uri="{28A0092B-C50C-407E-A947-70E740481C1C}">
-                <a14:useLocalDpi xmlns:a14="http://schemas.microsoft.com/office/drawing/2010/main" val="0"/>
-              </a:ext>
-            </a:extLst>
-          </a:blip>
-          <a:stretch>
-            <a:fillRect/>
-          </a:stretch>
-        </p:blipFill>
-        <p:spPr>
-          <a:xfrm>
-            <a:off x="-423952" y="1837632"/>
-            <a:ext cx="2923809" cy="2885714"/>
-          </a:xfrm>
-          <a:prstGeom prst="rect">
-            <a:avLst/>
-          </a:prstGeom>
-        </p:spPr>
-      </p:pic>
       <p:sp>
         <p:nvSpPr>
           <p:cNvPr id="39" name="Title 1"/>
@@ -15193,97 +16714,6 @@
                       </p:childTnLst>
                     </p:cTn>
                   </p:par>
-                  <p:par>
-                    <p:cTn id="9" fill="hold">
-                      <p:stCondLst>
-                        <p:cond delay="indefinite"/>
-                      </p:stCondLst>
-                      <p:childTnLst>
-                        <p:par>
-                          <p:cTn id="10" fill="hold">
-                            <p:stCondLst>
-                              <p:cond delay="0"/>
-                            </p:stCondLst>
-                            <p:childTnLst>
-                              <p:par>
-                                <p:cTn id="11" presetID="2" presetClass="entr" presetSubtype="4" fill="hold" nodeType="clickEffect">
-                                  <p:stCondLst>
-                                    <p:cond delay="0"/>
-                                  </p:stCondLst>
-                                  <p:childTnLst>
-                                    <p:set>
-                                      <p:cBhvr>
-                                        <p:cTn id="12" dur="1" fill="hold">
-                                          <p:stCondLst>
-                                            <p:cond delay="0"/>
-                                          </p:stCondLst>
-                                        </p:cTn>
-                                        <p:tgtEl>
-                                          <p:spTgt spid="7"/>
-                                        </p:tgtEl>
-                                        <p:attrNameLst>
-                                          <p:attrName>style.visibility</p:attrName>
-                                        </p:attrNameLst>
-                                      </p:cBhvr>
-                                      <p:to>
-                                        <p:strVal val="visible"/>
-                                      </p:to>
-                                    </p:set>
-                                    <p:anim calcmode="lin" valueType="num">
-                                      <p:cBhvr additive="base">
-                                        <p:cTn id="13" dur="500" fill="hold"/>
-                                        <p:tgtEl>
-                                          <p:spTgt spid="7"/>
-                                        </p:tgtEl>
-                                        <p:attrNameLst>
-                                          <p:attrName>ppt_x</p:attrName>
-                                        </p:attrNameLst>
-                                      </p:cBhvr>
-                                      <p:tavLst>
-                                        <p:tav tm="0">
-                                          <p:val>
-                                            <p:strVal val="#ppt_x"/>
-                                          </p:val>
-                                        </p:tav>
-                                        <p:tav tm="100000">
-                                          <p:val>
-                                            <p:strVal val="#ppt_x"/>
-                                          </p:val>
-                                        </p:tav>
-                                      </p:tavLst>
-                                    </p:anim>
-                                    <p:anim calcmode="lin" valueType="num">
-                                      <p:cBhvr additive="base">
-                                        <p:cTn id="14" dur="500" fill="hold"/>
-                                        <p:tgtEl>
-                                          <p:spTgt spid="7"/>
-                                        </p:tgtEl>
-                                        <p:attrNameLst>
-                                          <p:attrName>ppt_y</p:attrName>
-                                        </p:attrNameLst>
-                                      </p:cBhvr>
-                                      <p:tavLst>
-                                        <p:tav tm="0">
-                                          <p:val>
-                                            <p:strVal val="1+#ppt_h/2"/>
-                                          </p:val>
-                                        </p:tav>
-                                        <p:tav tm="100000">
-                                          <p:val>
-                                            <p:strVal val="#ppt_y"/>
-                                          </p:val>
-                                        </p:tav>
-                                      </p:tavLst>
-                                    </p:anim>
-                                  </p:childTnLst>
-                                </p:cTn>
-                              </p:par>
-                            </p:childTnLst>
-                          </p:cTn>
-                        </p:par>
-                      </p:childTnLst>
-                    </p:cTn>
-                  </p:par>
                 </p:childTnLst>
               </p:cTn>
               <p:prevCondLst>
@@ -15374,19 +16804,11 @@
           <a:p>
             <a:r>
               <a:rPr lang="en-US" b="1" dirty="0" smtClean="0"/>
-              <a:t>Confirmation of </a:t>
-            </a:r>
-            <a:r>
-              <a:rPr lang="en-US" b="1" dirty="0" err="1" smtClean="0"/>
-              <a:t>satisfiability</a:t>
-            </a:r>
-            <a:r>
-              <a:rPr lang="en-US" b="1" dirty="0" smtClean="0"/>
-              <a:t>:</a:t>
+              <a:t>Confirmation of SAT result:</a:t>
             </a:r>
             <a:r>
               <a:rPr lang="en-US" dirty="0" smtClean="0"/>
-              <a:t> </a:t>
+              <a:t> using </a:t>
             </a:r>
             <a:r>
               <a:rPr lang="en-US" dirty="0" err="1" smtClean="0"/>
@@ -15407,7 +16829,6 @@
               <a:rPr lang="en-US" dirty="0" smtClean="0"/>
               <a:t>: </a:t>
             </a:r>
-            <a:endParaRPr lang="en-US" dirty="0" smtClean="0"/>
           </a:p>
           <a:p>
             <a:pPr lvl="1"/>
@@ -15415,7 +16836,6 @@
               <a:rPr lang="en-US" dirty="0" smtClean="0"/>
               <a:t>Incremental widening and deepening.</a:t>
             </a:r>
-            <a:endParaRPr lang="en-US" dirty="0" smtClean="0"/>
           </a:p>
           <a:p>
             <a:pPr lvl="1"/>
@@ -15439,15 +16859,7 @@
             </a:r>
             <a:r>
               <a:rPr lang="en-US" dirty="0" smtClean="0"/>
-              <a:t>: </a:t>
-            </a:r>
-            <a:r>
-              <a:rPr lang="en-US" dirty="0" smtClean="0"/>
-              <a:t>Using the </a:t>
-            </a:r>
-            <a:r>
-              <a:rPr lang="en-US" dirty="0" smtClean="0"/>
-              <a:t>Intermediate Value Theorem.</a:t>
+              <a:t>: Using the Intermediate Value Theorem.</a:t>
             </a:r>
           </a:p>
           <a:p>
@@ -15543,18 +16955,18 @@
 
 <file path=ppt/tags/tag5.xml><?xml version="1.0" encoding="utf-8"?>
 <p:tagLst xmlns:a="http://schemas.openxmlformats.org/drawingml/2006/main" xmlns:r="http://schemas.openxmlformats.org/officeDocument/2006/relationships" xmlns:p="http://schemas.openxmlformats.org/presentationml/2006/main">
-  <p:tag name="ORIGINALHEIGHT" val="109.5"/>
-  <p:tag name="ORIGINALWIDTH" val="940.5"/>
-  <p:tag name="LATEXADDIN" val="\documentclass{article}&#10;\usepackage{amsmath}&#10;\pagestyle{empty}&#10;\begin{document}&#10;&#10;&#10;$\gamma_0 &gt; \gamma_1 &gt; \cdots &gt; 0$&#10;&#10;\end{document}"/>
+  <p:tag name="ORIGINALHEIGHT" val="113.25"/>
+  <p:tag name="ORIGINALWIDTH" val="13.5"/>
+  <p:tag name="LATEXADDIN" val="\documentclass{article}&#10;\usepackage{amsmath}&#10;\pagestyle{empty}&#10;\begin{document}&#10;&#10;&#10;$\vdots$&#10;&#10;\end{document}"/>
   <p:tag name="IGUANATEXSIZE" val="20"/>
 </p:tagLst>
 </file>
 
 <file path=ppt/tags/tag6.xml><?xml version="1.0" encoding="utf-8"?>
 <p:tagLst xmlns:a="http://schemas.openxmlformats.org/drawingml/2006/main" xmlns:r="http://schemas.openxmlformats.org/officeDocument/2006/relationships" xmlns:p="http://schemas.openxmlformats.org/presentationml/2006/main">
-  <p:tag name="ORIGINALHEIGHT" val="879.75"/>
-  <p:tag name="ORIGINALWIDTH" val="1583.25"/>
-  <p:tag name="LATEXADDIN" val="\documentclass{article}&#10;\usepackage{amsmath}&#10;\usepackage{enumitem}&#10;\pagestyle{empty}&#10;\begin{document}&#10;&#10;\begin{itemize}&#10;\item[] $f = x^3 - 2xy$, &#10;\item[] $x = [0,2]$: $1 + \epsilon_1$,&#10;\item[] $y=[1,3]$: $2+\epsilon_2$, &#10;\item[] $f$: $-3 - \epsilon_1 - 2\epsilon_2 + 3\epsilon_+ + 3\epsilon_{\pm}$&#10;\end{itemize}&#10;&#10;\end{document}"/>
+  <p:tag name="ORIGINALHEIGHT" val="109.5"/>
+  <p:tag name="ORIGINALWIDTH" val="940.5"/>
+  <p:tag name="LATEXADDIN" val="\documentclass{article}&#10;\usepackage{amsmath}&#10;\pagestyle{empty}&#10;\begin{document}&#10;&#10;&#10;$\gamma_0 &gt; \gamma_1 &gt; \cdots &gt; 0$&#10;&#10;\end{document}"/>
   <p:tag name="IGUANATEXSIZE" val="20"/>
 </p:tagLst>
 </file>

--- a/report/thesis/presentation.pptx
+++ b/report/thesis/presentation.pptx
@@ -5,33 +5,34 @@
     <p:sldMasterId id="2147483648" r:id="rId1"/>
   </p:sldMasterIdLst>
   <p:notesMasterIdLst>
-    <p:notesMasterId r:id="rId23"/>
+    <p:notesMasterId r:id="rId24"/>
   </p:notesMasterIdLst>
   <p:handoutMasterIdLst>
-    <p:handoutMasterId r:id="rId24"/>
+    <p:handoutMasterId r:id="rId25"/>
   </p:handoutMasterIdLst>
   <p:sldIdLst>
     <p:sldId id="291" r:id="rId2"/>
     <p:sldId id="303" r:id="rId3"/>
     <p:sldId id="281" r:id="rId4"/>
     <p:sldId id="282" r:id="rId5"/>
-    <p:sldId id="286" r:id="rId6"/>
-    <p:sldId id="287" r:id="rId7"/>
-    <p:sldId id="285" r:id="rId8"/>
-    <p:sldId id="288" r:id="rId9"/>
-    <p:sldId id="306" r:id="rId10"/>
-    <p:sldId id="304" r:id="rId11"/>
-    <p:sldId id="307" r:id="rId12"/>
-    <p:sldId id="308" r:id="rId13"/>
-    <p:sldId id="293" r:id="rId14"/>
-    <p:sldId id="309" r:id="rId15"/>
-    <p:sldId id="295" r:id="rId16"/>
-    <p:sldId id="310" r:id="rId17"/>
-    <p:sldId id="296" r:id="rId18"/>
-    <p:sldId id="289" r:id="rId19"/>
-    <p:sldId id="298" r:id="rId20"/>
-    <p:sldId id="290" r:id="rId21"/>
-    <p:sldId id="276" r:id="rId22"/>
+    <p:sldId id="311" r:id="rId6"/>
+    <p:sldId id="286" r:id="rId7"/>
+    <p:sldId id="287" r:id="rId8"/>
+    <p:sldId id="285" r:id="rId9"/>
+    <p:sldId id="288" r:id="rId10"/>
+    <p:sldId id="306" r:id="rId11"/>
+    <p:sldId id="304" r:id="rId12"/>
+    <p:sldId id="307" r:id="rId13"/>
+    <p:sldId id="308" r:id="rId14"/>
+    <p:sldId id="293" r:id="rId15"/>
+    <p:sldId id="309" r:id="rId16"/>
+    <p:sldId id="295" r:id="rId17"/>
+    <p:sldId id="310" r:id="rId18"/>
+    <p:sldId id="296" r:id="rId19"/>
+    <p:sldId id="289" r:id="rId20"/>
+    <p:sldId id="298" r:id="rId21"/>
+    <p:sldId id="290" r:id="rId22"/>
+    <p:sldId id="276" r:id="rId23"/>
   </p:sldIdLst>
   <p:sldSz cx="12192000" cy="6858000"/>
   <p:notesSz cx="9866313" cy="6735763"/>
@@ -3838,22 +3839,21 @@
             <p:ph type="title"/>
           </p:nvPr>
         </p:nvSpPr>
-        <p:spPr/>
+        <p:spPr>
+          <a:xfrm>
+            <a:off x="838200" y="-746"/>
+            <a:ext cx="10515600" cy="1053305"/>
+          </a:xfrm>
+        </p:spPr>
         <p:txBody>
-          <a:bodyPr>
-            <a:normAutofit/>
-          </a:bodyPr>
+          <a:bodyPr/>
           <a:lstStyle/>
           <a:p>
             <a:r>
               <a:rPr lang="en-US" dirty="0" smtClean="0"/>
-              <a:t>Confirmation </a:t>
-            </a:r>
-            <a:r>
-              <a:rPr lang="en-US" dirty="0"/>
-              <a:t>of SAT result</a:t>
-            </a:r>
-            <a:endParaRPr lang="en-US" sz="4000" dirty="0"/>
+              <a:t>Contributions</a:t>
+            </a:r>
+            <a:endParaRPr lang="en-US" dirty="0"/>
           </a:p>
         </p:txBody>
       </p:sp>
@@ -3867,104 +3867,103 @@
             <p:ph idx="1"/>
           </p:nvPr>
         </p:nvSpPr>
-        <p:spPr>
-          <a:xfrm>
-            <a:off x="950890" y="1452141"/>
-            <a:ext cx="10290220" cy="4739244"/>
-          </a:xfrm>
-        </p:spPr>
+        <p:spPr/>
         <p:txBody>
-          <a:bodyPr>
-            <a:noAutofit/>
-          </a:bodyPr>
+          <a:bodyPr/>
           <a:lstStyle/>
           <a:p>
             <a:r>
+              <a:rPr lang="en-US" b="1" dirty="0" smtClean="0"/>
+              <a:t>Confirmation of SAT result:</a:t>
+            </a:r>
+            <a:r>
               <a:rPr lang="en-US" dirty="0" smtClean="0"/>
-              <a:t>Round-off, overflow errors can make the result unsound.</a:t>
-            </a:r>
-          </a:p>
-          <a:p>
+              <a:t> using </a:t>
+            </a:r>
             <a:r>
               <a:rPr lang="en-US" dirty="0" err="1" smtClean="0"/>
               <a:t>iRRAM</a:t>
             </a:r>
             <a:r>
               <a:rPr lang="en-US" dirty="0" smtClean="0"/>
-              <a:t>:</a:t>
-            </a:r>
-            <a:endParaRPr lang="en-US" dirty="0"/>
+              <a:t>.</a:t>
+            </a:r>
+            <a:endParaRPr lang="en-US" b="1" dirty="0" smtClean="0"/>
+          </a:p>
+          <a:p>
+            <a:r>
+              <a:rPr lang="en-US" b="1" dirty="0" smtClean="0"/>
+              <a:t>Efficiency Improvement</a:t>
+            </a:r>
+            <a:r>
+              <a:rPr lang="en-US" dirty="0" smtClean="0"/>
+              <a:t>: </a:t>
+            </a:r>
           </a:p>
           <a:p>
             <a:pPr lvl="1"/>
             <a:r>
               <a:rPr lang="en-US" dirty="0" smtClean="0"/>
-              <a:t>C</a:t>
-            </a:r>
-            <a:r>
-              <a:rPr lang="en-US" dirty="0"/>
-              <a:t>++ </a:t>
-            </a:r>
+              <a:t>Incremental widening and deepening.</a:t>
+            </a:r>
+          </a:p>
+          <a:p>
+            <a:pPr lvl="1"/>
             <a:r>
               <a:rPr lang="en-US" dirty="0" smtClean="0"/>
-              <a:t>package</a:t>
-            </a:r>
-          </a:p>
-          <a:p>
-            <a:pPr lvl="1"/>
+              <a:t>Heuristics to choose </a:t>
+            </a:r>
+            <a:r>
+              <a:rPr lang="en-US" dirty="0" err="1" smtClean="0"/>
+              <a:t>satisfiable</a:t>
+            </a:r>
             <a:r>
               <a:rPr lang="en-US" dirty="0" smtClean="0"/>
-              <a:t>Error-bounded </a:t>
-            </a:r>
-            <a:r>
-              <a:rPr lang="en-US" dirty="0"/>
-              <a:t>real </a:t>
+              <a:t> box.</a:t>
+            </a:r>
+          </a:p>
+          <a:p>
+            <a:r>
+              <a:rPr lang="en-US" b="1" dirty="0" smtClean="0"/>
+              <a:t>Multiple Equalities </a:t>
+            </a:r>
+            <a:r>
+              <a:rPr lang="en-US" b="1" dirty="0" smtClean="0"/>
+              <a:t>Handling </a:t>
+            </a:r>
+            <a:r>
+              <a:rPr lang="en-US" b="1" dirty="0" smtClean="0"/>
+              <a:t>Implementation</a:t>
             </a:r>
             <a:r>
               <a:rPr lang="en-US" dirty="0" smtClean="0"/>
-              <a:t>arithmetic</a:t>
-            </a:r>
-          </a:p>
-          <a:p>
+              <a:t>: Using the Intermediate Value Theorem.</a:t>
+            </a:r>
+          </a:p>
+          <a:p>
+            <a:r>
+              <a:rPr lang="en-US" b="1" dirty="0" smtClean="0"/>
+              <a:t>Constraints over </a:t>
+            </a:r>
+            <a:r>
+              <a:rPr lang="en-US" b="1" dirty="0" smtClean="0"/>
+              <a:t>Integer </a:t>
+            </a:r>
+            <a:r>
+              <a:rPr lang="en-US" b="1" dirty="0" smtClean="0"/>
+              <a:t>N</a:t>
+            </a:r>
+            <a:r>
+              <a:rPr lang="en-US" b="1" dirty="0" smtClean="0"/>
+              <a:t>umbers </a:t>
+            </a:r>
             <a:r>
               <a:rPr lang="en-US" b="1" dirty="0"/>
-              <a:t>Integrated</a:t>
-            </a:r>
-            <a:r>
-              <a:rPr lang="en-US" dirty="0"/>
-              <a:t> </a:t>
-            </a:r>
-            <a:r>
-              <a:rPr lang="en-US" dirty="0" err="1"/>
-              <a:t>iRRAM</a:t>
-            </a:r>
-            <a:r>
-              <a:rPr lang="en-US" dirty="0"/>
-              <a:t> into </a:t>
-            </a:r>
-            <a:r>
-              <a:rPr lang="en-US" dirty="0" err="1"/>
-              <a:t>raSAT</a:t>
-            </a:r>
-            <a:r>
-              <a:rPr lang="en-US" dirty="0"/>
-              <a:t> for </a:t>
-            </a:r>
-            <a:r>
-              <a:rPr lang="en-US" dirty="0" smtClean="0">
-                <a:solidFill>
-                  <a:srgbClr val="00B050"/>
-                </a:solidFill>
-              </a:rPr>
-              <a:t>SAT </a:t>
-            </a:r>
-            <a:r>
-              <a:rPr lang="en-US" dirty="0">
-                <a:solidFill>
-                  <a:srgbClr val="00B050"/>
-                </a:solidFill>
-              </a:rPr>
-              <a:t>verification</a:t>
+              <a:t>I</a:t>
+            </a:r>
+            <a:r>
+              <a:rPr lang="en-US" b="1" dirty="0" smtClean="0"/>
+              <a:t>mplementation</a:t>
             </a:r>
             <a:r>
               <a:rPr lang="en-US" dirty="0" smtClean="0"/>
@@ -3988,7 +3987,7 @@
           <a:bodyPr/>
           <a:lstStyle/>
           <a:p>
-            <a:fld id="{9A0678A6-D03C-427C-87B3-2EDFDC71965B}" type="slidenum">
+            <a:fld id="{58734595-61A4-4C07-BF74-5C223797634C}" type="slidenum">
               <a:rPr lang="en-US" smtClean="0"/>
               <a:t>10</a:t>
             </a:fld>
@@ -3999,7 +3998,7 @@
     </p:spTree>
     <p:extLst>
       <p:ext uri="{BB962C8B-B14F-4D97-AF65-F5344CB8AC3E}">
-        <p14:creationId xmlns:p14="http://schemas.microsoft.com/office/powerpoint/2010/main" val="2915525671"/>
+        <p14:creationId xmlns:p14="http://schemas.microsoft.com/office/powerpoint/2010/main" val="1258043230"/>
       </p:ext>
     </p:extLst>
   </p:cSld>
@@ -4045,14 +4044,20 @@
         </p:nvSpPr>
         <p:spPr/>
         <p:txBody>
-          <a:bodyPr/>
+          <a:bodyPr>
+            <a:normAutofit/>
+          </a:bodyPr>
           <a:lstStyle/>
           <a:p>
             <a:r>
               <a:rPr lang="en-US" dirty="0" smtClean="0"/>
-              <a:t>Incremental widening and deepening</a:t>
-            </a:r>
-            <a:endParaRPr lang="en-US" dirty="0"/>
+              <a:t>Confirmation </a:t>
+            </a:r>
+            <a:r>
+              <a:rPr lang="en-US" dirty="0"/>
+              <a:t>of SAT result</a:t>
+            </a:r>
+            <a:endParaRPr lang="en-US" sz="4000" dirty="0"/>
           </a:p>
         </p:txBody>
       </p:sp>
@@ -4066,16 +4071,117 @@
             <p:ph idx="1"/>
           </p:nvPr>
         </p:nvSpPr>
-        <p:spPr/>
+        <p:spPr>
+          <a:xfrm>
+            <a:off x="950890" y="1452141"/>
+            <a:ext cx="10290220" cy="4739244"/>
+          </a:xfrm>
+        </p:spPr>
         <p:txBody>
-          <a:bodyPr/>
+          <a:bodyPr>
+            <a:noAutofit/>
+          </a:bodyPr>
           <a:lstStyle/>
           <a:p>
             <a:r>
               <a:rPr lang="en-US" dirty="0" smtClean="0"/>
-              <a:t>Incremental widening</a:t>
+              <a:t>Round-off, </a:t>
+            </a:r>
+            <a:r>
+              <a:rPr lang="en-US" dirty="0" smtClean="0"/>
+              <a:t>over-flow </a:t>
+            </a:r>
+            <a:r>
+              <a:rPr lang="en-US" dirty="0" smtClean="0"/>
+              <a:t>errors can make the result unsound.</a:t>
+            </a:r>
+          </a:p>
+          <a:p>
+            <a:r>
+              <a:rPr lang="en-US" dirty="0" err="1" smtClean="0"/>
+              <a:t>iRRAM</a:t>
+            </a:r>
+            <a:r>
+              <a:rPr lang="en-US" dirty="0" smtClean="0"/>
+              <a:t>:</a:t>
             </a:r>
             <a:endParaRPr lang="en-US" dirty="0"/>
+          </a:p>
+          <a:p>
+            <a:pPr lvl="1"/>
+            <a:r>
+              <a:rPr lang="en-US" dirty="0" smtClean="0"/>
+              <a:t>C</a:t>
+            </a:r>
+            <a:r>
+              <a:rPr lang="en-US" dirty="0"/>
+              <a:t>++ </a:t>
+            </a:r>
+            <a:r>
+              <a:rPr lang="en-US" dirty="0" smtClean="0"/>
+              <a:t>package</a:t>
+            </a:r>
+          </a:p>
+          <a:p>
+            <a:pPr lvl="1"/>
+            <a:r>
+              <a:rPr lang="en-US" dirty="0" smtClean="0"/>
+              <a:t>Error-bounded </a:t>
+            </a:r>
+            <a:r>
+              <a:rPr lang="en-US" dirty="0"/>
+              <a:t>real </a:t>
+            </a:r>
+            <a:r>
+              <a:rPr lang="en-US" dirty="0" smtClean="0"/>
+              <a:t>arithmetic</a:t>
+            </a:r>
+          </a:p>
+          <a:p>
+            <a:r>
+              <a:rPr lang="en-US" b="1" dirty="0"/>
+              <a:t>Integrated</a:t>
+            </a:r>
+            <a:r>
+              <a:rPr lang="en-US" dirty="0"/>
+              <a:t> </a:t>
+            </a:r>
+            <a:r>
+              <a:rPr lang="en-US" dirty="0" err="1"/>
+              <a:t>iRRAM</a:t>
+            </a:r>
+            <a:r>
+              <a:rPr lang="en-US" dirty="0"/>
+              <a:t> into </a:t>
+            </a:r>
+            <a:r>
+              <a:rPr lang="en-US" dirty="0" err="1"/>
+              <a:t>raSAT</a:t>
+            </a:r>
+            <a:r>
+              <a:rPr lang="en-US" dirty="0"/>
+              <a:t> for </a:t>
+            </a:r>
+            <a:r>
+              <a:rPr lang="en-US" dirty="0" smtClean="0">
+                <a:solidFill>
+                  <a:srgbClr val="00B050"/>
+                </a:solidFill>
+              </a:rPr>
+              <a:t>SAT </a:t>
+            </a:r>
+            <a:r>
+              <a:rPr lang="en-US" dirty="0">
+                <a:solidFill>
+                  <a:srgbClr val="00B050"/>
+                </a:solidFill>
+              </a:rPr>
+              <a:t>verification</a:t>
+            </a:r>
+            <a:r>
+              <a:rPr lang="en-US" dirty="0" smtClean="0"/>
+              <a:t>.</a:t>
+            </a:r>
           </a:p>
         </p:txBody>
       </p:sp>
@@ -4094,9 +4200,115 @@
           <a:bodyPr/>
           <a:lstStyle/>
           <a:p>
+            <a:fld id="{9A0678A6-D03C-427C-87B3-2EDFDC71965B}" type="slidenum">
+              <a:rPr lang="en-US" smtClean="0"/>
+              <a:t>11</a:t>
+            </a:fld>
+            <a:endParaRPr lang="en-US"/>
+          </a:p>
+        </p:txBody>
+      </p:sp>
+    </p:spTree>
+    <p:extLst>
+      <p:ext uri="{BB962C8B-B14F-4D97-AF65-F5344CB8AC3E}">
+        <p14:creationId xmlns:p14="http://schemas.microsoft.com/office/powerpoint/2010/main" val="2915525671"/>
+      </p:ext>
+    </p:extLst>
+  </p:cSld>
+  <p:clrMapOvr>
+    <a:masterClrMapping/>
+  </p:clrMapOvr>
+  <p:timing>
+    <p:tnLst>
+      <p:par>
+        <p:cTn id="1" dur="indefinite" restart="never" nodeType="tmRoot"/>
+      </p:par>
+    </p:tnLst>
+  </p:timing>
+</p:sld>
+</file>
+
+<file path=ppt/slides/slide12.xml><?xml version="1.0" encoding="utf-8"?>
+<p:sld xmlns:a="http://schemas.openxmlformats.org/drawingml/2006/main" xmlns:r="http://schemas.openxmlformats.org/officeDocument/2006/relationships" xmlns:p="http://schemas.openxmlformats.org/presentationml/2006/main">
+  <p:cSld>
+    <p:spTree>
+      <p:nvGrpSpPr>
+        <p:cNvPr id="1" name=""/>
+        <p:cNvGrpSpPr/>
+        <p:nvPr/>
+      </p:nvGrpSpPr>
+      <p:grpSpPr>
+        <a:xfrm>
+          <a:off x="0" y="0"/>
+          <a:ext cx="0" cy="0"/>
+          <a:chOff x="0" y="0"/>
+          <a:chExt cx="0" cy="0"/>
+        </a:xfrm>
+      </p:grpSpPr>
+      <p:sp>
+        <p:nvSpPr>
+          <p:cNvPr id="2" name="Title 1"/>
+          <p:cNvSpPr>
+            <a:spLocks noGrp="1"/>
+          </p:cNvSpPr>
+          <p:nvPr>
+            <p:ph type="title"/>
+          </p:nvPr>
+        </p:nvSpPr>
+        <p:spPr/>
+        <p:txBody>
+          <a:bodyPr/>
+          <a:lstStyle/>
+          <a:p>
+            <a:r>
+              <a:rPr lang="en-US" dirty="0" smtClean="0"/>
+              <a:t>Incremental widening and deepening</a:t>
+            </a:r>
+            <a:endParaRPr lang="en-US" dirty="0"/>
+          </a:p>
+        </p:txBody>
+      </p:sp>
+      <p:sp>
+        <p:nvSpPr>
+          <p:cNvPr id="3" name="Content Placeholder 2"/>
+          <p:cNvSpPr>
+            <a:spLocks noGrp="1"/>
+          </p:cNvSpPr>
+          <p:nvPr>
+            <p:ph idx="1"/>
+          </p:nvPr>
+        </p:nvSpPr>
+        <p:spPr/>
+        <p:txBody>
+          <a:bodyPr/>
+          <a:lstStyle/>
+          <a:p>
+            <a:r>
+              <a:rPr lang="en-US" dirty="0" smtClean="0"/>
+              <a:t>Incremental widening</a:t>
+            </a:r>
+            <a:endParaRPr lang="en-US" dirty="0"/>
+          </a:p>
+        </p:txBody>
+      </p:sp>
+      <p:sp>
+        <p:nvSpPr>
+          <p:cNvPr id="4" name="Slide Number Placeholder 3"/>
+          <p:cNvSpPr>
+            <a:spLocks noGrp="1"/>
+          </p:cNvSpPr>
+          <p:nvPr>
+            <p:ph type="sldNum" sz="quarter" idx="12"/>
+          </p:nvPr>
+        </p:nvSpPr>
+        <p:spPr/>
+        <p:txBody>
+          <a:bodyPr/>
+          <a:lstStyle/>
+          <a:p>
             <a:fld id="{58734595-61A4-4C07-BF74-5C223797634C}" type="slidenum">
               <a:rPr lang="en-US" smtClean="0"/>
-              <a:t>11</a:t>
+              <a:t>12</a:t>
             </a:fld>
             <a:endParaRPr lang="en-US"/>
           </a:p>
@@ -4929,7 +5141,7 @@
 </p:sld>
 </file>
 
-<file path=ppt/slides/slide12.xml><?xml version="1.0" encoding="utf-8"?>
+<file path=ppt/slides/slide13.xml><?xml version="1.0" encoding="utf-8"?>
 <p:sld xmlns:a="http://schemas.openxmlformats.org/drawingml/2006/main" xmlns:r="http://schemas.openxmlformats.org/officeDocument/2006/relationships" xmlns:p="http://schemas.openxmlformats.org/presentationml/2006/main">
   <p:cSld>
     <p:spTree>
@@ -5008,7 +5220,7 @@
           <a:p>
             <a:fld id="{58734595-61A4-4C07-BF74-5C223797634C}" type="slidenum">
               <a:rPr lang="en-US" smtClean="0"/>
-              <a:t>12</a:t>
+              <a:t>13</a:t>
             </a:fld>
             <a:endParaRPr lang="en-US"/>
           </a:p>
@@ -5088,10 +5300,17 @@
   <p:clrMapOvr>
     <a:masterClrMapping/>
   </p:clrMapOvr>
+  <p:timing>
+    <p:tnLst>
+      <p:par>
+        <p:cTn id="1" dur="indefinite" restart="never" nodeType="tmRoot"/>
+      </p:par>
+    </p:tnLst>
+  </p:timing>
 </p:sld>
 </file>
 
-<file path=ppt/slides/slide13.xml><?xml version="1.0" encoding="utf-8"?>
+<file path=ppt/slides/slide14.xml><?xml version="1.0" encoding="utf-8"?>
 <p:sld xmlns:a="http://schemas.openxmlformats.org/drawingml/2006/main" xmlns:r="http://schemas.openxmlformats.org/officeDocument/2006/relationships" xmlns:p="http://schemas.openxmlformats.org/presentationml/2006/main">
   <p:cSld>
     <p:spTree>
@@ -5165,11 +5384,15 @@
               <a:p>
                 <a:r>
                   <a:rPr lang="en-US" dirty="0" smtClean="0"/>
-                  <a:t>Previous work implem</a:t>
+                  <a:t>Previous work implemented a </a:t>
                 </a:r>
                 <a:r>
                   <a:rPr lang="en-US" dirty="0" smtClean="0"/>
-                  <a:t>ented a heuristics called dependency:</a:t>
+                  <a:t>heuristic </a:t>
+                </a:r>
+                <a:r>
+                  <a:rPr lang="en-US" dirty="0" smtClean="0"/>
+                  <a:t>called dependency:</a:t>
                 </a:r>
               </a:p>
               <a:p>
@@ -5181,8 +5404,12 @@
               </a:p>
               <a:p>
                 <a:r>
+                  <a:rPr lang="en-US" b="1" dirty="0" smtClean="0"/>
+                  <a:t>SAT-likelihood</a:t>
+                </a:r>
+                <a:r>
                   <a:rPr lang="en-US" dirty="0" smtClean="0"/>
-                  <a:t>SAT-likelihood </a:t>
+                  <a:t> </a:t>
                 </a:r>
                 <a:r>
                   <a:rPr lang="en-US" dirty="0"/>
@@ -5287,8 +5514,12 @@
               </a:p>
               <a:p>
                 <a:r>
+                  <a:rPr lang="en-US" b="1" dirty="0" smtClean="0"/>
+                  <a:t>Sensitivity</a:t>
+                </a:r>
+                <a:r>
                   <a:rPr lang="en-US" dirty="0" smtClean="0"/>
-                  <a:t>Sensitivity </a:t>
+                  <a:t> </a:t>
                 </a:r>
                 <a:r>
                   <a:rPr lang="en-US" dirty="0"/>
@@ -5304,12 +5535,9 @@
                 </a:r>
                 <a:r>
                   <a:rPr lang="en-US" dirty="0" smtClean="0"/>
-                  <a:t>Interval</a:t>
+                  <a:t>Interval.</a:t>
                 </a:r>
-                <a:r>
-                  <a:rPr lang="en-US" dirty="0"/>
-                  <a:t>.</a:t>
-                </a:r>
+                <a:endParaRPr lang="en-US" dirty="0"/>
               </a:p>
               <a:p>
                 <a:pPr marL="857250" lvl="2" indent="0">
@@ -5765,7 +5993,7 @@
           <a:p>
             <a:fld id="{58734595-61A4-4C07-BF74-5C223797634C}" type="slidenum">
               <a:rPr lang="en-US" smtClean="0"/>
-              <a:t>13</a:t>
+              <a:t>14</a:t>
             </a:fld>
             <a:endParaRPr lang="en-US"/>
           </a:p>
@@ -5870,8 +6098,8 @@
           </a:fontRef>
         </p:style>
       </p:cxnSp>
-      <mc:AlternateContent xmlns:mc="http://schemas.openxmlformats.org/markup-compatibility/2006">
-        <mc:Choice xmlns:a14="http://schemas.microsoft.com/office/drawing/2010/main" Requires="a14">
+      <mc:AlternateContent xmlns:mc="http://schemas.openxmlformats.org/markup-compatibility/2006" xmlns:a14="http://schemas.microsoft.com/office/drawing/2010/main">
+        <mc:Choice Requires="a14">
           <p:sp>
             <p:nvSpPr>
               <p:cNvPr id="19" name="TextBox 18"/>
@@ -5921,7 +6149,7 @@
             </p:txBody>
           </p:sp>
         </mc:Choice>
-        <mc:Fallback>
+        <mc:Fallback xmlns="">
           <p:sp>
             <p:nvSpPr>
               <p:cNvPr id="19" name="TextBox 18"/>
@@ -5980,7 +6208,7 @@
 </p:sld>
 </file>
 
-<file path=ppt/slides/slide14.xml><?xml version="1.0" encoding="utf-8"?>
+<file path=ppt/slides/slide15.xml><?xml version="1.0" encoding="utf-8"?>
 <p:sld xmlns:a="http://schemas.openxmlformats.org/drawingml/2006/main" xmlns:r="http://schemas.openxmlformats.org/officeDocument/2006/relationships" xmlns:p="http://schemas.openxmlformats.org/presentationml/2006/main">
   <p:cSld>
     <p:spTree>
@@ -6009,12 +6237,18 @@
         </p:nvSpPr>
         <p:spPr/>
         <p:txBody>
-          <a:bodyPr/>
+          <a:bodyPr>
+            <a:normAutofit fontScale="90000"/>
+          </a:bodyPr>
           <a:lstStyle/>
           <a:p>
             <a:r>
+              <a:rPr lang="en-US" dirty="0" smtClean="0"/>
+              <a:t>Heuristics choices </a:t>
+            </a:r>
+            <a:r>
               <a:rPr lang="en-US" dirty="0"/>
-              <a:t>Heuristics for choosing </a:t>
+              <a:t>for choosing </a:t>
             </a:r>
             <a:r>
               <a:rPr lang="en-US" dirty="0" err="1"/>
@@ -6447,7 +6681,7 @@
           <a:p>
             <a:fld id="{58734595-61A4-4C07-BF74-5C223797634C}" type="slidenum">
               <a:rPr lang="en-US" smtClean="0"/>
-              <a:t>14</a:t>
+              <a:t>15</a:t>
             </a:fld>
             <a:endParaRPr lang="en-US"/>
           </a:p>
@@ -6463,10 +6697,17 @@
   <p:clrMapOvr>
     <a:masterClrMapping/>
   </p:clrMapOvr>
+  <p:timing>
+    <p:tnLst>
+      <p:par>
+        <p:cTn id="1" dur="indefinite" restart="never" nodeType="tmRoot"/>
+      </p:par>
+    </p:tnLst>
+  </p:timing>
 </p:sld>
 </file>
 
-<file path=ppt/slides/slide15.xml><?xml version="1.0" encoding="utf-8"?>
+<file path=ppt/slides/slide16.xml><?xml version="1.0" encoding="utf-8"?>
 <p:sld xmlns:a="http://schemas.openxmlformats.org/drawingml/2006/main" xmlns:r="http://schemas.openxmlformats.org/officeDocument/2006/relationships" xmlns:p="http://schemas.openxmlformats.org/presentationml/2006/main">
   <p:cSld>
     <p:spTree>
@@ -6561,7 +6802,11 @@
             </a:r>
             <a:r>
               <a:rPr lang="en-US" dirty="0"/>
-              <a:t>performance as (10)-(7)-(9) </a:t>
+              <a:t>performance as (10)-(7)-(9</a:t>
+            </a:r>
+            <a:r>
+              <a:rPr lang="en-US" dirty="0" smtClean="0"/>
+              <a:t>) – Random choices </a:t>
             </a:r>
             <a:r>
               <a:rPr lang="en-US" dirty="0">
@@ -6594,7 +6839,7 @@
           <a:p>
             <a:fld id="{58734595-61A4-4C07-BF74-5C223797634C}" type="slidenum">
               <a:rPr lang="en-US" smtClean="0"/>
-              <a:t>15</a:t>
+              <a:t>16</a:t>
             </a:fld>
             <a:endParaRPr lang="en-US"/>
           </a:p>
@@ -7211,169 +7456,6 @@
 </p:sld>
 </file>
 
-<file path=ppt/slides/slide16.xml><?xml version="1.0" encoding="utf-8"?>
-<p:sld xmlns:a="http://schemas.openxmlformats.org/drawingml/2006/main" xmlns:r="http://schemas.openxmlformats.org/officeDocument/2006/relationships" xmlns:p="http://schemas.openxmlformats.org/presentationml/2006/main">
-  <p:cSld>
-    <p:spTree>
-      <p:nvGrpSpPr>
-        <p:cNvPr id="1" name=""/>
-        <p:cNvGrpSpPr/>
-        <p:nvPr/>
-      </p:nvGrpSpPr>
-      <p:grpSpPr>
-        <a:xfrm>
-          <a:off x="0" y="0"/>
-          <a:ext cx="0" cy="0"/>
-          <a:chOff x="0" y="0"/>
-          <a:chExt cx="0" cy="0"/>
-        </a:xfrm>
-      </p:grpSpPr>
-      <p:sp>
-        <p:nvSpPr>
-          <p:cNvPr id="2" name="Title 1"/>
-          <p:cNvSpPr>
-            <a:spLocks noGrp="1"/>
-          </p:cNvSpPr>
-          <p:nvPr>
-            <p:ph type="title"/>
-          </p:nvPr>
-        </p:nvSpPr>
-        <p:spPr/>
-        <p:txBody>
-          <a:bodyPr/>
-          <a:lstStyle/>
-          <a:p>
-            <a:r>
-              <a:rPr lang="en-US" dirty="0"/>
-              <a:t>Heuristics effects</a:t>
-            </a:r>
-          </a:p>
-        </p:txBody>
-      </p:sp>
-      <p:sp>
-        <p:nvSpPr>
-          <p:cNvPr id="3" name="Content Placeholder 2"/>
-          <p:cNvSpPr>
-            <a:spLocks noGrp="1"/>
-          </p:cNvSpPr>
-          <p:nvPr>
-            <p:ph idx="1"/>
-          </p:nvPr>
-        </p:nvSpPr>
-        <p:spPr/>
-        <p:txBody>
-          <a:bodyPr/>
-          <a:lstStyle/>
-          <a:p>
-            <a:r>
-              <a:rPr lang="en-US" dirty="0" smtClean="0"/>
-              <a:t>On </a:t>
-            </a:r>
-            <a:r>
-              <a:rPr lang="en-US" dirty="0" err="1"/>
-              <a:t>Zankl</a:t>
-            </a:r>
-            <a:r>
-              <a:rPr lang="en-US" dirty="0"/>
-              <a:t> family:</a:t>
-            </a:r>
-          </a:p>
-          <a:p>
-            <a:pPr lvl="1"/>
-            <a:r>
-              <a:rPr lang="en-US" dirty="0"/>
-              <a:t>(5)-(8) runs quicker than (10)-(7)-(9) for a same SAT benchmark.</a:t>
-            </a:r>
-          </a:p>
-          <a:p>
-            <a:pPr lvl="1"/>
-            <a:r>
-              <a:rPr lang="en-US" dirty="0"/>
-              <a:t>SAT Benchmarks that are solved by (5)-(8) but not by (10)-(7)-(9) often contains large number of </a:t>
-            </a:r>
-            <a:r>
-              <a:rPr lang="en-US" dirty="0" smtClean="0"/>
-              <a:t>variables (more than 20).</a:t>
-            </a:r>
-          </a:p>
-          <a:p>
-            <a:r>
-              <a:rPr lang="en-US" dirty="0" err="1" smtClean="0"/>
-              <a:t>Meti-tarski</a:t>
-            </a:r>
-            <a:r>
-              <a:rPr lang="en-US" dirty="0" smtClean="0"/>
-              <a:t>:</a:t>
-            </a:r>
-          </a:p>
-          <a:p>
-            <a:pPr lvl="1"/>
-            <a:r>
-              <a:rPr lang="en-US" dirty="0" smtClean="0"/>
-              <a:t>Each benchmark has less than 5 variables.</a:t>
-            </a:r>
-          </a:p>
-          <a:p>
-            <a:pPr lvl="1"/>
-            <a:r>
-              <a:rPr lang="en-US" dirty="0"/>
-              <a:t>(5)-(8</a:t>
-            </a:r>
-            <a:r>
-              <a:rPr lang="en-US" dirty="0" smtClean="0"/>
-              <a:t>) does not make clear difference with </a:t>
-            </a:r>
-            <a:r>
-              <a:rPr lang="en-US" dirty="0"/>
-              <a:t>(10)-(7)-(9</a:t>
-            </a:r>
-            <a:r>
-              <a:rPr lang="en-US" dirty="0" smtClean="0"/>
-              <a:t>).</a:t>
-            </a:r>
-            <a:endParaRPr lang="en-US" dirty="0"/>
-          </a:p>
-          <a:p>
-            <a:endParaRPr lang="en-US" dirty="0"/>
-          </a:p>
-        </p:txBody>
-      </p:sp>
-      <p:sp>
-        <p:nvSpPr>
-          <p:cNvPr id="4" name="Slide Number Placeholder 3"/>
-          <p:cNvSpPr>
-            <a:spLocks noGrp="1"/>
-          </p:cNvSpPr>
-          <p:nvPr>
-            <p:ph type="sldNum" sz="quarter" idx="12"/>
-          </p:nvPr>
-        </p:nvSpPr>
-        <p:spPr/>
-        <p:txBody>
-          <a:bodyPr/>
-          <a:lstStyle/>
-          <a:p>
-            <a:fld id="{58734595-61A4-4C07-BF74-5C223797634C}" type="slidenum">
-              <a:rPr lang="en-US" smtClean="0"/>
-              <a:t>16</a:t>
-            </a:fld>
-            <a:endParaRPr lang="en-US"/>
-          </a:p>
-        </p:txBody>
-      </p:sp>
-    </p:spTree>
-    <p:extLst>
-      <p:ext uri="{BB962C8B-B14F-4D97-AF65-F5344CB8AC3E}">
-        <p14:creationId xmlns:p14="http://schemas.microsoft.com/office/powerpoint/2010/main" val="3347696425"/>
-      </p:ext>
-    </p:extLst>
-  </p:cSld>
-  <p:clrMapOvr>
-    <a:masterClrMapping/>
-  </p:clrMapOvr>
-</p:sld>
-</file>
-
 <file path=ppt/slides/slide17.xml><?xml version="1.0" encoding="utf-8"?>
 <p:sld xmlns:a="http://schemas.openxmlformats.org/drawingml/2006/main" xmlns:r="http://schemas.openxmlformats.org/officeDocument/2006/relationships" xmlns:p="http://schemas.openxmlformats.org/presentationml/2006/main">
   <p:cSld>
@@ -7407,10 +7489,9 @@
           <a:lstStyle/>
           <a:p>
             <a:r>
-              <a:rPr lang="en-US" dirty="0" smtClean="0"/>
-              <a:t>Comparison with other tools</a:t>
-            </a:r>
-            <a:endParaRPr lang="en-US" dirty="0"/>
+              <a:rPr lang="en-US" dirty="0"/>
+              <a:t>Heuristics effects</a:t>
+            </a:r>
           </a:p>
         </p:txBody>
       </p:sp>
@@ -7429,6 +7510,83 @@
           <a:bodyPr/>
           <a:lstStyle/>
           <a:p>
+            <a:r>
+              <a:rPr lang="en-US" dirty="0" smtClean="0"/>
+              <a:t>On </a:t>
+            </a:r>
+            <a:r>
+              <a:rPr lang="en-US" dirty="0" err="1"/>
+              <a:t>Zankl</a:t>
+            </a:r>
+            <a:r>
+              <a:rPr lang="en-US" dirty="0"/>
+              <a:t> family:</a:t>
+            </a:r>
+          </a:p>
+          <a:p>
+            <a:pPr lvl="1"/>
+            <a:r>
+              <a:rPr lang="en-US" dirty="0"/>
+              <a:t>(5)-(8) runs quicker than (10)-(7)-(9) for a same SAT benchmark.</a:t>
+            </a:r>
+          </a:p>
+          <a:p>
+            <a:pPr lvl="1"/>
+            <a:r>
+              <a:rPr lang="en-US"/>
+              <a:t>SAT </a:t>
+            </a:r>
+            <a:r>
+              <a:rPr lang="en-US" smtClean="0"/>
+              <a:t>benchmarks </a:t>
+            </a:r>
+            <a:r>
+              <a:rPr lang="en-US" dirty="0"/>
+              <a:t>that are solved by (5)-(8) but not by (10)-(7)-(9) often contains large number of </a:t>
+            </a:r>
+            <a:r>
+              <a:rPr lang="en-US" dirty="0" smtClean="0"/>
+              <a:t>variables (more than 20).</a:t>
+            </a:r>
+          </a:p>
+          <a:p>
+            <a:r>
+              <a:rPr lang="en-US" dirty="0" err="1" smtClean="0"/>
+              <a:t>Meti-tarski</a:t>
+            </a:r>
+            <a:r>
+              <a:rPr lang="en-US" dirty="0" smtClean="0"/>
+              <a:t>:</a:t>
+            </a:r>
+          </a:p>
+          <a:p>
+            <a:pPr lvl="1"/>
+            <a:r>
+              <a:rPr lang="en-US" dirty="0" smtClean="0"/>
+              <a:t>Each benchmark has less than 5 variables.</a:t>
+            </a:r>
+          </a:p>
+          <a:p>
+            <a:pPr lvl="1"/>
+            <a:r>
+              <a:rPr lang="en-US" dirty="0"/>
+              <a:t>(5)-(8</a:t>
+            </a:r>
+            <a:r>
+              <a:rPr lang="en-US" dirty="0" smtClean="0"/>
+              <a:t>) does not make clear difference with </a:t>
+            </a:r>
+            <a:r>
+              <a:rPr lang="en-US" dirty="0"/>
+              <a:t>(10)-(7)-(9</a:t>
+            </a:r>
+            <a:r>
+              <a:rPr lang="en-US" dirty="0" smtClean="0"/>
+              <a:t>).</a:t>
+            </a:r>
+            <a:endParaRPr lang="en-US" dirty="0"/>
+          </a:p>
+          <a:p>
             <a:endParaRPr lang="en-US" dirty="0"/>
           </a:p>
         </p:txBody>
@@ -7451,6 +7609,108 @@
             <a:fld id="{58734595-61A4-4C07-BF74-5C223797634C}" type="slidenum">
               <a:rPr lang="en-US" smtClean="0"/>
               <a:t>17</a:t>
+            </a:fld>
+            <a:endParaRPr lang="en-US"/>
+          </a:p>
+        </p:txBody>
+      </p:sp>
+    </p:spTree>
+    <p:extLst>
+      <p:ext uri="{BB962C8B-B14F-4D97-AF65-F5344CB8AC3E}">
+        <p14:creationId xmlns:p14="http://schemas.microsoft.com/office/powerpoint/2010/main" val="3347696425"/>
+      </p:ext>
+    </p:extLst>
+  </p:cSld>
+  <p:clrMapOvr>
+    <a:masterClrMapping/>
+  </p:clrMapOvr>
+  <p:timing>
+    <p:tnLst>
+      <p:par>
+        <p:cTn id="1" dur="indefinite" restart="never" nodeType="tmRoot"/>
+      </p:par>
+    </p:tnLst>
+  </p:timing>
+</p:sld>
+</file>
+
+<file path=ppt/slides/slide18.xml><?xml version="1.0" encoding="utf-8"?>
+<p:sld xmlns:a="http://schemas.openxmlformats.org/drawingml/2006/main" xmlns:r="http://schemas.openxmlformats.org/officeDocument/2006/relationships" xmlns:p="http://schemas.openxmlformats.org/presentationml/2006/main">
+  <p:cSld>
+    <p:spTree>
+      <p:nvGrpSpPr>
+        <p:cNvPr id="1" name=""/>
+        <p:cNvGrpSpPr/>
+        <p:nvPr/>
+      </p:nvGrpSpPr>
+      <p:grpSpPr>
+        <a:xfrm>
+          <a:off x="0" y="0"/>
+          <a:ext cx="0" cy="0"/>
+          <a:chOff x="0" y="0"/>
+          <a:chExt cx="0" cy="0"/>
+        </a:xfrm>
+      </p:grpSpPr>
+      <p:sp>
+        <p:nvSpPr>
+          <p:cNvPr id="2" name="Title 1"/>
+          <p:cNvSpPr>
+            <a:spLocks noGrp="1"/>
+          </p:cNvSpPr>
+          <p:nvPr>
+            <p:ph type="title"/>
+          </p:nvPr>
+        </p:nvSpPr>
+        <p:spPr/>
+        <p:txBody>
+          <a:bodyPr/>
+          <a:lstStyle/>
+          <a:p>
+            <a:r>
+              <a:rPr lang="en-US" dirty="0" smtClean="0"/>
+              <a:t>Comparison with other tools</a:t>
+            </a:r>
+            <a:endParaRPr lang="en-US" dirty="0"/>
+          </a:p>
+        </p:txBody>
+      </p:sp>
+      <p:sp>
+        <p:nvSpPr>
+          <p:cNvPr id="3" name="Content Placeholder 2"/>
+          <p:cNvSpPr>
+            <a:spLocks noGrp="1"/>
+          </p:cNvSpPr>
+          <p:nvPr>
+            <p:ph idx="1"/>
+          </p:nvPr>
+        </p:nvSpPr>
+        <p:spPr/>
+        <p:txBody>
+          <a:bodyPr/>
+          <a:lstStyle/>
+          <a:p>
+            <a:endParaRPr lang="en-US" dirty="0"/>
+          </a:p>
+        </p:txBody>
+      </p:sp>
+      <p:sp>
+        <p:nvSpPr>
+          <p:cNvPr id="4" name="Slide Number Placeholder 3"/>
+          <p:cNvSpPr>
+            <a:spLocks noGrp="1"/>
+          </p:cNvSpPr>
+          <p:nvPr>
+            <p:ph type="sldNum" sz="quarter" idx="12"/>
+          </p:nvPr>
+        </p:nvSpPr>
+        <p:spPr/>
+        <p:txBody>
+          <a:bodyPr/>
+          <a:lstStyle/>
+          <a:p>
+            <a:fld id="{58734595-61A4-4C07-BF74-5C223797634C}" type="slidenum">
+              <a:rPr lang="en-US" smtClean="0"/>
+              <a:t>18</a:t>
             </a:fld>
             <a:endParaRPr lang="en-US"/>
           </a:p>
@@ -8663,7 +8923,7 @@
 </p:sld>
 </file>
 
-<file path=ppt/slides/slide18.xml><?xml version="1.0" encoding="utf-8"?>
+<file path=ppt/slides/slide19.xml><?xml version="1.0" encoding="utf-8"?>
 <p:sld xmlns:a="http://schemas.openxmlformats.org/drawingml/2006/main" xmlns:r="http://schemas.openxmlformats.org/officeDocument/2006/relationships" xmlns:p="http://schemas.openxmlformats.org/presentationml/2006/main">
   <p:cSld>
     <p:spTree>
@@ -8854,7 +9114,7 @@
           <a:p>
             <a:fld id="{58734595-61A4-4C07-BF74-5C223797634C}" type="slidenum">
               <a:rPr lang="en-US" smtClean="0"/>
-              <a:t>18</a:t>
+              <a:t>19</a:t>
             </a:fld>
             <a:endParaRPr lang="en-US"/>
           </a:p>
@@ -8880,7 +9140,590 @@
 </p:sld>
 </file>
 
-<file path=ppt/slides/slide19.xml><?xml version="1.0" encoding="utf-8"?>
+<file path=ppt/slides/slide2.xml><?xml version="1.0" encoding="utf-8"?>
+<p:sld xmlns:a="http://schemas.openxmlformats.org/drawingml/2006/main" xmlns:r="http://schemas.openxmlformats.org/officeDocument/2006/relationships" xmlns:p="http://schemas.openxmlformats.org/presentationml/2006/main">
+  <p:cSld>
+    <p:spTree>
+      <p:nvGrpSpPr>
+        <p:cNvPr id="1" name=""/>
+        <p:cNvGrpSpPr/>
+        <p:nvPr/>
+      </p:nvGrpSpPr>
+      <p:grpSpPr>
+        <a:xfrm>
+          <a:off x="0" y="0"/>
+          <a:ext cx="0" cy="0"/>
+          <a:chOff x="0" y="0"/>
+          <a:chExt cx="0" cy="0"/>
+        </a:xfrm>
+      </p:grpSpPr>
+      <p:sp>
+        <p:nvSpPr>
+          <p:cNvPr id="2" name="Title 1"/>
+          <p:cNvSpPr>
+            <a:spLocks noGrp="1"/>
+          </p:cNvSpPr>
+          <p:nvPr>
+            <p:ph type="title"/>
+          </p:nvPr>
+        </p:nvSpPr>
+        <p:spPr/>
+        <p:txBody>
+          <a:bodyPr>
+            <a:normAutofit/>
+          </a:bodyPr>
+          <a:lstStyle/>
+          <a:p>
+            <a:r>
+              <a:rPr lang="en-US" dirty="0"/>
+              <a:t>N</a:t>
+            </a:r>
+            <a:r>
+              <a:rPr lang="en-US" dirty="0" smtClean="0"/>
+              <a:t>on-linear (Polynomial) </a:t>
+            </a:r>
+            <a:r>
+              <a:rPr lang="en-US" dirty="0" smtClean="0"/>
+              <a:t>Constraints.</a:t>
+            </a:r>
+            <a:endParaRPr lang="en-US" dirty="0"/>
+          </a:p>
+        </p:txBody>
+      </p:sp>
+      <p:sp>
+        <p:nvSpPr>
+          <p:cNvPr id="3" name="Content Placeholder 2"/>
+          <p:cNvSpPr>
+            <a:spLocks noGrp="1"/>
+          </p:cNvSpPr>
+          <p:nvPr>
+            <p:ph idx="1"/>
+          </p:nvPr>
+        </p:nvSpPr>
+        <p:spPr>
+          <a:xfrm>
+            <a:off x="838200" y="1587896"/>
+            <a:ext cx="10515600" cy="4246563"/>
+          </a:xfrm>
+        </p:spPr>
+        <p:txBody>
+          <a:bodyPr>
+            <a:normAutofit/>
+          </a:bodyPr>
+          <a:lstStyle/>
+          <a:p>
+            <a:pPr marL="0" indent="0" algn="just">
+              <a:lnSpc>
+                <a:spcPct val="120000"/>
+              </a:lnSpc>
+              <a:buNone/>
+            </a:pPr>
+            <a:r>
+              <a:rPr lang="en-US" altLang="ja-JP" dirty="0" smtClean="0">
+                <a:ea typeface="ＭＳ Ｐゴシック" charset="-128"/>
+              </a:rPr>
+              <a:t>Find the real values of x, y such that:</a:t>
+            </a:r>
+          </a:p>
+          <a:p>
+            <a:pPr marL="0" indent="0" algn="just">
+              <a:lnSpc>
+                <a:spcPct val="120000"/>
+              </a:lnSpc>
+              <a:buNone/>
+            </a:pPr>
+            <a:endParaRPr lang="en-US" altLang="ja-JP" dirty="0">
+              <a:ea typeface="ＭＳ Ｐゴシック" charset="-128"/>
+            </a:endParaRPr>
+          </a:p>
+          <a:p>
+            <a:pPr algn="just">
+              <a:lnSpc>
+                <a:spcPct val="120000"/>
+              </a:lnSpc>
+            </a:pPr>
+            <a:r>
+              <a:rPr lang="en-US" dirty="0"/>
+              <a:t>If there exist an assignment of x, y that satisfies the constraints  </a:t>
+            </a:r>
+            <a:r>
+              <a:rPr lang="en-US" dirty="0" smtClean="0"/>
+              <a:t>      </a:t>
+            </a:r>
+            <a:r>
+              <a:rPr lang="en-US" dirty="0" smtClean="0">
+                <a:sym typeface="Wingdings" panose="05000000000000000000" pitchFamily="2" charset="2"/>
+              </a:rPr>
+              <a:t> </a:t>
+            </a:r>
+            <a:r>
+              <a:rPr lang="en-US" dirty="0" err="1" smtClean="0">
+                <a:sym typeface="Wingdings" panose="05000000000000000000" pitchFamily="2" charset="2"/>
+              </a:rPr>
+              <a:t>satisfiable</a:t>
+            </a:r>
+            <a:r>
+              <a:rPr lang="en-US" dirty="0" smtClean="0">
+                <a:sym typeface="Wingdings" panose="05000000000000000000" pitchFamily="2" charset="2"/>
+              </a:rPr>
+              <a:t> </a:t>
+            </a:r>
+            <a:r>
+              <a:rPr lang="en-US" dirty="0">
+                <a:sym typeface="Wingdings" panose="05000000000000000000" pitchFamily="2" charset="2"/>
+              </a:rPr>
+              <a:t>(SAT</a:t>
+            </a:r>
+            <a:r>
+              <a:rPr lang="en-US" dirty="0" smtClean="0">
+                <a:sym typeface="Wingdings" panose="05000000000000000000" pitchFamily="2" charset="2"/>
+              </a:rPr>
+              <a:t>).</a:t>
+            </a:r>
+          </a:p>
+          <a:p>
+            <a:pPr algn="just">
+              <a:lnSpc>
+                <a:spcPct val="120000"/>
+              </a:lnSpc>
+            </a:pPr>
+            <a:r>
+              <a:rPr lang="en-US" dirty="0">
+                <a:sym typeface="Wingdings" panose="05000000000000000000" pitchFamily="2" charset="2"/>
+              </a:rPr>
+              <a:t>Otherwise, </a:t>
+            </a:r>
+            <a:r>
+              <a:rPr lang="en-US" dirty="0" err="1">
+                <a:sym typeface="Wingdings" panose="05000000000000000000" pitchFamily="2" charset="2"/>
+              </a:rPr>
+              <a:t>unsatisfiable</a:t>
+            </a:r>
+            <a:r>
+              <a:rPr lang="en-US" dirty="0">
+                <a:sym typeface="Wingdings" panose="05000000000000000000" pitchFamily="2" charset="2"/>
+              </a:rPr>
+              <a:t> (UNSAT)</a:t>
+            </a:r>
+          </a:p>
+          <a:p>
+            <a:pPr algn="just">
+              <a:lnSpc>
+                <a:spcPct val="120000"/>
+              </a:lnSpc>
+            </a:pPr>
+            <a:r>
+              <a:rPr lang="en-US" dirty="0"/>
+              <a:t>x = 2.65219237745, y = 2.34617027147</a:t>
+            </a:r>
+            <a:endParaRPr lang="en-US" dirty="0">
+              <a:sym typeface="Wingdings" panose="05000000000000000000" pitchFamily="2" charset="2"/>
+            </a:endParaRPr>
+          </a:p>
+          <a:p>
+            <a:pPr algn="just">
+              <a:lnSpc>
+                <a:spcPct val="120000"/>
+              </a:lnSpc>
+            </a:pPr>
+            <a:endParaRPr lang="en-US" altLang="ja-JP" dirty="0" smtClean="0">
+              <a:ea typeface="ＭＳ Ｐゴシック" charset="-128"/>
+            </a:endParaRPr>
+          </a:p>
+        </p:txBody>
+      </p:sp>
+      <p:sp>
+        <p:nvSpPr>
+          <p:cNvPr id="4" name="Slide Number Placeholder 3"/>
+          <p:cNvSpPr>
+            <a:spLocks noGrp="1"/>
+          </p:cNvSpPr>
+          <p:nvPr>
+            <p:ph type="sldNum" sz="quarter" idx="12"/>
+          </p:nvPr>
+        </p:nvSpPr>
+        <p:spPr/>
+        <p:txBody>
+          <a:bodyPr/>
+          <a:lstStyle/>
+          <a:p>
+            <a:fld id="{58734595-61A4-4C07-BF74-5C223797634C}" type="slidenum">
+              <a:rPr lang="en-US" smtClean="0"/>
+              <a:t>2</a:t>
+            </a:fld>
+            <a:endParaRPr lang="en-US"/>
+          </a:p>
+        </p:txBody>
+      </p:sp>
+      <p:pic>
+        <p:nvPicPr>
+          <p:cNvPr id="5" name="Picture 4"/>
+          <p:cNvPicPr>
+            <a:picLocks noChangeAspect="1"/>
+          </p:cNvPicPr>
+          <p:nvPr>
+            <p:custDataLst>
+              <p:tags r:id="rId1"/>
+            </p:custDataLst>
+          </p:nvPr>
+        </p:nvPicPr>
+        <p:blipFill>
+          <a:blip r:embed="rId3" cstate="print">
+            <a:extLst>
+              <a:ext uri="{28A0092B-C50C-407E-A947-70E740481C1C}">
+                <a14:useLocalDpi xmlns:a14="http://schemas.microsoft.com/office/drawing/2010/main" val="0"/>
+              </a:ext>
+            </a:extLst>
+          </a:blip>
+          <a:stretch>
+            <a:fillRect/>
+          </a:stretch>
+        </p:blipFill>
+        <p:spPr>
+          <a:xfrm>
+            <a:off x="3172964" y="2364480"/>
+            <a:ext cx="4166235" cy="342900"/>
+          </a:xfrm>
+          <a:prstGeom prst="rect">
+            <a:avLst/>
+          </a:prstGeom>
+        </p:spPr>
+      </p:pic>
+    </p:spTree>
+    <p:extLst>
+      <p:ext uri="{BB962C8B-B14F-4D97-AF65-F5344CB8AC3E}">
+        <p14:creationId xmlns:p14="http://schemas.microsoft.com/office/powerpoint/2010/main" val="1835778804"/>
+      </p:ext>
+    </p:extLst>
+  </p:cSld>
+  <p:clrMapOvr>
+    <a:masterClrMapping/>
+  </p:clrMapOvr>
+  <p:timing>
+    <p:tnLst>
+      <p:par>
+        <p:cTn id="1" dur="indefinite" restart="never" nodeType="tmRoot">
+          <p:childTnLst>
+            <p:seq concurrent="1" nextAc="seek">
+              <p:cTn id="2" dur="indefinite" nodeType="mainSeq">
+                <p:childTnLst>
+                  <p:par>
+                    <p:cTn id="3" fill="hold">
+                      <p:stCondLst>
+                        <p:cond delay="indefinite"/>
+                      </p:stCondLst>
+                      <p:childTnLst>
+                        <p:par>
+                          <p:cTn id="4" fill="hold">
+                            <p:stCondLst>
+                              <p:cond delay="0"/>
+                            </p:stCondLst>
+                            <p:childTnLst>
+                              <p:par>
+                                <p:cTn id="5" presetID="2" presetClass="entr" presetSubtype="4" fill="hold" nodeType="clickEffect">
+                                  <p:stCondLst>
+                                    <p:cond delay="0"/>
+                                  </p:stCondLst>
+                                  <p:childTnLst>
+                                    <p:set>
+                                      <p:cBhvr>
+                                        <p:cTn id="6" dur="1" fill="hold">
+                                          <p:stCondLst>
+                                            <p:cond delay="0"/>
+                                          </p:stCondLst>
+                                        </p:cTn>
+                                        <p:tgtEl>
+                                          <p:spTgt spid="3">
+                                            <p:txEl>
+                                              <p:pRg st="2" end="2"/>
+                                            </p:txEl>
+                                          </p:spTgt>
+                                        </p:tgtEl>
+                                        <p:attrNameLst>
+                                          <p:attrName>style.visibility</p:attrName>
+                                        </p:attrNameLst>
+                                      </p:cBhvr>
+                                      <p:to>
+                                        <p:strVal val="visible"/>
+                                      </p:to>
+                                    </p:set>
+                                    <p:anim calcmode="lin" valueType="num">
+                                      <p:cBhvr additive="base">
+                                        <p:cTn id="7" dur="500" fill="hold"/>
+                                        <p:tgtEl>
+                                          <p:spTgt spid="3">
+                                            <p:txEl>
+                                              <p:pRg st="2" end="2"/>
+                                            </p:txEl>
+                                          </p:spTgt>
+                                        </p:tgtEl>
+                                        <p:attrNameLst>
+                                          <p:attrName>ppt_x</p:attrName>
+                                        </p:attrNameLst>
+                                      </p:cBhvr>
+                                      <p:tavLst>
+                                        <p:tav tm="0">
+                                          <p:val>
+                                            <p:strVal val="#ppt_x"/>
+                                          </p:val>
+                                        </p:tav>
+                                        <p:tav tm="100000">
+                                          <p:val>
+                                            <p:strVal val="#ppt_x"/>
+                                          </p:val>
+                                        </p:tav>
+                                      </p:tavLst>
+                                    </p:anim>
+                                    <p:anim calcmode="lin" valueType="num">
+                                      <p:cBhvr additive="base">
+                                        <p:cTn id="8" dur="500" fill="hold"/>
+                                        <p:tgtEl>
+                                          <p:spTgt spid="3">
+                                            <p:txEl>
+                                              <p:pRg st="2" end="2"/>
+                                            </p:txEl>
+                                          </p:spTgt>
+                                        </p:tgtEl>
+                                        <p:attrNameLst>
+                                          <p:attrName>ppt_y</p:attrName>
+                                        </p:attrNameLst>
+                                      </p:cBhvr>
+                                      <p:tavLst>
+                                        <p:tav tm="0">
+                                          <p:val>
+                                            <p:strVal val="1+#ppt_h/2"/>
+                                          </p:val>
+                                        </p:tav>
+                                        <p:tav tm="100000">
+                                          <p:val>
+                                            <p:strVal val="#ppt_y"/>
+                                          </p:val>
+                                        </p:tav>
+                                      </p:tavLst>
+                                    </p:anim>
+                                  </p:childTnLst>
+                                </p:cTn>
+                              </p:par>
+                              <p:par>
+                                <p:cTn id="9" presetID="2" presetClass="entr" presetSubtype="4" fill="hold" nodeType="withEffect">
+                                  <p:stCondLst>
+                                    <p:cond delay="0"/>
+                                  </p:stCondLst>
+                                  <p:childTnLst>
+                                    <p:set>
+                                      <p:cBhvr>
+                                        <p:cTn id="10" dur="1" fill="hold">
+                                          <p:stCondLst>
+                                            <p:cond delay="0"/>
+                                          </p:stCondLst>
+                                        </p:cTn>
+                                        <p:tgtEl>
+                                          <p:spTgt spid="3">
+                                            <p:txEl>
+                                              <p:pRg st="3" end="3"/>
+                                            </p:txEl>
+                                          </p:spTgt>
+                                        </p:tgtEl>
+                                        <p:attrNameLst>
+                                          <p:attrName>style.visibility</p:attrName>
+                                        </p:attrNameLst>
+                                      </p:cBhvr>
+                                      <p:to>
+                                        <p:strVal val="visible"/>
+                                      </p:to>
+                                    </p:set>
+                                    <p:anim calcmode="lin" valueType="num">
+                                      <p:cBhvr additive="base">
+                                        <p:cTn id="11" dur="500" fill="hold"/>
+                                        <p:tgtEl>
+                                          <p:spTgt spid="3">
+                                            <p:txEl>
+                                              <p:pRg st="3" end="3"/>
+                                            </p:txEl>
+                                          </p:spTgt>
+                                        </p:tgtEl>
+                                        <p:attrNameLst>
+                                          <p:attrName>ppt_x</p:attrName>
+                                        </p:attrNameLst>
+                                      </p:cBhvr>
+                                      <p:tavLst>
+                                        <p:tav tm="0">
+                                          <p:val>
+                                            <p:strVal val="#ppt_x"/>
+                                          </p:val>
+                                        </p:tav>
+                                        <p:tav tm="100000">
+                                          <p:val>
+                                            <p:strVal val="#ppt_x"/>
+                                          </p:val>
+                                        </p:tav>
+                                      </p:tavLst>
+                                    </p:anim>
+                                    <p:anim calcmode="lin" valueType="num">
+                                      <p:cBhvr additive="base">
+                                        <p:cTn id="12" dur="500" fill="hold"/>
+                                        <p:tgtEl>
+                                          <p:spTgt spid="3">
+                                            <p:txEl>
+                                              <p:pRg st="3" end="3"/>
+                                            </p:txEl>
+                                          </p:spTgt>
+                                        </p:tgtEl>
+                                        <p:attrNameLst>
+                                          <p:attrName>ppt_y</p:attrName>
+                                        </p:attrNameLst>
+                                      </p:cBhvr>
+                                      <p:tavLst>
+                                        <p:tav tm="0">
+                                          <p:val>
+                                            <p:strVal val="1+#ppt_h/2"/>
+                                          </p:val>
+                                        </p:tav>
+                                        <p:tav tm="100000">
+                                          <p:val>
+                                            <p:strVal val="#ppt_y"/>
+                                          </p:val>
+                                        </p:tav>
+                                      </p:tavLst>
+                                    </p:anim>
+                                  </p:childTnLst>
+                                </p:cTn>
+                              </p:par>
+                            </p:childTnLst>
+                          </p:cTn>
+                        </p:par>
+                      </p:childTnLst>
+                    </p:cTn>
+                  </p:par>
+                  <p:par>
+                    <p:cTn id="13" fill="hold">
+                      <p:stCondLst>
+                        <p:cond delay="indefinite"/>
+                      </p:stCondLst>
+                      <p:childTnLst>
+                        <p:par>
+                          <p:cTn id="14" fill="hold">
+                            <p:stCondLst>
+                              <p:cond delay="0"/>
+                            </p:stCondLst>
+                            <p:childTnLst>
+                              <p:par>
+                                <p:cTn id="15" presetID="2" presetClass="entr" presetSubtype="4" fill="hold" nodeType="clickEffect">
+                                  <p:stCondLst>
+                                    <p:cond delay="0"/>
+                                  </p:stCondLst>
+                                  <p:childTnLst>
+                                    <p:set>
+                                      <p:cBhvr>
+                                        <p:cTn id="16" dur="1" fill="hold">
+                                          <p:stCondLst>
+                                            <p:cond delay="0"/>
+                                          </p:stCondLst>
+                                        </p:cTn>
+                                        <p:tgtEl>
+                                          <p:spTgt spid="3">
+                                            <p:txEl>
+                                              <p:pRg st="4" end="4"/>
+                                            </p:txEl>
+                                          </p:spTgt>
+                                        </p:tgtEl>
+                                        <p:attrNameLst>
+                                          <p:attrName>style.visibility</p:attrName>
+                                        </p:attrNameLst>
+                                      </p:cBhvr>
+                                      <p:to>
+                                        <p:strVal val="visible"/>
+                                      </p:to>
+                                    </p:set>
+                                    <p:anim calcmode="lin" valueType="num">
+                                      <p:cBhvr additive="base">
+                                        <p:cTn id="17" dur="500" fill="hold"/>
+                                        <p:tgtEl>
+                                          <p:spTgt spid="3">
+                                            <p:txEl>
+                                              <p:pRg st="4" end="4"/>
+                                            </p:txEl>
+                                          </p:spTgt>
+                                        </p:tgtEl>
+                                        <p:attrNameLst>
+                                          <p:attrName>ppt_x</p:attrName>
+                                        </p:attrNameLst>
+                                      </p:cBhvr>
+                                      <p:tavLst>
+                                        <p:tav tm="0">
+                                          <p:val>
+                                            <p:strVal val="#ppt_x"/>
+                                          </p:val>
+                                        </p:tav>
+                                        <p:tav tm="100000">
+                                          <p:val>
+                                            <p:strVal val="#ppt_x"/>
+                                          </p:val>
+                                        </p:tav>
+                                      </p:tavLst>
+                                    </p:anim>
+                                    <p:anim calcmode="lin" valueType="num">
+                                      <p:cBhvr additive="base">
+                                        <p:cTn id="18" dur="500" fill="hold"/>
+                                        <p:tgtEl>
+                                          <p:spTgt spid="3">
+                                            <p:txEl>
+                                              <p:pRg st="4" end="4"/>
+                                            </p:txEl>
+                                          </p:spTgt>
+                                        </p:tgtEl>
+                                        <p:attrNameLst>
+                                          <p:attrName>ppt_y</p:attrName>
+                                        </p:attrNameLst>
+                                      </p:cBhvr>
+                                      <p:tavLst>
+                                        <p:tav tm="0">
+                                          <p:val>
+                                            <p:strVal val="1+#ppt_h/2"/>
+                                          </p:val>
+                                        </p:tav>
+                                        <p:tav tm="100000">
+                                          <p:val>
+                                            <p:strVal val="#ppt_y"/>
+                                          </p:val>
+                                        </p:tav>
+                                      </p:tavLst>
+                                    </p:anim>
+                                  </p:childTnLst>
+                                </p:cTn>
+                              </p:par>
+                            </p:childTnLst>
+                          </p:cTn>
+                        </p:par>
+                      </p:childTnLst>
+                    </p:cTn>
+                  </p:par>
+                </p:childTnLst>
+              </p:cTn>
+              <p:prevCondLst>
+                <p:cond evt="onPrev" delay="0">
+                  <p:tgtEl>
+                    <p:sldTgt/>
+                  </p:tgtEl>
+                </p:cond>
+              </p:prevCondLst>
+              <p:nextCondLst>
+                <p:cond evt="onNext" delay="0">
+                  <p:tgtEl>
+                    <p:sldTgt/>
+                  </p:tgtEl>
+                </p:cond>
+              </p:nextCondLst>
+            </p:seq>
+          </p:childTnLst>
+        </p:cTn>
+      </p:par>
+    </p:tnLst>
+  </p:timing>
+</p:sld>
+</file>
+
+<file path=ppt/slides/slide20.xml><?xml version="1.0" encoding="utf-8"?>
 <p:sld xmlns:a="http://schemas.openxmlformats.org/drawingml/2006/main" xmlns:r="http://schemas.openxmlformats.org/officeDocument/2006/relationships" xmlns:p="http://schemas.openxmlformats.org/presentationml/2006/main">
   <p:cSld>
     <p:spTree>
@@ -9118,7 +9961,7 @@
           <a:p>
             <a:fld id="{58734595-61A4-4C07-BF74-5C223797634C}" type="slidenum">
               <a:rPr lang="en-US" smtClean="0"/>
-              <a:t>19</a:t>
+              <a:t>20</a:t>
             </a:fld>
             <a:endParaRPr lang="en-US"/>
           </a:p>
@@ -9468,7 +10311,11 @@
                                           </p:stCondLst>
                                         </p:cTn>
                                         <p:tgtEl>
-                                          <p:spTgt spid="6"/>
+                                          <p:spTgt spid="3">
+                                            <p:txEl>
+                                              <p:pRg st="8" end="8"/>
+                                            </p:txEl>
+                                          </p:spTgt>
                                         </p:tgtEl>
                                         <p:attrNameLst>
                                           <p:attrName>style.visibility</p:attrName>
@@ -9482,7 +10329,11 @@
                                       <p:cBhvr additive="base">
                                         <p:cTn id="7" dur="500" fill="hold"/>
                                         <p:tgtEl>
-                                          <p:spTgt spid="6"/>
+                                          <p:spTgt spid="3">
+                                            <p:txEl>
+                                              <p:pRg st="8" end="8"/>
+                                            </p:txEl>
+                                          </p:spTgt>
                                         </p:tgtEl>
                                         <p:attrNameLst>
                                           <p:attrName>ppt_x</p:attrName>
@@ -9505,7 +10356,11 @@
                                       <p:cBhvr additive="base">
                                         <p:cTn id="8" dur="500" fill="hold"/>
                                         <p:tgtEl>
-                                          <p:spTgt spid="6"/>
+                                          <p:spTgt spid="3">
+                                            <p:txEl>
+                                              <p:pRg st="8" end="8"/>
+                                            </p:txEl>
+                                          </p:spTgt>
                                         </p:tgtEl>
                                         <p:attrNameLst>
                                           <p:attrName>ppt_y</p:attrName>
@@ -9528,7 +10383,7 @@
                                 </p:cTn>
                               </p:par>
                               <p:par>
-                                <p:cTn id="9" presetID="2" presetClass="entr" presetSubtype="4" fill="hold" grpId="0" nodeType="withEffect">
+                                <p:cTn id="9" presetID="2" presetClass="entr" presetSubtype="4" fill="hold" nodeType="withEffect">
                                   <p:stCondLst>
                                     <p:cond delay="0"/>
                                   </p:stCondLst>
@@ -9541,7 +10396,11 @@
                                           </p:stCondLst>
                                         </p:cTn>
                                         <p:tgtEl>
-                                          <p:spTgt spid="7"/>
+                                          <p:spTgt spid="3">
+                                            <p:txEl>
+                                              <p:pRg st="9" end="9"/>
+                                            </p:txEl>
+                                          </p:spTgt>
                                         </p:tgtEl>
                                         <p:attrNameLst>
                                           <p:attrName>style.visibility</p:attrName>
@@ -9555,7 +10414,11 @@
                                       <p:cBhvr additive="base">
                                         <p:cTn id="11" dur="500" fill="hold"/>
                                         <p:tgtEl>
-                                          <p:spTgt spid="7"/>
+                                          <p:spTgt spid="3">
+                                            <p:txEl>
+                                              <p:pRg st="9" end="9"/>
+                                            </p:txEl>
+                                          </p:spTgt>
                                         </p:tgtEl>
                                         <p:attrNameLst>
                                           <p:attrName>ppt_x</p:attrName>
@@ -9578,7 +10441,96 @@
                                       <p:cBhvr additive="base">
                                         <p:cTn id="12" dur="500" fill="hold"/>
                                         <p:tgtEl>
-                                          <p:spTgt spid="7"/>
+                                          <p:spTgt spid="3">
+                                            <p:txEl>
+                                              <p:pRg st="9" end="9"/>
+                                            </p:txEl>
+                                          </p:spTgt>
+                                        </p:tgtEl>
+                                        <p:attrNameLst>
+                                          <p:attrName>ppt_y</p:attrName>
+                                        </p:attrNameLst>
+                                      </p:cBhvr>
+                                      <p:tavLst>
+                                        <p:tav tm="0">
+                                          <p:val>
+                                            <p:strVal val="1+#ppt_h/2"/>
+                                          </p:val>
+                                        </p:tav>
+                                        <p:tav tm="100000">
+                                          <p:val>
+                                            <p:strVal val="#ppt_y"/>
+                                          </p:val>
+                                        </p:tav>
+                                      </p:tavLst>
+                                    </p:anim>
+                                  </p:childTnLst>
+                                </p:cTn>
+                              </p:par>
+                              <p:par>
+                                <p:cTn id="13" presetID="2" presetClass="entr" presetSubtype="4" fill="hold" nodeType="withEffect">
+                                  <p:stCondLst>
+                                    <p:cond delay="0"/>
+                                  </p:stCondLst>
+                                  <p:childTnLst>
+                                    <p:set>
+                                      <p:cBhvr>
+                                        <p:cTn id="14" dur="1" fill="hold">
+                                          <p:stCondLst>
+                                            <p:cond delay="0"/>
+                                          </p:stCondLst>
+                                        </p:cTn>
+                                        <p:tgtEl>
+                                          <p:spTgt spid="3">
+                                            <p:txEl>
+                                              <p:pRg st="10" end="10"/>
+                                            </p:txEl>
+                                          </p:spTgt>
+                                        </p:tgtEl>
+                                        <p:attrNameLst>
+                                          <p:attrName>style.visibility</p:attrName>
+                                        </p:attrNameLst>
+                                      </p:cBhvr>
+                                      <p:to>
+                                        <p:strVal val="visible"/>
+                                      </p:to>
+                                    </p:set>
+                                    <p:anim calcmode="lin" valueType="num">
+                                      <p:cBhvr additive="base">
+                                        <p:cTn id="15" dur="500" fill="hold"/>
+                                        <p:tgtEl>
+                                          <p:spTgt spid="3">
+                                            <p:txEl>
+                                              <p:pRg st="10" end="10"/>
+                                            </p:txEl>
+                                          </p:spTgt>
+                                        </p:tgtEl>
+                                        <p:attrNameLst>
+                                          <p:attrName>ppt_x</p:attrName>
+                                        </p:attrNameLst>
+                                      </p:cBhvr>
+                                      <p:tavLst>
+                                        <p:tav tm="0">
+                                          <p:val>
+                                            <p:strVal val="#ppt_x"/>
+                                          </p:val>
+                                        </p:tav>
+                                        <p:tav tm="100000">
+                                          <p:val>
+                                            <p:strVal val="#ppt_x"/>
+                                          </p:val>
+                                        </p:tav>
+                                      </p:tavLst>
+                                    </p:anim>
+                                    <p:anim calcmode="lin" valueType="num">
+                                      <p:cBhvr additive="base">
+                                        <p:cTn id="16" dur="500" fill="hold"/>
+                                        <p:tgtEl>
+                                          <p:spTgt spid="3">
+                                            <p:txEl>
+                                              <p:pRg st="10" end="10"/>
+                                            </p:txEl>
+                                          </p:spTgt>
                                         </p:tgtEl>
                                         <p:attrNameLst>
                                           <p:attrName>ppt_y</p:attrName>
@@ -9627,399 +10579,6 @@
         </p:cTn>
       </p:par>
     </p:tnLst>
-    <p:bldLst>
-      <p:bldP spid="7" grpId="0"/>
-    </p:bldLst>
-  </p:timing>
-</p:sld>
-</file>
-
-<file path=ppt/slides/slide2.xml><?xml version="1.0" encoding="utf-8"?>
-<p:sld xmlns:a="http://schemas.openxmlformats.org/drawingml/2006/main" xmlns:r="http://schemas.openxmlformats.org/officeDocument/2006/relationships" xmlns:p="http://schemas.openxmlformats.org/presentationml/2006/main">
-  <p:cSld>
-    <p:spTree>
-      <p:nvGrpSpPr>
-        <p:cNvPr id="1" name=""/>
-        <p:cNvGrpSpPr/>
-        <p:nvPr/>
-      </p:nvGrpSpPr>
-      <p:grpSpPr>
-        <a:xfrm>
-          <a:off x="0" y="0"/>
-          <a:ext cx="0" cy="0"/>
-          <a:chOff x="0" y="0"/>
-          <a:chExt cx="0" cy="0"/>
-        </a:xfrm>
-      </p:grpSpPr>
-      <p:sp>
-        <p:nvSpPr>
-          <p:cNvPr id="2" name="Title 1"/>
-          <p:cNvSpPr>
-            <a:spLocks noGrp="1"/>
-          </p:cNvSpPr>
-          <p:nvPr>
-            <p:ph type="title"/>
-          </p:nvPr>
-        </p:nvSpPr>
-        <p:spPr/>
-        <p:txBody>
-          <a:bodyPr>
-            <a:normAutofit/>
-          </a:bodyPr>
-          <a:lstStyle/>
-          <a:p>
-            <a:r>
-              <a:rPr lang="en-US" dirty="0"/>
-              <a:t>N</a:t>
-            </a:r>
-            <a:r>
-              <a:rPr lang="en-US" dirty="0" smtClean="0"/>
-              <a:t>on-linear (Polynomial) Constraint</a:t>
-            </a:r>
-            <a:r>
-              <a:rPr lang="en-US" dirty="0"/>
-              <a:t>.</a:t>
-            </a:r>
-          </a:p>
-        </p:txBody>
-      </p:sp>
-      <p:sp>
-        <p:nvSpPr>
-          <p:cNvPr id="3" name="Content Placeholder 2"/>
-          <p:cNvSpPr>
-            <a:spLocks noGrp="1"/>
-          </p:cNvSpPr>
-          <p:nvPr>
-            <p:ph idx="1"/>
-          </p:nvPr>
-        </p:nvSpPr>
-        <p:spPr>
-          <a:xfrm>
-            <a:off x="838200" y="1587896"/>
-            <a:ext cx="10515600" cy="4246563"/>
-          </a:xfrm>
-        </p:spPr>
-        <p:txBody>
-          <a:bodyPr>
-            <a:normAutofit/>
-          </a:bodyPr>
-          <a:lstStyle/>
-          <a:p>
-            <a:pPr marL="0" indent="0" algn="just">
-              <a:lnSpc>
-                <a:spcPct val="120000"/>
-              </a:lnSpc>
-              <a:buNone/>
-            </a:pPr>
-            <a:r>
-              <a:rPr lang="en-US" altLang="ja-JP" dirty="0" smtClean="0">
-                <a:ea typeface="ＭＳ Ｐゴシック" charset="-128"/>
-              </a:rPr>
-              <a:t>Find the real values of x, y such that:</a:t>
-            </a:r>
-          </a:p>
-          <a:p>
-            <a:pPr marL="0" indent="0" algn="just">
-              <a:lnSpc>
-                <a:spcPct val="120000"/>
-              </a:lnSpc>
-              <a:buNone/>
-            </a:pPr>
-            <a:endParaRPr lang="en-US" altLang="ja-JP" dirty="0">
-              <a:ea typeface="ＭＳ Ｐゴシック" charset="-128"/>
-            </a:endParaRPr>
-          </a:p>
-          <a:p>
-            <a:pPr algn="just">
-              <a:lnSpc>
-                <a:spcPct val="120000"/>
-              </a:lnSpc>
-            </a:pPr>
-            <a:r>
-              <a:rPr lang="en-US" dirty="0"/>
-              <a:t>If there exist an assignment of x, y that satisfies the constraints  </a:t>
-            </a:r>
-            <a:r>
-              <a:rPr lang="en-US" dirty="0" smtClean="0"/>
-              <a:t>      </a:t>
-            </a:r>
-            <a:r>
-              <a:rPr lang="en-US" dirty="0" smtClean="0">
-                <a:sym typeface="Wingdings" panose="05000000000000000000" pitchFamily="2" charset="2"/>
-              </a:rPr>
-              <a:t> </a:t>
-            </a:r>
-            <a:r>
-              <a:rPr lang="en-US" dirty="0" err="1" smtClean="0">
-                <a:sym typeface="Wingdings" panose="05000000000000000000" pitchFamily="2" charset="2"/>
-              </a:rPr>
-              <a:t>satisfiable</a:t>
-            </a:r>
-            <a:r>
-              <a:rPr lang="en-US" dirty="0" smtClean="0">
-                <a:sym typeface="Wingdings" panose="05000000000000000000" pitchFamily="2" charset="2"/>
-              </a:rPr>
-              <a:t> </a:t>
-            </a:r>
-            <a:r>
-              <a:rPr lang="en-US" dirty="0">
-                <a:sym typeface="Wingdings" panose="05000000000000000000" pitchFamily="2" charset="2"/>
-              </a:rPr>
-              <a:t>(SAT</a:t>
-            </a:r>
-            <a:r>
-              <a:rPr lang="en-US" dirty="0" smtClean="0">
-                <a:sym typeface="Wingdings" panose="05000000000000000000" pitchFamily="2" charset="2"/>
-              </a:rPr>
-              <a:t>).</a:t>
-            </a:r>
-          </a:p>
-          <a:p>
-            <a:pPr algn="just">
-              <a:lnSpc>
-                <a:spcPct val="120000"/>
-              </a:lnSpc>
-            </a:pPr>
-            <a:r>
-              <a:rPr lang="en-US" dirty="0">
-                <a:sym typeface="Wingdings" panose="05000000000000000000" pitchFamily="2" charset="2"/>
-              </a:rPr>
-              <a:t>Otherwise, </a:t>
-            </a:r>
-            <a:r>
-              <a:rPr lang="en-US" dirty="0" err="1">
-                <a:sym typeface="Wingdings" panose="05000000000000000000" pitchFamily="2" charset="2"/>
-              </a:rPr>
-              <a:t>unsatisfiable</a:t>
-            </a:r>
-            <a:r>
-              <a:rPr lang="en-US" dirty="0">
-                <a:sym typeface="Wingdings" panose="05000000000000000000" pitchFamily="2" charset="2"/>
-              </a:rPr>
-              <a:t> (UNSAT)</a:t>
-            </a:r>
-          </a:p>
-          <a:p>
-            <a:pPr algn="just">
-              <a:lnSpc>
-                <a:spcPct val="120000"/>
-              </a:lnSpc>
-            </a:pPr>
-            <a:r>
-              <a:rPr lang="en-US" dirty="0"/>
-              <a:t>x = 2.65219237745, y = 2.34617027147</a:t>
-            </a:r>
-            <a:endParaRPr lang="en-US" dirty="0">
-              <a:sym typeface="Wingdings" panose="05000000000000000000" pitchFamily="2" charset="2"/>
-            </a:endParaRPr>
-          </a:p>
-          <a:p>
-            <a:pPr algn="just">
-              <a:lnSpc>
-                <a:spcPct val="120000"/>
-              </a:lnSpc>
-            </a:pPr>
-            <a:endParaRPr lang="en-US" altLang="ja-JP" dirty="0" smtClean="0">
-              <a:ea typeface="ＭＳ Ｐゴシック" charset="-128"/>
-            </a:endParaRPr>
-          </a:p>
-        </p:txBody>
-      </p:sp>
-      <p:sp>
-        <p:nvSpPr>
-          <p:cNvPr id="4" name="Slide Number Placeholder 3"/>
-          <p:cNvSpPr>
-            <a:spLocks noGrp="1"/>
-          </p:cNvSpPr>
-          <p:nvPr>
-            <p:ph type="sldNum" sz="quarter" idx="12"/>
-          </p:nvPr>
-        </p:nvSpPr>
-        <p:spPr/>
-        <p:txBody>
-          <a:bodyPr/>
-          <a:lstStyle/>
-          <a:p>
-            <a:fld id="{58734595-61A4-4C07-BF74-5C223797634C}" type="slidenum">
-              <a:rPr lang="en-US" smtClean="0"/>
-              <a:t>2</a:t>
-            </a:fld>
-            <a:endParaRPr lang="en-US"/>
-          </a:p>
-        </p:txBody>
-      </p:sp>
-      <p:pic>
-        <p:nvPicPr>
-          <p:cNvPr id="5" name="Picture 4"/>
-          <p:cNvPicPr>
-            <a:picLocks noChangeAspect="1"/>
-          </p:cNvPicPr>
-          <p:nvPr>
-            <p:custDataLst>
-              <p:tags r:id="rId1"/>
-            </p:custDataLst>
-          </p:nvPr>
-        </p:nvPicPr>
-        <p:blipFill>
-          <a:blip r:embed="rId3" cstate="print">
-            <a:extLst>
-              <a:ext uri="{28A0092B-C50C-407E-A947-70E740481C1C}">
-                <a14:useLocalDpi xmlns:a14="http://schemas.microsoft.com/office/drawing/2010/main" val="0"/>
-              </a:ext>
-            </a:extLst>
-          </a:blip>
-          <a:stretch>
-            <a:fillRect/>
-          </a:stretch>
-        </p:blipFill>
-        <p:spPr>
-          <a:xfrm>
-            <a:off x="3172964" y="2364480"/>
-            <a:ext cx="4166235" cy="342900"/>
-          </a:xfrm>
-          <a:prstGeom prst="rect">
-            <a:avLst/>
-          </a:prstGeom>
-        </p:spPr>
-      </p:pic>
-    </p:spTree>
-    <p:extLst>
-      <p:ext uri="{BB962C8B-B14F-4D97-AF65-F5344CB8AC3E}">
-        <p14:creationId xmlns:p14="http://schemas.microsoft.com/office/powerpoint/2010/main" val="1835778804"/>
-      </p:ext>
-    </p:extLst>
-  </p:cSld>
-  <p:clrMapOvr>
-    <a:masterClrMapping/>
-  </p:clrMapOvr>
-  <p:timing>
-    <p:tnLst>
-      <p:par>
-        <p:cTn id="1" dur="indefinite" restart="never" nodeType="tmRoot"/>
-      </p:par>
-    </p:tnLst>
-  </p:timing>
-</p:sld>
-</file>
-
-<file path=ppt/slides/slide20.xml><?xml version="1.0" encoding="utf-8"?>
-<p:sld xmlns:a="http://schemas.openxmlformats.org/drawingml/2006/main" xmlns:r="http://schemas.openxmlformats.org/officeDocument/2006/relationships" xmlns:p="http://schemas.openxmlformats.org/presentationml/2006/main">
-  <p:cSld>
-    <p:spTree>
-      <p:nvGrpSpPr>
-        <p:cNvPr id="1" name=""/>
-        <p:cNvGrpSpPr/>
-        <p:nvPr/>
-      </p:nvGrpSpPr>
-      <p:grpSpPr>
-        <a:xfrm>
-          <a:off x="0" y="0"/>
-          <a:ext cx="0" cy="0"/>
-          <a:chOff x="0" y="0"/>
-          <a:chExt cx="0" cy="0"/>
-        </a:xfrm>
-      </p:grpSpPr>
-      <p:sp>
-        <p:nvSpPr>
-          <p:cNvPr id="2" name="Title 1"/>
-          <p:cNvSpPr>
-            <a:spLocks noGrp="1"/>
-          </p:cNvSpPr>
-          <p:nvPr>
-            <p:ph type="title"/>
-          </p:nvPr>
-        </p:nvSpPr>
-        <p:spPr/>
-        <p:txBody>
-          <a:bodyPr/>
-          <a:lstStyle/>
-          <a:p>
-            <a:r>
-              <a:rPr lang="en-US" dirty="0" smtClean="0"/>
-              <a:t>Future works</a:t>
-            </a:r>
-            <a:endParaRPr lang="en-US" dirty="0"/>
-          </a:p>
-        </p:txBody>
-      </p:sp>
-      <p:sp>
-        <p:nvSpPr>
-          <p:cNvPr id="3" name="Content Placeholder 2"/>
-          <p:cNvSpPr>
-            <a:spLocks noGrp="1"/>
-          </p:cNvSpPr>
-          <p:nvPr>
-            <p:ph idx="1"/>
-          </p:nvPr>
-        </p:nvSpPr>
-        <p:spPr>
-          <a:xfrm>
-            <a:off x="838200" y="1273174"/>
-            <a:ext cx="10515600" cy="4246563"/>
-          </a:xfrm>
-        </p:spPr>
-        <p:txBody>
-          <a:bodyPr/>
-          <a:lstStyle/>
-          <a:p>
-            <a:r>
-              <a:rPr lang="en-US" dirty="0" smtClean="0"/>
-              <a:t>UNSAT-directed heuristic: UNSAT core.</a:t>
-            </a:r>
-          </a:p>
-          <a:p>
-            <a:r>
-              <a:rPr lang="en-US" dirty="0" smtClean="0"/>
-              <a:t>Test generation heuristics.</a:t>
-            </a:r>
-          </a:p>
-          <a:p>
-            <a:r>
-              <a:rPr lang="en-US" dirty="0" smtClean="0"/>
-              <a:t>Box Decomposition heuristics.</a:t>
-            </a:r>
-          </a:p>
-        </p:txBody>
-      </p:sp>
-      <p:sp>
-        <p:nvSpPr>
-          <p:cNvPr id="4" name="Slide Number Placeholder 3"/>
-          <p:cNvSpPr>
-            <a:spLocks noGrp="1"/>
-          </p:cNvSpPr>
-          <p:nvPr>
-            <p:ph type="sldNum" sz="quarter" idx="12"/>
-          </p:nvPr>
-        </p:nvSpPr>
-        <p:spPr/>
-        <p:txBody>
-          <a:bodyPr/>
-          <a:lstStyle/>
-          <a:p>
-            <a:fld id="{58734595-61A4-4C07-BF74-5C223797634C}" type="slidenum">
-              <a:rPr lang="en-US" smtClean="0"/>
-              <a:t>20</a:t>
-            </a:fld>
-            <a:endParaRPr lang="en-US" dirty="0"/>
-          </a:p>
-        </p:txBody>
-      </p:sp>
-    </p:spTree>
-    <p:extLst>
-      <p:ext uri="{BB962C8B-B14F-4D97-AF65-F5344CB8AC3E}">
-        <p14:creationId xmlns:p14="http://schemas.microsoft.com/office/powerpoint/2010/main" val="1368709466"/>
-      </p:ext>
-    </p:extLst>
-  </p:cSld>
-  <p:clrMapOvr>
-    <a:masterClrMapping/>
-  </p:clrMapOvr>
-  <p:timing>
-    <p:tnLst>
-      <p:par>
-        <p:cTn id="1" dur="indefinite" restart="never" nodeType="tmRoot"/>
-      </p:par>
-    </p:tnLst>
   </p:timing>
 </p:sld>
 </file>
@@ -10056,6 +10615,128 @@
           <a:bodyPr/>
           <a:lstStyle/>
           <a:p>
+            <a:r>
+              <a:rPr lang="en-US" dirty="0" smtClean="0"/>
+              <a:t>Future works</a:t>
+            </a:r>
+            <a:endParaRPr lang="en-US" dirty="0"/>
+          </a:p>
+        </p:txBody>
+      </p:sp>
+      <p:sp>
+        <p:nvSpPr>
+          <p:cNvPr id="3" name="Content Placeholder 2"/>
+          <p:cNvSpPr>
+            <a:spLocks noGrp="1"/>
+          </p:cNvSpPr>
+          <p:nvPr>
+            <p:ph idx="1"/>
+          </p:nvPr>
+        </p:nvSpPr>
+        <p:spPr>
+          <a:xfrm>
+            <a:off x="838200" y="1273174"/>
+            <a:ext cx="10515600" cy="4246563"/>
+          </a:xfrm>
+        </p:spPr>
+        <p:txBody>
+          <a:bodyPr/>
+          <a:lstStyle/>
+          <a:p>
+            <a:r>
+              <a:rPr lang="en-US" dirty="0" smtClean="0"/>
+              <a:t>UNSAT-directed heuristic: UNSAT core.</a:t>
+            </a:r>
+          </a:p>
+          <a:p>
+            <a:r>
+              <a:rPr lang="en-US" dirty="0" smtClean="0"/>
+              <a:t>Test generation heuristics.</a:t>
+            </a:r>
+          </a:p>
+          <a:p>
+            <a:r>
+              <a:rPr lang="en-US" dirty="0" smtClean="0"/>
+              <a:t>Box Decomposition heuristics.</a:t>
+            </a:r>
+          </a:p>
+        </p:txBody>
+      </p:sp>
+      <p:sp>
+        <p:nvSpPr>
+          <p:cNvPr id="4" name="Slide Number Placeholder 3"/>
+          <p:cNvSpPr>
+            <a:spLocks noGrp="1"/>
+          </p:cNvSpPr>
+          <p:nvPr>
+            <p:ph type="sldNum" sz="quarter" idx="12"/>
+          </p:nvPr>
+        </p:nvSpPr>
+        <p:spPr/>
+        <p:txBody>
+          <a:bodyPr/>
+          <a:lstStyle/>
+          <a:p>
+            <a:fld id="{58734595-61A4-4C07-BF74-5C223797634C}" type="slidenum">
+              <a:rPr lang="en-US" smtClean="0"/>
+              <a:t>21</a:t>
+            </a:fld>
+            <a:endParaRPr lang="en-US" dirty="0"/>
+          </a:p>
+        </p:txBody>
+      </p:sp>
+    </p:spTree>
+    <p:extLst>
+      <p:ext uri="{BB962C8B-B14F-4D97-AF65-F5344CB8AC3E}">
+        <p14:creationId xmlns:p14="http://schemas.microsoft.com/office/powerpoint/2010/main" val="1368709466"/>
+      </p:ext>
+    </p:extLst>
+  </p:cSld>
+  <p:clrMapOvr>
+    <a:masterClrMapping/>
+  </p:clrMapOvr>
+  <p:timing>
+    <p:tnLst>
+      <p:par>
+        <p:cTn id="1" dur="indefinite" restart="never" nodeType="tmRoot"/>
+      </p:par>
+    </p:tnLst>
+  </p:timing>
+</p:sld>
+</file>
+
+<file path=ppt/slides/slide22.xml><?xml version="1.0" encoding="utf-8"?>
+<p:sld xmlns:a="http://schemas.openxmlformats.org/drawingml/2006/main" xmlns:r="http://schemas.openxmlformats.org/officeDocument/2006/relationships" xmlns:p="http://schemas.openxmlformats.org/presentationml/2006/main">
+  <p:cSld>
+    <p:spTree>
+      <p:nvGrpSpPr>
+        <p:cNvPr id="1" name=""/>
+        <p:cNvGrpSpPr/>
+        <p:nvPr/>
+      </p:nvGrpSpPr>
+      <p:grpSpPr>
+        <a:xfrm>
+          <a:off x="0" y="0"/>
+          <a:ext cx="0" cy="0"/>
+          <a:chOff x="0" y="0"/>
+          <a:chExt cx="0" cy="0"/>
+        </a:xfrm>
+      </p:grpSpPr>
+      <p:sp>
+        <p:nvSpPr>
+          <p:cNvPr id="2" name="Title 1"/>
+          <p:cNvSpPr>
+            <a:spLocks noGrp="1"/>
+          </p:cNvSpPr>
+          <p:nvPr>
+            <p:ph type="title"/>
+          </p:nvPr>
+        </p:nvSpPr>
+        <p:spPr/>
+        <p:txBody>
+          <a:bodyPr/>
+          <a:lstStyle/>
+          <a:p>
             <a:endParaRPr lang="en-US"/>
           </a:p>
         </p:txBody>
@@ -10149,7 +10830,7 @@
           <a:p>
             <a:fld id="{58734595-61A4-4C07-BF74-5C223797634C}" type="slidenum">
               <a:rPr lang="en-US" smtClean="0"/>
-              <a:t>21</a:t>
+              <a:t>22</a:t>
             </a:fld>
             <a:endParaRPr lang="en-US"/>
           </a:p>
@@ -10397,7 +11078,7 @@
         </p:spPr>
         <p:txBody>
           <a:bodyPr>
-            <a:normAutofit/>
+            <a:normAutofit lnSpcReduction="10000"/>
           </a:bodyPr>
           <a:lstStyle/>
           <a:p>
@@ -10441,8 +11122,20 @@
             <a:pPr lvl="1"/>
             <a:r>
               <a:rPr lang="en-US" dirty="0" smtClean="0"/>
-              <a:t>Bounded variables.</a:t>
-            </a:r>
+              <a:t>Bounded </a:t>
+            </a:r>
+            <a:r>
+              <a:rPr lang="en-US" dirty="0" smtClean="0"/>
+              <a:t>variables.</a:t>
+            </a:r>
+          </a:p>
+          <a:p>
+            <a:pPr lvl="1"/>
+            <a:r>
+              <a:rPr lang="en-US" dirty="0" smtClean="0"/>
+              <a:t>Bounded precision.</a:t>
+            </a:r>
+            <a:endParaRPr lang="en-US" dirty="0" smtClean="0"/>
           </a:p>
           <a:p>
             <a:r>
@@ -10536,15 +11229,27 @@
             <p:ph type="title"/>
           </p:nvPr>
         </p:nvSpPr>
-        <p:spPr/>
+        <p:spPr>
+          <a:xfrm>
+            <a:off x="584947" y="0"/>
+            <a:ext cx="11022106" cy="1053305"/>
+          </a:xfrm>
+        </p:spPr>
         <p:txBody>
-          <a:bodyPr/>
+          <a:bodyPr>
+            <a:normAutofit fontScale="90000"/>
+          </a:bodyPr>
           <a:lstStyle/>
           <a:p>
             <a:r>
-              <a:rPr lang="en-US" dirty="0"/>
-              <a:t>Over-Approximation - Interval arithmetic</a:t>
-            </a:r>
+              <a:rPr lang="en-US" b="1" dirty="0" err="1" smtClean="0"/>
+              <a:t>raSAT</a:t>
+            </a:r>
+            <a:r>
+              <a:rPr lang="en-US" dirty="0" smtClean="0"/>
+              <a:t> – an SMT solver for Polynomial Constraints</a:t>
+            </a:r>
+            <a:endParaRPr lang="en-US" dirty="0"/>
           </a:p>
         </p:txBody>
       </p:sp>
@@ -10563,6 +11268,58 @@
           <a:bodyPr/>
           <a:lstStyle/>
           <a:p>
+            <a:r>
+              <a:rPr lang="en-US" dirty="0" smtClean="0"/>
+              <a:t>Developed by Dr. To Van </a:t>
+            </a:r>
+            <a:r>
+              <a:rPr lang="en-US" dirty="0" err="1" smtClean="0"/>
+              <a:t>Khanh</a:t>
+            </a:r>
+            <a:r>
+              <a:rPr lang="en-US" dirty="0"/>
+              <a:t> </a:t>
+            </a:r>
+            <a:r>
+              <a:rPr lang="en-US" dirty="0" smtClean="0"/>
+              <a:t>who received his Ph.D. from JAIST in 2013.</a:t>
+            </a:r>
+          </a:p>
+          <a:p>
+            <a:r>
+              <a:rPr lang="en-US" dirty="0" err="1" smtClean="0"/>
+              <a:t>raSAT</a:t>
+            </a:r>
+            <a:r>
+              <a:rPr lang="en-US" dirty="0" smtClean="0"/>
+              <a:t>: ICP + Testing.</a:t>
+            </a:r>
+          </a:p>
+          <a:p>
+            <a:pPr lvl="1"/>
+            <a:r>
+              <a:rPr lang="en-US" dirty="0" smtClean="0"/>
+              <a:t>Testing: boost SAT detection.</a:t>
+            </a:r>
+          </a:p>
+          <a:p>
+            <a:r>
+              <a:rPr lang="en-US" dirty="0" smtClean="0"/>
+              <a:t>More precisely, </a:t>
+            </a:r>
+          </a:p>
+          <a:p>
+            <a:pPr marL="0" indent="0" algn="ctr">
+              <a:buNone/>
+            </a:pPr>
+            <a:r>
+              <a:rPr lang="en-US" dirty="0" err="1" smtClean="0"/>
+              <a:t>raSAT</a:t>
+            </a:r>
+            <a:r>
+              <a:rPr lang="en-US" dirty="0" smtClean="0"/>
+              <a:t> loop: over approximation + under approximation + refinement</a:t>
+            </a:r>
             <a:endParaRPr lang="en-US" dirty="0"/>
           </a:p>
         </p:txBody>
@@ -10585,6 +11342,112 @@
             <a:fld id="{58734595-61A4-4C07-BF74-5C223797634C}" type="slidenum">
               <a:rPr lang="en-US" smtClean="0"/>
               <a:t>5</a:t>
+            </a:fld>
+            <a:endParaRPr lang="en-US"/>
+          </a:p>
+        </p:txBody>
+      </p:sp>
+    </p:spTree>
+    <p:extLst>
+      <p:ext uri="{BB962C8B-B14F-4D97-AF65-F5344CB8AC3E}">
+        <p14:creationId xmlns:p14="http://schemas.microsoft.com/office/powerpoint/2010/main" val="2147222463"/>
+      </p:ext>
+    </p:extLst>
+  </p:cSld>
+  <p:clrMapOvr>
+    <a:masterClrMapping/>
+  </p:clrMapOvr>
+  <p:timing>
+    <p:tnLst>
+      <p:par>
+        <p:cTn id="1" dur="indefinite" restart="never" nodeType="tmRoot"/>
+      </p:par>
+    </p:tnLst>
+  </p:timing>
+</p:sld>
+</file>
+
+<file path=ppt/slides/slide6.xml><?xml version="1.0" encoding="utf-8"?>
+<p:sld xmlns:a="http://schemas.openxmlformats.org/drawingml/2006/main" xmlns:r="http://schemas.openxmlformats.org/officeDocument/2006/relationships" xmlns:p="http://schemas.openxmlformats.org/presentationml/2006/main">
+  <p:cSld>
+    <p:spTree>
+      <p:nvGrpSpPr>
+        <p:cNvPr id="1" name=""/>
+        <p:cNvGrpSpPr/>
+        <p:nvPr/>
+      </p:nvGrpSpPr>
+      <p:grpSpPr>
+        <a:xfrm>
+          <a:off x="0" y="0"/>
+          <a:ext cx="0" cy="0"/>
+          <a:chOff x="0" y="0"/>
+          <a:chExt cx="0" cy="0"/>
+        </a:xfrm>
+      </p:grpSpPr>
+      <p:sp>
+        <p:nvSpPr>
+          <p:cNvPr id="2" name="Title 1"/>
+          <p:cNvSpPr>
+            <a:spLocks noGrp="1"/>
+          </p:cNvSpPr>
+          <p:nvPr>
+            <p:ph type="title"/>
+          </p:nvPr>
+        </p:nvSpPr>
+        <p:spPr/>
+        <p:txBody>
+          <a:bodyPr/>
+          <a:lstStyle/>
+          <a:p>
+            <a:r>
+              <a:rPr lang="en-US" dirty="0"/>
+              <a:t>Over-Approximation - Interval </a:t>
+            </a:r>
+            <a:r>
+              <a:rPr lang="en-US" dirty="0" smtClean="0"/>
+              <a:t>Arithmetic</a:t>
+            </a:r>
+            <a:endParaRPr lang="en-US" dirty="0"/>
+          </a:p>
+        </p:txBody>
+      </p:sp>
+      <p:sp>
+        <p:nvSpPr>
+          <p:cNvPr id="3" name="Content Placeholder 2"/>
+          <p:cNvSpPr>
+            <a:spLocks noGrp="1"/>
+          </p:cNvSpPr>
+          <p:nvPr>
+            <p:ph idx="1"/>
+          </p:nvPr>
+        </p:nvSpPr>
+        <p:spPr/>
+        <p:txBody>
+          <a:bodyPr/>
+          <a:lstStyle/>
+          <a:p>
+            <a:endParaRPr lang="en-US" dirty="0"/>
+          </a:p>
+        </p:txBody>
+      </p:sp>
+      <p:sp>
+        <p:nvSpPr>
+          <p:cNvPr id="4" name="Slide Number Placeholder 3"/>
+          <p:cNvSpPr>
+            <a:spLocks noGrp="1"/>
+          </p:cNvSpPr>
+          <p:nvPr>
+            <p:ph type="sldNum" sz="quarter" idx="12"/>
+          </p:nvPr>
+        </p:nvSpPr>
+        <p:spPr/>
+        <p:txBody>
+          <a:bodyPr/>
+          <a:lstStyle/>
+          <a:p>
+            <a:fld id="{58734595-61A4-4C07-BF74-5C223797634C}" type="slidenum">
+              <a:rPr lang="en-US" smtClean="0"/>
+              <a:t>6</a:t>
             </a:fld>
             <a:endParaRPr lang="en-US"/>
           </a:p>
@@ -11369,7 +12232,7 @@
 </p:sld>
 </file>
 
-<file path=ppt/slides/slide6.xml><?xml version="1.0" encoding="utf-8"?>
+<file path=ppt/slides/slide7.xml><?xml version="1.0" encoding="utf-8"?>
 <p:sld xmlns:a="http://schemas.openxmlformats.org/drawingml/2006/main" xmlns:r="http://schemas.openxmlformats.org/officeDocument/2006/relationships" xmlns:p="http://schemas.openxmlformats.org/presentationml/2006/main">
   <p:cSld>
     <p:spTree>
@@ -11407,8 +12270,12 @@
           <a:lstStyle/>
           <a:p>
             <a:r>
+              <a:rPr lang="en-US" dirty="0" smtClean="0"/>
+              <a:t>Over Approximation </a:t>
+            </a:r>
+            <a:r>
               <a:rPr lang="en-US" dirty="0"/>
-              <a:t>Over-Approximation - Interval arithmetic</a:t>
+              <a:t>- Interval arithmetic</a:t>
             </a:r>
           </a:p>
         </p:txBody>
@@ -11430,7 +12297,7 @@
           <a:p>
             <a:fld id="{58734595-61A4-4C07-BF74-5C223797634C}" type="slidenum">
               <a:rPr lang="en-US" smtClean="0"/>
-              <a:t>6</a:t>
+              <a:t>7</a:t>
             </a:fld>
             <a:endParaRPr lang="en-US"/>
           </a:p>
@@ -13932,7 +14799,7 @@
 </p:sld>
 </file>
 
-<file path=ppt/slides/slide7.xml><?xml version="1.0" encoding="utf-8"?>
+<file path=ppt/slides/slide8.xml><?xml version="1.0" encoding="utf-8"?>
 <p:sld xmlns:a="http://schemas.openxmlformats.org/drawingml/2006/main" xmlns:r="http://schemas.openxmlformats.org/officeDocument/2006/relationships" xmlns:p="http://schemas.openxmlformats.org/presentationml/2006/main">
   <p:cSld>
     <p:spTree>
@@ -13989,7 +14856,7 @@
           <a:p>
             <a:fld id="{58734595-61A4-4C07-BF74-5C223797634C}" type="slidenum">
               <a:rPr lang="en-US" smtClean="0"/>
-              <a:t>7</a:t>
+              <a:t>8</a:t>
             </a:fld>
             <a:endParaRPr lang="en-US"/>
           </a:p>
@@ -15126,7 +15993,7 @@
 </p:sld>
 </file>
 
-<file path=ppt/slides/slide8.xml><?xml version="1.0" encoding="utf-8"?>
+<file path=ppt/slides/slide9.xml><?xml version="1.0" encoding="utf-8"?>
 <p:sld xmlns:a="http://schemas.openxmlformats.org/drawingml/2006/main" xmlns:r="http://schemas.openxmlformats.org/officeDocument/2006/relationships" xmlns:p="http://schemas.openxmlformats.org/presentationml/2006/main">
   <p:cSld>
     <p:spTree>
@@ -15160,7 +16027,7 @@
           <a:p>
             <a:fld id="{58734595-61A4-4C07-BF74-5C223797634C}" type="slidenum">
               <a:rPr lang="en-US" smtClean="0"/>
-              <a:t>8</a:t>
+              <a:t>9</a:t>
             </a:fld>
             <a:endParaRPr lang="en-US"/>
           </a:p>
@@ -15337,8 +16204,8 @@
         </p:nvCxnSpPr>
         <p:spPr>
           <a:xfrm>
-            <a:off x="7808075" y="1952029"/>
-            <a:ext cx="2961261" cy="35010"/>
+            <a:off x="7811664" y="1981967"/>
+            <a:ext cx="2889506" cy="13007"/>
           </a:xfrm>
           <a:prstGeom prst="straightConnector1">
             <a:avLst/>
@@ -15373,8 +16240,8 @@
         </p:nvSpPr>
         <p:spPr>
           <a:xfrm>
-            <a:off x="10769336" y="1663873"/>
-            <a:ext cx="1402948" cy="646331"/>
+            <a:off x="10701170" y="1810308"/>
+            <a:ext cx="928524" cy="369332"/>
           </a:xfrm>
           <a:prstGeom prst="rect">
             <a:avLst/>
@@ -15396,20 +16263,7 @@
                 <a:latin typeface="Times New Roman" panose="02020603050405020304" pitchFamily="18" charset="0"/>
                 <a:cs typeface="Times New Roman" panose="02020603050405020304" pitchFamily="18" charset="0"/>
               </a:rPr>
-              <a:t>UNSAT / </a:t>
-            </a:r>
-          </a:p>
-          <a:p>
-            <a:r>
-              <a:rPr lang="en-US" dirty="0" smtClean="0">
-                <a:solidFill>
-                  <a:srgbClr val="C00000"/>
-                </a:solidFill>
-                <a:effectLst/>
-                <a:latin typeface="Times New Roman" panose="02020603050405020304" pitchFamily="18" charset="0"/>
-                <a:cs typeface="Times New Roman" panose="02020603050405020304" pitchFamily="18" charset="0"/>
-              </a:rPr>
-              <a:t>UNKNOWN</a:t>
+              <a:t>UNSAT</a:t>
             </a:r>
             <a:endParaRPr lang="en-US" sz="1200" dirty="0" smtClean="0">
               <a:solidFill>
@@ -16157,124 +17011,6 @@
           </a:fontRef>
         </p:style>
       </p:cxnSp>
-      <p:cxnSp>
-        <p:nvCxnSpPr>
-          <p:cNvPr id="36" name="Straight Arrow Connector 35"/>
-          <p:cNvCxnSpPr/>
-          <p:nvPr/>
-        </p:nvCxnSpPr>
-        <p:spPr>
-          <a:xfrm flipV="1">
-            <a:off x="3821501" y="1964632"/>
-            <a:ext cx="34810" cy="2316569"/>
-          </a:xfrm>
-          <a:prstGeom prst="straightConnector1">
-            <a:avLst/>
-          </a:prstGeom>
-          <a:ln w="28575">
-            <a:solidFill>
-              <a:srgbClr val="C00000"/>
-            </a:solidFill>
-            <a:tailEnd type="triangle"/>
-          </a:ln>
-        </p:spPr>
-        <p:style>
-          <a:lnRef idx="1">
-            <a:schemeClr val="accent1"/>
-          </a:lnRef>
-          <a:fillRef idx="0">
-            <a:schemeClr val="accent1"/>
-          </a:fillRef>
-          <a:effectRef idx="0">
-            <a:schemeClr val="accent1"/>
-          </a:effectRef>
-          <a:fontRef idx="minor">
-            <a:schemeClr val="tx1"/>
-          </a:fontRef>
-        </p:style>
-      </p:cxnSp>
-      <p:cxnSp>
-        <p:nvCxnSpPr>
-          <p:cNvPr id="38" name="Straight Arrow Connector 37"/>
-          <p:cNvCxnSpPr>
-            <a:endCxn id="45" idx="1"/>
-          </p:cNvCxnSpPr>
-          <p:nvPr/>
-        </p:nvCxnSpPr>
-        <p:spPr>
-          <a:xfrm flipV="1">
-            <a:off x="3839102" y="1981353"/>
-            <a:ext cx="1977020" cy="11373"/>
-          </a:xfrm>
-          <a:prstGeom prst="straightConnector1">
-            <a:avLst/>
-          </a:prstGeom>
-          <a:ln w="28575">
-            <a:solidFill>
-              <a:srgbClr val="C00000"/>
-            </a:solidFill>
-            <a:tailEnd type="triangle"/>
-          </a:ln>
-        </p:spPr>
-        <p:style>
-          <a:lnRef idx="1">
-            <a:schemeClr val="accent1"/>
-          </a:lnRef>
-          <a:fillRef idx="0">
-            <a:schemeClr val="accent1"/>
-          </a:fillRef>
-          <a:effectRef idx="0">
-            <a:schemeClr val="accent1"/>
-          </a:effectRef>
-          <a:fontRef idx="minor">
-            <a:schemeClr val="tx1"/>
-          </a:fontRef>
-        </p:style>
-      </p:cxnSp>
-      <p:sp>
-        <p:nvSpPr>
-          <p:cNvPr id="42" name="TextBox 41"/>
-          <p:cNvSpPr txBox="1"/>
-          <p:nvPr/>
-        </p:nvSpPr>
-        <p:spPr>
-          <a:xfrm>
-            <a:off x="3935924" y="1615559"/>
-            <a:ext cx="1556836" cy="369332"/>
-          </a:xfrm>
-          <a:prstGeom prst="rect">
-            <a:avLst/>
-          </a:prstGeom>
-          <a:noFill/>
-        </p:spPr>
-        <p:txBody>
-          <a:bodyPr wrap="none" rtlCol="0">
-            <a:spAutoFit/>
-          </a:bodyPr>
-          <a:lstStyle/>
-          <a:p>
-            <a:r>
-              <a:rPr lang="en-US" dirty="0" smtClean="0">
-                <a:solidFill>
-                  <a:srgbClr val="C00000"/>
-                </a:solidFill>
-                <a:effectLst/>
-                <a:latin typeface="Times New Roman" panose="02020603050405020304" pitchFamily="18" charset="0"/>
-                <a:cs typeface="Times New Roman" panose="02020603050405020304" pitchFamily="18" charset="0"/>
-              </a:rPr>
-              <a:t>THRESHOLD</a:t>
-            </a:r>
-            <a:endParaRPr lang="en-US" dirty="0">
-              <a:solidFill>
-                <a:srgbClr val="C00000"/>
-              </a:solidFill>
-              <a:effectLst/>
-              <a:latin typeface="Times New Roman" panose="02020603050405020304" pitchFamily="18" charset="0"/>
-              <a:cs typeface="Times New Roman" panose="02020603050405020304" pitchFamily="18" charset="0"/>
-            </a:endParaRPr>
-          </a:p>
-        </p:txBody>
-      </p:sp>
       <p:sp>
         <p:nvSpPr>
           <p:cNvPr id="71" name="TextBox 70"/>
@@ -16738,181 +17474,6 @@
     <p:bldLst>
       <p:bldP spid="5" grpId="0"/>
     </p:bldLst>
-  </p:timing>
-</p:sld>
-</file>
-
-<file path=ppt/slides/slide9.xml><?xml version="1.0" encoding="utf-8"?>
-<p:sld xmlns:a="http://schemas.openxmlformats.org/drawingml/2006/main" xmlns:r="http://schemas.openxmlformats.org/officeDocument/2006/relationships" xmlns:p="http://schemas.openxmlformats.org/presentationml/2006/main">
-  <p:cSld>
-    <p:spTree>
-      <p:nvGrpSpPr>
-        <p:cNvPr id="1" name=""/>
-        <p:cNvGrpSpPr/>
-        <p:nvPr/>
-      </p:nvGrpSpPr>
-      <p:grpSpPr>
-        <a:xfrm>
-          <a:off x="0" y="0"/>
-          <a:ext cx="0" cy="0"/>
-          <a:chOff x="0" y="0"/>
-          <a:chExt cx="0" cy="0"/>
-        </a:xfrm>
-      </p:grpSpPr>
-      <p:sp>
-        <p:nvSpPr>
-          <p:cNvPr id="2" name="Title 1"/>
-          <p:cNvSpPr>
-            <a:spLocks noGrp="1"/>
-          </p:cNvSpPr>
-          <p:nvPr>
-            <p:ph type="title"/>
-          </p:nvPr>
-        </p:nvSpPr>
-        <p:spPr>
-          <a:xfrm>
-            <a:off x="838200" y="-746"/>
-            <a:ext cx="10515600" cy="1053305"/>
-          </a:xfrm>
-        </p:spPr>
-        <p:txBody>
-          <a:bodyPr/>
-          <a:lstStyle/>
-          <a:p>
-            <a:r>
-              <a:rPr lang="en-US" dirty="0" smtClean="0"/>
-              <a:t>Contributions</a:t>
-            </a:r>
-            <a:endParaRPr lang="en-US" dirty="0"/>
-          </a:p>
-        </p:txBody>
-      </p:sp>
-      <p:sp>
-        <p:nvSpPr>
-          <p:cNvPr id="3" name="Content Placeholder 2"/>
-          <p:cNvSpPr>
-            <a:spLocks noGrp="1"/>
-          </p:cNvSpPr>
-          <p:nvPr>
-            <p:ph idx="1"/>
-          </p:nvPr>
-        </p:nvSpPr>
-        <p:spPr/>
-        <p:txBody>
-          <a:bodyPr/>
-          <a:lstStyle/>
-          <a:p>
-            <a:r>
-              <a:rPr lang="en-US" b="1" dirty="0" smtClean="0"/>
-              <a:t>Confirmation of SAT result:</a:t>
-            </a:r>
-            <a:r>
-              <a:rPr lang="en-US" dirty="0" smtClean="0"/>
-              <a:t> using </a:t>
-            </a:r>
-            <a:r>
-              <a:rPr lang="en-US" dirty="0" err="1" smtClean="0"/>
-              <a:t>iRRAM</a:t>
-            </a:r>
-            <a:r>
-              <a:rPr lang="en-US" dirty="0" smtClean="0"/>
-              <a:t>.</a:t>
-            </a:r>
-            <a:endParaRPr lang="en-US" b="1" dirty="0" smtClean="0"/>
-          </a:p>
-          <a:p>
-            <a:r>
-              <a:rPr lang="en-US" b="1" dirty="0" smtClean="0"/>
-              <a:t>Efficiency Improvement</a:t>
-            </a:r>
-            <a:r>
-              <a:rPr lang="en-US" dirty="0" smtClean="0"/>
-              <a:t>: </a:t>
-            </a:r>
-          </a:p>
-          <a:p>
-            <a:pPr lvl="1"/>
-            <a:r>
-              <a:rPr lang="en-US" dirty="0" smtClean="0"/>
-              <a:t>Incremental widening and deepening.</a:t>
-            </a:r>
-          </a:p>
-          <a:p>
-            <a:pPr lvl="1"/>
-            <a:r>
-              <a:rPr lang="en-US" dirty="0" smtClean="0"/>
-              <a:t>Heuristics to choose </a:t>
-            </a:r>
-            <a:r>
-              <a:rPr lang="en-US" dirty="0" err="1" smtClean="0"/>
-              <a:t>satisfiable</a:t>
-            </a:r>
-            <a:r>
-              <a:rPr lang="en-US" dirty="0" smtClean="0"/>
-              <a:t> box.</a:t>
-            </a:r>
-          </a:p>
-          <a:p>
-            <a:r>
-              <a:rPr lang="en-US" b="1" dirty="0" smtClean="0"/>
-              <a:t>Equality Handling implementation</a:t>
-            </a:r>
-            <a:r>
-              <a:rPr lang="en-US" dirty="0" smtClean="0"/>
-              <a:t>: Using the Intermediate Value Theorem.</a:t>
-            </a:r>
-          </a:p>
-          <a:p>
-            <a:r>
-              <a:rPr lang="en-US" b="1" dirty="0" smtClean="0"/>
-              <a:t>Constraints over integer numbers implementation</a:t>
-            </a:r>
-            <a:r>
-              <a:rPr lang="en-US" dirty="0" smtClean="0"/>
-              <a:t>.</a:t>
-            </a:r>
-          </a:p>
-        </p:txBody>
-      </p:sp>
-      <p:sp>
-        <p:nvSpPr>
-          <p:cNvPr id="4" name="Slide Number Placeholder 3"/>
-          <p:cNvSpPr>
-            <a:spLocks noGrp="1"/>
-          </p:cNvSpPr>
-          <p:nvPr>
-            <p:ph type="sldNum" sz="quarter" idx="12"/>
-          </p:nvPr>
-        </p:nvSpPr>
-        <p:spPr/>
-        <p:txBody>
-          <a:bodyPr/>
-          <a:lstStyle/>
-          <a:p>
-            <a:fld id="{58734595-61A4-4C07-BF74-5C223797634C}" type="slidenum">
-              <a:rPr lang="en-US" smtClean="0"/>
-              <a:t>9</a:t>
-            </a:fld>
-            <a:endParaRPr lang="en-US"/>
-          </a:p>
-        </p:txBody>
-      </p:sp>
-    </p:spTree>
-    <p:extLst>
-      <p:ext uri="{BB962C8B-B14F-4D97-AF65-F5344CB8AC3E}">
-        <p14:creationId xmlns:p14="http://schemas.microsoft.com/office/powerpoint/2010/main" val="1258043230"/>
-      </p:ext>
-    </p:extLst>
-  </p:cSld>
-  <p:clrMapOvr>
-    <a:masterClrMapping/>
-  </p:clrMapOvr>
-  <p:timing>
-    <p:tnLst>
-      <p:par>
-        <p:cTn id="1" dur="indefinite" restart="never" nodeType="tmRoot"/>
-      </p:par>
-    </p:tnLst>
   </p:timing>
 </p:sld>
 </file>
